--- a/presentation_material/powerpoint.pptx
+++ b/presentation_material/powerpoint.pptx
@@ -2,18 +2,24 @@
 <file path=ppt/presentation.xml><?xml version="1.0" encoding="utf-8"?>
 <p:presentation xmlns:a="http://schemas.openxmlformats.org/drawingml/2006/main" xmlns:r="http://schemas.openxmlformats.org/officeDocument/2006/relationships" xmlns:p="http://schemas.openxmlformats.org/presentationml/2006/main" saveSubsetFonts="1">
   <p:sldMasterIdLst>
-    <p:sldMasterId id="2147483648" r:id="rId1"/>
+    <p:sldMasterId id="2147483660" r:id="rId1"/>
   </p:sldMasterIdLst>
   <p:sldIdLst>
-    <p:sldId id="256" r:id="rId2"/>
+    <p:sldId id="257" r:id="rId2"/>
+    <p:sldId id="256" r:id="rId3"/>
+    <p:sldId id="262" r:id="rId4"/>
+    <p:sldId id="258" r:id="rId5"/>
+    <p:sldId id="259" r:id="rId6"/>
+    <p:sldId id="260" r:id="rId7"/>
+    <p:sldId id="261" r:id="rId8"/>
   </p:sldIdLst>
-  <p:sldSz cx="12192000" cy="6858000"/>
+  <p:sldSz cx="9144000" cy="6858000" type="screen4x3"/>
   <p:notesSz cx="6858000" cy="9144000"/>
   <p:defaultTextStyle>
     <a:defPPr>
       <a:defRPr lang="en-US"/>
     </a:defPPr>
-    <a:lvl1pPr marL="0" algn="l" defTabSz="914400" rtl="0" eaLnBrk="1" latinLnBrk="0" hangingPunct="1">
+    <a:lvl1pPr marL="0" algn="l" defTabSz="457200" rtl="0" eaLnBrk="1" latinLnBrk="0" hangingPunct="1">
       <a:defRPr sz="1800" kern="1200">
         <a:solidFill>
           <a:schemeClr val="tx1"/>
@@ -23,7 +29,7 @@
         <a:cs typeface="+mn-cs"/>
       </a:defRPr>
     </a:lvl1pPr>
-    <a:lvl2pPr marL="457200" algn="l" defTabSz="914400" rtl="0" eaLnBrk="1" latinLnBrk="0" hangingPunct="1">
+    <a:lvl2pPr marL="457200" algn="l" defTabSz="457200" rtl="0" eaLnBrk="1" latinLnBrk="0" hangingPunct="1">
       <a:defRPr sz="1800" kern="1200">
         <a:solidFill>
           <a:schemeClr val="tx1"/>
@@ -33,7 +39,7 @@
         <a:cs typeface="+mn-cs"/>
       </a:defRPr>
     </a:lvl2pPr>
-    <a:lvl3pPr marL="914400" algn="l" defTabSz="914400" rtl="0" eaLnBrk="1" latinLnBrk="0" hangingPunct="1">
+    <a:lvl3pPr marL="914400" algn="l" defTabSz="457200" rtl="0" eaLnBrk="1" latinLnBrk="0" hangingPunct="1">
       <a:defRPr sz="1800" kern="1200">
         <a:solidFill>
           <a:schemeClr val="tx1"/>
@@ -43,7 +49,7 @@
         <a:cs typeface="+mn-cs"/>
       </a:defRPr>
     </a:lvl3pPr>
-    <a:lvl4pPr marL="1371600" algn="l" defTabSz="914400" rtl="0" eaLnBrk="1" latinLnBrk="0" hangingPunct="1">
+    <a:lvl4pPr marL="1371600" algn="l" defTabSz="457200" rtl="0" eaLnBrk="1" latinLnBrk="0" hangingPunct="1">
       <a:defRPr sz="1800" kern="1200">
         <a:solidFill>
           <a:schemeClr val="tx1"/>
@@ -53,7 +59,7 @@
         <a:cs typeface="+mn-cs"/>
       </a:defRPr>
     </a:lvl4pPr>
-    <a:lvl5pPr marL="1828800" algn="l" defTabSz="914400" rtl="0" eaLnBrk="1" latinLnBrk="0" hangingPunct="1">
+    <a:lvl5pPr marL="1828800" algn="l" defTabSz="457200" rtl="0" eaLnBrk="1" latinLnBrk="0" hangingPunct="1">
       <a:defRPr sz="1800" kern="1200">
         <a:solidFill>
           <a:schemeClr val="tx1"/>
@@ -63,7 +69,7 @@
         <a:cs typeface="+mn-cs"/>
       </a:defRPr>
     </a:lvl5pPr>
-    <a:lvl6pPr marL="2286000" algn="l" defTabSz="914400" rtl="0" eaLnBrk="1" latinLnBrk="0" hangingPunct="1">
+    <a:lvl6pPr marL="2286000" algn="l" defTabSz="457200" rtl="0" eaLnBrk="1" latinLnBrk="0" hangingPunct="1">
       <a:defRPr sz="1800" kern="1200">
         <a:solidFill>
           <a:schemeClr val="tx1"/>
@@ -73,7 +79,7 @@
         <a:cs typeface="+mn-cs"/>
       </a:defRPr>
     </a:lvl6pPr>
-    <a:lvl7pPr marL="2743200" algn="l" defTabSz="914400" rtl="0" eaLnBrk="1" latinLnBrk="0" hangingPunct="1">
+    <a:lvl7pPr marL="2743200" algn="l" defTabSz="457200" rtl="0" eaLnBrk="1" latinLnBrk="0" hangingPunct="1">
       <a:defRPr sz="1800" kern="1200">
         <a:solidFill>
           <a:schemeClr val="tx1"/>
@@ -83,7 +89,7 @@
         <a:cs typeface="+mn-cs"/>
       </a:defRPr>
     </a:lvl7pPr>
-    <a:lvl8pPr marL="3200400" algn="l" defTabSz="914400" rtl="0" eaLnBrk="1" latinLnBrk="0" hangingPunct="1">
+    <a:lvl8pPr marL="3200400" algn="l" defTabSz="457200" rtl="0" eaLnBrk="1" latinLnBrk="0" hangingPunct="1">
       <a:defRPr sz="1800" kern="1200">
         <a:solidFill>
           <a:schemeClr val="tx1"/>
@@ -93,7 +99,7 @@
         <a:cs typeface="+mn-cs"/>
       </a:defRPr>
     </a:lvl8pPr>
-    <a:lvl9pPr marL="3657600" algn="l" defTabSz="914400" rtl="0" eaLnBrk="1" latinLnBrk="0" hangingPunct="1">
+    <a:lvl9pPr marL="3657600" algn="l" defTabSz="457200" rtl="0" eaLnBrk="1" latinLnBrk="0" hangingPunct="1">
       <a:defRPr sz="1800" kern="1200">
         <a:solidFill>
           <a:schemeClr val="tx1"/>
@@ -104,6 +110,11 @@
       </a:defRPr>
     </a:lvl9pPr>
   </p:defaultTextStyle>
+  <p:extLst>
+    <p:ext uri="{EFAFB233-063F-42B5-8137-9DF3F51BA10A}">
+      <p15:sldGuideLst xmlns:p15="http://schemas.microsoft.com/office/powerpoint/2012/main"/>
+    </p:ext>
+  </p:extLst>
 </p:presentation>
 </file>
 
@@ -136,8 +147,8 @@
         </p:nvSpPr>
         <p:spPr>
           <a:xfrm>
-            <a:off x="1524000" y="1122363"/>
-            <a:ext cx="9144000" cy="2387600"/>
+            <a:off x="685800" y="1122363"/>
+            <a:ext cx="7772400" cy="2387600"/>
           </a:xfrm>
         </p:spPr>
         <p:txBody>
@@ -152,7 +163,7 @@
               <a:rPr lang="en-US"/>
               <a:t>Click to edit Master title style</a:t>
             </a:r>
-            <a:endParaRPr lang="en-GB"/>
+            <a:endParaRPr lang="en-US" dirty="0"/>
           </a:p>
         </p:txBody>
       </p:sp>
@@ -168,8 +179,8 @@
         </p:nvSpPr>
         <p:spPr>
           <a:xfrm>
-            <a:off x="1524000" y="3602038"/>
-            <a:ext cx="9144000" cy="1655762"/>
+            <a:off x="1143000" y="3602038"/>
+            <a:ext cx="6858000" cy="1655762"/>
           </a:xfrm>
         </p:spPr>
         <p:txBody>
@@ -217,7 +228,7 @@
               <a:rPr lang="en-US"/>
               <a:t>Click to edit Master subtitle style</a:t>
             </a:r>
-            <a:endParaRPr lang="en-GB"/>
+            <a:endParaRPr lang="en-US" dirty="0"/>
           </a:p>
         </p:txBody>
       </p:sp>
@@ -289,7 +300,7 @@
     </p:spTree>
     <p:extLst>
       <p:ext uri="{BB962C8B-B14F-4D97-AF65-F5344CB8AC3E}">
-        <p14:creationId xmlns:p14="http://schemas.microsoft.com/office/powerpoint/2010/main" val="3442916821"/>
+        <p14:creationId xmlns:p14="http://schemas.microsoft.com/office/powerpoint/2010/main" val="2406055102"/>
       </p:ext>
     </p:extLst>
   </p:cSld>
@@ -335,7 +346,7 @@
               <a:rPr lang="en-US"/>
               <a:t>Click to edit Master title style</a:t>
             </a:r>
-            <a:endParaRPr lang="en-GB"/>
+            <a:endParaRPr lang="en-US" dirty="0"/>
           </a:p>
         </p:txBody>
       </p:sp>
@@ -387,7 +398,7 @@
               <a:rPr lang="en-US"/>
               <a:t>Fifth level</a:t>
             </a:r>
-            <a:endParaRPr lang="en-GB"/>
+            <a:endParaRPr lang="en-US" dirty="0"/>
           </a:p>
         </p:txBody>
       </p:sp>
@@ -459,7 +470,7 @@
     </p:spTree>
     <p:extLst>
       <p:ext uri="{BB962C8B-B14F-4D97-AF65-F5344CB8AC3E}">
-        <p14:creationId xmlns:p14="http://schemas.microsoft.com/office/powerpoint/2010/main" val="1548039252"/>
+        <p14:creationId xmlns:p14="http://schemas.microsoft.com/office/powerpoint/2010/main" val="1733033614"/>
       </p:ext>
     </p:extLst>
   </p:cSld>
@@ -498,8 +509,8 @@
         </p:nvSpPr>
         <p:spPr>
           <a:xfrm>
-            <a:off x="8724900" y="365125"/>
-            <a:ext cx="2628900" cy="5811838"/>
+            <a:off x="6543675" y="365125"/>
+            <a:ext cx="1971675" cy="5811838"/>
           </a:xfrm>
         </p:spPr>
         <p:txBody>
@@ -510,7 +521,7 @@
               <a:rPr lang="en-US"/>
               <a:t>Click to edit Master title style</a:t>
             </a:r>
-            <a:endParaRPr lang="en-GB"/>
+            <a:endParaRPr lang="en-US" dirty="0"/>
           </a:p>
         </p:txBody>
       </p:sp>
@@ -526,8 +537,8 @@
         </p:nvSpPr>
         <p:spPr>
           <a:xfrm>
-            <a:off x="838200" y="365125"/>
-            <a:ext cx="7734300" cy="5811838"/>
+            <a:off x="628650" y="365125"/>
+            <a:ext cx="5800725" cy="5811838"/>
           </a:xfrm>
         </p:spPr>
         <p:txBody>
@@ -567,7 +578,7 @@
               <a:rPr lang="en-US"/>
               <a:t>Fifth level</a:t>
             </a:r>
-            <a:endParaRPr lang="en-GB"/>
+            <a:endParaRPr lang="en-US" dirty="0"/>
           </a:p>
         </p:txBody>
       </p:sp>
@@ -639,7 +650,7 @@
     </p:spTree>
     <p:extLst>
       <p:ext uri="{BB962C8B-B14F-4D97-AF65-F5344CB8AC3E}">
-        <p14:creationId xmlns:p14="http://schemas.microsoft.com/office/powerpoint/2010/main" val="1203707140"/>
+        <p14:creationId xmlns:p14="http://schemas.microsoft.com/office/powerpoint/2010/main" val="172146855"/>
       </p:ext>
     </p:extLst>
   </p:cSld>
@@ -685,7 +696,7 @@
               <a:rPr lang="en-US"/>
               <a:t>Click to edit Master title style</a:t>
             </a:r>
-            <a:endParaRPr lang="en-GB"/>
+            <a:endParaRPr lang="en-US" dirty="0"/>
           </a:p>
         </p:txBody>
       </p:sp>
@@ -737,7 +748,7 @@
               <a:rPr lang="en-US"/>
               <a:t>Fifth level</a:t>
             </a:r>
-            <a:endParaRPr lang="en-GB"/>
+            <a:endParaRPr lang="en-US" dirty="0"/>
           </a:p>
         </p:txBody>
       </p:sp>
@@ -809,7 +820,7 @@
     </p:spTree>
     <p:extLst>
       <p:ext uri="{BB962C8B-B14F-4D97-AF65-F5344CB8AC3E}">
-        <p14:creationId xmlns:p14="http://schemas.microsoft.com/office/powerpoint/2010/main" val="652284291"/>
+        <p14:creationId xmlns:p14="http://schemas.microsoft.com/office/powerpoint/2010/main" val="1859307931"/>
       </p:ext>
     </p:extLst>
   </p:cSld>
@@ -848,8 +859,8 @@
         </p:nvSpPr>
         <p:spPr>
           <a:xfrm>
-            <a:off x="831850" y="1709738"/>
-            <a:ext cx="10515600" cy="2852737"/>
+            <a:off x="623888" y="1709739"/>
+            <a:ext cx="7886700" cy="2852737"/>
           </a:xfrm>
         </p:spPr>
         <p:txBody>
@@ -864,7 +875,7 @@
               <a:rPr lang="en-US"/>
               <a:t>Click to edit Master title style</a:t>
             </a:r>
-            <a:endParaRPr lang="en-GB"/>
+            <a:endParaRPr lang="en-US" dirty="0"/>
           </a:p>
         </p:txBody>
       </p:sp>
@@ -880,8 +891,8 @@
         </p:nvSpPr>
         <p:spPr>
           <a:xfrm>
-            <a:off x="831850" y="4589463"/>
-            <a:ext cx="10515600" cy="1500187"/>
+            <a:off x="623888" y="4589464"/>
+            <a:ext cx="7886700" cy="1500187"/>
           </a:xfrm>
         </p:spPr>
         <p:txBody>
@@ -891,9 +902,7 @@
               <a:buNone/>
               <a:defRPr sz="2400">
                 <a:solidFill>
-                  <a:schemeClr val="tx1">
-                    <a:tint val="75000"/>
-                  </a:schemeClr>
+                  <a:schemeClr val="tx1"/>
                 </a:solidFill>
               </a:defRPr>
             </a:lvl1pPr>
@@ -1055,7 +1064,7 @@
     </p:spTree>
     <p:extLst>
       <p:ext uri="{BB962C8B-B14F-4D97-AF65-F5344CB8AC3E}">
-        <p14:creationId xmlns:p14="http://schemas.microsoft.com/office/powerpoint/2010/main" val="902726886"/>
+        <p14:creationId xmlns:p14="http://schemas.microsoft.com/office/powerpoint/2010/main" val="2365674127"/>
       </p:ext>
     </p:extLst>
   </p:cSld>
@@ -1101,7 +1110,7 @@
               <a:rPr lang="en-US"/>
               <a:t>Click to edit Master title style</a:t>
             </a:r>
-            <a:endParaRPr lang="en-GB"/>
+            <a:endParaRPr lang="en-US" dirty="0"/>
           </a:p>
         </p:txBody>
       </p:sp>
@@ -1117,8 +1126,8 @@
         </p:nvSpPr>
         <p:spPr>
           <a:xfrm>
-            <a:off x="838200" y="1825625"/>
-            <a:ext cx="5181600" cy="4351338"/>
+            <a:off x="628650" y="1825625"/>
+            <a:ext cx="3886200" cy="4351338"/>
           </a:xfrm>
         </p:spPr>
         <p:txBody>
@@ -1158,7 +1167,7 @@
               <a:rPr lang="en-US"/>
               <a:t>Fifth level</a:t>
             </a:r>
-            <a:endParaRPr lang="en-GB"/>
+            <a:endParaRPr lang="en-US" dirty="0"/>
           </a:p>
         </p:txBody>
       </p:sp>
@@ -1174,8 +1183,8 @@
         </p:nvSpPr>
         <p:spPr>
           <a:xfrm>
-            <a:off x="6172200" y="1825625"/>
-            <a:ext cx="5181600" cy="4351338"/>
+            <a:off x="4629150" y="1825625"/>
+            <a:ext cx="3886200" cy="4351338"/>
           </a:xfrm>
         </p:spPr>
         <p:txBody>
@@ -1215,7 +1224,7 @@
               <a:rPr lang="en-US"/>
               <a:t>Fifth level</a:t>
             </a:r>
-            <a:endParaRPr lang="en-GB"/>
+            <a:endParaRPr lang="en-US" dirty="0"/>
           </a:p>
         </p:txBody>
       </p:sp>
@@ -1287,7 +1296,7 @@
     </p:spTree>
     <p:extLst>
       <p:ext uri="{BB962C8B-B14F-4D97-AF65-F5344CB8AC3E}">
-        <p14:creationId xmlns:p14="http://schemas.microsoft.com/office/powerpoint/2010/main" val="2319322960"/>
+        <p14:creationId xmlns:p14="http://schemas.microsoft.com/office/powerpoint/2010/main" val="2042036909"/>
       </p:ext>
     </p:extLst>
   </p:cSld>
@@ -1326,8 +1335,8 @@
         </p:nvSpPr>
         <p:spPr>
           <a:xfrm>
-            <a:off x="839788" y="365125"/>
-            <a:ext cx="10515600" cy="1325563"/>
+            <a:off x="629841" y="365126"/>
+            <a:ext cx="7886700" cy="1325563"/>
           </a:xfrm>
         </p:spPr>
         <p:txBody>
@@ -1338,7 +1347,7 @@
               <a:rPr lang="en-US"/>
               <a:t>Click to edit Master title style</a:t>
             </a:r>
-            <a:endParaRPr lang="en-GB"/>
+            <a:endParaRPr lang="en-US" dirty="0"/>
           </a:p>
         </p:txBody>
       </p:sp>
@@ -1354,8 +1363,8 @@
         </p:nvSpPr>
         <p:spPr>
           <a:xfrm>
-            <a:off x="839788" y="1681163"/>
-            <a:ext cx="5157787" cy="823912"/>
+            <a:off x="629842" y="1681163"/>
+            <a:ext cx="3868340" cy="823912"/>
           </a:xfrm>
         </p:spPr>
         <p:txBody>
@@ -1419,8 +1428,8 @@
         </p:nvSpPr>
         <p:spPr>
           <a:xfrm>
-            <a:off x="839788" y="2505075"/>
-            <a:ext cx="5157787" cy="3684588"/>
+            <a:off x="629842" y="2505075"/>
+            <a:ext cx="3868340" cy="3684588"/>
           </a:xfrm>
         </p:spPr>
         <p:txBody>
@@ -1460,7 +1469,7 @@
               <a:rPr lang="en-US"/>
               <a:t>Fifth level</a:t>
             </a:r>
-            <a:endParaRPr lang="en-GB"/>
+            <a:endParaRPr lang="en-US" dirty="0"/>
           </a:p>
         </p:txBody>
       </p:sp>
@@ -1476,8 +1485,8 @@
         </p:nvSpPr>
         <p:spPr>
           <a:xfrm>
-            <a:off x="6172200" y="1681163"/>
-            <a:ext cx="5183188" cy="823912"/>
+            <a:off x="4629150" y="1681163"/>
+            <a:ext cx="3887391" cy="823912"/>
           </a:xfrm>
         </p:spPr>
         <p:txBody>
@@ -1541,8 +1550,8 @@
         </p:nvSpPr>
         <p:spPr>
           <a:xfrm>
-            <a:off x="6172200" y="2505075"/>
-            <a:ext cx="5183188" cy="3684588"/>
+            <a:off x="4629150" y="2505075"/>
+            <a:ext cx="3887391" cy="3684588"/>
           </a:xfrm>
         </p:spPr>
         <p:txBody>
@@ -1582,7 +1591,7 @@
               <a:rPr lang="en-US"/>
               <a:t>Fifth level</a:t>
             </a:r>
-            <a:endParaRPr lang="en-GB"/>
+            <a:endParaRPr lang="en-US" dirty="0"/>
           </a:p>
         </p:txBody>
       </p:sp>
@@ -1654,7 +1663,7 @@
     </p:spTree>
     <p:extLst>
       <p:ext uri="{BB962C8B-B14F-4D97-AF65-F5344CB8AC3E}">
-        <p14:creationId xmlns:p14="http://schemas.microsoft.com/office/powerpoint/2010/main" val="3044690132"/>
+        <p14:creationId xmlns:p14="http://schemas.microsoft.com/office/powerpoint/2010/main" val="207377299"/>
       </p:ext>
     </p:extLst>
   </p:cSld>
@@ -1700,7 +1709,7 @@
               <a:rPr lang="en-US"/>
               <a:t>Click to edit Master title style</a:t>
             </a:r>
-            <a:endParaRPr lang="en-GB"/>
+            <a:endParaRPr lang="en-US" dirty="0"/>
           </a:p>
         </p:txBody>
       </p:sp>
@@ -1772,7 +1781,7 @@
     </p:spTree>
     <p:extLst>
       <p:ext uri="{BB962C8B-B14F-4D97-AF65-F5344CB8AC3E}">
-        <p14:creationId xmlns:p14="http://schemas.microsoft.com/office/powerpoint/2010/main" val="1720732623"/>
+        <p14:creationId xmlns:p14="http://schemas.microsoft.com/office/powerpoint/2010/main" val="3296456657"/>
       </p:ext>
     </p:extLst>
   </p:cSld>
@@ -1867,7 +1876,7 @@
     </p:spTree>
     <p:extLst>
       <p:ext uri="{BB962C8B-B14F-4D97-AF65-F5344CB8AC3E}">
-        <p14:creationId xmlns:p14="http://schemas.microsoft.com/office/powerpoint/2010/main" val="2596004056"/>
+        <p14:creationId xmlns:p14="http://schemas.microsoft.com/office/powerpoint/2010/main" val="4252273032"/>
       </p:ext>
     </p:extLst>
   </p:cSld>
@@ -1906,8 +1915,8 @@
         </p:nvSpPr>
         <p:spPr>
           <a:xfrm>
-            <a:off x="839788" y="457200"/>
-            <a:ext cx="3932237" cy="1600200"/>
+            <a:off x="629841" y="457200"/>
+            <a:ext cx="2949178" cy="1600200"/>
           </a:xfrm>
         </p:spPr>
         <p:txBody>
@@ -1922,7 +1931,7 @@
               <a:rPr lang="en-US"/>
               <a:t>Click to edit Master title style</a:t>
             </a:r>
-            <a:endParaRPr lang="en-GB"/>
+            <a:endParaRPr lang="en-US" dirty="0"/>
           </a:p>
         </p:txBody>
       </p:sp>
@@ -1938,8 +1947,8 @@
         </p:nvSpPr>
         <p:spPr>
           <a:xfrm>
-            <a:off x="5183188" y="987425"/>
-            <a:ext cx="6172200" cy="4873625"/>
+            <a:off x="3887391" y="987426"/>
+            <a:ext cx="4629150" cy="4873625"/>
           </a:xfrm>
         </p:spPr>
         <p:txBody>
@@ -2007,7 +2016,7 @@
               <a:rPr lang="en-US"/>
               <a:t>Fifth level</a:t>
             </a:r>
-            <a:endParaRPr lang="en-GB"/>
+            <a:endParaRPr lang="en-US" dirty="0"/>
           </a:p>
         </p:txBody>
       </p:sp>
@@ -2023,8 +2032,8 @@
         </p:nvSpPr>
         <p:spPr>
           <a:xfrm>
-            <a:off x="839788" y="2057400"/>
-            <a:ext cx="3932237" cy="3811588"/>
+            <a:off x="629841" y="2057400"/>
+            <a:ext cx="2949178" cy="3811588"/>
           </a:xfrm>
         </p:spPr>
         <p:txBody>
@@ -2144,7 +2153,7 @@
     </p:spTree>
     <p:extLst>
       <p:ext uri="{BB962C8B-B14F-4D97-AF65-F5344CB8AC3E}">
-        <p14:creationId xmlns:p14="http://schemas.microsoft.com/office/powerpoint/2010/main" val="971716813"/>
+        <p14:creationId xmlns:p14="http://schemas.microsoft.com/office/powerpoint/2010/main" val="722051621"/>
       </p:ext>
     </p:extLst>
   </p:cSld>
@@ -2183,8 +2192,8 @@
         </p:nvSpPr>
         <p:spPr>
           <a:xfrm>
-            <a:off x="839788" y="457200"/>
-            <a:ext cx="3932237" cy="1600200"/>
+            <a:off x="629841" y="457200"/>
+            <a:ext cx="2949178" cy="1600200"/>
           </a:xfrm>
         </p:spPr>
         <p:txBody>
@@ -2199,7 +2208,7 @@
               <a:rPr lang="en-US"/>
               <a:t>Click to edit Master title style</a:t>
             </a:r>
-            <a:endParaRPr lang="en-GB"/>
+            <a:endParaRPr lang="en-US" dirty="0"/>
           </a:p>
         </p:txBody>
       </p:sp>
@@ -2207,7 +2216,7 @@
         <p:nvSpPr>
           <p:cNvPr id="3" name="Picture Placeholder 2"/>
           <p:cNvSpPr>
-            <a:spLocks noGrp="1"/>
+            <a:spLocks noGrp="1" noChangeAspect="1"/>
           </p:cNvSpPr>
           <p:nvPr>
             <p:ph type="pic" idx="1"/>
@@ -2215,12 +2224,12 @@
         </p:nvSpPr>
         <p:spPr>
           <a:xfrm>
-            <a:off x="5183188" y="987425"/>
-            <a:ext cx="6172200" cy="4873625"/>
+            <a:off x="3887391" y="987426"/>
+            <a:ext cx="4629150" cy="4873625"/>
           </a:xfrm>
         </p:spPr>
         <p:txBody>
-          <a:bodyPr/>
+          <a:bodyPr anchor="t"/>
           <a:lstStyle>
             <a:lvl1pPr marL="0" indent="0">
               <a:buNone/>
@@ -2260,7 +2269,11 @@
             </a:lvl9pPr>
           </a:lstStyle>
           <a:p>
-            <a:endParaRPr lang="en-GB"/>
+            <a:r>
+              <a:rPr lang="en-US"/>
+              <a:t>Click icon to add picture</a:t>
+            </a:r>
+            <a:endParaRPr lang="en-US" dirty="0"/>
           </a:p>
         </p:txBody>
       </p:sp>
@@ -2276,8 +2289,8 @@
         </p:nvSpPr>
         <p:spPr>
           <a:xfrm>
-            <a:off x="839788" y="2057400"/>
-            <a:ext cx="3932237" cy="3811588"/>
+            <a:off x="629841" y="2057400"/>
+            <a:ext cx="2949178" cy="3811588"/>
           </a:xfrm>
         </p:spPr>
         <p:txBody>
@@ -2397,7 +2410,7 @@
     </p:spTree>
     <p:extLst>
       <p:ext uri="{BB962C8B-B14F-4D97-AF65-F5344CB8AC3E}">
-        <p14:creationId xmlns:p14="http://schemas.microsoft.com/office/powerpoint/2010/main" val="1209445962"/>
+        <p14:creationId xmlns:p14="http://schemas.microsoft.com/office/powerpoint/2010/main" val="3708252542"/>
       </p:ext>
     </p:extLst>
   </p:cSld>
@@ -2441,8 +2454,8 @@
         </p:nvSpPr>
         <p:spPr>
           <a:xfrm>
-            <a:off x="838200" y="365125"/>
-            <a:ext cx="10515600" cy="1325563"/>
+            <a:off x="628650" y="365126"/>
+            <a:ext cx="7886700" cy="1325563"/>
           </a:xfrm>
           <a:prstGeom prst="rect">
             <a:avLst/>
@@ -2458,7 +2471,7 @@
               <a:rPr lang="en-US"/>
               <a:t>Click to edit Master title style</a:t>
             </a:r>
-            <a:endParaRPr lang="en-GB"/>
+            <a:endParaRPr lang="en-US" dirty="0"/>
           </a:p>
         </p:txBody>
       </p:sp>
@@ -2474,8 +2487,8 @@
         </p:nvSpPr>
         <p:spPr>
           <a:xfrm>
-            <a:off x="838200" y="1825625"/>
-            <a:ext cx="10515600" cy="4351338"/>
+            <a:off x="628650" y="1825625"/>
+            <a:ext cx="7886700" cy="4351338"/>
           </a:xfrm>
           <a:prstGeom prst="rect">
             <a:avLst/>
@@ -2520,7 +2533,7 @@
               <a:rPr lang="en-US"/>
               <a:t>Fifth level</a:t>
             </a:r>
-            <a:endParaRPr lang="en-GB"/>
+            <a:endParaRPr lang="en-US" dirty="0"/>
           </a:p>
         </p:txBody>
       </p:sp>
@@ -2536,8 +2549,8 @@
         </p:nvSpPr>
         <p:spPr>
           <a:xfrm>
-            <a:off x="838200" y="6356350"/>
-            <a:ext cx="2743200" cy="365125"/>
+            <a:off x="628650" y="6356351"/>
+            <a:ext cx="2057400" cy="365125"/>
           </a:xfrm>
           <a:prstGeom prst="rect">
             <a:avLst/>
@@ -2577,8 +2590,8 @@
         </p:nvSpPr>
         <p:spPr>
           <a:xfrm>
-            <a:off x="4038600" y="6356350"/>
-            <a:ext cx="4114800" cy="365125"/>
+            <a:off x="3028950" y="6356351"/>
+            <a:ext cx="3086100" cy="365125"/>
           </a:xfrm>
           <a:prstGeom prst="rect">
             <a:avLst/>
@@ -2614,8 +2627,8 @@
         </p:nvSpPr>
         <p:spPr>
           <a:xfrm>
-            <a:off x="8610600" y="6356350"/>
-            <a:ext cx="2743200" cy="365125"/>
+            <a:off x="6457950" y="6356351"/>
+            <a:ext cx="2057400" cy="365125"/>
           </a:xfrm>
           <a:prstGeom prst="rect">
             <a:avLst/>
@@ -2646,23 +2659,23 @@
     </p:spTree>
     <p:extLst>
       <p:ext uri="{BB962C8B-B14F-4D97-AF65-F5344CB8AC3E}">
-        <p14:creationId xmlns:p14="http://schemas.microsoft.com/office/powerpoint/2010/main" val="2042508587"/>
+        <p14:creationId xmlns:p14="http://schemas.microsoft.com/office/powerpoint/2010/main" val="2377768637"/>
       </p:ext>
     </p:extLst>
   </p:cSld>
   <p:clrMap bg1="lt1" tx1="dk1" bg2="lt2" tx2="dk2" accent1="accent1" accent2="accent2" accent3="accent3" accent4="accent4" accent5="accent5" accent6="accent6" hlink="hlink" folHlink="folHlink"/>
   <p:sldLayoutIdLst>
-    <p:sldLayoutId id="2147483649" r:id="rId1"/>
-    <p:sldLayoutId id="2147483650" r:id="rId2"/>
-    <p:sldLayoutId id="2147483651" r:id="rId3"/>
-    <p:sldLayoutId id="2147483652" r:id="rId4"/>
-    <p:sldLayoutId id="2147483653" r:id="rId5"/>
-    <p:sldLayoutId id="2147483654" r:id="rId6"/>
-    <p:sldLayoutId id="2147483655" r:id="rId7"/>
-    <p:sldLayoutId id="2147483656" r:id="rId8"/>
-    <p:sldLayoutId id="2147483657" r:id="rId9"/>
-    <p:sldLayoutId id="2147483658" r:id="rId10"/>
-    <p:sldLayoutId id="2147483659" r:id="rId11"/>
+    <p:sldLayoutId id="2147483661" r:id="rId1"/>
+    <p:sldLayoutId id="2147483662" r:id="rId2"/>
+    <p:sldLayoutId id="2147483663" r:id="rId3"/>
+    <p:sldLayoutId id="2147483664" r:id="rId4"/>
+    <p:sldLayoutId id="2147483665" r:id="rId5"/>
+    <p:sldLayoutId id="2147483666" r:id="rId6"/>
+    <p:sldLayoutId id="2147483667" r:id="rId7"/>
+    <p:sldLayoutId id="2147483668" r:id="rId8"/>
+    <p:sldLayoutId id="2147483669" r:id="rId9"/>
+    <p:sldLayoutId id="2147483670" r:id="rId10"/>
+    <p:sldLayoutId id="2147483671" r:id="rId11"/>
   </p:sldLayoutIdLst>
   <p:txStyles>
     <p:titleStyle>
@@ -2964,33 +2977,91 @@
           <a:chExt cx="0" cy="0"/>
         </a:xfrm>
       </p:grpSpPr>
-      <p:sp>
-        <p:nvSpPr>
-          <p:cNvPr id="2" name="Title 1"/>
-          <p:cNvSpPr>
-            <a:spLocks noGrp="1"/>
-          </p:cNvSpPr>
-          <p:nvPr>
-            <p:ph type="ctrTitle"/>
-          </p:nvPr>
-        </p:nvSpPr>
+      <p:pic>
+        <p:nvPicPr>
+          <p:cNvPr id="4" name="Picture 3"/>
+          <p:cNvPicPr>
+            <a:picLocks noChangeAspect="1"/>
+          </p:cNvPicPr>
+          <p:nvPr/>
+        </p:nvPicPr>
+        <p:blipFill>
+          <a:blip r:embed="rId2">
+            <a:extLst>
+              <a:ext uri="{28A0092B-C50C-407E-A947-70E740481C1C}">
+                <a14:useLocalDpi xmlns:a14="http://schemas.microsoft.com/office/drawing/2010/main" val="0"/>
+              </a:ext>
+            </a:extLst>
+          </a:blip>
+          <a:stretch>
+            <a:fillRect/>
+          </a:stretch>
+        </p:blipFill>
         <p:spPr>
           <a:xfrm>
-            <a:off x="1411111" y="1264355"/>
-            <a:ext cx="9144000" cy="1094141"/>
+            <a:off x="228600" y="1008062"/>
+            <a:ext cx="8708231" cy="4857750"/>
+          </a:xfrm>
+          <a:prstGeom prst="rect">
+            <a:avLst/>
+          </a:prstGeom>
+        </p:spPr>
+      </p:pic>
+    </p:spTree>
+    <p:extLst>
+      <p:ext uri="{BB962C8B-B14F-4D97-AF65-F5344CB8AC3E}">
+        <p14:creationId xmlns:p14="http://schemas.microsoft.com/office/powerpoint/2010/main" val="173977642"/>
+      </p:ext>
+    </p:extLst>
+  </p:cSld>
+  <p:clrMapOvr>
+    <a:masterClrMapping/>
+  </p:clrMapOvr>
+</p:sld>
+</file>
+
+<file path=ppt/slides/slide2.xml><?xml version="1.0" encoding="utf-8"?>
+<p:sld xmlns:a="http://schemas.openxmlformats.org/drawingml/2006/main" xmlns:r="http://schemas.openxmlformats.org/officeDocument/2006/relationships" xmlns:p="http://schemas.openxmlformats.org/presentationml/2006/main">
+  <p:cSld>
+    <p:spTree>
+      <p:nvGrpSpPr>
+        <p:cNvPr id="1" name=""/>
+        <p:cNvGrpSpPr/>
+        <p:nvPr/>
+      </p:nvGrpSpPr>
+      <p:grpSpPr>
+        <a:xfrm>
+          <a:off x="0" y="0"/>
+          <a:ext cx="0" cy="0"/>
+          <a:chOff x="0" y="0"/>
+          <a:chExt cx="0" cy="0"/>
+        </a:xfrm>
+      </p:grpSpPr>
+      <p:sp>
+        <p:nvSpPr>
+          <p:cNvPr id="2" name="Title 1"/>
+          <p:cNvSpPr>
+            <a:spLocks noGrp="1"/>
+          </p:cNvSpPr>
+          <p:nvPr>
+            <p:ph type="ctrTitle"/>
+          </p:nvPr>
+        </p:nvSpPr>
+        <p:spPr>
+          <a:xfrm>
+            <a:off x="1523226" y="913597"/>
+            <a:ext cx="5609093" cy="1969452"/>
           </a:xfrm>
         </p:spPr>
         <p:txBody>
-          <a:bodyPr/>
-          <a:lstStyle/>
-          <a:p>
-            <a:r>
-              <a:rPr lang="en-GB" dirty="0" err="1"/>
-              <a:t>Artbud</a:t>
-            </a:r>
+          <a:bodyPr>
+            <a:normAutofit/>
+          </a:bodyPr>
+          <a:lstStyle/>
+          <a:p>
             <a:r>
               <a:rPr lang="en-GB" dirty="0"/>
-              <a:t> Presentation</a:t>
+              <a:t>Artbud – A home for art lovers</a:t>
             </a:r>
           </a:p>
         </p:txBody>
@@ -3007,12 +3078,14 @@
         </p:nvSpPr>
         <p:spPr>
           <a:xfrm>
-            <a:off x="1524000" y="2923822"/>
-            <a:ext cx="9144000" cy="2333978"/>
+            <a:off x="1121484" y="3921486"/>
+            <a:ext cx="6858000" cy="1750484"/>
           </a:xfrm>
         </p:spPr>
         <p:txBody>
-          <a:bodyPr/>
+          <a:bodyPr>
+            <a:normAutofit lnSpcReduction="10000"/>
+          </a:bodyPr>
           <a:lstStyle/>
           <a:p>
             <a:r>
@@ -3069,10 +3142,412 @@
 </p:sld>
 </file>
 
+<file path=ppt/slides/slide3.xml><?xml version="1.0" encoding="utf-8"?>
+<p:sld xmlns:a="http://schemas.openxmlformats.org/drawingml/2006/main" xmlns:r="http://schemas.openxmlformats.org/officeDocument/2006/relationships" xmlns:p="http://schemas.openxmlformats.org/presentationml/2006/main">
+  <p:cSld>
+    <p:spTree>
+      <p:nvGrpSpPr>
+        <p:cNvPr id="1" name=""/>
+        <p:cNvGrpSpPr/>
+        <p:nvPr/>
+      </p:nvGrpSpPr>
+      <p:grpSpPr>
+        <a:xfrm>
+          <a:off x="0" y="0"/>
+          <a:ext cx="0" cy="0"/>
+          <a:chOff x="0" y="0"/>
+          <a:chExt cx="0" cy="0"/>
+        </a:xfrm>
+      </p:grpSpPr>
+      <p:sp>
+        <p:nvSpPr>
+          <p:cNvPr id="2" name="Title 1"/>
+          <p:cNvSpPr>
+            <a:spLocks noGrp="1"/>
+          </p:cNvSpPr>
+          <p:nvPr>
+            <p:ph type="title"/>
+          </p:nvPr>
+        </p:nvSpPr>
+        <p:spPr/>
+        <p:txBody>
+          <a:bodyPr/>
+          <a:lstStyle/>
+          <a:p>
+            <a:r>
+              <a:rPr lang="en-GB" dirty="0"/>
+              <a:t>What is our app?</a:t>
+            </a:r>
+          </a:p>
+        </p:txBody>
+      </p:sp>
+      <p:sp>
+        <p:nvSpPr>
+          <p:cNvPr id="3" name="Content Placeholder 2"/>
+          <p:cNvSpPr>
+            <a:spLocks noGrp="1"/>
+          </p:cNvSpPr>
+          <p:nvPr>
+            <p:ph idx="1"/>
+          </p:nvPr>
+        </p:nvSpPr>
+        <p:spPr/>
+        <p:txBody>
+          <a:bodyPr/>
+          <a:lstStyle/>
+          <a:p>
+            <a:r>
+              <a:rPr lang="en-GB" dirty="0"/>
+              <a:t>Artbud is a place for people to sign up and then upload their artwork, be it sculptures, photographs, paintings, etc. </a:t>
+            </a:r>
+          </a:p>
+          <a:p>
+            <a:r>
+              <a:rPr lang="en-GB" dirty="0"/>
+              <a:t>The artist can write a description for their artwork and set a suggested price.</a:t>
+            </a:r>
+          </a:p>
+          <a:p>
+            <a:r>
+              <a:rPr lang="en-GB" dirty="0"/>
+              <a:t>Others can then view art if they too are logged in and can contact the artist using the email address the artist used on signing up which is automatically displayed on their profile page.</a:t>
+            </a:r>
+          </a:p>
+        </p:txBody>
+      </p:sp>
+    </p:spTree>
+    <p:extLst>
+      <p:ext uri="{BB962C8B-B14F-4D97-AF65-F5344CB8AC3E}">
+        <p14:creationId xmlns:p14="http://schemas.microsoft.com/office/powerpoint/2010/main" val="2829309857"/>
+      </p:ext>
+    </p:extLst>
+  </p:cSld>
+  <p:clrMapOvr>
+    <a:masterClrMapping/>
+  </p:clrMapOvr>
+</p:sld>
+</file>
+
+<file path=ppt/slides/slide4.xml><?xml version="1.0" encoding="utf-8"?>
+<p:sld xmlns:a="http://schemas.openxmlformats.org/drawingml/2006/main" xmlns:r="http://schemas.openxmlformats.org/officeDocument/2006/relationships" xmlns:p="http://schemas.openxmlformats.org/presentationml/2006/main">
+  <p:cSld>
+    <p:spTree>
+      <p:nvGrpSpPr>
+        <p:cNvPr id="1" name=""/>
+        <p:cNvGrpSpPr/>
+        <p:nvPr/>
+      </p:nvGrpSpPr>
+      <p:grpSpPr>
+        <a:xfrm>
+          <a:off x="0" y="0"/>
+          <a:ext cx="0" cy="0"/>
+          <a:chOff x="0" y="0"/>
+          <a:chExt cx="0" cy="0"/>
+        </a:xfrm>
+      </p:grpSpPr>
+      <p:grpSp>
+        <p:nvGrpSpPr>
+          <p:cNvPr id="14" name="Group 13"/>
+          <p:cNvGrpSpPr/>
+          <p:nvPr/>
+        </p:nvGrpSpPr>
+        <p:grpSpPr>
+          <a:xfrm>
+            <a:off x="2776920" y="0"/>
+            <a:ext cx="6367080" cy="6782696"/>
+            <a:chOff x="2361665" y="0"/>
+            <a:chExt cx="6367080" cy="6782696"/>
+          </a:xfrm>
+        </p:grpSpPr>
+        <p:pic>
+          <p:nvPicPr>
+            <p:cNvPr id="12" name="Picture 11"/>
+            <p:cNvPicPr>
+              <a:picLocks noChangeAspect="1"/>
+            </p:cNvPicPr>
+            <p:nvPr/>
+          </p:nvPicPr>
+          <p:blipFill rotWithShape="1">
+            <a:blip r:embed="rId2">
+              <a:extLst>
+                <a:ext uri="{28A0092B-C50C-407E-A947-70E740481C1C}">
+                  <a14:useLocalDpi xmlns:a14="http://schemas.microsoft.com/office/drawing/2010/main" val="0"/>
+                </a:ext>
+              </a:extLst>
+            </a:blip>
+            <a:srcRect t="1098"/>
+            <a:stretch/>
+          </p:blipFill>
+          <p:spPr>
+            <a:xfrm>
+              <a:off x="2361665" y="0"/>
+              <a:ext cx="6367080" cy="6782696"/>
+            </a:xfrm>
+            <a:prstGeom prst="rect">
+              <a:avLst/>
+            </a:prstGeom>
+          </p:spPr>
+        </p:pic>
+        <p:sp>
+          <p:nvSpPr>
+            <p:cNvPr id="13" name="Rectangle 12"/>
+            <p:cNvSpPr/>
+            <p:nvPr/>
+          </p:nvSpPr>
+          <p:spPr>
+            <a:xfrm>
+              <a:off x="4404171" y="0"/>
+              <a:ext cx="4324574" cy="387275"/>
+            </a:xfrm>
+            <a:prstGeom prst="rect">
+              <a:avLst/>
+            </a:prstGeom>
+            <a:solidFill>
+              <a:schemeClr val="bg1"/>
+            </a:solidFill>
+            <a:ln>
+              <a:noFill/>
+            </a:ln>
+          </p:spPr>
+          <p:style>
+            <a:lnRef idx="2">
+              <a:schemeClr val="accent1">
+                <a:shade val="50000"/>
+              </a:schemeClr>
+            </a:lnRef>
+            <a:fillRef idx="1">
+              <a:schemeClr val="accent1"/>
+            </a:fillRef>
+            <a:effectRef idx="0">
+              <a:schemeClr val="accent1"/>
+            </a:effectRef>
+            <a:fontRef idx="minor">
+              <a:schemeClr val="lt1"/>
+            </a:fontRef>
+          </p:style>
+          <p:txBody>
+            <a:bodyPr rtlCol="0" anchor="ctr"/>
+            <a:lstStyle/>
+            <a:p>
+              <a:pPr algn="ctr"/>
+              <a:endParaRPr lang="en-GB"/>
+            </a:p>
+          </p:txBody>
+        </p:sp>
+      </p:grpSp>
+    </p:spTree>
+    <p:extLst>
+      <p:ext uri="{BB962C8B-B14F-4D97-AF65-F5344CB8AC3E}">
+        <p14:creationId xmlns:p14="http://schemas.microsoft.com/office/powerpoint/2010/main" val="3658860307"/>
+      </p:ext>
+    </p:extLst>
+  </p:cSld>
+  <p:clrMapOvr>
+    <a:masterClrMapping/>
+  </p:clrMapOvr>
+</p:sld>
+</file>
+
+<file path=ppt/slides/slide5.xml><?xml version="1.0" encoding="utf-8"?>
+<p:sld xmlns:a="http://schemas.openxmlformats.org/drawingml/2006/main" xmlns:r="http://schemas.openxmlformats.org/officeDocument/2006/relationships" xmlns:p="http://schemas.openxmlformats.org/presentationml/2006/main">
+  <p:cSld>
+    <p:spTree>
+      <p:nvGrpSpPr>
+        <p:cNvPr id="1" name=""/>
+        <p:cNvGrpSpPr/>
+        <p:nvPr/>
+      </p:nvGrpSpPr>
+      <p:grpSpPr>
+        <a:xfrm>
+          <a:off x="0" y="0"/>
+          <a:ext cx="0" cy="0"/>
+          <a:chOff x="0" y="0"/>
+          <a:chExt cx="0" cy="0"/>
+        </a:xfrm>
+      </p:grpSpPr>
+      <p:pic>
+        <p:nvPicPr>
+          <p:cNvPr id="4" name="Picture 3"/>
+          <p:cNvPicPr>
+            <a:picLocks noChangeAspect="1"/>
+          </p:cNvPicPr>
+          <p:nvPr/>
+        </p:nvPicPr>
+        <p:blipFill>
+          <a:blip r:embed="rId2">
+            <a:extLst>
+              <a:ext uri="{28A0092B-C50C-407E-A947-70E740481C1C}">
+                <a14:useLocalDpi xmlns:a14="http://schemas.microsoft.com/office/drawing/2010/main" val="0"/>
+              </a:ext>
+            </a:extLst>
+          </a:blip>
+          <a:stretch>
+            <a:fillRect/>
+          </a:stretch>
+        </p:blipFill>
+        <p:spPr>
+          <a:xfrm>
+            <a:off x="2009631" y="297853"/>
+            <a:ext cx="6889335" cy="6145977"/>
+          </a:xfrm>
+          <a:prstGeom prst="rect">
+            <a:avLst/>
+          </a:prstGeom>
+        </p:spPr>
+      </p:pic>
+    </p:spTree>
+    <p:extLst>
+      <p:ext uri="{BB962C8B-B14F-4D97-AF65-F5344CB8AC3E}">
+        <p14:creationId xmlns:p14="http://schemas.microsoft.com/office/powerpoint/2010/main" val="1602321265"/>
+      </p:ext>
+    </p:extLst>
+  </p:cSld>
+  <p:clrMapOvr>
+    <a:masterClrMapping/>
+  </p:clrMapOvr>
+</p:sld>
+</file>
+
+<file path=ppt/slides/slide6.xml><?xml version="1.0" encoding="utf-8"?>
+<p:sld xmlns:a="http://schemas.openxmlformats.org/drawingml/2006/main" xmlns:r="http://schemas.openxmlformats.org/officeDocument/2006/relationships" xmlns:p="http://schemas.openxmlformats.org/presentationml/2006/main">
+  <p:cSld>
+    <p:spTree>
+      <p:nvGrpSpPr>
+        <p:cNvPr id="1" name=""/>
+        <p:cNvGrpSpPr/>
+        <p:nvPr/>
+      </p:nvGrpSpPr>
+      <p:grpSpPr>
+        <a:xfrm>
+          <a:off x="0" y="0"/>
+          <a:ext cx="0" cy="0"/>
+          <a:chOff x="0" y="0"/>
+          <a:chExt cx="0" cy="0"/>
+        </a:xfrm>
+      </p:grpSpPr>
+      <p:sp>
+        <p:nvSpPr>
+          <p:cNvPr id="2" name="Title 1"/>
+          <p:cNvSpPr>
+            <a:spLocks noGrp="1"/>
+          </p:cNvSpPr>
+          <p:nvPr>
+            <p:ph type="title"/>
+          </p:nvPr>
+        </p:nvSpPr>
+        <p:spPr/>
+        <p:txBody>
+          <a:bodyPr/>
+          <a:lstStyle/>
+          <a:p>
+            <a:endParaRPr lang="en-GB"/>
+          </a:p>
+        </p:txBody>
+      </p:sp>
+      <p:sp>
+        <p:nvSpPr>
+          <p:cNvPr id="3" name="Content Placeholder 2"/>
+          <p:cNvSpPr>
+            <a:spLocks noGrp="1"/>
+          </p:cNvSpPr>
+          <p:nvPr>
+            <p:ph idx="1"/>
+          </p:nvPr>
+        </p:nvSpPr>
+        <p:spPr/>
+        <p:txBody>
+          <a:bodyPr/>
+          <a:lstStyle/>
+          <a:p>
+            <a:endParaRPr lang="en-GB"/>
+          </a:p>
+        </p:txBody>
+      </p:sp>
+    </p:spTree>
+    <p:extLst>
+      <p:ext uri="{BB962C8B-B14F-4D97-AF65-F5344CB8AC3E}">
+        <p14:creationId xmlns:p14="http://schemas.microsoft.com/office/powerpoint/2010/main" val="388545785"/>
+      </p:ext>
+    </p:extLst>
+  </p:cSld>
+  <p:clrMapOvr>
+    <a:masterClrMapping/>
+  </p:clrMapOvr>
+</p:sld>
+</file>
+
+<file path=ppt/slides/slide7.xml><?xml version="1.0" encoding="utf-8"?>
+<p:sld xmlns:a="http://schemas.openxmlformats.org/drawingml/2006/main" xmlns:r="http://schemas.openxmlformats.org/officeDocument/2006/relationships" xmlns:p="http://schemas.openxmlformats.org/presentationml/2006/main">
+  <p:cSld>
+    <p:spTree>
+      <p:nvGrpSpPr>
+        <p:cNvPr id="1" name=""/>
+        <p:cNvGrpSpPr/>
+        <p:nvPr/>
+      </p:nvGrpSpPr>
+      <p:grpSpPr>
+        <a:xfrm>
+          <a:off x="0" y="0"/>
+          <a:ext cx="0" cy="0"/>
+          <a:chOff x="0" y="0"/>
+          <a:chExt cx="0" cy="0"/>
+        </a:xfrm>
+      </p:grpSpPr>
+      <p:sp>
+        <p:nvSpPr>
+          <p:cNvPr id="2" name="Title 1"/>
+          <p:cNvSpPr>
+            <a:spLocks noGrp="1"/>
+          </p:cNvSpPr>
+          <p:nvPr>
+            <p:ph type="title"/>
+          </p:nvPr>
+        </p:nvSpPr>
+        <p:spPr/>
+        <p:txBody>
+          <a:bodyPr/>
+          <a:lstStyle/>
+          <a:p>
+            <a:endParaRPr lang="en-GB"/>
+          </a:p>
+        </p:txBody>
+      </p:sp>
+      <p:sp>
+        <p:nvSpPr>
+          <p:cNvPr id="3" name="Content Placeholder 2"/>
+          <p:cNvSpPr>
+            <a:spLocks noGrp="1"/>
+          </p:cNvSpPr>
+          <p:nvPr>
+            <p:ph idx="1"/>
+          </p:nvPr>
+        </p:nvSpPr>
+        <p:spPr/>
+        <p:txBody>
+          <a:bodyPr/>
+          <a:lstStyle/>
+          <a:p>
+            <a:endParaRPr lang="en-GB"/>
+          </a:p>
+        </p:txBody>
+      </p:sp>
+    </p:spTree>
+    <p:extLst>
+      <p:ext uri="{BB962C8B-B14F-4D97-AF65-F5344CB8AC3E}">
+        <p14:creationId xmlns:p14="http://schemas.microsoft.com/office/powerpoint/2010/main" val="356781965"/>
+      </p:ext>
+    </p:extLst>
+  </p:cSld>
+  <p:clrMapOvr>
+    <a:masterClrMapping/>
+  </p:clrMapOvr>
+</p:sld>
+</file>
+
 <file path=ppt/theme/theme1.xml><?xml version="1.0" encoding="utf-8"?>
 <a:theme xmlns:a="http://schemas.openxmlformats.org/drawingml/2006/main" name="Office Theme">
   <a:themeElements>
-    <a:clrScheme name="Office">
+    <a:clrScheme name="Office Theme">
       <a:dk1>
         <a:sysClr val="windowText" lastClr="000000"/>
       </a:dk1>
@@ -3110,7 +3585,7 @@
         <a:srgbClr val="954F72"/>
       </a:folHlink>
     </a:clrScheme>
-    <a:fontScheme name="Office">
+    <a:fontScheme name="Office Theme">
       <a:majorFont>
         <a:latin typeface="Calibri Light" panose="020F0302020204030204"/>
         <a:ea typeface=""/>
@@ -3145,23 +3620,6 @@
         <a:font script="Viet" typeface="Times New Roman"/>
         <a:font script="Uigh" typeface="Microsoft Uighur"/>
         <a:font script="Geor" typeface="Sylfaen"/>
-        <a:font script="Armn" typeface="Arial"/>
-        <a:font script="Bugi" typeface="Leelawadee UI"/>
-        <a:font script="Bopo" typeface="Microsoft JhengHei"/>
-        <a:font script="Java" typeface="Javanese Text"/>
-        <a:font script="Lisu" typeface="Segoe UI"/>
-        <a:font script="Mymr" typeface="Myanmar Text"/>
-        <a:font script="Nkoo" typeface="Ebrima"/>
-        <a:font script="Olck" typeface="Nirmala UI"/>
-        <a:font script="Osma" typeface="Ebrima"/>
-        <a:font script="Phag" typeface="Phagspa"/>
-        <a:font script="Syrn" typeface="Estrangelo Edessa"/>
-        <a:font script="Syrj" typeface="Estrangelo Edessa"/>
-        <a:font script="Syre" typeface="Estrangelo Edessa"/>
-        <a:font script="Sora" typeface="Nirmala UI"/>
-        <a:font script="Tale" typeface="Microsoft Tai Le"/>
-        <a:font script="Talu" typeface="Microsoft New Tai Lue"/>
-        <a:font script="Tfng" typeface="Ebrima"/>
       </a:majorFont>
       <a:minorFont>
         <a:latin typeface="Calibri" panose="020F0502020204030204"/>
@@ -3197,26 +3655,9 @@
         <a:font script="Viet" typeface="Arial"/>
         <a:font script="Uigh" typeface="Microsoft Uighur"/>
         <a:font script="Geor" typeface="Sylfaen"/>
-        <a:font script="Armn" typeface="Arial"/>
-        <a:font script="Bugi" typeface="Leelawadee UI"/>
-        <a:font script="Bopo" typeface="Microsoft JhengHei"/>
-        <a:font script="Java" typeface="Javanese Text"/>
-        <a:font script="Lisu" typeface="Segoe UI"/>
-        <a:font script="Mymr" typeface="Myanmar Text"/>
-        <a:font script="Nkoo" typeface="Ebrima"/>
-        <a:font script="Olck" typeface="Nirmala UI"/>
-        <a:font script="Osma" typeface="Ebrima"/>
-        <a:font script="Phag" typeface="Phagspa"/>
-        <a:font script="Syrn" typeface="Estrangelo Edessa"/>
-        <a:font script="Syrj" typeface="Estrangelo Edessa"/>
-        <a:font script="Syre" typeface="Estrangelo Edessa"/>
-        <a:font script="Sora" typeface="Nirmala UI"/>
-        <a:font script="Tale" typeface="Microsoft Tai Le"/>
-        <a:font script="Talu" typeface="Microsoft New Tai Lue"/>
-        <a:font script="Tfng" typeface="Ebrima"/>
       </a:minorFont>
     </a:fontScheme>
-    <a:fmtScheme name="Office">
+    <a:fmtScheme name="Office Theme">
       <a:fillStyleLst>
         <a:solidFill>
           <a:schemeClr val="phClr"/>

--- a/presentation_material/powerpoint.pptx
+++ b/presentation_material/powerpoint.pptx
@@ -2,7 +2,7 @@
 <file path=ppt/presentation.xml><?xml version="1.0" encoding="utf-8"?>
 <p:presentation xmlns:a="http://schemas.openxmlformats.org/drawingml/2006/main" xmlns:r="http://schemas.openxmlformats.org/officeDocument/2006/relationships" xmlns:p="http://schemas.openxmlformats.org/presentationml/2006/main" saveSubsetFonts="1">
   <p:sldMasterIdLst>
-    <p:sldMasterId id="2147483660" r:id="rId1"/>
+    <p:sldMasterId id="2147483672" r:id="rId1"/>
   </p:sldMasterIdLst>
   <p:sldIdLst>
     <p:sldId id="257" r:id="rId2"/>
@@ -119,7 +119,7 @@
 </file>
 
 <file path=ppt/slideLayouts/slideLayout1.xml><?xml version="1.0" encoding="utf-8"?>
-<p:sldLayout xmlns:a="http://schemas.openxmlformats.org/drawingml/2006/main" xmlns:r="http://schemas.openxmlformats.org/officeDocument/2006/relationships" xmlns:p="http://schemas.openxmlformats.org/presentationml/2006/main" type="title" preserve="1">
+<p:sldLayout xmlns:a="http://schemas.openxmlformats.org/drawingml/2006/main" xmlns:r="http://schemas.openxmlformats.org/officeDocument/2006/relationships" xmlns:p="http://schemas.openxmlformats.org/presentationml/2006/main" showMasterSp="0" type="title" preserve="1">
   <p:cSld name="Title Slide">
     <p:spTree>
       <p:nvGrpSpPr>
@@ -135,6 +135,196 @@
           <a:chExt cx="0" cy="0"/>
         </a:xfrm>
       </p:grpSpPr>
+      <p:grpSp>
+        <p:nvGrpSpPr>
+          <p:cNvPr id="16" name="Group 15"/>
+          <p:cNvGrpSpPr/>
+          <p:nvPr/>
+        </p:nvGrpSpPr>
+        <p:grpSpPr>
+          <a:xfrm>
+            <a:off x="4334933" y="1169931"/>
+            <a:ext cx="4814835" cy="4993802"/>
+            <a:chOff x="4334933" y="1169931"/>
+            <a:chExt cx="4814835" cy="4993802"/>
+          </a:xfrm>
+        </p:grpSpPr>
+        <p:cxnSp>
+          <p:nvCxnSpPr>
+            <p:cNvPr id="17" name="Straight Connector 16"/>
+            <p:cNvCxnSpPr/>
+            <p:nvPr/>
+          </p:nvCxnSpPr>
+          <p:spPr>
+            <a:xfrm flipH="1">
+              <a:off x="6009259" y="1169931"/>
+              <a:ext cx="3134741" cy="3134741"/>
+            </a:xfrm>
+            <a:prstGeom prst="line">
+              <a:avLst/>
+            </a:prstGeom>
+            <a:ln w="12700">
+              <a:solidFill>
+                <a:schemeClr val="tx1"/>
+              </a:solidFill>
+            </a:ln>
+          </p:spPr>
+          <p:style>
+            <a:lnRef idx="2">
+              <a:schemeClr val="accent1"/>
+            </a:lnRef>
+            <a:fillRef idx="0">
+              <a:schemeClr val="accent1"/>
+            </a:fillRef>
+            <a:effectRef idx="1">
+              <a:schemeClr val="accent1"/>
+            </a:effectRef>
+            <a:fontRef idx="minor">
+              <a:schemeClr val="tx1"/>
+            </a:fontRef>
+          </p:style>
+        </p:cxnSp>
+        <p:cxnSp>
+          <p:nvCxnSpPr>
+            <p:cNvPr id="19" name="Straight Connector 18"/>
+            <p:cNvCxnSpPr/>
+            <p:nvPr/>
+          </p:nvCxnSpPr>
+          <p:spPr>
+            <a:xfrm flipH="1">
+              <a:off x="4334933" y="1348898"/>
+              <a:ext cx="4814835" cy="4814835"/>
+            </a:xfrm>
+            <a:prstGeom prst="line">
+              <a:avLst/>
+            </a:prstGeom>
+            <a:ln w="12700">
+              <a:solidFill>
+                <a:schemeClr val="tx1"/>
+              </a:solidFill>
+            </a:ln>
+          </p:spPr>
+          <p:style>
+            <a:lnRef idx="2">
+              <a:schemeClr val="accent1"/>
+            </a:lnRef>
+            <a:fillRef idx="0">
+              <a:schemeClr val="accent1"/>
+            </a:fillRef>
+            <a:effectRef idx="1">
+              <a:schemeClr val="accent1"/>
+            </a:effectRef>
+            <a:fontRef idx="minor">
+              <a:schemeClr val="tx1"/>
+            </a:fontRef>
+          </p:style>
+        </p:cxnSp>
+        <p:cxnSp>
+          <p:nvCxnSpPr>
+            <p:cNvPr id="21" name="Straight Connector 20"/>
+            <p:cNvCxnSpPr/>
+            <p:nvPr/>
+          </p:nvCxnSpPr>
+          <p:spPr>
+            <a:xfrm flipH="1">
+              <a:off x="5225595" y="1469269"/>
+              <a:ext cx="3912054" cy="3912054"/>
+            </a:xfrm>
+            <a:prstGeom prst="line">
+              <a:avLst/>
+            </a:prstGeom>
+            <a:ln w="12700">
+              <a:solidFill>
+                <a:schemeClr val="tx1"/>
+              </a:solidFill>
+            </a:ln>
+          </p:spPr>
+          <p:style>
+            <a:lnRef idx="2">
+              <a:schemeClr val="accent1"/>
+            </a:lnRef>
+            <a:fillRef idx="0">
+              <a:schemeClr val="accent1"/>
+            </a:fillRef>
+            <a:effectRef idx="1">
+              <a:schemeClr val="accent1"/>
+            </a:effectRef>
+            <a:fontRef idx="minor">
+              <a:schemeClr val="tx1"/>
+            </a:fontRef>
+          </p:style>
+        </p:cxnSp>
+        <p:cxnSp>
+          <p:nvCxnSpPr>
+            <p:cNvPr id="22" name="Straight Connector 21"/>
+            <p:cNvCxnSpPr/>
+            <p:nvPr/>
+          </p:nvCxnSpPr>
+          <p:spPr>
+            <a:xfrm flipH="1">
+              <a:off x="5304588" y="1307856"/>
+              <a:ext cx="3839412" cy="3839412"/>
+            </a:xfrm>
+            <a:prstGeom prst="line">
+              <a:avLst/>
+            </a:prstGeom>
+            <a:ln w="31750">
+              <a:solidFill>
+                <a:schemeClr val="tx1"/>
+              </a:solidFill>
+            </a:ln>
+          </p:spPr>
+          <p:style>
+            <a:lnRef idx="2">
+              <a:schemeClr val="accent1"/>
+            </a:lnRef>
+            <a:fillRef idx="0">
+              <a:schemeClr val="accent1"/>
+            </a:fillRef>
+            <a:effectRef idx="1">
+              <a:schemeClr val="accent1"/>
+            </a:effectRef>
+            <a:fontRef idx="minor">
+              <a:schemeClr val="tx1"/>
+            </a:fontRef>
+          </p:style>
+        </p:cxnSp>
+        <p:cxnSp>
+          <p:nvCxnSpPr>
+            <p:cNvPr id="23" name="Straight Connector 22"/>
+            <p:cNvCxnSpPr/>
+            <p:nvPr/>
+          </p:nvCxnSpPr>
+          <p:spPr>
+            <a:xfrm flipH="1">
+              <a:off x="5707078" y="1770196"/>
+              <a:ext cx="3430571" cy="3430570"/>
+            </a:xfrm>
+            <a:prstGeom prst="line">
+              <a:avLst/>
+            </a:prstGeom>
+            <a:ln w="31750">
+              <a:solidFill>
+                <a:schemeClr val="tx1"/>
+              </a:solidFill>
+            </a:ln>
+          </p:spPr>
+          <p:style>
+            <a:lnRef idx="2">
+              <a:schemeClr val="accent1"/>
+            </a:lnRef>
+            <a:fillRef idx="0">
+              <a:schemeClr val="accent1"/>
+            </a:fillRef>
+            <a:effectRef idx="1">
+              <a:schemeClr val="accent1"/>
+            </a:effectRef>
+            <a:fontRef idx="minor">
+              <a:schemeClr val="tx1"/>
+            </a:fontRef>
+          </p:style>
+        </p:cxnSp>
+      </p:grpSp>
       <p:sp>
         <p:nvSpPr>
           <p:cNvPr id="2" name="Title 1"/>
@@ -147,15 +337,19 @@
         </p:nvSpPr>
         <p:spPr>
           <a:xfrm>
-            <a:off x="685800" y="1122363"/>
-            <a:ext cx="7772400" cy="2387600"/>
+            <a:off x="533400" y="533400"/>
+            <a:ext cx="6154713" cy="3124201"/>
           </a:xfrm>
         </p:spPr>
         <p:txBody>
-          <a:bodyPr anchor="b"/>
+          <a:bodyPr anchor="b">
+            <a:normAutofit/>
+          </a:bodyPr>
           <a:lstStyle>
-            <a:lvl1pPr algn="ctr">
-              <a:defRPr sz="6000"/>
+            <a:lvl1pPr algn="l">
+              <a:defRPr sz="4400">
+                <a:effectLst/>
+              </a:defRPr>
             </a:lvl1pPr>
           </a:lstStyle>
           <a:p>
@@ -179,48 +373,104 @@
         </p:nvSpPr>
         <p:spPr>
           <a:xfrm>
-            <a:off x="1143000" y="3602038"/>
-            <a:ext cx="6858000" cy="1655762"/>
+            <a:off x="533400" y="3843868"/>
+            <a:ext cx="4954250" cy="1913466"/>
           </a:xfrm>
         </p:spPr>
         <p:txBody>
-          <a:bodyPr/>
+          <a:bodyPr anchor="t">
+            <a:normAutofit/>
+          </a:bodyPr>
           <a:lstStyle>
-            <a:lvl1pPr marL="0" indent="0" algn="ctr">
-              <a:buNone/>
-              <a:defRPr sz="2400"/>
+            <a:lvl1pPr marL="0" indent="0" algn="l">
+              <a:buNone/>
+              <a:defRPr sz="2000">
+                <a:solidFill>
+                  <a:schemeClr val="bg2">
+                    <a:lumMod val="75000"/>
+                  </a:schemeClr>
+                </a:solidFill>
+              </a:defRPr>
             </a:lvl1pPr>
             <a:lvl2pPr marL="457200" indent="0" algn="ctr">
               <a:buNone/>
-              <a:defRPr sz="2000"/>
+              <a:defRPr>
+                <a:solidFill>
+                  <a:schemeClr val="tx1">
+                    <a:tint val="75000"/>
+                  </a:schemeClr>
+                </a:solidFill>
+              </a:defRPr>
             </a:lvl2pPr>
             <a:lvl3pPr marL="914400" indent="0" algn="ctr">
               <a:buNone/>
-              <a:defRPr sz="1800"/>
+              <a:defRPr>
+                <a:solidFill>
+                  <a:schemeClr val="tx1">
+                    <a:tint val="75000"/>
+                  </a:schemeClr>
+                </a:solidFill>
+              </a:defRPr>
             </a:lvl3pPr>
             <a:lvl4pPr marL="1371600" indent="0" algn="ctr">
               <a:buNone/>
-              <a:defRPr sz="1600"/>
+              <a:defRPr>
+                <a:solidFill>
+                  <a:schemeClr val="tx1">
+                    <a:tint val="75000"/>
+                  </a:schemeClr>
+                </a:solidFill>
+              </a:defRPr>
             </a:lvl4pPr>
             <a:lvl5pPr marL="1828800" indent="0" algn="ctr">
               <a:buNone/>
-              <a:defRPr sz="1600"/>
+              <a:defRPr>
+                <a:solidFill>
+                  <a:schemeClr val="tx1">
+                    <a:tint val="75000"/>
+                  </a:schemeClr>
+                </a:solidFill>
+              </a:defRPr>
             </a:lvl5pPr>
             <a:lvl6pPr marL="2286000" indent="0" algn="ctr">
               <a:buNone/>
-              <a:defRPr sz="1600"/>
+              <a:defRPr>
+                <a:solidFill>
+                  <a:schemeClr val="tx1">
+                    <a:tint val="75000"/>
+                  </a:schemeClr>
+                </a:solidFill>
+              </a:defRPr>
             </a:lvl6pPr>
             <a:lvl7pPr marL="2743200" indent="0" algn="ctr">
               <a:buNone/>
-              <a:defRPr sz="1600"/>
+              <a:defRPr>
+                <a:solidFill>
+                  <a:schemeClr val="tx1">
+                    <a:tint val="75000"/>
+                  </a:schemeClr>
+                </a:solidFill>
+              </a:defRPr>
             </a:lvl7pPr>
             <a:lvl8pPr marL="3200400" indent="0" algn="ctr">
               <a:buNone/>
-              <a:defRPr sz="1600"/>
+              <a:defRPr>
+                <a:solidFill>
+                  <a:schemeClr val="tx1">
+                    <a:tint val="75000"/>
+                  </a:schemeClr>
+                </a:solidFill>
+              </a:defRPr>
             </a:lvl8pPr>
             <a:lvl9pPr marL="3657600" indent="0" algn="ctr">
               <a:buNone/>
-              <a:defRPr sz="1600"/>
+              <a:defRPr>
+                <a:solidFill>
+                  <a:schemeClr val="tx1">
+                    <a:tint val="75000"/>
+                  </a:schemeClr>
+                </a:solidFill>
+              </a:defRPr>
             </a:lvl9pPr>
           </a:lstStyle>
           <a:p>
@@ -300,7 +550,7 @@
     </p:spTree>
     <p:extLst>
       <p:ext uri="{BB962C8B-B14F-4D97-AF65-F5344CB8AC3E}">
-        <p14:creationId xmlns:p14="http://schemas.microsoft.com/office/powerpoint/2010/main" val="2406055102"/>
+        <p14:creationId xmlns:p14="http://schemas.microsoft.com/office/powerpoint/2010/main" val="869568298"/>
       </p:ext>
     </p:extLst>
   </p:cSld>
@@ -311,6 +561,1817 @@
 </file>
 
 <file path=ppt/slideLayouts/slideLayout10.xml><?xml version="1.0" encoding="utf-8"?>
+<p:sldLayout xmlns:a="http://schemas.openxmlformats.org/drawingml/2006/main" xmlns:r="http://schemas.openxmlformats.org/officeDocument/2006/relationships" xmlns:p="http://schemas.openxmlformats.org/presentationml/2006/main" preserve="1">
+  <p:cSld name="Panoramic Picture with Caption">
+    <p:spTree>
+      <p:nvGrpSpPr>
+        <p:cNvPr id="1" name=""/>
+        <p:cNvGrpSpPr/>
+        <p:nvPr/>
+      </p:nvGrpSpPr>
+      <p:grpSpPr>
+        <a:xfrm>
+          <a:off x="0" y="0"/>
+          <a:ext cx="0" cy="0"/>
+          <a:chOff x="0" y="0"/>
+          <a:chExt cx="0" cy="0"/>
+        </a:xfrm>
+      </p:grpSpPr>
+      <p:sp>
+        <p:nvSpPr>
+          <p:cNvPr id="2" name="Title 1"/>
+          <p:cNvSpPr>
+            <a:spLocks noGrp="1"/>
+          </p:cNvSpPr>
+          <p:nvPr>
+            <p:ph type="title"/>
+          </p:nvPr>
+        </p:nvSpPr>
+        <p:spPr>
+          <a:xfrm>
+            <a:off x="533400" y="4495800"/>
+            <a:ext cx="6554867" cy="1524000"/>
+          </a:xfrm>
+        </p:spPr>
+        <p:txBody>
+          <a:bodyPr/>
+          <a:lstStyle/>
+          <a:p>
+            <a:r>
+              <a:rPr lang="en-US"/>
+              <a:t>Click to edit Master title style</a:t>
+            </a:r>
+            <a:endParaRPr lang="en-US" dirty="0"/>
+          </a:p>
+        </p:txBody>
+      </p:sp>
+      <p:sp>
+        <p:nvSpPr>
+          <p:cNvPr id="6" name="Picture Placeholder 2"/>
+          <p:cNvSpPr>
+            <a:spLocks noGrp="1" noChangeAspect="1"/>
+          </p:cNvSpPr>
+          <p:nvPr>
+            <p:ph type="pic" idx="13"/>
+          </p:nvPr>
+        </p:nvSpPr>
+        <p:spPr>
+          <a:xfrm>
+            <a:off x="533400" y="533400"/>
+            <a:ext cx="8077200" cy="3124200"/>
+          </a:xfrm>
+          <a:prstGeom prst="snip2DiagRect">
+            <a:avLst>
+              <a:gd name="adj1" fmla="val 10815"/>
+              <a:gd name="adj2" fmla="val 0"/>
+            </a:avLst>
+          </a:prstGeom>
+          <a:ln w="15875">
+            <a:solidFill>
+              <a:schemeClr val="tx1">
+                <a:alpha val="40000"/>
+              </a:schemeClr>
+            </a:solidFill>
+          </a:ln>
+          <a:effectLst>
+            <a:innerShdw blurRad="57150" dist="38100" dir="14460000">
+              <a:srgbClr val="000000">
+                <a:alpha val="70000"/>
+              </a:srgbClr>
+            </a:innerShdw>
+          </a:effectLst>
+        </p:spPr>
+        <p:txBody>
+          <a:bodyPr anchor="t">
+            <a:normAutofit/>
+          </a:bodyPr>
+          <a:lstStyle>
+            <a:lvl1pPr marL="0" indent="0" algn="ctr">
+              <a:buNone/>
+              <a:defRPr sz="1600"/>
+            </a:lvl1pPr>
+            <a:lvl2pPr marL="457200" indent="0">
+              <a:buNone/>
+              <a:defRPr sz="1600"/>
+            </a:lvl2pPr>
+            <a:lvl3pPr marL="914400" indent="0">
+              <a:buNone/>
+              <a:defRPr sz="1600"/>
+            </a:lvl3pPr>
+            <a:lvl4pPr marL="1371600" indent="0">
+              <a:buNone/>
+              <a:defRPr sz="1600"/>
+            </a:lvl4pPr>
+            <a:lvl5pPr marL="1828800" indent="0">
+              <a:buNone/>
+              <a:defRPr sz="1600"/>
+            </a:lvl5pPr>
+            <a:lvl6pPr marL="2286000" indent="0">
+              <a:buNone/>
+              <a:defRPr sz="1600"/>
+            </a:lvl6pPr>
+            <a:lvl7pPr marL="2743200" indent="0">
+              <a:buNone/>
+              <a:defRPr sz="1600"/>
+            </a:lvl7pPr>
+            <a:lvl8pPr marL="3200400" indent="0">
+              <a:buNone/>
+              <a:defRPr sz="1600"/>
+            </a:lvl8pPr>
+            <a:lvl9pPr marL="3657600" indent="0">
+              <a:buNone/>
+              <a:defRPr sz="1600"/>
+            </a:lvl9pPr>
+          </a:lstStyle>
+          <a:p>
+            <a:r>
+              <a:rPr lang="en-US"/>
+              <a:t>Click icon to add picture</a:t>
+            </a:r>
+            <a:endParaRPr lang="en-US" dirty="0"/>
+          </a:p>
+        </p:txBody>
+      </p:sp>
+      <p:sp>
+        <p:nvSpPr>
+          <p:cNvPr id="9" name="Text Placeholder 9"/>
+          <p:cNvSpPr>
+            <a:spLocks noGrp="1"/>
+          </p:cNvSpPr>
+          <p:nvPr>
+            <p:ph type="body" sz="quarter" idx="14"/>
+          </p:nvPr>
+        </p:nvSpPr>
+        <p:spPr>
+          <a:xfrm>
+            <a:off x="762002" y="3843867"/>
+            <a:ext cx="7281332" cy="457200"/>
+          </a:xfrm>
+        </p:spPr>
+        <p:txBody>
+          <a:bodyPr anchor="t">
+            <a:normAutofit/>
+          </a:bodyPr>
+          <a:lstStyle>
+            <a:lvl1pPr marL="0" indent="0">
+              <a:buFontTx/>
+              <a:buNone/>
+              <a:defRPr sz="1600"/>
+            </a:lvl1pPr>
+            <a:lvl2pPr marL="457200" indent="0">
+              <a:buFontTx/>
+              <a:buNone/>
+              <a:defRPr/>
+            </a:lvl2pPr>
+            <a:lvl3pPr marL="914400" indent="0">
+              <a:buFontTx/>
+              <a:buNone/>
+              <a:defRPr/>
+            </a:lvl3pPr>
+            <a:lvl4pPr marL="1371600" indent="0">
+              <a:buFontTx/>
+              <a:buNone/>
+              <a:defRPr/>
+            </a:lvl4pPr>
+            <a:lvl5pPr marL="1828800" indent="0">
+              <a:buFontTx/>
+              <a:buNone/>
+              <a:defRPr/>
+            </a:lvl5pPr>
+          </a:lstStyle>
+          <a:p>
+            <a:pPr lvl="0"/>
+            <a:r>
+              <a:rPr lang="en-US"/>
+              <a:t>Edit Master text styles</a:t>
+            </a:r>
+          </a:p>
+        </p:txBody>
+      </p:sp>
+      <p:sp>
+        <p:nvSpPr>
+          <p:cNvPr id="3" name="Date Placeholder 2"/>
+          <p:cNvSpPr>
+            <a:spLocks noGrp="1"/>
+          </p:cNvSpPr>
+          <p:nvPr>
+            <p:ph type="dt" sz="half" idx="10"/>
+          </p:nvPr>
+        </p:nvSpPr>
+        <p:spPr/>
+        <p:txBody>
+          <a:bodyPr/>
+          <a:lstStyle/>
+          <a:p>
+            <a:fld id="{9447333A-8542-4DEB-A96F-D63023230355}" type="datetimeFigureOut">
+              <a:rPr lang="en-GB" smtClean="0"/>
+              <a:t>22/03/2017</a:t>
+            </a:fld>
+            <a:endParaRPr lang="en-GB"/>
+          </a:p>
+        </p:txBody>
+      </p:sp>
+      <p:sp>
+        <p:nvSpPr>
+          <p:cNvPr id="4" name="Footer Placeholder 3"/>
+          <p:cNvSpPr>
+            <a:spLocks noGrp="1"/>
+          </p:cNvSpPr>
+          <p:nvPr>
+            <p:ph type="ftr" sz="quarter" idx="11"/>
+          </p:nvPr>
+        </p:nvSpPr>
+        <p:spPr/>
+        <p:txBody>
+          <a:bodyPr/>
+          <a:lstStyle/>
+          <a:p>
+            <a:endParaRPr lang="en-GB"/>
+          </a:p>
+        </p:txBody>
+      </p:sp>
+      <p:sp>
+        <p:nvSpPr>
+          <p:cNvPr id="5" name="Slide Number Placeholder 4"/>
+          <p:cNvSpPr>
+            <a:spLocks noGrp="1"/>
+          </p:cNvSpPr>
+          <p:nvPr>
+            <p:ph type="sldNum" sz="quarter" idx="12"/>
+          </p:nvPr>
+        </p:nvSpPr>
+        <p:spPr/>
+        <p:txBody>
+          <a:bodyPr/>
+          <a:lstStyle/>
+          <a:p>
+            <a:fld id="{DCBA0AA9-EF68-4901-AF94-4BA07D6C312E}" type="slidenum">
+              <a:rPr lang="en-GB" smtClean="0"/>
+              <a:t>‹#›</a:t>
+            </a:fld>
+            <a:endParaRPr lang="en-GB"/>
+          </a:p>
+        </p:txBody>
+      </p:sp>
+    </p:spTree>
+    <p:extLst>
+      <p:ext uri="{BB962C8B-B14F-4D97-AF65-F5344CB8AC3E}">
+        <p14:creationId xmlns:p14="http://schemas.microsoft.com/office/powerpoint/2010/main" val="1508734645"/>
+      </p:ext>
+    </p:extLst>
+  </p:cSld>
+  <p:clrMapOvr>
+    <a:masterClrMapping/>
+  </p:clrMapOvr>
+</p:sldLayout>
+</file>
+
+<file path=ppt/slideLayouts/slideLayout11.xml><?xml version="1.0" encoding="utf-8"?>
+<p:sldLayout xmlns:a="http://schemas.openxmlformats.org/drawingml/2006/main" xmlns:r="http://schemas.openxmlformats.org/officeDocument/2006/relationships" xmlns:p="http://schemas.openxmlformats.org/presentationml/2006/main" preserve="1">
+  <p:cSld name="Title and Caption">
+    <p:spTree>
+      <p:nvGrpSpPr>
+        <p:cNvPr id="1" name=""/>
+        <p:cNvGrpSpPr/>
+        <p:nvPr/>
+      </p:nvGrpSpPr>
+      <p:grpSpPr>
+        <a:xfrm>
+          <a:off x="0" y="0"/>
+          <a:ext cx="0" cy="0"/>
+          <a:chOff x="0" y="0"/>
+          <a:chExt cx="0" cy="0"/>
+        </a:xfrm>
+      </p:grpSpPr>
+      <p:sp>
+        <p:nvSpPr>
+          <p:cNvPr id="2" name="Title 1"/>
+          <p:cNvSpPr>
+            <a:spLocks noGrp="1"/>
+          </p:cNvSpPr>
+          <p:nvPr>
+            <p:ph type="title"/>
+          </p:nvPr>
+        </p:nvSpPr>
+        <p:spPr>
+          <a:xfrm>
+            <a:off x="533400" y="533400"/>
+            <a:ext cx="8077200" cy="2895600"/>
+          </a:xfrm>
+        </p:spPr>
+        <p:txBody>
+          <a:bodyPr anchor="ctr">
+            <a:normAutofit/>
+          </a:bodyPr>
+          <a:lstStyle>
+            <a:lvl1pPr algn="l">
+              <a:defRPr sz="2800" b="0" cap="all"/>
+            </a:lvl1pPr>
+          </a:lstStyle>
+          <a:p>
+            <a:r>
+              <a:rPr lang="en-US"/>
+              <a:t>Click to edit Master title style</a:t>
+            </a:r>
+            <a:endParaRPr lang="en-US" dirty="0"/>
+          </a:p>
+        </p:txBody>
+      </p:sp>
+      <p:sp>
+        <p:nvSpPr>
+          <p:cNvPr id="3" name="Text Placeholder 2"/>
+          <p:cNvSpPr>
+            <a:spLocks noGrp="1"/>
+          </p:cNvSpPr>
+          <p:nvPr>
+            <p:ph type="body" idx="1"/>
+          </p:nvPr>
+        </p:nvSpPr>
+        <p:spPr>
+          <a:xfrm>
+            <a:off x="533400" y="4114800"/>
+            <a:ext cx="6383552" cy="1905000"/>
+          </a:xfrm>
+        </p:spPr>
+        <p:txBody>
+          <a:bodyPr anchor="ctr">
+            <a:normAutofit/>
+          </a:bodyPr>
+          <a:lstStyle>
+            <a:lvl1pPr marL="0" indent="0" algn="l">
+              <a:buNone/>
+              <a:defRPr sz="1800">
+                <a:solidFill>
+                  <a:schemeClr val="bg2">
+                    <a:lumMod val="75000"/>
+                  </a:schemeClr>
+                </a:solidFill>
+              </a:defRPr>
+            </a:lvl1pPr>
+            <a:lvl2pPr marL="457200" indent="0">
+              <a:buNone/>
+              <a:defRPr sz="1800">
+                <a:solidFill>
+                  <a:schemeClr val="tx1">
+                    <a:tint val="75000"/>
+                  </a:schemeClr>
+                </a:solidFill>
+              </a:defRPr>
+            </a:lvl2pPr>
+            <a:lvl3pPr marL="914400" indent="0">
+              <a:buNone/>
+              <a:defRPr sz="1600">
+                <a:solidFill>
+                  <a:schemeClr val="tx1">
+                    <a:tint val="75000"/>
+                  </a:schemeClr>
+                </a:solidFill>
+              </a:defRPr>
+            </a:lvl3pPr>
+            <a:lvl4pPr marL="1371600" indent="0">
+              <a:buNone/>
+              <a:defRPr sz="1400">
+                <a:solidFill>
+                  <a:schemeClr val="tx1">
+                    <a:tint val="75000"/>
+                  </a:schemeClr>
+                </a:solidFill>
+              </a:defRPr>
+            </a:lvl4pPr>
+            <a:lvl5pPr marL="1828800" indent="0">
+              <a:buNone/>
+              <a:defRPr sz="1400">
+                <a:solidFill>
+                  <a:schemeClr val="tx1">
+                    <a:tint val="75000"/>
+                  </a:schemeClr>
+                </a:solidFill>
+              </a:defRPr>
+            </a:lvl5pPr>
+            <a:lvl6pPr marL="2286000" indent="0">
+              <a:buNone/>
+              <a:defRPr sz="1400">
+                <a:solidFill>
+                  <a:schemeClr val="tx1">
+                    <a:tint val="75000"/>
+                  </a:schemeClr>
+                </a:solidFill>
+              </a:defRPr>
+            </a:lvl6pPr>
+            <a:lvl7pPr marL="2743200" indent="0">
+              <a:buNone/>
+              <a:defRPr sz="1400">
+                <a:solidFill>
+                  <a:schemeClr val="tx1">
+                    <a:tint val="75000"/>
+                  </a:schemeClr>
+                </a:solidFill>
+              </a:defRPr>
+            </a:lvl7pPr>
+            <a:lvl8pPr marL="3200400" indent="0">
+              <a:buNone/>
+              <a:defRPr sz="1400">
+                <a:solidFill>
+                  <a:schemeClr val="tx1">
+                    <a:tint val="75000"/>
+                  </a:schemeClr>
+                </a:solidFill>
+              </a:defRPr>
+            </a:lvl8pPr>
+            <a:lvl9pPr marL="3657600" indent="0">
+              <a:buNone/>
+              <a:defRPr sz="1400">
+                <a:solidFill>
+                  <a:schemeClr val="tx1">
+                    <a:tint val="75000"/>
+                  </a:schemeClr>
+                </a:solidFill>
+              </a:defRPr>
+            </a:lvl9pPr>
+          </a:lstStyle>
+          <a:p>
+            <a:pPr lvl="0"/>
+            <a:r>
+              <a:rPr lang="en-US"/>
+              <a:t>Edit Master text styles</a:t>
+            </a:r>
+          </a:p>
+        </p:txBody>
+      </p:sp>
+      <p:sp>
+        <p:nvSpPr>
+          <p:cNvPr id="4" name="Date Placeholder 3"/>
+          <p:cNvSpPr>
+            <a:spLocks noGrp="1"/>
+          </p:cNvSpPr>
+          <p:nvPr>
+            <p:ph type="dt" sz="half" idx="10"/>
+          </p:nvPr>
+        </p:nvSpPr>
+        <p:spPr/>
+        <p:txBody>
+          <a:bodyPr/>
+          <a:lstStyle/>
+          <a:p>
+            <a:fld id="{9447333A-8542-4DEB-A96F-D63023230355}" type="datetimeFigureOut">
+              <a:rPr lang="en-GB" smtClean="0"/>
+              <a:t>22/03/2017</a:t>
+            </a:fld>
+            <a:endParaRPr lang="en-GB"/>
+          </a:p>
+        </p:txBody>
+      </p:sp>
+      <p:sp>
+        <p:nvSpPr>
+          <p:cNvPr id="5" name="Footer Placeholder 4"/>
+          <p:cNvSpPr>
+            <a:spLocks noGrp="1"/>
+          </p:cNvSpPr>
+          <p:nvPr>
+            <p:ph type="ftr" sz="quarter" idx="11"/>
+          </p:nvPr>
+        </p:nvSpPr>
+        <p:spPr/>
+        <p:txBody>
+          <a:bodyPr/>
+          <a:lstStyle/>
+          <a:p>
+            <a:endParaRPr lang="en-GB"/>
+          </a:p>
+        </p:txBody>
+      </p:sp>
+      <p:sp>
+        <p:nvSpPr>
+          <p:cNvPr id="6" name="Slide Number Placeholder 5"/>
+          <p:cNvSpPr>
+            <a:spLocks noGrp="1"/>
+          </p:cNvSpPr>
+          <p:nvPr>
+            <p:ph type="sldNum" sz="quarter" idx="12"/>
+          </p:nvPr>
+        </p:nvSpPr>
+        <p:spPr/>
+        <p:txBody>
+          <a:bodyPr/>
+          <a:lstStyle/>
+          <a:p>
+            <a:fld id="{DCBA0AA9-EF68-4901-AF94-4BA07D6C312E}" type="slidenum">
+              <a:rPr lang="en-GB" smtClean="0"/>
+              <a:t>‹#›</a:t>
+            </a:fld>
+            <a:endParaRPr lang="en-GB"/>
+          </a:p>
+        </p:txBody>
+      </p:sp>
+    </p:spTree>
+    <p:extLst>
+      <p:ext uri="{BB962C8B-B14F-4D97-AF65-F5344CB8AC3E}">
+        <p14:creationId xmlns:p14="http://schemas.microsoft.com/office/powerpoint/2010/main" val="3992275019"/>
+      </p:ext>
+    </p:extLst>
+  </p:cSld>
+  <p:clrMapOvr>
+    <a:masterClrMapping/>
+  </p:clrMapOvr>
+</p:sldLayout>
+</file>
+
+<file path=ppt/slideLayouts/slideLayout12.xml><?xml version="1.0" encoding="utf-8"?>
+<p:sldLayout xmlns:a="http://schemas.openxmlformats.org/drawingml/2006/main" xmlns:r="http://schemas.openxmlformats.org/officeDocument/2006/relationships" xmlns:p="http://schemas.openxmlformats.org/presentationml/2006/main" preserve="1">
+  <p:cSld name="Quote with Caption">
+    <p:spTree>
+      <p:nvGrpSpPr>
+        <p:cNvPr id="1" name=""/>
+        <p:cNvGrpSpPr/>
+        <p:nvPr/>
+      </p:nvGrpSpPr>
+      <p:grpSpPr>
+        <a:xfrm>
+          <a:off x="0" y="0"/>
+          <a:ext cx="0" cy="0"/>
+          <a:chOff x="0" y="0"/>
+          <a:chExt cx="0" cy="0"/>
+        </a:xfrm>
+      </p:grpSpPr>
+      <p:sp>
+        <p:nvSpPr>
+          <p:cNvPr id="2" name="Title 1"/>
+          <p:cNvSpPr>
+            <a:spLocks noGrp="1"/>
+          </p:cNvSpPr>
+          <p:nvPr>
+            <p:ph type="title"/>
+          </p:nvPr>
+        </p:nvSpPr>
+        <p:spPr>
+          <a:xfrm>
+            <a:off x="856283" y="533400"/>
+            <a:ext cx="6859787" cy="2895600"/>
+          </a:xfrm>
+        </p:spPr>
+        <p:txBody>
+          <a:bodyPr anchor="ctr">
+            <a:normAutofit/>
+          </a:bodyPr>
+          <a:lstStyle>
+            <a:lvl1pPr algn="l">
+              <a:defRPr sz="2800" b="0" cap="all">
+                <a:solidFill>
+                  <a:schemeClr val="tx1"/>
+                </a:solidFill>
+              </a:defRPr>
+            </a:lvl1pPr>
+          </a:lstStyle>
+          <a:p>
+            <a:r>
+              <a:rPr lang="en-US"/>
+              <a:t>Click to edit Master title style</a:t>
+            </a:r>
+            <a:endParaRPr lang="en-US" dirty="0"/>
+          </a:p>
+        </p:txBody>
+      </p:sp>
+      <p:sp>
+        <p:nvSpPr>
+          <p:cNvPr id="10" name="Text Placeholder 9"/>
+          <p:cNvSpPr>
+            <a:spLocks noGrp="1"/>
+          </p:cNvSpPr>
+          <p:nvPr>
+            <p:ph type="body" sz="quarter" idx="13"/>
+          </p:nvPr>
+        </p:nvSpPr>
+        <p:spPr>
+          <a:xfrm>
+            <a:off x="1066800" y="3429000"/>
+            <a:ext cx="6402467" cy="482600"/>
+          </a:xfrm>
+        </p:spPr>
+        <p:txBody>
+          <a:bodyPr anchor="ctr"/>
+          <a:lstStyle>
+            <a:lvl1pPr marL="0" indent="0">
+              <a:buFontTx/>
+              <a:buNone/>
+              <a:defRPr/>
+            </a:lvl1pPr>
+            <a:lvl2pPr marL="457200" indent="0">
+              <a:buFontTx/>
+              <a:buNone/>
+              <a:defRPr/>
+            </a:lvl2pPr>
+            <a:lvl3pPr marL="914400" indent="0">
+              <a:buFontTx/>
+              <a:buNone/>
+              <a:defRPr/>
+            </a:lvl3pPr>
+            <a:lvl4pPr marL="1371600" indent="0">
+              <a:buFontTx/>
+              <a:buNone/>
+              <a:defRPr/>
+            </a:lvl4pPr>
+            <a:lvl5pPr marL="1828800" indent="0">
+              <a:buFontTx/>
+              <a:buNone/>
+              <a:defRPr/>
+            </a:lvl5pPr>
+          </a:lstStyle>
+          <a:p>
+            <a:pPr lvl="0"/>
+            <a:r>
+              <a:rPr lang="en-US"/>
+              <a:t>Edit Master text styles</a:t>
+            </a:r>
+          </a:p>
+        </p:txBody>
+      </p:sp>
+      <p:sp>
+        <p:nvSpPr>
+          <p:cNvPr id="3" name="Text Placeholder 2"/>
+          <p:cNvSpPr>
+            <a:spLocks noGrp="1"/>
+          </p:cNvSpPr>
+          <p:nvPr>
+            <p:ph type="body" idx="1"/>
+          </p:nvPr>
+        </p:nvSpPr>
+        <p:spPr>
+          <a:xfrm>
+            <a:off x="533400" y="4301070"/>
+            <a:ext cx="6382361" cy="1718730"/>
+          </a:xfrm>
+        </p:spPr>
+        <p:txBody>
+          <a:bodyPr anchor="ctr">
+            <a:normAutofit/>
+          </a:bodyPr>
+          <a:lstStyle>
+            <a:lvl1pPr marL="0" indent="0" algn="l">
+              <a:buNone/>
+              <a:defRPr sz="2000">
+                <a:solidFill>
+                  <a:schemeClr val="bg2">
+                    <a:lumMod val="75000"/>
+                  </a:schemeClr>
+                </a:solidFill>
+              </a:defRPr>
+            </a:lvl1pPr>
+            <a:lvl2pPr marL="457200" indent="0">
+              <a:buNone/>
+              <a:defRPr sz="1800">
+                <a:solidFill>
+                  <a:schemeClr val="tx1">
+                    <a:tint val="75000"/>
+                  </a:schemeClr>
+                </a:solidFill>
+              </a:defRPr>
+            </a:lvl2pPr>
+            <a:lvl3pPr marL="914400" indent="0">
+              <a:buNone/>
+              <a:defRPr sz="1600">
+                <a:solidFill>
+                  <a:schemeClr val="tx1">
+                    <a:tint val="75000"/>
+                  </a:schemeClr>
+                </a:solidFill>
+              </a:defRPr>
+            </a:lvl3pPr>
+            <a:lvl4pPr marL="1371600" indent="0">
+              <a:buNone/>
+              <a:defRPr sz="1400">
+                <a:solidFill>
+                  <a:schemeClr val="tx1">
+                    <a:tint val="75000"/>
+                  </a:schemeClr>
+                </a:solidFill>
+              </a:defRPr>
+            </a:lvl4pPr>
+            <a:lvl5pPr marL="1828800" indent="0">
+              <a:buNone/>
+              <a:defRPr sz="1400">
+                <a:solidFill>
+                  <a:schemeClr val="tx1">
+                    <a:tint val="75000"/>
+                  </a:schemeClr>
+                </a:solidFill>
+              </a:defRPr>
+            </a:lvl5pPr>
+            <a:lvl6pPr marL="2286000" indent="0">
+              <a:buNone/>
+              <a:defRPr sz="1400">
+                <a:solidFill>
+                  <a:schemeClr val="tx1">
+                    <a:tint val="75000"/>
+                  </a:schemeClr>
+                </a:solidFill>
+              </a:defRPr>
+            </a:lvl6pPr>
+            <a:lvl7pPr marL="2743200" indent="0">
+              <a:buNone/>
+              <a:defRPr sz="1400">
+                <a:solidFill>
+                  <a:schemeClr val="tx1">
+                    <a:tint val="75000"/>
+                  </a:schemeClr>
+                </a:solidFill>
+              </a:defRPr>
+            </a:lvl7pPr>
+            <a:lvl8pPr marL="3200400" indent="0">
+              <a:buNone/>
+              <a:defRPr sz="1400">
+                <a:solidFill>
+                  <a:schemeClr val="tx1">
+                    <a:tint val="75000"/>
+                  </a:schemeClr>
+                </a:solidFill>
+              </a:defRPr>
+            </a:lvl8pPr>
+            <a:lvl9pPr marL="3657600" indent="0">
+              <a:buNone/>
+              <a:defRPr sz="1400">
+                <a:solidFill>
+                  <a:schemeClr val="tx1">
+                    <a:tint val="75000"/>
+                  </a:schemeClr>
+                </a:solidFill>
+              </a:defRPr>
+            </a:lvl9pPr>
+          </a:lstStyle>
+          <a:p>
+            <a:pPr lvl="0"/>
+            <a:r>
+              <a:rPr lang="en-US"/>
+              <a:t>Edit Master text styles</a:t>
+            </a:r>
+          </a:p>
+        </p:txBody>
+      </p:sp>
+      <p:sp>
+        <p:nvSpPr>
+          <p:cNvPr id="4" name="Date Placeholder 3"/>
+          <p:cNvSpPr>
+            <a:spLocks noGrp="1"/>
+          </p:cNvSpPr>
+          <p:nvPr>
+            <p:ph type="dt" sz="half" idx="10"/>
+          </p:nvPr>
+        </p:nvSpPr>
+        <p:spPr/>
+        <p:txBody>
+          <a:bodyPr/>
+          <a:lstStyle/>
+          <a:p>
+            <a:fld id="{9447333A-8542-4DEB-A96F-D63023230355}" type="datetimeFigureOut">
+              <a:rPr lang="en-GB" smtClean="0"/>
+              <a:t>22/03/2017</a:t>
+            </a:fld>
+            <a:endParaRPr lang="en-GB"/>
+          </a:p>
+        </p:txBody>
+      </p:sp>
+      <p:sp>
+        <p:nvSpPr>
+          <p:cNvPr id="5" name="Footer Placeholder 4"/>
+          <p:cNvSpPr>
+            <a:spLocks noGrp="1"/>
+          </p:cNvSpPr>
+          <p:nvPr>
+            <p:ph type="ftr" sz="quarter" idx="11"/>
+          </p:nvPr>
+        </p:nvSpPr>
+        <p:spPr/>
+        <p:txBody>
+          <a:bodyPr/>
+          <a:lstStyle/>
+          <a:p>
+            <a:endParaRPr lang="en-GB"/>
+          </a:p>
+        </p:txBody>
+      </p:sp>
+      <p:sp>
+        <p:nvSpPr>
+          <p:cNvPr id="6" name="Slide Number Placeholder 5"/>
+          <p:cNvSpPr>
+            <a:spLocks noGrp="1"/>
+          </p:cNvSpPr>
+          <p:nvPr>
+            <p:ph type="sldNum" sz="quarter" idx="12"/>
+          </p:nvPr>
+        </p:nvSpPr>
+        <p:spPr/>
+        <p:txBody>
+          <a:bodyPr/>
+          <a:lstStyle/>
+          <a:p>
+            <a:fld id="{DCBA0AA9-EF68-4901-AF94-4BA07D6C312E}" type="slidenum">
+              <a:rPr lang="en-GB" smtClean="0"/>
+              <a:t>‹#›</a:t>
+            </a:fld>
+            <a:endParaRPr lang="en-GB"/>
+          </a:p>
+        </p:txBody>
+      </p:sp>
+      <p:sp>
+        <p:nvSpPr>
+          <p:cNvPr id="14" name="TextBox 13"/>
+          <p:cNvSpPr txBox="1"/>
+          <p:nvPr/>
+        </p:nvSpPr>
+        <p:spPr>
+          <a:xfrm>
+            <a:off x="228600" y="710624"/>
+            <a:ext cx="457319" cy="584776"/>
+          </a:xfrm>
+          <a:prstGeom prst="rect">
+            <a:avLst/>
+          </a:prstGeom>
+        </p:spPr>
+        <p:txBody>
+          <a:bodyPr vert="horz" lIns="91440" tIns="45720" rIns="91440" bIns="45720" rtlCol="0" anchor="ctr">
+            <a:noAutofit/>
+          </a:bodyPr>
+          <a:lstStyle/>
+          <a:p>
+            <a:pPr lvl="0"/>
+            <a:r>
+              <a:rPr lang="en-US" sz="8000" dirty="0">
+                <a:solidFill>
+                  <a:schemeClr val="tx1"/>
+                </a:solidFill>
+                <a:effectLst/>
+              </a:rPr>
+              <a:t>“</a:t>
+            </a:r>
+          </a:p>
+        </p:txBody>
+      </p:sp>
+      <p:sp>
+        <p:nvSpPr>
+          <p:cNvPr id="15" name="TextBox 14"/>
+          <p:cNvSpPr txBox="1"/>
+          <p:nvPr/>
+        </p:nvSpPr>
+        <p:spPr>
+          <a:xfrm>
+            <a:off x="7696200" y="2768601"/>
+            <a:ext cx="457319" cy="584776"/>
+          </a:xfrm>
+          <a:prstGeom prst="rect">
+            <a:avLst/>
+          </a:prstGeom>
+        </p:spPr>
+        <p:txBody>
+          <a:bodyPr vert="horz" lIns="91440" tIns="45720" rIns="91440" bIns="45720" rtlCol="0" anchor="ctr">
+            <a:noAutofit/>
+          </a:bodyPr>
+          <a:lstStyle/>
+          <a:p>
+            <a:pPr lvl="0" algn="r"/>
+            <a:r>
+              <a:rPr lang="en-US" sz="8000" dirty="0">
+                <a:solidFill>
+                  <a:schemeClr val="tx1"/>
+                </a:solidFill>
+                <a:effectLst/>
+              </a:rPr>
+              <a:t>”</a:t>
+            </a:r>
+          </a:p>
+        </p:txBody>
+      </p:sp>
+    </p:spTree>
+    <p:extLst>
+      <p:ext uri="{BB962C8B-B14F-4D97-AF65-F5344CB8AC3E}">
+        <p14:creationId xmlns:p14="http://schemas.microsoft.com/office/powerpoint/2010/main" val="1304960356"/>
+      </p:ext>
+    </p:extLst>
+  </p:cSld>
+  <p:clrMapOvr>
+    <a:masterClrMapping/>
+  </p:clrMapOvr>
+</p:sldLayout>
+</file>
+
+<file path=ppt/slideLayouts/slideLayout13.xml><?xml version="1.0" encoding="utf-8"?>
+<p:sldLayout xmlns:a="http://schemas.openxmlformats.org/drawingml/2006/main" xmlns:r="http://schemas.openxmlformats.org/officeDocument/2006/relationships" xmlns:p="http://schemas.openxmlformats.org/presentationml/2006/main" preserve="1">
+  <p:cSld name="Name Card">
+    <p:spTree>
+      <p:nvGrpSpPr>
+        <p:cNvPr id="1" name=""/>
+        <p:cNvGrpSpPr/>
+        <p:nvPr/>
+      </p:nvGrpSpPr>
+      <p:grpSpPr>
+        <a:xfrm>
+          <a:off x="0" y="0"/>
+          <a:ext cx="0" cy="0"/>
+          <a:chOff x="0" y="0"/>
+          <a:chExt cx="0" cy="0"/>
+        </a:xfrm>
+      </p:grpSpPr>
+      <p:sp>
+        <p:nvSpPr>
+          <p:cNvPr id="2" name="Title 1"/>
+          <p:cNvSpPr>
+            <a:spLocks noGrp="1"/>
+          </p:cNvSpPr>
+          <p:nvPr>
+            <p:ph type="title"/>
+          </p:nvPr>
+        </p:nvSpPr>
+        <p:spPr>
+          <a:xfrm>
+            <a:off x="533400" y="3429000"/>
+            <a:ext cx="6382361" cy="1697400"/>
+          </a:xfrm>
+        </p:spPr>
+        <p:txBody>
+          <a:bodyPr anchor="b">
+            <a:normAutofit/>
+          </a:bodyPr>
+          <a:lstStyle>
+            <a:lvl1pPr algn="l">
+              <a:defRPr sz="2800" b="0" cap="all"/>
+            </a:lvl1pPr>
+          </a:lstStyle>
+          <a:p>
+            <a:r>
+              <a:rPr lang="en-US"/>
+              <a:t>Click to edit Master title style</a:t>
+            </a:r>
+            <a:endParaRPr lang="en-US" dirty="0"/>
+          </a:p>
+        </p:txBody>
+      </p:sp>
+      <p:sp>
+        <p:nvSpPr>
+          <p:cNvPr id="3" name="Text Placeholder 2"/>
+          <p:cNvSpPr>
+            <a:spLocks noGrp="1"/>
+          </p:cNvSpPr>
+          <p:nvPr>
+            <p:ph type="body" idx="1"/>
+          </p:nvPr>
+        </p:nvSpPr>
+        <p:spPr>
+          <a:xfrm>
+            <a:off x="533400" y="5132980"/>
+            <a:ext cx="6383552" cy="886819"/>
+          </a:xfrm>
+        </p:spPr>
+        <p:txBody>
+          <a:bodyPr anchor="t">
+            <a:normAutofit/>
+          </a:bodyPr>
+          <a:lstStyle>
+            <a:lvl1pPr marL="0" indent="0" algn="l">
+              <a:buNone/>
+              <a:defRPr sz="1800">
+                <a:solidFill>
+                  <a:schemeClr val="bg2">
+                    <a:lumMod val="75000"/>
+                  </a:schemeClr>
+                </a:solidFill>
+              </a:defRPr>
+            </a:lvl1pPr>
+            <a:lvl2pPr marL="457200" indent="0">
+              <a:buNone/>
+              <a:defRPr sz="1800">
+                <a:solidFill>
+                  <a:schemeClr val="tx1">
+                    <a:tint val="75000"/>
+                  </a:schemeClr>
+                </a:solidFill>
+              </a:defRPr>
+            </a:lvl2pPr>
+            <a:lvl3pPr marL="914400" indent="0">
+              <a:buNone/>
+              <a:defRPr sz="1600">
+                <a:solidFill>
+                  <a:schemeClr val="tx1">
+                    <a:tint val="75000"/>
+                  </a:schemeClr>
+                </a:solidFill>
+              </a:defRPr>
+            </a:lvl3pPr>
+            <a:lvl4pPr marL="1371600" indent="0">
+              <a:buNone/>
+              <a:defRPr sz="1400">
+                <a:solidFill>
+                  <a:schemeClr val="tx1">
+                    <a:tint val="75000"/>
+                  </a:schemeClr>
+                </a:solidFill>
+              </a:defRPr>
+            </a:lvl4pPr>
+            <a:lvl5pPr marL="1828800" indent="0">
+              <a:buNone/>
+              <a:defRPr sz="1400">
+                <a:solidFill>
+                  <a:schemeClr val="tx1">
+                    <a:tint val="75000"/>
+                  </a:schemeClr>
+                </a:solidFill>
+              </a:defRPr>
+            </a:lvl5pPr>
+            <a:lvl6pPr marL="2286000" indent="0">
+              <a:buNone/>
+              <a:defRPr sz="1400">
+                <a:solidFill>
+                  <a:schemeClr val="tx1">
+                    <a:tint val="75000"/>
+                  </a:schemeClr>
+                </a:solidFill>
+              </a:defRPr>
+            </a:lvl6pPr>
+            <a:lvl7pPr marL="2743200" indent="0">
+              <a:buNone/>
+              <a:defRPr sz="1400">
+                <a:solidFill>
+                  <a:schemeClr val="tx1">
+                    <a:tint val="75000"/>
+                  </a:schemeClr>
+                </a:solidFill>
+              </a:defRPr>
+            </a:lvl7pPr>
+            <a:lvl8pPr marL="3200400" indent="0">
+              <a:buNone/>
+              <a:defRPr sz="1400">
+                <a:solidFill>
+                  <a:schemeClr val="tx1">
+                    <a:tint val="75000"/>
+                  </a:schemeClr>
+                </a:solidFill>
+              </a:defRPr>
+            </a:lvl8pPr>
+            <a:lvl9pPr marL="3657600" indent="0">
+              <a:buNone/>
+              <a:defRPr sz="1400">
+                <a:solidFill>
+                  <a:schemeClr val="tx1">
+                    <a:tint val="75000"/>
+                  </a:schemeClr>
+                </a:solidFill>
+              </a:defRPr>
+            </a:lvl9pPr>
+          </a:lstStyle>
+          <a:p>
+            <a:pPr lvl="0"/>
+            <a:r>
+              <a:rPr lang="en-US"/>
+              <a:t>Edit Master text styles</a:t>
+            </a:r>
+          </a:p>
+        </p:txBody>
+      </p:sp>
+      <p:sp>
+        <p:nvSpPr>
+          <p:cNvPr id="4" name="Date Placeholder 3"/>
+          <p:cNvSpPr>
+            <a:spLocks noGrp="1"/>
+          </p:cNvSpPr>
+          <p:nvPr>
+            <p:ph type="dt" sz="half" idx="10"/>
+          </p:nvPr>
+        </p:nvSpPr>
+        <p:spPr/>
+        <p:txBody>
+          <a:bodyPr/>
+          <a:lstStyle/>
+          <a:p>
+            <a:fld id="{9447333A-8542-4DEB-A96F-D63023230355}" type="datetimeFigureOut">
+              <a:rPr lang="en-GB" smtClean="0"/>
+              <a:t>22/03/2017</a:t>
+            </a:fld>
+            <a:endParaRPr lang="en-GB"/>
+          </a:p>
+        </p:txBody>
+      </p:sp>
+      <p:sp>
+        <p:nvSpPr>
+          <p:cNvPr id="5" name="Footer Placeholder 4"/>
+          <p:cNvSpPr>
+            <a:spLocks noGrp="1"/>
+          </p:cNvSpPr>
+          <p:nvPr>
+            <p:ph type="ftr" sz="quarter" idx="11"/>
+          </p:nvPr>
+        </p:nvSpPr>
+        <p:spPr/>
+        <p:txBody>
+          <a:bodyPr/>
+          <a:lstStyle/>
+          <a:p>
+            <a:endParaRPr lang="en-GB"/>
+          </a:p>
+        </p:txBody>
+      </p:sp>
+      <p:sp>
+        <p:nvSpPr>
+          <p:cNvPr id="6" name="Slide Number Placeholder 5"/>
+          <p:cNvSpPr>
+            <a:spLocks noGrp="1"/>
+          </p:cNvSpPr>
+          <p:nvPr>
+            <p:ph type="sldNum" sz="quarter" idx="12"/>
+          </p:nvPr>
+        </p:nvSpPr>
+        <p:spPr/>
+        <p:txBody>
+          <a:bodyPr/>
+          <a:lstStyle/>
+          <a:p>
+            <a:fld id="{DCBA0AA9-EF68-4901-AF94-4BA07D6C312E}" type="slidenum">
+              <a:rPr lang="en-GB" smtClean="0"/>
+              <a:t>‹#›</a:t>
+            </a:fld>
+            <a:endParaRPr lang="en-GB"/>
+          </a:p>
+        </p:txBody>
+      </p:sp>
+    </p:spTree>
+    <p:extLst>
+      <p:ext uri="{BB962C8B-B14F-4D97-AF65-F5344CB8AC3E}">
+        <p14:creationId xmlns:p14="http://schemas.microsoft.com/office/powerpoint/2010/main" val="3662341225"/>
+      </p:ext>
+    </p:extLst>
+  </p:cSld>
+  <p:clrMapOvr>
+    <a:masterClrMapping/>
+  </p:clrMapOvr>
+</p:sldLayout>
+</file>
+
+<file path=ppt/slideLayouts/slideLayout14.xml><?xml version="1.0" encoding="utf-8"?>
+<p:sldLayout xmlns:a="http://schemas.openxmlformats.org/drawingml/2006/main" xmlns:r="http://schemas.openxmlformats.org/officeDocument/2006/relationships" xmlns:p="http://schemas.openxmlformats.org/presentationml/2006/main" preserve="1">
+  <p:cSld name="Quote Name Card">
+    <p:spTree>
+      <p:nvGrpSpPr>
+        <p:cNvPr id="1" name=""/>
+        <p:cNvGrpSpPr/>
+        <p:nvPr/>
+      </p:nvGrpSpPr>
+      <p:grpSpPr>
+        <a:xfrm>
+          <a:off x="0" y="0"/>
+          <a:ext cx="0" cy="0"/>
+          <a:chOff x="0" y="0"/>
+          <a:chExt cx="0" cy="0"/>
+        </a:xfrm>
+      </p:grpSpPr>
+      <p:sp>
+        <p:nvSpPr>
+          <p:cNvPr id="2" name="Title 1"/>
+          <p:cNvSpPr>
+            <a:spLocks noGrp="1"/>
+          </p:cNvSpPr>
+          <p:nvPr>
+            <p:ph type="title"/>
+          </p:nvPr>
+        </p:nvSpPr>
+        <p:spPr>
+          <a:xfrm>
+            <a:off x="856284" y="533400"/>
+            <a:ext cx="6859786" cy="2895600"/>
+          </a:xfrm>
+        </p:spPr>
+        <p:txBody>
+          <a:bodyPr anchor="ctr">
+            <a:normAutofit/>
+          </a:bodyPr>
+          <a:lstStyle>
+            <a:lvl1pPr algn="l">
+              <a:defRPr sz="2800" b="0" cap="all">
+                <a:solidFill>
+                  <a:schemeClr val="tx1"/>
+                </a:solidFill>
+              </a:defRPr>
+            </a:lvl1pPr>
+          </a:lstStyle>
+          <a:p>
+            <a:r>
+              <a:rPr lang="en-US"/>
+              <a:t>Click to edit Master title style</a:t>
+            </a:r>
+            <a:endParaRPr lang="en-US" dirty="0"/>
+          </a:p>
+        </p:txBody>
+      </p:sp>
+      <p:sp>
+        <p:nvSpPr>
+          <p:cNvPr id="10" name="Text Placeholder 9"/>
+          <p:cNvSpPr>
+            <a:spLocks noGrp="1"/>
+          </p:cNvSpPr>
+          <p:nvPr>
+            <p:ph type="body" sz="quarter" idx="13"/>
+          </p:nvPr>
+        </p:nvSpPr>
+        <p:spPr>
+          <a:xfrm>
+            <a:off x="533400" y="3886200"/>
+            <a:ext cx="6382361" cy="1049866"/>
+          </a:xfrm>
+        </p:spPr>
+        <p:txBody>
+          <a:bodyPr vert="horz" lIns="91440" tIns="45720" rIns="91440" bIns="45720" rtlCol="0" anchor="b">
+            <a:normAutofit/>
+          </a:bodyPr>
+          <a:lstStyle>
+            <a:lvl1pPr>
+              <a:buNone/>
+              <a:defRPr lang="en-US" sz="2000" b="0" cap="all" dirty="0">
+                <a:ln w="3175" cmpd="sng">
+                  <a:noFill/>
+                </a:ln>
+                <a:solidFill>
+                  <a:schemeClr val="tx1"/>
+                </a:solidFill>
+                <a:effectLst/>
+              </a:defRPr>
+            </a:lvl1pPr>
+          </a:lstStyle>
+          <a:p>
+            <a:pPr marL="0" lvl="0">
+              <a:spcBef>
+                <a:spcPct val="0"/>
+              </a:spcBef>
+              <a:buNone/>
+            </a:pPr>
+            <a:r>
+              <a:rPr lang="en-US"/>
+              <a:t>Edit Master text styles</a:t>
+            </a:r>
+          </a:p>
+        </p:txBody>
+      </p:sp>
+      <p:sp>
+        <p:nvSpPr>
+          <p:cNvPr id="3" name="Text Placeholder 2"/>
+          <p:cNvSpPr>
+            <a:spLocks noGrp="1"/>
+          </p:cNvSpPr>
+          <p:nvPr>
+            <p:ph type="body" idx="1"/>
+          </p:nvPr>
+        </p:nvSpPr>
+        <p:spPr>
+          <a:xfrm>
+            <a:off x="533400" y="4953000"/>
+            <a:ext cx="6382360" cy="1066800"/>
+          </a:xfrm>
+        </p:spPr>
+        <p:txBody>
+          <a:bodyPr anchor="t">
+            <a:normAutofit/>
+          </a:bodyPr>
+          <a:lstStyle>
+            <a:lvl1pPr marL="0" indent="0" algn="l">
+              <a:buNone/>
+              <a:defRPr sz="1800">
+                <a:solidFill>
+                  <a:schemeClr val="bg2">
+                    <a:lumMod val="75000"/>
+                  </a:schemeClr>
+                </a:solidFill>
+              </a:defRPr>
+            </a:lvl1pPr>
+            <a:lvl2pPr marL="457200" indent="0">
+              <a:buNone/>
+              <a:defRPr sz="1800">
+                <a:solidFill>
+                  <a:schemeClr val="tx1">
+                    <a:tint val="75000"/>
+                  </a:schemeClr>
+                </a:solidFill>
+              </a:defRPr>
+            </a:lvl2pPr>
+            <a:lvl3pPr marL="914400" indent="0">
+              <a:buNone/>
+              <a:defRPr sz="1600">
+                <a:solidFill>
+                  <a:schemeClr val="tx1">
+                    <a:tint val="75000"/>
+                  </a:schemeClr>
+                </a:solidFill>
+              </a:defRPr>
+            </a:lvl3pPr>
+            <a:lvl4pPr marL="1371600" indent="0">
+              <a:buNone/>
+              <a:defRPr sz="1400">
+                <a:solidFill>
+                  <a:schemeClr val="tx1">
+                    <a:tint val="75000"/>
+                  </a:schemeClr>
+                </a:solidFill>
+              </a:defRPr>
+            </a:lvl4pPr>
+            <a:lvl5pPr marL="1828800" indent="0">
+              <a:buNone/>
+              <a:defRPr sz="1400">
+                <a:solidFill>
+                  <a:schemeClr val="tx1">
+                    <a:tint val="75000"/>
+                  </a:schemeClr>
+                </a:solidFill>
+              </a:defRPr>
+            </a:lvl5pPr>
+            <a:lvl6pPr marL="2286000" indent="0">
+              <a:buNone/>
+              <a:defRPr sz="1400">
+                <a:solidFill>
+                  <a:schemeClr val="tx1">
+                    <a:tint val="75000"/>
+                  </a:schemeClr>
+                </a:solidFill>
+              </a:defRPr>
+            </a:lvl6pPr>
+            <a:lvl7pPr marL="2743200" indent="0">
+              <a:buNone/>
+              <a:defRPr sz="1400">
+                <a:solidFill>
+                  <a:schemeClr val="tx1">
+                    <a:tint val="75000"/>
+                  </a:schemeClr>
+                </a:solidFill>
+              </a:defRPr>
+            </a:lvl7pPr>
+            <a:lvl8pPr marL="3200400" indent="0">
+              <a:buNone/>
+              <a:defRPr sz="1400">
+                <a:solidFill>
+                  <a:schemeClr val="tx1">
+                    <a:tint val="75000"/>
+                  </a:schemeClr>
+                </a:solidFill>
+              </a:defRPr>
+            </a:lvl8pPr>
+            <a:lvl9pPr marL="3657600" indent="0">
+              <a:buNone/>
+              <a:defRPr sz="1400">
+                <a:solidFill>
+                  <a:schemeClr val="tx1">
+                    <a:tint val="75000"/>
+                  </a:schemeClr>
+                </a:solidFill>
+              </a:defRPr>
+            </a:lvl9pPr>
+          </a:lstStyle>
+          <a:p>
+            <a:pPr lvl="0"/>
+            <a:r>
+              <a:rPr lang="en-US"/>
+              <a:t>Edit Master text styles</a:t>
+            </a:r>
+          </a:p>
+        </p:txBody>
+      </p:sp>
+      <p:sp>
+        <p:nvSpPr>
+          <p:cNvPr id="4" name="Date Placeholder 3"/>
+          <p:cNvSpPr>
+            <a:spLocks noGrp="1"/>
+          </p:cNvSpPr>
+          <p:nvPr>
+            <p:ph type="dt" sz="half" idx="10"/>
+          </p:nvPr>
+        </p:nvSpPr>
+        <p:spPr/>
+        <p:txBody>
+          <a:bodyPr/>
+          <a:lstStyle/>
+          <a:p>
+            <a:fld id="{9447333A-8542-4DEB-A96F-D63023230355}" type="datetimeFigureOut">
+              <a:rPr lang="en-GB" smtClean="0"/>
+              <a:t>22/03/2017</a:t>
+            </a:fld>
+            <a:endParaRPr lang="en-GB"/>
+          </a:p>
+        </p:txBody>
+      </p:sp>
+      <p:sp>
+        <p:nvSpPr>
+          <p:cNvPr id="5" name="Footer Placeholder 4"/>
+          <p:cNvSpPr>
+            <a:spLocks noGrp="1"/>
+          </p:cNvSpPr>
+          <p:nvPr>
+            <p:ph type="ftr" sz="quarter" idx="11"/>
+          </p:nvPr>
+        </p:nvSpPr>
+        <p:spPr/>
+        <p:txBody>
+          <a:bodyPr/>
+          <a:lstStyle/>
+          <a:p>
+            <a:endParaRPr lang="en-GB"/>
+          </a:p>
+        </p:txBody>
+      </p:sp>
+      <p:sp>
+        <p:nvSpPr>
+          <p:cNvPr id="6" name="Slide Number Placeholder 5"/>
+          <p:cNvSpPr>
+            <a:spLocks noGrp="1"/>
+          </p:cNvSpPr>
+          <p:nvPr>
+            <p:ph type="sldNum" sz="quarter" idx="12"/>
+          </p:nvPr>
+        </p:nvSpPr>
+        <p:spPr/>
+        <p:txBody>
+          <a:bodyPr/>
+          <a:lstStyle/>
+          <a:p>
+            <a:fld id="{DCBA0AA9-EF68-4901-AF94-4BA07D6C312E}" type="slidenum">
+              <a:rPr lang="en-GB" smtClean="0"/>
+              <a:t>‹#›</a:t>
+            </a:fld>
+            <a:endParaRPr lang="en-GB"/>
+          </a:p>
+        </p:txBody>
+      </p:sp>
+      <p:sp>
+        <p:nvSpPr>
+          <p:cNvPr id="14" name="TextBox 13"/>
+          <p:cNvSpPr txBox="1"/>
+          <p:nvPr/>
+        </p:nvSpPr>
+        <p:spPr>
+          <a:xfrm>
+            <a:off x="228600" y="710624"/>
+            <a:ext cx="457319" cy="584776"/>
+          </a:xfrm>
+          <a:prstGeom prst="rect">
+            <a:avLst/>
+          </a:prstGeom>
+        </p:spPr>
+        <p:txBody>
+          <a:bodyPr vert="horz" lIns="91440" tIns="45720" rIns="91440" bIns="45720" rtlCol="0" anchor="ctr">
+            <a:noAutofit/>
+          </a:bodyPr>
+          <a:lstStyle/>
+          <a:p>
+            <a:pPr lvl="0"/>
+            <a:r>
+              <a:rPr lang="en-US" sz="8000" dirty="0">
+                <a:solidFill>
+                  <a:schemeClr val="tx1"/>
+                </a:solidFill>
+                <a:effectLst/>
+              </a:rPr>
+              <a:t>“</a:t>
+            </a:r>
+          </a:p>
+        </p:txBody>
+      </p:sp>
+      <p:sp>
+        <p:nvSpPr>
+          <p:cNvPr id="15" name="TextBox 14"/>
+          <p:cNvSpPr txBox="1"/>
+          <p:nvPr/>
+        </p:nvSpPr>
+        <p:spPr>
+          <a:xfrm>
+            <a:off x="7696200" y="2768601"/>
+            <a:ext cx="457319" cy="584776"/>
+          </a:xfrm>
+          <a:prstGeom prst="rect">
+            <a:avLst/>
+          </a:prstGeom>
+        </p:spPr>
+        <p:txBody>
+          <a:bodyPr vert="horz" lIns="91440" tIns="45720" rIns="91440" bIns="45720" rtlCol="0" anchor="ctr">
+            <a:noAutofit/>
+          </a:bodyPr>
+          <a:lstStyle/>
+          <a:p>
+            <a:pPr lvl="0" algn="r"/>
+            <a:r>
+              <a:rPr lang="en-US" sz="8000" dirty="0">
+                <a:solidFill>
+                  <a:schemeClr val="tx1"/>
+                </a:solidFill>
+                <a:effectLst/>
+              </a:rPr>
+              <a:t>”</a:t>
+            </a:r>
+          </a:p>
+        </p:txBody>
+      </p:sp>
+    </p:spTree>
+    <p:extLst>
+      <p:ext uri="{BB962C8B-B14F-4D97-AF65-F5344CB8AC3E}">
+        <p14:creationId xmlns:p14="http://schemas.microsoft.com/office/powerpoint/2010/main" val="1690611704"/>
+      </p:ext>
+    </p:extLst>
+  </p:cSld>
+  <p:clrMapOvr>
+    <a:masterClrMapping/>
+  </p:clrMapOvr>
+</p:sldLayout>
+</file>
+
+<file path=ppt/slideLayouts/slideLayout15.xml><?xml version="1.0" encoding="utf-8"?>
+<p:sldLayout xmlns:a="http://schemas.openxmlformats.org/drawingml/2006/main" xmlns:r="http://schemas.openxmlformats.org/officeDocument/2006/relationships" xmlns:p="http://schemas.openxmlformats.org/presentationml/2006/main" preserve="1">
+  <p:cSld name="True or False">
+    <p:spTree>
+      <p:nvGrpSpPr>
+        <p:cNvPr id="1" name=""/>
+        <p:cNvGrpSpPr/>
+        <p:nvPr/>
+      </p:nvGrpSpPr>
+      <p:grpSpPr>
+        <a:xfrm>
+          <a:off x="0" y="0"/>
+          <a:ext cx="0" cy="0"/>
+          <a:chOff x="0" y="0"/>
+          <a:chExt cx="0" cy="0"/>
+        </a:xfrm>
+      </p:grpSpPr>
+      <p:sp>
+        <p:nvSpPr>
+          <p:cNvPr id="2" name="Title 1"/>
+          <p:cNvSpPr>
+            <a:spLocks noGrp="1"/>
+          </p:cNvSpPr>
+          <p:nvPr>
+            <p:ph type="title"/>
+          </p:nvPr>
+        </p:nvSpPr>
+        <p:spPr>
+          <a:xfrm>
+            <a:off x="533400" y="533400"/>
+            <a:ext cx="7525658" cy="2895600"/>
+          </a:xfrm>
+        </p:spPr>
+        <p:txBody>
+          <a:bodyPr vert="horz" lIns="91440" tIns="45720" rIns="91440" bIns="45720" rtlCol="0" anchor="ctr">
+            <a:normAutofit/>
+          </a:bodyPr>
+          <a:lstStyle>
+            <a:lvl1pPr>
+              <a:defRPr lang="en-US" sz="2800" b="0" dirty="0"/>
+            </a:lvl1pPr>
+          </a:lstStyle>
+          <a:p>
+            <a:pPr marL="0" lvl="0"/>
+            <a:r>
+              <a:rPr lang="en-US"/>
+              <a:t>Click to edit Master title style</a:t>
+            </a:r>
+            <a:endParaRPr lang="en-US" dirty="0"/>
+          </a:p>
+        </p:txBody>
+      </p:sp>
+      <p:sp>
+        <p:nvSpPr>
+          <p:cNvPr id="10" name="Text Placeholder 9"/>
+          <p:cNvSpPr>
+            <a:spLocks noGrp="1"/>
+          </p:cNvSpPr>
+          <p:nvPr>
+            <p:ph type="body" sz="quarter" idx="13"/>
+          </p:nvPr>
+        </p:nvSpPr>
+        <p:spPr>
+          <a:xfrm>
+            <a:off x="533400" y="3928534"/>
+            <a:ext cx="6382361" cy="838200"/>
+          </a:xfrm>
+        </p:spPr>
+        <p:txBody>
+          <a:bodyPr vert="horz" lIns="91440" tIns="45720" rIns="91440" bIns="45720" rtlCol="0" anchor="b">
+            <a:normAutofit/>
+          </a:bodyPr>
+          <a:lstStyle>
+            <a:lvl1pPr>
+              <a:buNone/>
+              <a:defRPr lang="en-US" sz="2000" b="0" cap="all" dirty="0">
+                <a:ln w="3175" cmpd="sng">
+                  <a:noFill/>
+                </a:ln>
+                <a:solidFill>
+                  <a:schemeClr val="tx1"/>
+                </a:solidFill>
+                <a:effectLst/>
+              </a:defRPr>
+            </a:lvl1pPr>
+          </a:lstStyle>
+          <a:p>
+            <a:pPr marL="0" lvl="0">
+              <a:spcBef>
+                <a:spcPct val="0"/>
+              </a:spcBef>
+              <a:buNone/>
+            </a:pPr>
+            <a:r>
+              <a:rPr lang="en-US"/>
+              <a:t>Edit Master text styles</a:t>
+            </a:r>
+          </a:p>
+        </p:txBody>
+      </p:sp>
+      <p:sp>
+        <p:nvSpPr>
+          <p:cNvPr id="3" name="Text Placeholder 2"/>
+          <p:cNvSpPr>
+            <a:spLocks noGrp="1"/>
+          </p:cNvSpPr>
+          <p:nvPr>
+            <p:ph type="body" idx="1"/>
+          </p:nvPr>
+        </p:nvSpPr>
+        <p:spPr>
+          <a:xfrm>
+            <a:off x="533400" y="4766735"/>
+            <a:ext cx="6382360" cy="1253065"/>
+          </a:xfrm>
+        </p:spPr>
+        <p:txBody>
+          <a:bodyPr anchor="t">
+            <a:normAutofit/>
+          </a:bodyPr>
+          <a:lstStyle>
+            <a:lvl1pPr marL="0" indent="0" algn="l">
+              <a:buNone/>
+              <a:defRPr sz="1800">
+                <a:solidFill>
+                  <a:schemeClr val="bg2">
+                    <a:lumMod val="75000"/>
+                  </a:schemeClr>
+                </a:solidFill>
+              </a:defRPr>
+            </a:lvl1pPr>
+            <a:lvl2pPr marL="457200" indent="0">
+              <a:buNone/>
+              <a:defRPr sz="1800">
+                <a:solidFill>
+                  <a:schemeClr val="tx1">
+                    <a:tint val="75000"/>
+                  </a:schemeClr>
+                </a:solidFill>
+              </a:defRPr>
+            </a:lvl2pPr>
+            <a:lvl3pPr marL="914400" indent="0">
+              <a:buNone/>
+              <a:defRPr sz="1600">
+                <a:solidFill>
+                  <a:schemeClr val="tx1">
+                    <a:tint val="75000"/>
+                  </a:schemeClr>
+                </a:solidFill>
+              </a:defRPr>
+            </a:lvl3pPr>
+            <a:lvl4pPr marL="1371600" indent="0">
+              <a:buNone/>
+              <a:defRPr sz="1400">
+                <a:solidFill>
+                  <a:schemeClr val="tx1">
+                    <a:tint val="75000"/>
+                  </a:schemeClr>
+                </a:solidFill>
+              </a:defRPr>
+            </a:lvl4pPr>
+            <a:lvl5pPr marL="1828800" indent="0">
+              <a:buNone/>
+              <a:defRPr sz="1400">
+                <a:solidFill>
+                  <a:schemeClr val="tx1">
+                    <a:tint val="75000"/>
+                  </a:schemeClr>
+                </a:solidFill>
+              </a:defRPr>
+            </a:lvl5pPr>
+            <a:lvl6pPr marL="2286000" indent="0">
+              <a:buNone/>
+              <a:defRPr sz="1400">
+                <a:solidFill>
+                  <a:schemeClr val="tx1">
+                    <a:tint val="75000"/>
+                  </a:schemeClr>
+                </a:solidFill>
+              </a:defRPr>
+            </a:lvl6pPr>
+            <a:lvl7pPr marL="2743200" indent="0">
+              <a:buNone/>
+              <a:defRPr sz="1400">
+                <a:solidFill>
+                  <a:schemeClr val="tx1">
+                    <a:tint val="75000"/>
+                  </a:schemeClr>
+                </a:solidFill>
+              </a:defRPr>
+            </a:lvl7pPr>
+            <a:lvl8pPr marL="3200400" indent="0">
+              <a:buNone/>
+              <a:defRPr sz="1400">
+                <a:solidFill>
+                  <a:schemeClr val="tx1">
+                    <a:tint val="75000"/>
+                  </a:schemeClr>
+                </a:solidFill>
+              </a:defRPr>
+            </a:lvl8pPr>
+            <a:lvl9pPr marL="3657600" indent="0">
+              <a:buNone/>
+              <a:defRPr sz="1400">
+                <a:solidFill>
+                  <a:schemeClr val="tx1">
+                    <a:tint val="75000"/>
+                  </a:schemeClr>
+                </a:solidFill>
+              </a:defRPr>
+            </a:lvl9pPr>
+          </a:lstStyle>
+          <a:p>
+            <a:pPr lvl="0"/>
+            <a:r>
+              <a:rPr lang="en-US"/>
+              <a:t>Edit Master text styles</a:t>
+            </a:r>
+          </a:p>
+        </p:txBody>
+      </p:sp>
+      <p:sp>
+        <p:nvSpPr>
+          <p:cNvPr id="4" name="Date Placeholder 3"/>
+          <p:cNvSpPr>
+            <a:spLocks noGrp="1"/>
+          </p:cNvSpPr>
+          <p:nvPr>
+            <p:ph type="dt" sz="half" idx="10"/>
+          </p:nvPr>
+        </p:nvSpPr>
+        <p:spPr/>
+        <p:txBody>
+          <a:bodyPr/>
+          <a:lstStyle/>
+          <a:p>
+            <a:fld id="{9447333A-8542-4DEB-A96F-D63023230355}" type="datetimeFigureOut">
+              <a:rPr lang="en-GB" smtClean="0"/>
+              <a:t>22/03/2017</a:t>
+            </a:fld>
+            <a:endParaRPr lang="en-GB"/>
+          </a:p>
+        </p:txBody>
+      </p:sp>
+      <p:sp>
+        <p:nvSpPr>
+          <p:cNvPr id="5" name="Footer Placeholder 4"/>
+          <p:cNvSpPr>
+            <a:spLocks noGrp="1"/>
+          </p:cNvSpPr>
+          <p:nvPr>
+            <p:ph type="ftr" sz="quarter" idx="11"/>
+          </p:nvPr>
+        </p:nvSpPr>
+        <p:spPr/>
+        <p:txBody>
+          <a:bodyPr/>
+          <a:lstStyle/>
+          <a:p>
+            <a:endParaRPr lang="en-GB"/>
+          </a:p>
+        </p:txBody>
+      </p:sp>
+      <p:sp>
+        <p:nvSpPr>
+          <p:cNvPr id="6" name="Slide Number Placeholder 5"/>
+          <p:cNvSpPr>
+            <a:spLocks noGrp="1"/>
+          </p:cNvSpPr>
+          <p:nvPr>
+            <p:ph type="sldNum" sz="quarter" idx="12"/>
+          </p:nvPr>
+        </p:nvSpPr>
+        <p:spPr/>
+        <p:txBody>
+          <a:bodyPr/>
+          <a:lstStyle/>
+          <a:p>
+            <a:fld id="{DCBA0AA9-EF68-4901-AF94-4BA07D6C312E}" type="slidenum">
+              <a:rPr lang="en-GB" smtClean="0"/>
+              <a:t>‹#›</a:t>
+            </a:fld>
+            <a:endParaRPr lang="en-GB"/>
+          </a:p>
+        </p:txBody>
+      </p:sp>
+    </p:spTree>
+    <p:extLst>
+      <p:ext uri="{BB962C8B-B14F-4D97-AF65-F5344CB8AC3E}">
+        <p14:creationId xmlns:p14="http://schemas.microsoft.com/office/powerpoint/2010/main" val="3717837052"/>
+      </p:ext>
+    </p:extLst>
+  </p:cSld>
+  <p:clrMapOvr>
+    <a:masterClrMapping/>
+  </p:clrMapOvr>
+</p:sldLayout>
+</file>
+
+<file path=ppt/slideLayouts/slideLayout16.xml><?xml version="1.0" encoding="utf-8"?>
 <p:sldLayout xmlns:a="http://schemas.openxmlformats.org/drawingml/2006/main" xmlns:r="http://schemas.openxmlformats.org/officeDocument/2006/relationships" xmlns:p="http://schemas.openxmlformats.org/presentationml/2006/main" type="vertTx" preserve="1">
   <p:cSld name="Title and Vertical Text">
     <p:spTree>
@@ -337,10 +2398,21 @@
             <p:ph type="title"/>
           </p:nvPr>
         </p:nvSpPr>
-        <p:spPr/>
-        <p:txBody>
-          <a:bodyPr/>
-          <a:lstStyle/>
+        <p:spPr>
+          <a:xfrm>
+            <a:off x="533400" y="4495800"/>
+            <a:ext cx="6554867" cy="1524000"/>
+          </a:xfrm>
+        </p:spPr>
+        <p:txBody>
+          <a:bodyPr>
+            <a:normAutofit/>
+          </a:bodyPr>
+          <a:lstStyle>
+            <a:lvl1pPr algn="l">
+              <a:defRPr sz="2800"/>
+            </a:lvl1pPr>
+          </a:lstStyle>
           <a:p>
             <a:r>
               <a:rPr lang="en-US"/>
@@ -360,9 +2432,14 @@
             <p:ph type="body" orient="vert" idx="1"/>
           </p:nvPr>
         </p:nvSpPr>
-        <p:spPr/>
-        <p:txBody>
-          <a:bodyPr vert="eaVert"/>
+        <p:spPr>
+          <a:xfrm>
+            <a:off x="533400" y="533401"/>
+            <a:ext cx="6554867" cy="3767670"/>
+          </a:xfrm>
+        </p:spPr>
+        <p:txBody>
+          <a:bodyPr vert="eaVert" anchor="t"/>
           <a:lstStyle/>
           <a:p>
             <a:pPr lvl="0"/>
@@ -470,7 +2547,7 @@
     </p:spTree>
     <p:extLst>
       <p:ext uri="{BB962C8B-B14F-4D97-AF65-F5344CB8AC3E}">
-        <p14:creationId xmlns:p14="http://schemas.microsoft.com/office/powerpoint/2010/main" val="1733033614"/>
+        <p14:creationId xmlns:p14="http://schemas.microsoft.com/office/powerpoint/2010/main" val="2905878721"/>
       </p:ext>
     </p:extLst>
   </p:cSld>
@@ -480,7 +2557,7 @@
 </p:sldLayout>
 </file>
 
-<file path=ppt/slideLayouts/slideLayout11.xml><?xml version="1.0" encoding="utf-8"?>
+<file path=ppt/slideLayouts/slideLayout17.xml><?xml version="1.0" encoding="utf-8"?>
 <p:sldLayout xmlns:a="http://schemas.openxmlformats.org/drawingml/2006/main" xmlns:r="http://schemas.openxmlformats.org/officeDocument/2006/relationships" xmlns:p="http://schemas.openxmlformats.org/presentationml/2006/main" type="vertTitleAndTx" preserve="1">
   <p:cSld name="Vertical Title and Text">
     <p:spTree>
@@ -509,13 +2586,19 @@
         </p:nvSpPr>
         <p:spPr>
           <a:xfrm>
-            <a:off x="6543675" y="365125"/>
-            <a:ext cx="1971675" cy="5811838"/>
+            <a:off x="6566406" y="533400"/>
+            <a:ext cx="2044194" cy="4419600"/>
           </a:xfrm>
         </p:spPr>
         <p:txBody>
-          <a:bodyPr vert="eaVert"/>
-          <a:lstStyle/>
+          <a:bodyPr vert="eaVert">
+            <a:normAutofit/>
+          </a:bodyPr>
+          <a:lstStyle>
+            <a:lvl1pPr>
+              <a:defRPr sz="2800"/>
+            </a:lvl1pPr>
+          </a:lstStyle>
           <a:p>
             <a:r>
               <a:rPr lang="en-US"/>
@@ -537,12 +2620,12 @@
         </p:nvSpPr>
         <p:spPr>
           <a:xfrm>
-            <a:off x="628650" y="365125"/>
-            <a:ext cx="5800725" cy="5811838"/>
+            <a:off x="533400" y="533400"/>
+            <a:ext cx="5850012" cy="5486400"/>
           </a:xfrm>
         </p:spPr>
         <p:txBody>
-          <a:bodyPr vert="eaVert"/>
+          <a:bodyPr vert="eaVert" anchor="t"/>
           <a:lstStyle/>
           <a:p>
             <a:pPr lvl="0"/>
@@ -650,7 +2733,7 @@
     </p:spTree>
     <p:extLst>
       <p:ext uri="{BB962C8B-B14F-4D97-AF65-F5344CB8AC3E}">
-        <p14:creationId xmlns:p14="http://schemas.microsoft.com/office/powerpoint/2010/main" val="172146855"/>
+        <p14:creationId xmlns:p14="http://schemas.microsoft.com/office/powerpoint/2010/main" val="3317999618"/>
       </p:ext>
     </p:extLst>
   </p:cSld>
@@ -687,7 +2770,12 @@
             <p:ph type="title"/>
           </p:nvPr>
         </p:nvSpPr>
-        <p:spPr/>
+        <p:spPr>
+          <a:xfrm>
+            <a:off x="533400" y="4495800"/>
+            <a:ext cx="6554867" cy="1524000"/>
+          </a:xfrm>
+        </p:spPr>
         <p:txBody>
           <a:bodyPr/>
           <a:lstStyle/>
@@ -710,9 +2798,14 @@
             <p:ph idx="1"/>
           </p:nvPr>
         </p:nvSpPr>
-        <p:spPr/>
-        <p:txBody>
-          <a:bodyPr/>
+        <p:spPr>
+          <a:xfrm>
+            <a:off x="533400" y="533400"/>
+            <a:ext cx="6554867" cy="3767670"/>
+          </a:xfrm>
+        </p:spPr>
+        <p:txBody>
+          <a:bodyPr anchor="ctr"/>
           <a:lstStyle/>
           <a:p>
             <a:pPr lvl="0"/>
@@ -820,7 +2913,7 @@
     </p:spTree>
     <p:extLst>
       <p:ext uri="{BB962C8B-B14F-4D97-AF65-F5344CB8AC3E}">
-        <p14:creationId xmlns:p14="http://schemas.microsoft.com/office/powerpoint/2010/main" val="1859307931"/>
+        <p14:creationId xmlns:p14="http://schemas.microsoft.com/office/powerpoint/2010/main" val="1701790716"/>
       </p:ext>
     </p:extLst>
   </p:cSld>
@@ -859,15 +2952,17 @@
         </p:nvSpPr>
         <p:spPr>
           <a:xfrm>
-            <a:off x="623888" y="1709739"/>
-            <a:ext cx="7886700" cy="2852737"/>
+            <a:off x="533400" y="1981199"/>
+            <a:ext cx="6402468" cy="2319867"/>
           </a:xfrm>
         </p:spPr>
         <p:txBody>
-          <a:bodyPr anchor="b"/>
+          <a:bodyPr anchor="b">
+            <a:normAutofit/>
+          </a:bodyPr>
           <a:lstStyle>
-            <a:lvl1pPr>
-              <a:defRPr sz="6000"/>
+            <a:lvl1pPr algn="l">
+              <a:defRPr sz="3200" b="0" cap="all"/>
             </a:lvl1pPr>
           </a:lstStyle>
           <a:p>
@@ -891,24 +2986,28 @@
         </p:nvSpPr>
         <p:spPr>
           <a:xfrm>
-            <a:off x="623888" y="4589464"/>
-            <a:ext cx="7886700" cy="1500187"/>
+            <a:off x="533400" y="4487333"/>
+            <a:ext cx="6402467" cy="1532467"/>
           </a:xfrm>
         </p:spPr>
         <p:txBody>
-          <a:bodyPr/>
+          <a:bodyPr anchor="t">
+            <a:normAutofit/>
+          </a:bodyPr>
           <a:lstStyle>
-            <a:lvl1pPr marL="0" indent="0">
-              <a:buNone/>
-              <a:defRPr sz="2400">
-                <a:solidFill>
-                  <a:schemeClr val="tx1"/>
+            <a:lvl1pPr marL="0" indent="0" algn="l">
+              <a:buNone/>
+              <a:defRPr sz="1800">
+                <a:solidFill>
+                  <a:schemeClr val="bg2">
+                    <a:lumMod val="75000"/>
+                  </a:schemeClr>
                 </a:solidFill>
               </a:defRPr>
             </a:lvl1pPr>
             <a:lvl2pPr marL="457200" indent="0">
               <a:buNone/>
-              <a:defRPr sz="2000">
+              <a:defRPr sz="1800">
                 <a:solidFill>
                   <a:schemeClr val="tx1">
                     <a:tint val="75000"/>
@@ -918,7 +3017,7 @@
             </a:lvl2pPr>
             <a:lvl3pPr marL="914400" indent="0">
               <a:buNone/>
-              <a:defRPr sz="1800">
+              <a:defRPr sz="1600">
                 <a:solidFill>
                   <a:schemeClr val="tx1">
                     <a:tint val="75000"/>
@@ -928,7 +3027,7 @@
             </a:lvl3pPr>
             <a:lvl4pPr marL="1371600" indent="0">
               <a:buNone/>
-              <a:defRPr sz="1600">
+              <a:defRPr sz="1400">
                 <a:solidFill>
                   <a:schemeClr val="tx1">
                     <a:tint val="75000"/>
@@ -938,7 +3037,7 @@
             </a:lvl4pPr>
             <a:lvl5pPr marL="1828800" indent="0">
               <a:buNone/>
-              <a:defRPr sz="1600">
+              <a:defRPr sz="1400">
                 <a:solidFill>
                   <a:schemeClr val="tx1">
                     <a:tint val="75000"/>
@@ -948,7 +3047,7 @@
             </a:lvl5pPr>
             <a:lvl6pPr marL="2286000" indent="0">
               <a:buNone/>
-              <a:defRPr sz="1600">
+              <a:defRPr sz="1400">
                 <a:solidFill>
                   <a:schemeClr val="tx1">
                     <a:tint val="75000"/>
@@ -958,7 +3057,7 @@
             </a:lvl6pPr>
             <a:lvl7pPr marL="2743200" indent="0">
               <a:buNone/>
-              <a:defRPr sz="1600">
+              <a:defRPr sz="1400">
                 <a:solidFill>
                   <a:schemeClr val="tx1">
                     <a:tint val="75000"/>
@@ -968,7 +3067,7 @@
             </a:lvl7pPr>
             <a:lvl8pPr marL="3200400" indent="0">
               <a:buNone/>
-              <a:defRPr sz="1600">
+              <a:defRPr sz="1400">
                 <a:solidFill>
                   <a:schemeClr val="tx1">
                     <a:tint val="75000"/>
@@ -978,7 +3077,7 @@
             </a:lvl8pPr>
             <a:lvl9pPr marL="3657600" indent="0">
               <a:buNone/>
-              <a:defRPr sz="1600">
+              <a:defRPr sz="1400">
                 <a:solidFill>
                   <a:schemeClr val="tx1">
                     <a:tint val="75000"/>
@@ -1064,7 +3163,7 @@
     </p:spTree>
     <p:extLst>
       <p:ext uri="{BB962C8B-B14F-4D97-AF65-F5344CB8AC3E}">
-        <p14:creationId xmlns:p14="http://schemas.microsoft.com/office/powerpoint/2010/main" val="2365674127"/>
+        <p14:creationId xmlns:p14="http://schemas.microsoft.com/office/powerpoint/2010/main" val="2101315924"/>
       </p:ext>
     </p:extLst>
   </p:cSld>
@@ -1101,71 +3200,25 @@
             <p:ph type="title"/>
           </p:nvPr>
         </p:nvSpPr>
-        <p:spPr/>
-        <p:txBody>
-          <a:bodyPr/>
-          <a:lstStyle/>
-          <a:p>
-            <a:r>
-              <a:rPr lang="en-US"/>
-              <a:t>Click to edit Master title style</a:t>
-            </a:r>
-            <a:endParaRPr lang="en-US" dirty="0"/>
-          </a:p>
-        </p:txBody>
-      </p:sp>
-      <p:sp>
-        <p:nvSpPr>
-          <p:cNvPr id="3" name="Content Placeholder 2"/>
-          <p:cNvSpPr>
-            <a:spLocks noGrp="1"/>
-          </p:cNvSpPr>
-          <p:nvPr>
-            <p:ph sz="half" idx="1"/>
-          </p:nvPr>
-        </p:nvSpPr>
         <p:spPr>
           <a:xfrm>
-            <a:off x="628650" y="1825625"/>
-            <a:ext cx="3886200" cy="4351338"/>
+            <a:off x="533400" y="4495800"/>
+            <a:ext cx="6554867" cy="1524000"/>
           </a:xfrm>
         </p:spPr>
         <p:txBody>
-          <a:bodyPr/>
-          <a:lstStyle/>
-          <a:p>
-            <a:pPr lvl="0"/>
-            <a:r>
-              <a:rPr lang="en-US"/>
-              <a:t>Edit Master text styles</a:t>
-            </a:r>
-          </a:p>
-          <a:p>
-            <a:pPr lvl="1"/>
-            <a:r>
-              <a:rPr lang="en-US"/>
-              <a:t>Second level</a:t>
-            </a:r>
-          </a:p>
-          <a:p>
-            <a:pPr lvl="2"/>
-            <a:r>
-              <a:rPr lang="en-US"/>
-              <a:t>Third level</a:t>
-            </a:r>
-          </a:p>
-          <a:p>
-            <a:pPr lvl="3"/>
-            <a:r>
-              <a:rPr lang="en-US"/>
-              <a:t>Fourth level</a:t>
-            </a:r>
-          </a:p>
-          <a:p>
-            <a:pPr lvl="4"/>
-            <a:r>
-              <a:rPr lang="en-US"/>
-              <a:t>Fifth level</a:t>
+          <a:bodyPr>
+            <a:normAutofit/>
+          </a:bodyPr>
+          <a:lstStyle>
+            <a:lvl1pPr>
+              <a:defRPr sz="3200"/>
+            </a:lvl1pPr>
+          </a:lstStyle>
+          <a:p>
+            <a:r>
+              <a:rPr lang="en-US"/>
+              <a:t>Click to edit Master title style</a:t>
             </a:r>
             <a:endParaRPr lang="en-US" dirty="0"/>
           </a:p>
@@ -1173,22 +3226,83 @@
       </p:sp>
       <p:sp>
         <p:nvSpPr>
-          <p:cNvPr id="4" name="Content Placeholder 3"/>
-          <p:cNvSpPr>
-            <a:spLocks noGrp="1"/>
-          </p:cNvSpPr>
-          <p:nvPr>
-            <p:ph sz="half" idx="2"/>
+          <p:cNvPr id="11" name="Content Placeholder 3"/>
+          <p:cNvSpPr>
+            <a:spLocks noGrp="1"/>
+          </p:cNvSpPr>
+          <p:nvPr>
+            <p:ph sz="half" idx="13"/>
           </p:nvPr>
         </p:nvSpPr>
         <p:spPr>
           <a:xfrm>
-            <a:off x="4629150" y="1825625"/>
-            <a:ext cx="3886200" cy="4351338"/>
+            <a:off x="533400" y="533400"/>
+            <a:ext cx="3949967" cy="3767667"/>
           </a:xfrm>
         </p:spPr>
         <p:txBody>
-          <a:bodyPr/>
+          <a:bodyPr anchor="ctr">
+            <a:normAutofit/>
+          </a:bodyPr>
+          <a:lstStyle/>
+          <a:p>
+            <a:pPr lvl="0"/>
+            <a:r>
+              <a:rPr lang="en-US"/>
+              <a:t>Edit Master text styles</a:t>
+            </a:r>
+          </a:p>
+          <a:p>
+            <a:pPr lvl="1"/>
+            <a:r>
+              <a:rPr lang="en-US"/>
+              <a:t>Second level</a:t>
+            </a:r>
+          </a:p>
+          <a:p>
+            <a:pPr lvl="2"/>
+            <a:r>
+              <a:rPr lang="en-US"/>
+              <a:t>Third level</a:t>
+            </a:r>
+          </a:p>
+          <a:p>
+            <a:pPr lvl="3"/>
+            <a:r>
+              <a:rPr lang="en-US"/>
+              <a:t>Fourth level</a:t>
+            </a:r>
+          </a:p>
+          <a:p>
+            <a:pPr lvl="4"/>
+            <a:r>
+              <a:rPr lang="en-US"/>
+              <a:t>Fifth level</a:t>
+            </a:r>
+            <a:endParaRPr lang="en-US" dirty="0"/>
+          </a:p>
+        </p:txBody>
+      </p:sp>
+      <p:sp>
+        <p:nvSpPr>
+          <p:cNvPr id="12" name="Content Placeholder 5"/>
+          <p:cNvSpPr>
+            <a:spLocks noGrp="1"/>
+          </p:cNvSpPr>
+          <p:nvPr>
+            <p:ph sz="quarter" idx="4"/>
+          </p:nvPr>
+        </p:nvSpPr>
+        <p:spPr>
+          <a:xfrm>
+            <a:off x="4662362" y="533400"/>
+            <a:ext cx="3948238" cy="3759200"/>
+          </a:xfrm>
+        </p:spPr>
+        <p:txBody>
+          <a:bodyPr anchor="ctr">
+            <a:normAutofit/>
+          </a:bodyPr>
           <a:lstStyle/>
           <a:p>
             <a:pPr lvl="0"/>
@@ -1296,7 +3410,7 @@
     </p:spTree>
     <p:extLst>
       <p:ext uri="{BB962C8B-B14F-4D97-AF65-F5344CB8AC3E}">
-        <p14:creationId xmlns:p14="http://schemas.microsoft.com/office/powerpoint/2010/main" val="2042036909"/>
+        <p14:creationId xmlns:p14="http://schemas.microsoft.com/office/powerpoint/2010/main" val="4196953482"/>
       </p:ext>
     </p:extLst>
   </p:cSld>
@@ -1335,13 +3449,19 @@
         </p:nvSpPr>
         <p:spPr>
           <a:xfrm>
-            <a:off x="629841" y="365126"/>
-            <a:ext cx="7886700" cy="1325563"/>
+            <a:off x="533400" y="4495800"/>
+            <a:ext cx="6554867" cy="1524000"/>
           </a:xfrm>
         </p:spPr>
         <p:txBody>
-          <a:bodyPr/>
-          <a:lstStyle/>
+          <a:bodyPr>
+            <a:normAutofit/>
+          </a:bodyPr>
+          <a:lstStyle>
+            <a:lvl1pPr>
+              <a:defRPr sz="3200"/>
+            </a:lvl1pPr>
+          </a:lstStyle>
           <a:p>
             <a:r>
               <a:rPr lang="en-US"/>
@@ -1363,16 +3483,22 @@
         </p:nvSpPr>
         <p:spPr>
           <a:xfrm>
-            <a:off x="629842" y="1681163"/>
-            <a:ext cx="3868340" cy="823912"/>
+            <a:off x="762001" y="533400"/>
+            <a:ext cx="3716866" cy="609600"/>
           </a:xfrm>
         </p:spPr>
         <p:txBody>
-          <a:bodyPr anchor="b"/>
+          <a:bodyPr anchor="b">
+            <a:noAutofit/>
+          </a:bodyPr>
           <a:lstStyle>
             <a:lvl1pPr marL="0" indent="0">
               <a:buNone/>
-              <a:defRPr sz="2400" b="1"/>
+              <a:defRPr sz="2400" b="0" cap="all">
+                <a:solidFill>
+                  <a:schemeClr val="tx1"/>
+                </a:solidFill>
+              </a:defRPr>
             </a:lvl1pPr>
             <a:lvl2pPr marL="457200" indent="0">
               <a:buNone/>
@@ -1428,12 +3554,14 @@
         </p:nvSpPr>
         <p:spPr>
           <a:xfrm>
-            <a:off x="629842" y="2505075"/>
-            <a:ext cx="3868340" cy="3684588"/>
+            <a:off x="533399" y="1143000"/>
+            <a:ext cx="3945467" cy="3158067"/>
           </a:xfrm>
         </p:spPr>
         <p:txBody>
-          <a:bodyPr/>
+          <a:bodyPr anchor="t">
+            <a:normAutofit/>
+          </a:bodyPr>
           <a:lstStyle/>
           <a:p>
             <a:pPr lvl="0"/>
@@ -1485,16 +3613,22 @@
         </p:nvSpPr>
         <p:spPr>
           <a:xfrm>
-            <a:off x="4629150" y="1681163"/>
-            <a:ext cx="3887391" cy="823912"/>
+            <a:off x="4855016" y="566738"/>
+            <a:ext cx="3764051" cy="576262"/>
           </a:xfrm>
         </p:spPr>
         <p:txBody>
-          <a:bodyPr anchor="b"/>
+          <a:bodyPr anchor="b">
+            <a:noAutofit/>
+          </a:bodyPr>
           <a:lstStyle>
             <a:lvl1pPr marL="0" indent="0">
               <a:buNone/>
-              <a:defRPr sz="2400" b="1"/>
+              <a:defRPr sz="2400" b="0" cap="all">
+                <a:solidFill>
+                  <a:schemeClr val="tx1"/>
+                </a:solidFill>
+              </a:defRPr>
             </a:lvl1pPr>
             <a:lvl2pPr marL="457200" indent="0">
               <a:buNone/>
@@ -1550,12 +3684,14 @@
         </p:nvSpPr>
         <p:spPr>
           <a:xfrm>
-            <a:off x="4629150" y="2505075"/>
-            <a:ext cx="3887391" cy="3684588"/>
+            <a:off x="4662362" y="1143000"/>
+            <a:ext cx="3956705" cy="3149600"/>
           </a:xfrm>
         </p:spPr>
         <p:txBody>
-          <a:bodyPr/>
+          <a:bodyPr anchor="t">
+            <a:normAutofit/>
+          </a:bodyPr>
           <a:lstStyle/>
           <a:p>
             <a:pPr lvl="0"/>
@@ -1663,7 +3799,7 @@
     </p:spTree>
     <p:extLst>
       <p:ext uri="{BB962C8B-B14F-4D97-AF65-F5344CB8AC3E}">
-        <p14:creationId xmlns:p14="http://schemas.microsoft.com/office/powerpoint/2010/main" val="207377299"/>
+        <p14:creationId xmlns:p14="http://schemas.microsoft.com/office/powerpoint/2010/main" val="1548404502"/>
       </p:ext>
     </p:extLst>
   </p:cSld>
@@ -1700,10 +3836,21 @@
             <p:ph type="title"/>
           </p:nvPr>
         </p:nvSpPr>
-        <p:spPr/>
-        <p:txBody>
-          <a:bodyPr/>
-          <a:lstStyle/>
+        <p:spPr>
+          <a:xfrm>
+            <a:off x="533400" y="4495800"/>
+            <a:ext cx="6554867" cy="1524000"/>
+          </a:xfrm>
+        </p:spPr>
+        <p:txBody>
+          <a:bodyPr>
+            <a:normAutofit/>
+          </a:bodyPr>
+          <a:lstStyle>
+            <a:lvl1pPr>
+              <a:defRPr sz="3200"/>
+            </a:lvl1pPr>
+          </a:lstStyle>
           <a:p>
             <a:r>
               <a:rPr lang="en-US"/>
@@ -1781,7 +3928,7 @@
     </p:spTree>
     <p:extLst>
       <p:ext uri="{BB962C8B-B14F-4D97-AF65-F5344CB8AC3E}">
-        <p14:creationId xmlns:p14="http://schemas.microsoft.com/office/powerpoint/2010/main" val="3296456657"/>
+        <p14:creationId xmlns:p14="http://schemas.microsoft.com/office/powerpoint/2010/main" val="3281946782"/>
       </p:ext>
     </p:extLst>
   </p:cSld>
@@ -1876,7 +4023,7 @@
     </p:spTree>
     <p:extLst>
       <p:ext uri="{BB962C8B-B14F-4D97-AF65-F5344CB8AC3E}">
-        <p14:creationId xmlns:p14="http://schemas.microsoft.com/office/powerpoint/2010/main" val="4252273032"/>
+        <p14:creationId xmlns:p14="http://schemas.microsoft.com/office/powerpoint/2010/main" val="3212870664"/>
       </p:ext>
     </p:extLst>
   </p:cSld>
@@ -1915,15 +4062,17 @@
         </p:nvSpPr>
         <p:spPr>
           <a:xfrm>
-            <a:off x="629841" y="457200"/>
-            <a:ext cx="2949178" cy="1600200"/>
+            <a:off x="5418667" y="533400"/>
+            <a:ext cx="3200400" cy="1524000"/>
           </a:xfrm>
         </p:spPr>
         <p:txBody>
-          <a:bodyPr anchor="b"/>
+          <a:bodyPr anchor="b">
+            <a:normAutofit/>
+          </a:bodyPr>
           <a:lstStyle>
-            <a:lvl1pPr>
-              <a:defRPr sz="3200"/>
+            <a:lvl1pPr algn="l">
+              <a:defRPr sz="2000" b="0"/>
             </a:lvl1pPr>
           </a:lstStyle>
           <a:p>
@@ -1947,41 +4096,15 @@
         </p:nvSpPr>
         <p:spPr>
           <a:xfrm>
-            <a:off x="3887391" y="987426"/>
-            <a:ext cx="4629150" cy="4873625"/>
+            <a:off x="533399" y="533400"/>
+            <a:ext cx="4438755" cy="5486400"/>
           </a:xfrm>
         </p:spPr>
         <p:txBody>
-          <a:bodyPr/>
-          <a:lstStyle>
-            <a:lvl1pPr>
-              <a:defRPr sz="3200"/>
-            </a:lvl1pPr>
-            <a:lvl2pPr>
-              <a:defRPr sz="2800"/>
-            </a:lvl2pPr>
-            <a:lvl3pPr>
-              <a:defRPr sz="2400"/>
-            </a:lvl3pPr>
-            <a:lvl4pPr>
-              <a:defRPr sz="2000"/>
-            </a:lvl4pPr>
-            <a:lvl5pPr>
-              <a:defRPr sz="2000"/>
-            </a:lvl5pPr>
-            <a:lvl6pPr>
-              <a:defRPr sz="2000"/>
-            </a:lvl6pPr>
-            <a:lvl7pPr>
-              <a:defRPr sz="2000"/>
-            </a:lvl7pPr>
-            <a:lvl8pPr>
-              <a:defRPr sz="2000"/>
-            </a:lvl8pPr>
-            <a:lvl9pPr>
-              <a:defRPr sz="2000"/>
-            </a:lvl9pPr>
-          </a:lstStyle>
+          <a:bodyPr anchor="ctr">
+            <a:normAutofit/>
+          </a:bodyPr>
+          <a:lstStyle/>
           <a:p>
             <a:pPr lvl="0"/>
             <a:r>
@@ -2032,12 +4155,14 @@
         </p:nvSpPr>
         <p:spPr>
           <a:xfrm>
-            <a:off x="629841" y="2057400"/>
-            <a:ext cx="2949178" cy="3811588"/>
+            <a:off x="5418667" y="2209802"/>
+            <a:ext cx="3200400" cy="2091267"/>
           </a:xfrm>
         </p:spPr>
         <p:txBody>
-          <a:bodyPr/>
+          <a:bodyPr anchor="t">
+            <a:normAutofit/>
+          </a:bodyPr>
           <a:lstStyle>
             <a:lvl1pPr marL="0" indent="0">
               <a:buNone/>
@@ -2045,35 +4170,35 @@
             </a:lvl1pPr>
             <a:lvl2pPr marL="457200" indent="0">
               <a:buNone/>
-              <a:defRPr sz="1400"/>
+              <a:defRPr sz="1200"/>
             </a:lvl2pPr>
             <a:lvl3pPr marL="914400" indent="0">
               <a:buNone/>
-              <a:defRPr sz="1200"/>
+              <a:defRPr sz="1000"/>
             </a:lvl3pPr>
             <a:lvl4pPr marL="1371600" indent="0">
               <a:buNone/>
-              <a:defRPr sz="1000"/>
+              <a:defRPr sz="900"/>
             </a:lvl4pPr>
             <a:lvl5pPr marL="1828800" indent="0">
               <a:buNone/>
-              <a:defRPr sz="1000"/>
+              <a:defRPr sz="900"/>
             </a:lvl5pPr>
             <a:lvl6pPr marL="2286000" indent="0">
               <a:buNone/>
-              <a:defRPr sz="1000"/>
+              <a:defRPr sz="900"/>
             </a:lvl6pPr>
             <a:lvl7pPr marL="2743200" indent="0">
               <a:buNone/>
-              <a:defRPr sz="1000"/>
+              <a:defRPr sz="900"/>
             </a:lvl7pPr>
             <a:lvl8pPr marL="3200400" indent="0">
               <a:buNone/>
-              <a:defRPr sz="1000"/>
+              <a:defRPr sz="900"/>
             </a:lvl8pPr>
             <a:lvl9pPr marL="3657600" indent="0">
               <a:buNone/>
-              <a:defRPr sz="1000"/>
+              <a:defRPr sz="900"/>
             </a:lvl9pPr>
           </a:lstStyle>
           <a:p>
@@ -2153,7 +4278,7 @@
     </p:spTree>
     <p:extLst>
       <p:ext uri="{BB962C8B-B14F-4D97-AF65-F5344CB8AC3E}">
-        <p14:creationId xmlns:p14="http://schemas.microsoft.com/office/powerpoint/2010/main" val="722051621"/>
+        <p14:creationId xmlns:p14="http://schemas.microsoft.com/office/powerpoint/2010/main" val="4256203717"/>
       </p:ext>
     </p:extLst>
   </p:cSld>
@@ -2192,15 +4317,17 @@
         </p:nvSpPr>
         <p:spPr>
           <a:xfrm>
-            <a:off x="629841" y="457200"/>
-            <a:ext cx="2949178" cy="1600200"/>
+            <a:off x="4495800" y="1447800"/>
+            <a:ext cx="3563258" cy="1143000"/>
           </a:xfrm>
         </p:spPr>
         <p:txBody>
-          <a:bodyPr anchor="b"/>
+          <a:bodyPr anchor="b">
+            <a:normAutofit/>
+          </a:bodyPr>
           <a:lstStyle>
-            <a:lvl1pPr>
-              <a:defRPr sz="3200"/>
+            <a:lvl1pPr algn="l">
+              <a:defRPr sz="2400" b="0"/>
             </a:lvl1pPr>
           </a:lstStyle>
           <a:p>
@@ -2214,123 +4341,147 @@
       </p:sp>
       <p:sp>
         <p:nvSpPr>
-          <p:cNvPr id="3" name="Picture Placeholder 2"/>
+          <p:cNvPr id="17" name="Picture Placeholder 2"/>
           <p:cNvSpPr>
             <a:spLocks noGrp="1" noChangeAspect="1"/>
           </p:cNvSpPr>
           <p:nvPr>
-            <p:ph type="pic" idx="1"/>
+            <p:ph type="pic" idx="13"/>
           </p:nvPr>
         </p:nvSpPr>
         <p:spPr>
           <a:xfrm>
-            <a:off x="3887391" y="987426"/>
-            <a:ext cx="4629150" cy="4873625"/>
+            <a:off x="762000" y="914400"/>
+            <a:ext cx="3280974" cy="4800600"/>
           </a:xfrm>
+          <a:prstGeom prst="snip2DiagRect">
+            <a:avLst>
+              <a:gd name="adj1" fmla="val 10815"/>
+              <a:gd name="adj2" fmla="val 0"/>
+            </a:avLst>
+          </a:prstGeom>
+          <a:ln w="15875">
+            <a:solidFill>
+              <a:schemeClr val="tx1">
+                <a:alpha val="40000"/>
+              </a:schemeClr>
+            </a:solidFill>
+          </a:ln>
+          <a:effectLst>
+            <a:innerShdw blurRad="57150" dist="38100" dir="14460000">
+              <a:srgbClr val="000000">
+                <a:alpha val="70000"/>
+              </a:srgbClr>
+            </a:innerShdw>
+          </a:effectLst>
         </p:spPr>
         <p:txBody>
-          <a:bodyPr anchor="t"/>
+          <a:bodyPr anchor="t">
+            <a:normAutofit/>
+          </a:bodyPr>
           <a:lstStyle>
-            <a:lvl1pPr marL="0" indent="0">
-              <a:buNone/>
-              <a:defRPr sz="3200"/>
-            </a:lvl1pPr>
-            <a:lvl2pPr marL="457200" indent="0">
-              <a:buNone/>
-              <a:defRPr sz="2800"/>
-            </a:lvl2pPr>
-            <a:lvl3pPr marL="914400" indent="0">
-              <a:buNone/>
-              <a:defRPr sz="2400"/>
-            </a:lvl3pPr>
-            <a:lvl4pPr marL="1371600" indent="0">
-              <a:buNone/>
-              <a:defRPr sz="2000"/>
-            </a:lvl4pPr>
-            <a:lvl5pPr marL="1828800" indent="0">
-              <a:buNone/>
-              <a:defRPr sz="2000"/>
-            </a:lvl5pPr>
-            <a:lvl6pPr marL="2286000" indent="0">
-              <a:buNone/>
-              <a:defRPr sz="2000"/>
-            </a:lvl6pPr>
-            <a:lvl7pPr marL="2743200" indent="0">
-              <a:buNone/>
-              <a:defRPr sz="2000"/>
-            </a:lvl7pPr>
-            <a:lvl8pPr marL="3200400" indent="0">
-              <a:buNone/>
-              <a:defRPr sz="2000"/>
-            </a:lvl8pPr>
-            <a:lvl9pPr marL="3657600" indent="0">
-              <a:buNone/>
-              <a:defRPr sz="2000"/>
-            </a:lvl9pPr>
-          </a:lstStyle>
-          <a:p>
-            <a:r>
-              <a:rPr lang="en-US"/>
-              <a:t>Click icon to add picture</a:t>
-            </a:r>
-            <a:endParaRPr lang="en-US" dirty="0"/>
-          </a:p>
-        </p:txBody>
-      </p:sp>
-      <p:sp>
-        <p:nvSpPr>
-          <p:cNvPr id="4" name="Text Placeholder 3"/>
-          <p:cNvSpPr>
-            <a:spLocks noGrp="1"/>
-          </p:cNvSpPr>
-          <p:nvPr>
-            <p:ph type="body" sz="half" idx="2"/>
-          </p:nvPr>
-        </p:nvSpPr>
-        <p:spPr>
-          <a:xfrm>
-            <a:off x="629841" y="2057400"/>
-            <a:ext cx="2949178" cy="3811588"/>
-          </a:xfrm>
-        </p:spPr>
-        <p:txBody>
-          <a:bodyPr/>
-          <a:lstStyle>
-            <a:lvl1pPr marL="0" indent="0">
+            <a:lvl1pPr marL="0" indent="0" algn="ctr">
               <a:buNone/>
               <a:defRPr sz="1600"/>
             </a:lvl1pPr>
             <a:lvl2pPr marL="457200" indent="0">
               <a:buNone/>
-              <a:defRPr sz="1400"/>
+              <a:defRPr sz="1600"/>
             </a:lvl2pPr>
             <a:lvl3pPr marL="914400" indent="0">
               <a:buNone/>
-              <a:defRPr sz="1200"/>
+              <a:defRPr sz="1600"/>
             </a:lvl3pPr>
             <a:lvl4pPr marL="1371600" indent="0">
               <a:buNone/>
-              <a:defRPr sz="1000"/>
+              <a:defRPr sz="1600"/>
             </a:lvl4pPr>
             <a:lvl5pPr marL="1828800" indent="0">
               <a:buNone/>
-              <a:defRPr sz="1000"/>
+              <a:defRPr sz="1600"/>
             </a:lvl5pPr>
             <a:lvl6pPr marL="2286000" indent="0">
               <a:buNone/>
-              <a:defRPr sz="1000"/>
+              <a:defRPr sz="1600"/>
             </a:lvl6pPr>
             <a:lvl7pPr marL="2743200" indent="0">
               <a:buNone/>
-              <a:defRPr sz="1000"/>
+              <a:defRPr sz="1600"/>
             </a:lvl7pPr>
             <a:lvl8pPr marL="3200400" indent="0">
               <a:buNone/>
-              <a:defRPr sz="1000"/>
+              <a:defRPr sz="1600"/>
             </a:lvl8pPr>
             <a:lvl9pPr marL="3657600" indent="0">
               <a:buNone/>
+              <a:defRPr sz="1600"/>
+            </a:lvl9pPr>
+          </a:lstStyle>
+          <a:p>
+            <a:r>
+              <a:rPr lang="en-US"/>
+              <a:t>Click icon to add picture</a:t>
+            </a:r>
+            <a:endParaRPr lang="en-US" dirty="0"/>
+          </a:p>
+        </p:txBody>
+      </p:sp>
+      <p:sp>
+        <p:nvSpPr>
+          <p:cNvPr id="4" name="Text Placeholder 3"/>
+          <p:cNvSpPr>
+            <a:spLocks noGrp="1"/>
+          </p:cNvSpPr>
+          <p:nvPr>
+            <p:ph type="body" sz="half" idx="2"/>
+          </p:nvPr>
+        </p:nvSpPr>
+        <p:spPr>
+          <a:xfrm>
+            <a:off x="4496027" y="2743200"/>
+            <a:ext cx="3564223" cy="2082800"/>
+          </a:xfrm>
+        </p:spPr>
+        <p:txBody>
+          <a:bodyPr anchor="t">
+            <a:normAutofit/>
+          </a:bodyPr>
+          <a:lstStyle>
+            <a:lvl1pPr marL="0" indent="0">
+              <a:buNone/>
+              <a:defRPr sz="1800"/>
+            </a:lvl1pPr>
+            <a:lvl2pPr marL="457200" indent="0">
+              <a:buNone/>
+              <a:defRPr sz="1200"/>
+            </a:lvl2pPr>
+            <a:lvl3pPr marL="914400" indent="0">
+              <a:buNone/>
               <a:defRPr sz="1000"/>
+            </a:lvl3pPr>
+            <a:lvl4pPr marL="1371600" indent="0">
+              <a:buNone/>
+              <a:defRPr sz="900"/>
+            </a:lvl4pPr>
+            <a:lvl5pPr marL="1828800" indent="0">
+              <a:buNone/>
+              <a:defRPr sz="900"/>
+            </a:lvl5pPr>
+            <a:lvl6pPr marL="2286000" indent="0">
+              <a:buNone/>
+              <a:defRPr sz="900"/>
+            </a:lvl6pPr>
+            <a:lvl7pPr marL="2743200" indent="0">
+              <a:buNone/>
+              <a:defRPr sz="900"/>
+            </a:lvl7pPr>
+            <a:lvl8pPr marL="3200400" indent="0">
+              <a:buNone/>
+              <a:defRPr sz="900"/>
+            </a:lvl8pPr>
+            <a:lvl9pPr marL="3657600" indent="0">
+              <a:buNone/>
+              <a:defRPr sz="900"/>
             </a:lvl9pPr>
           </a:lstStyle>
           <a:p>
@@ -2375,7 +4526,12 @@
             <p:ph type="ftr" sz="quarter" idx="11"/>
           </p:nvPr>
         </p:nvSpPr>
-        <p:spPr/>
+        <p:spPr>
+          <a:xfrm>
+            <a:off x="533400" y="6172200"/>
+            <a:ext cx="5811724" cy="365125"/>
+          </a:xfrm>
+        </p:spPr>
         <p:txBody>
           <a:bodyPr/>
           <a:lstStyle/>
@@ -2410,7 +4566,7 @@
     </p:spTree>
     <p:extLst>
       <p:ext uri="{BB962C8B-B14F-4D97-AF65-F5344CB8AC3E}">
-        <p14:creationId xmlns:p14="http://schemas.microsoft.com/office/powerpoint/2010/main" val="3708252542"/>
+        <p14:creationId xmlns:p14="http://schemas.microsoft.com/office/powerpoint/2010/main" val="3510609332"/>
       </p:ext>
     </p:extLst>
   </p:cSld>
@@ -2424,8 +4580,8 @@
 <p:sldMaster xmlns:a="http://schemas.openxmlformats.org/drawingml/2006/main" xmlns:r="http://schemas.openxmlformats.org/officeDocument/2006/relationships" xmlns:p="http://schemas.openxmlformats.org/presentationml/2006/main">
   <p:cSld>
     <p:bg>
-      <p:bgRef idx="1001">
-        <a:schemeClr val="bg1"/>
+      <p:bgRef idx="1002">
+        <a:schemeClr val="bg2"/>
       </p:bgRef>
     </p:bg>
     <p:spTree>
@@ -2442,6 +4598,196 @@
           <a:chExt cx="0" cy="0"/>
         </a:xfrm>
       </p:grpSpPr>
+      <p:grpSp>
+        <p:nvGrpSpPr>
+          <p:cNvPr id="7" name="Group 6"/>
+          <p:cNvGrpSpPr/>
+          <p:nvPr/>
+        </p:nvGrpSpPr>
+        <p:grpSpPr>
+          <a:xfrm>
+            <a:off x="6670675" y="3894667"/>
+            <a:ext cx="2470456" cy="2658533"/>
+            <a:chOff x="6687077" y="3259666"/>
+            <a:chExt cx="2981857" cy="3208867"/>
+          </a:xfrm>
+        </p:grpSpPr>
+        <p:cxnSp>
+          <p:nvCxnSpPr>
+            <p:cNvPr id="8" name="Straight Connector 7"/>
+            <p:cNvCxnSpPr/>
+            <p:nvPr/>
+          </p:nvCxnSpPr>
+          <p:spPr>
+            <a:xfrm flipH="1">
+              <a:off x="8756120" y="3259666"/>
+              <a:ext cx="912814" cy="912812"/>
+            </a:xfrm>
+            <a:prstGeom prst="line">
+              <a:avLst/>
+            </a:prstGeom>
+            <a:ln w="9525">
+              <a:solidFill>
+                <a:schemeClr val="tx1"/>
+              </a:solidFill>
+            </a:ln>
+          </p:spPr>
+          <p:style>
+            <a:lnRef idx="2">
+              <a:schemeClr val="accent1"/>
+            </a:lnRef>
+            <a:fillRef idx="0">
+              <a:schemeClr val="accent1"/>
+            </a:fillRef>
+            <a:effectRef idx="1">
+              <a:schemeClr val="accent1"/>
+            </a:effectRef>
+            <a:fontRef idx="minor">
+              <a:schemeClr val="tx1"/>
+            </a:fontRef>
+          </p:style>
+        </p:cxnSp>
+        <p:cxnSp>
+          <p:nvCxnSpPr>
+            <p:cNvPr id="9" name="Straight Connector 8"/>
+            <p:cNvCxnSpPr/>
+            <p:nvPr/>
+          </p:nvCxnSpPr>
+          <p:spPr>
+            <a:xfrm flipH="1">
+              <a:off x="6687077" y="3486677"/>
+              <a:ext cx="2981857" cy="2981856"/>
+            </a:xfrm>
+            <a:prstGeom prst="line">
+              <a:avLst/>
+            </a:prstGeom>
+            <a:ln w="9525">
+              <a:solidFill>
+                <a:schemeClr val="tx1"/>
+              </a:solidFill>
+            </a:ln>
+          </p:spPr>
+          <p:style>
+            <a:lnRef idx="2">
+              <a:schemeClr val="accent1"/>
+            </a:lnRef>
+            <a:fillRef idx="0">
+              <a:schemeClr val="accent1"/>
+            </a:fillRef>
+            <a:effectRef idx="1">
+              <a:schemeClr val="accent1"/>
+            </a:effectRef>
+            <a:fontRef idx="minor">
+              <a:schemeClr val="tx1"/>
+            </a:fontRef>
+          </p:style>
+        </p:cxnSp>
+        <p:cxnSp>
+          <p:nvCxnSpPr>
+            <p:cNvPr id="10" name="Straight Connector 9"/>
+            <p:cNvCxnSpPr/>
+            <p:nvPr/>
+          </p:nvCxnSpPr>
+          <p:spPr>
+            <a:xfrm flipH="1">
+              <a:off x="7772400" y="3581400"/>
+              <a:ext cx="1896534" cy="1896533"/>
+            </a:xfrm>
+            <a:prstGeom prst="line">
+              <a:avLst/>
+            </a:prstGeom>
+            <a:ln w="9525">
+              <a:solidFill>
+                <a:schemeClr val="tx1"/>
+              </a:solidFill>
+            </a:ln>
+          </p:spPr>
+          <p:style>
+            <a:lnRef idx="2">
+              <a:schemeClr val="accent1"/>
+            </a:lnRef>
+            <a:fillRef idx="0">
+              <a:schemeClr val="accent1"/>
+            </a:fillRef>
+            <a:effectRef idx="1">
+              <a:schemeClr val="accent1"/>
+            </a:effectRef>
+            <a:fontRef idx="minor">
+              <a:schemeClr val="tx1"/>
+            </a:fontRef>
+          </p:style>
+        </p:cxnSp>
+        <p:cxnSp>
+          <p:nvCxnSpPr>
+            <p:cNvPr id="11" name="Straight Connector 10"/>
+            <p:cNvCxnSpPr/>
+            <p:nvPr/>
+          </p:nvCxnSpPr>
+          <p:spPr>
+            <a:xfrm flipH="1">
+              <a:off x="7923214" y="3433394"/>
+              <a:ext cx="1739738" cy="1739740"/>
+            </a:xfrm>
+            <a:prstGeom prst="line">
+              <a:avLst/>
+            </a:prstGeom>
+            <a:ln w="28575">
+              <a:solidFill>
+                <a:schemeClr val="tx1"/>
+              </a:solidFill>
+            </a:ln>
+          </p:spPr>
+          <p:style>
+            <a:lnRef idx="2">
+              <a:schemeClr val="accent1"/>
+            </a:lnRef>
+            <a:fillRef idx="0">
+              <a:schemeClr val="accent1"/>
+            </a:fillRef>
+            <a:effectRef idx="1">
+              <a:schemeClr val="accent1"/>
+            </a:effectRef>
+            <a:fontRef idx="minor">
+              <a:schemeClr val="tx1"/>
+            </a:fontRef>
+          </p:style>
+        </p:cxnSp>
+        <p:cxnSp>
+          <p:nvCxnSpPr>
+            <p:cNvPr id="12" name="Straight Connector 11"/>
+            <p:cNvCxnSpPr/>
+            <p:nvPr/>
+          </p:nvCxnSpPr>
+          <p:spPr>
+            <a:xfrm flipH="1">
+              <a:off x="8398935" y="3985317"/>
+              <a:ext cx="1264017" cy="1264016"/>
+            </a:xfrm>
+            <a:prstGeom prst="line">
+              <a:avLst/>
+            </a:prstGeom>
+            <a:ln w="28575">
+              <a:solidFill>
+                <a:schemeClr val="tx1"/>
+              </a:solidFill>
+            </a:ln>
+          </p:spPr>
+          <p:style>
+            <a:lnRef idx="2">
+              <a:schemeClr val="accent1"/>
+            </a:lnRef>
+            <a:fillRef idx="0">
+              <a:schemeClr val="accent1"/>
+            </a:fillRef>
+            <a:effectRef idx="1">
+              <a:schemeClr val="accent1"/>
+            </a:effectRef>
+            <a:fontRef idx="minor">
+              <a:schemeClr val="tx1"/>
+            </a:fontRef>
+          </p:style>
+        </p:cxnSp>
+      </p:grpSp>
       <p:sp>
         <p:nvSpPr>
           <p:cNvPr id="2" name="Title Placeholder 1"/>
@@ -2454,8 +4800,42 @@
         </p:nvSpPr>
         <p:spPr>
           <a:xfrm>
-            <a:off x="628650" y="365126"/>
-            <a:ext cx="7886700" cy="1325563"/>
+            <a:off x="533400" y="4495800"/>
+            <a:ext cx="6554867" cy="1524000"/>
+          </a:xfrm>
+          <a:prstGeom prst="rect">
+            <a:avLst/>
+          </a:prstGeom>
+          <a:effectLst/>
+        </p:spPr>
+        <p:txBody>
+          <a:bodyPr vert="horz" lIns="91440" tIns="45720" rIns="91440" bIns="45720" rtlCol="0" anchor="ctr">
+            <a:normAutofit/>
+          </a:bodyPr>
+          <a:lstStyle/>
+          <a:p>
+            <a:r>
+              <a:rPr lang="en-US"/>
+              <a:t>Click to edit Master title style</a:t>
+            </a:r>
+            <a:endParaRPr lang="en-US" dirty="0"/>
+          </a:p>
+        </p:txBody>
+      </p:sp>
+      <p:sp>
+        <p:nvSpPr>
+          <p:cNvPr id="3" name="Text Placeholder 2"/>
+          <p:cNvSpPr>
+            <a:spLocks noGrp="1"/>
+          </p:cNvSpPr>
+          <p:nvPr>
+            <p:ph type="body" idx="1"/>
+          </p:nvPr>
+        </p:nvSpPr>
+        <p:spPr>
+          <a:xfrm>
+            <a:off x="533400" y="533401"/>
+            <a:ext cx="6554867" cy="3767670"/>
           </a:xfrm>
           <a:prstGeom prst="rect">
             <a:avLst/>
@@ -2467,9 +4847,38 @@
           </a:bodyPr>
           <a:lstStyle/>
           <a:p>
-            <a:r>
-              <a:rPr lang="en-US"/>
-              <a:t>Click to edit Master title style</a:t>
+            <a:pPr lvl="0"/>
+            <a:r>
+              <a:rPr lang="en-US"/>
+              <a:t>Edit Master text styles</a:t>
+            </a:r>
+          </a:p>
+          <a:p>
+            <a:pPr lvl="1"/>
+            <a:r>
+              <a:rPr lang="en-US"/>
+              <a:t>Second level</a:t>
+            </a:r>
+          </a:p>
+          <a:p>
+            <a:pPr lvl="2"/>
+            <a:r>
+              <a:rPr lang="en-US"/>
+              <a:t>Third level</a:t>
+            </a:r>
+          </a:p>
+          <a:p>
+            <a:pPr lvl="3"/>
+            <a:r>
+              <a:rPr lang="en-US"/>
+              <a:t>Fourth level</a:t>
+            </a:r>
+          </a:p>
+          <a:p>
+            <a:pPr lvl="4"/>
+            <a:r>
+              <a:rPr lang="en-US"/>
+              <a:t>Fifth level</a:t>
             </a:r>
             <a:endParaRPr lang="en-US" dirty="0"/>
           </a:p>
@@ -2477,173 +4886,117 @@
       </p:sp>
       <p:sp>
         <p:nvSpPr>
-          <p:cNvPr id="3" name="Text Placeholder 2"/>
-          <p:cNvSpPr>
-            <a:spLocks noGrp="1"/>
-          </p:cNvSpPr>
-          <p:nvPr>
-            <p:ph type="body" idx="1"/>
+          <p:cNvPr id="4" name="Date Placeholder 3"/>
+          <p:cNvSpPr>
+            <a:spLocks noGrp="1"/>
+          </p:cNvSpPr>
+          <p:nvPr>
+            <p:ph type="dt" sz="half" idx="2"/>
           </p:nvPr>
         </p:nvSpPr>
         <p:spPr>
           <a:xfrm>
-            <a:off x="628650" y="1825625"/>
-            <a:ext cx="7886700" cy="4351338"/>
+            <a:off x="7430245" y="6172203"/>
+            <a:ext cx="1200463" cy="365125"/>
           </a:xfrm>
           <a:prstGeom prst="rect">
             <a:avLst/>
           </a:prstGeom>
         </p:spPr>
         <p:txBody>
-          <a:bodyPr vert="horz" lIns="91440" tIns="45720" rIns="91440" bIns="45720" rtlCol="0">
-            <a:normAutofit/>
-          </a:bodyPr>
-          <a:lstStyle/>
-          <a:p>
-            <a:pPr lvl="0"/>
-            <a:r>
-              <a:rPr lang="en-US"/>
-              <a:t>Edit Master text styles</a:t>
-            </a:r>
-          </a:p>
-          <a:p>
-            <a:pPr lvl="1"/>
-            <a:r>
-              <a:rPr lang="en-US"/>
-              <a:t>Second level</a:t>
-            </a:r>
-          </a:p>
-          <a:p>
-            <a:pPr lvl="2"/>
-            <a:r>
-              <a:rPr lang="en-US"/>
-              <a:t>Third level</a:t>
-            </a:r>
-          </a:p>
-          <a:p>
-            <a:pPr lvl="3"/>
-            <a:r>
-              <a:rPr lang="en-US"/>
-              <a:t>Fourth level</a:t>
-            </a:r>
-          </a:p>
-          <a:p>
-            <a:pPr lvl="4"/>
-            <a:r>
-              <a:rPr lang="en-US"/>
-              <a:t>Fifth level</a:t>
-            </a:r>
-            <a:endParaRPr lang="en-US" dirty="0"/>
-          </a:p>
-        </p:txBody>
-      </p:sp>
-      <p:sp>
-        <p:nvSpPr>
-          <p:cNvPr id="4" name="Date Placeholder 3"/>
-          <p:cNvSpPr>
-            <a:spLocks noGrp="1"/>
-          </p:cNvSpPr>
-          <p:nvPr>
-            <p:ph type="dt" sz="half" idx="2"/>
+          <a:bodyPr vert="horz" lIns="91440" tIns="45720" rIns="91440" bIns="45720" rtlCol="0" anchor="t"/>
+          <a:lstStyle>
+            <a:lvl1pPr algn="r">
+              <a:defRPr sz="1000" b="0" i="0">
+                <a:solidFill>
+                  <a:schemeClr val="bg2">
+                    <a:lumMod val="50000"/>
+                  </a:schemeClr>
+                </a:solidFill>
+                <a:effectLst/>
+                <a:latin typeface="+mn-lt"/>
+              </a:defRPr>
+            </a:lvl1pPr>
+          </a:lstStyle>
+          <a:p>
+            <a:fld id="{9447333A-8542-4DEB-A96F-D63023230355}" type="datetimeFigureOut">
+              <a:rPr lang="en-GB" smtClean="0"/>
+              <a:t>22/03/2017</a:t>
+            </a:fld>
+            <a:endParaRPr lang="en-GB"/>
+          </a:p>
+        </p:txBody>
+      </p:sp>
+      <p:sp>
+        <p:nvSpPr>
+          <p:cNvPr id="5" name="Footer Placeholder 4"/>
+          <p:cNvSpPr>
+            <a:spLocks noGrp="1"/>
+          </p:cNvSpPr>
+          <p:nvPr>
+            <p:ph type="ftr" sz="quarter" idx="3"/>
           </p:nvPr>
         </p:nvSpPr>
         <p:spPr>
           <a:xfrm>
-            <a:off x="628650" y="6356351"/>
-            <a:ext cx="2057400" cy="365125"/>
+            <a:off x="533400" y="6172200"/>
+            <a:ext cx="5811724" cy="365125"/>
           </a:xfrm>
           <a:prstGeom prst="rect">
             <a:avLst/>
           </a:prstGeom>
         </p:spPr>
         <p:txBody>
-          <a:bodyPr vert="horz" lIns="91440" tIns="45720" rIns="91440" bIns="45720" rtlCol="0" anchor="ctr"/>
+          <a:bodyPr vert="horz" lIns="91440" tIns="45720" rIns="91440" bIns="45720" rtlCol="0" anchor="t"/>
           <a:lstStyle>
             <a:lvl1pPr algn="l">
-              <a:defRPr sz="1200">
-                <a:solidFill>
-                  <a:schemeClr val="tx1">
-                    <a:tint val="75000"/>
-                  </a:schemeClr>
-                </a:solidFill>
+              <a:defRPr sz="1000" b="0" i="0">
+                <a:solidFill>
+                  <a:schemeClr val="bg2">
+                    <a:lumMod val="50000"/>
+                  </a:schemeClr>
+                </a:solidFill>
+                <a:effectLst/>
+                <a:latin typeface="+mn-lt"/>
               </a:defRPr>
             </a:lvl1pPr>
           </a:lstStyle>
           <a:p>
-            <a:fld id="{9447333A-8542-4DEB-A96F-D63023230355}" type="datetimeFigureOut">
-              <a:rPr lang="en-GB" smtClean="0"/>
-              <a:t>22/03/2017</a:t>
-            </a:fld>
             <a:endParaRPr lang="en-GB"/>
           </a:p>
         </p:txBody>
       </p:sp>
       <p:sp>
         <p:nvSpPr>
-          <p:cNvPr id="5" name="Footer Placeholder 4"/>
-          <p:cNvSpPr>
-            <a:spLocks noGrp="1"/>
-          </p:cNvSpPr>
-          <p:nvPr>
-            <p:ph type="ftr" sz="quarter" idx="3"/>
+          <p:cNvPr id="6" name="Slide Number Placeholder 5"/>
+          <p:cNvSpPr>
+            <a:spLocks noGrp="1"/>
+          </p:cNvSpPr>
+          <p:nvPr>
+            <p:ph type="sldNum" sz="quarter" idx="4"/>
           </p:nvPr>
         </p:nvSpPr>
         <p:spPr>
           <a:xfrm>
-            <a:off x="3028950" y="6356351"/>
-            <a:ext cx="3086100" cy="365125"/>
+            <a:off x="7774426" y="5578478"/>
+            <a:ext cx="856907" cy="669925"/>
           </a:xfrm>
           <a:prstGeom prst="rect">
             <a:avLst/>
           </a:prstGeom>
         </p:spPr>
         <p:txBody>
-          <a:bodyPr vert="horz" lIns="91440" tIns="45720" rIns="91440" bIns="45720" rtlCol="0" anchor="ctr"/>
-          <a:lstStyle>
-            <a:lvl1pPr algn="ctr">
-              <a:defRPr sz="1200">
-                <a:solidFill>
-                  <a:schemeClr val="tx1">
-                    <a:tint val="75000"/>
-                  </a:schemeClr>
-                </a:solidFill>
-              </a:defRPr>
-            </a:lvl1pPr>
-          </a:lstStyle>
-          <a:p>
-            <a:endParaRPr lang="en-GB"/>
-          </a:p>
-        </p:txBody>
-      </p:sp>
-      <p:sp>
-        <p:nvSpPr>
-          <p:cNvPr id="6" name="Slide Number Placeholder 5"/>
-          <p:cNvSpPr>
-            <a:spLocks noGrp="1"/>
-          </p:cNvSpPr>
-          <p:nvPr>
-            <p:ph type="sldNum" sz="quarter" idx="4"/>
-          </p:nvPr>
-        </p:nvSpPr>
-        <p:spPr>
-          <a:xfrm>
-            <a:off x="6457950" y="6356351"/>
-            <a:ext cx="2057400" cy="365125"/>
-          </a:xfrm>
-          <a:prstGeom prst="rect">
-            <a:avLst/>
-          </a:prstGeom>
-        </p:spPr>
-        <p:txBody>
-          <a:bodyPr vert="horz" lIns="91440" tIns="45720" rIns="91440" bIns="45720" rtlCol="0" anchor="ctr"/>
+          <a:bodyPr vert="horz" lIns="91440" tIns="45720" rIns="91440" bIns="45720" rtlCol="0" anchor="b"/>
           <a:lstStyle>
             <a:lvl1pPr algn="r">
-              <a:defRPr sz="1200">
-                <a:solidFill>
-                  <a:schemeClr val="tx1">
-                    <a:tint val="75000"/>
-                  </a:schemeClr>
-                </a:solidFill>
+              <a:defRPr sz="2800" b="0" i="0">
+                <a:solidFill>
+                  <a:schemeClr val="bg2">
+                    <a:lumMod val="50000"/>
+                  </a:schemeClr>
+                </a:solidFill>
+                <a:effectLst/>
+                <a:latin typeface="+mn-lt"/>
               </a:defRPr>
             </a:lvl1pPr>
           </a:lstStyle>
@@ -2659,202 +5012,328 @@
     </p:spTree>
     <p:extLst>
       <p:ext uri="{BB962C8B-B14F-4D97-AF65-F5344CB8AC3E}">
-        <p14:creationId xmlns:p14="http://schemas.microsoft.com/office/powerpoint/2010/main" val="2377768637"/>
+        <p14:creationId xmlns:p14="http://schemas.microsoft.com/office/powerpoint/2010/main" val="2117638031"/>
       </p:ext>
     </p:extLst>
   </p:cSld>
-  <p:clrMap bg1="lt1" tx1="dk1" bg2="lt2" tx2="dk2" accent1="accent1" accent2="accent2" accent3="accent3" accent4="accent4" accent5="accent5" accent6="accent6" hlink="hlink" folHlink="folHlink"/>
+  <p:clrMap bg1="dk1" tx1="lt1" bg2="dk2" tx2="lt2" accent1="accent1" accent2="accent2" accent3="accent3" accent4="accent4" accent5="accent5" accent6="accent6" hlink="hlink" folHlink="folHlink"/>
   <p:sldLayoutIdLst>
-    <p:sldLayoutId id="2147483661" r:id="rId1"/>
-    <p:sldLayoutId id="2147483662" r:id="rId2"/>
-    <p:sldLayoutId id="2147483663" r:id="rId3"/>
-    <p:sldLayoutId id="2147483664" r:id="rId4"/>
-    <p:sldLayoutId id="2147483665" r:id="rId5"/>
-    <p:sldLayoutId id="2147483666" r:id="rId6"/>
-    <p:sldLayoutId id="2147483667" r:id="rId7"/>
-    <p:sldLayoutId id="2147483668" r:id="rId8"/>
-    <p:sldLayoutId id="2147483669" r:id="rId9"/>
-    <p:sldLayoutId id="2147483670" r:id="rId10"/>
-    <p:sldLayoutId id="2147483671" r:id="rId11"/>
+    <p:sldLayoutId id="2147483673" r:id="rId1"/>
+    <p:sldLayoutId id="2147483674" r:id="rId2"/>
+    <p:sldLayoutId id="2147483675" r:id="rId3"/>
+    <p:sldLayoutId id="2147483676" r:id="rId4"/>
+    <p:sldLayoutId id="2147483677" r:id="rId5"/>
+    <p:sldLayoutId id="2147483678" r:id="rId6"/>
+    <p:sldLayoutId id="2147483679" r:id="rId7"/>
+    <p:sldLayoutId id="2147483680" r:id="rId8"/>
+    <p:sldLayoutId id="2147483681" r:id="rId9"/>
+    <p:sldLayoutId id="2147483682" r:id="rId10"/>
+    <p:sldLayoutId id="2147483683" r:id="rId11"/>
+    <p:sldLayoutId id="2147483684" r:id="rId12"/>
+    <p:sldLayoutId id="2147483685" r:id="rId13"/>
+    <p:sldLayoutId id="2147483686" r:id="rId14"/>
+    <p:sldLayoutId id="2147483687" r:id="rId15"/>
+    <p:sldLayoutId id="2147483688" r:id="rId16"/>
+    <p:sldLayoutId id="2147483689" r:id="rId17"/>
   </p:sldLayoutIdLst>
   <p:txStyles>
     <p:titleStyle>
-      <a:lvl1pPr algn="l" defTabSz="914400" rtl="0" eaLnBrk="1" latinLnBrk="0" hangingPunct="1">
-        <a:lnSpc>
-          <a:spcPct val="90000"/>
-        </a:lnSpc>
+      <a:lvl1pPr algn="l" defTabSz="457200" rtl="0" eaLnBrk="1" latinLnBrk="0" hangingPunct="1">
         <a:spcBef>
           <a:spcPct val="0"/>
         </a:spcBef>
         <a:buNone/>
-        <a:defRPr sz="4400" kern="1200">
+        <a:defRPr sz="3200" kern="1200" cap="all">
+          <a:ln w="3175" cmpd="sng">
+            <a:noFill/>
+          </a:ln>
           <a:solidFill>
             <a:schemeClr val="tx1"/>
           </a:solidFill>
+          <a:effectLst/>
           <a:latin typeface="+mj-lt"/>
           <a:ea typeface="+mj-ea"/>
           <a:cs typeface="+mj-cs"/>
         </a:defRPr>
       </a:lvl1pPr>
+      <a:lvl2pPr eaLnBrk="1" hangingPunct="1">
+        <a:defRPr>
+          <a:solidFill>
+            <a:schemeClr val="tx2"/>
+          </a:solidFill>
+        </a:defRPr>
+      </a:lvl2pPr>
+      <a:lvl3pPr eaLnBrk="1" hangingPunct="1">
+        <a:defRPr>
+          <a:solidFill>
+            <a:schemeClr val="tx2"/>
+          </a:solidFill>
+        </a:defRPr>
+      </a:lvl3pPr>
+      <a:lvl4pPr eaLnBrk="1" hangingPunct="1">
+        <a:defRPr>
+          <a:solidFill>
+            <a:schemeClr val="tx2"/>
+          </a:solidFill>
+        </a:defRPr>
+      </a:lvl4pPr>
+      <a:lvl5pPr eaLnBrk="1" hangingPunct="1">
+        <a:defRPr>
+          <a:solidFill>
+            <a:schemeClr val="tx2"/>
+          </a:solidFill>
+        </a:defRPr>
+      </a:lvl5pPr>
+      <a:lvl6pPr eaLnBrk="1" hangingPunct="1">
+        <a:defRPr>
+          <a:solidFill>
+            <a:schemeClr val="tx2"/>
+          </a:solidFill>
+        </a:defRPr>
+      </a:lvl6pPr>
+      <a:lvl7pPr eaLnBrk="1" hangingPunct="1">
+        <a:defRPr>
+          <a:solidFill>
+            <a:schemeClr val="tx2"/>
+          </a:solidFill>
+        </a:defRPr>
+      </a:lvl7pPr>
+      <a:lvl8pPr eaLnBrk="1" hangingPunct="1">
+        <a:defRPr>
+          <a:solidFill>
+            <a:schemeClr val="tx2"/>
+          </a:solidFill>
+        </a:defRPr>
+      </a:lvl8pPr>
+      <a:lvl9pPr eaLnBrk="1" hangingPunct="1">
+        <a:defRPr>
+          <a:solidFill>
+            <a:schemeClr val="tx2"/>
+          </a:solidFill>
+        </a:defRPr>
+      </a:lvl9pPr>
     </p:titleStyle>
     <p:bodyStyle>
-      <a:lvl1pPr marL="228600" indent="-228600" algn="l" defTabSz="914400" rtl="0" eaLnBrk="1" latinLnBrk="0" hangingPunct="1">
-        <a:lnSpc>
-          <a:spcPct val="90000"/>
-        </a:lnSpc>
+      <a:lvl1pPr marL="285750" indent="-285750" algn="l" defTabSz="457200" rtl="0" eaLnBrk="1" latinLnBrk="0" hangingPunct="1">
         <a:spcBef>
-          <a:spcPts val="1000"/>
+          <a:spcPct val="20000"/>
         </a:spcBef>
-        <a:buFont typeface="Arial" panose="020B0604020202020204" pitchFamily="34" charset="0"/>
-        <a:buChar char="•"/>
-        <a:defRPr sz="2800" kern="1200">
+        <a:spcAft>
+          <a:spcPts val="600"/>
+        </a:spcAft>
+        <a:buClr>
+          <a:schemeClr val="tx1"/>
+        </a:buClr>
+        <a:buSzPct val="80000"/>
+        <a:buFont typeface="Wingdings 3" panose="05040102010807070707" pitchFamily="18" charset="2"/>
+        <a:buChar char=""/>
+        <a:defRPr sz="2000" kern="1200" cap="none">
           <a:solidFill>
-            <a:schemeClr val="tx1"/>
+            <a:schemeClr val="bg2">
+              <a:lumMod val="75000"/>
+            </a:schemeClr>
           </a:solidFill>
+          <a:effectLst/>
           <a:latin typeface="+mn-lt"/>
           <a:ea typeface="+mn-ea"/>
           <a:cs typeface="+mn-cs"/>
         </a:defRPr>
       </a:lvl1pPr>
-      <a:lvl2pPr marL="685800" indent="-228600" algn="l" defTabSz="914400" rtl="0" eaLnBrk="1" latinLnBrk="0" hangingPunct="1">
-        <a:lnSpc>
-          <a:spcPct val="90000"/>
-        </a:lnSpc>
+      <a:lvl2pPr marL="742950" indent="-285750" algn="l" defTabSz="457200" rtl="0" eaLnBrk="1" latinLnBrk="0" hangingPunct="1">
         <a:spcBef>
-          <a:spcPts val="500"/>
+          <a:spcPct val="20000"/>
         </a:spcBef>
-        <a:buFont typeface="Arial" panose="020B0604020202020204" pitchFamily="34" charset="0"/>
-        <a:buChar char="•"/>
-        <a:defRPr sz="2400" kern="1200">
+        <a:spcAft>
+          <a:spcPts val="600"/>
+        </a:spcAft>
+        <a:buClr>
+          <a:schemeClr val="tx1"/>
+        </a:buClr>
+        <a:buSzPct val="80000"/>
+        <a:buFont typeface="Wingdings 3" panose="05040102010807070707" pitchFamily="18" charset="2"/>
+        <a:buChar char=""/>
+        <a:defRPr sz="1800" kern="1200" cap="none">
           <a:solidFill>
-            <a:schemeClr val="tx1"/>
+            <a:schemeClr val="bg2">
+              <a:lumMod val="75000"/>
+            </a:schemeClr>
           </a:solidFill>
+          <a:effectLst/>
           <a:latin typeface="+mn-lt"/>
           <a:ea typeface="+mn-ea"/>
           <a:cs typeface="+mn-cs"/>
         </a:defRPr>
       </a:lvl2pPr>
-      <a:lvl3pPr marL="1143000" indent="-228600" algn="l" defTabSz="914400" rtl="0" eaLnBrk="1" latinLnBrk="0" hangingPunct="1">
-        <a:lnSpc>
-          <a:spcPct val="90000"/>
-        </a:lnSpc>
+      <a:lvl3pPr marL="1200150" indent="-285750" algn="l" defTabSz="457200" rtl="0" eaLnBrk="1" latinLnBrk="0" hangingPunct="1">
         <a:spcBef>
-          <a:spcPts val="500"/>
+          <a:spcPct val="20000"/>
         </a:spcBef>
-        <a:buFont typeface="Arial" panose="020B0604020202020204" pitchFamily="34" charset="0"/>
-        <a:buChar char="•"/>
-        <a:defRPr sz="2000" kern="1200">
+        <a:spcAft>
+          <a:spcPts val="600"/>
+        </a:spcAft>
+        <a:buClr>
+          <a:schemeClr val="tx1"/>
+        </a:buClr>
+        <a:buSzPct val="80000"/>
+        <a:buFont typeface="Wingdings 3" panose="05040102010807070707" pitchFamily="18" charset="2"/>
+        <a:buChar char=""/>
+        <a:defRPr sz="1600" kern="1200" cap="none">
           <a:solidFill>
-            <a:schemeClr val="tx1"/>
+            <a:schemeClr val="bg2">
+              <a:lumMod val="75000"/>
+            </a:schemeClr>
           </a:solidFill>
+          <a:effectLst/>
           <a:latin typeface="+mn-lt"/>
           <a:ea typeface="+mn-ea"/>
           <a:cs typeface="+mn-cs"/>
         </a:defRPr>
       </a:lvl3pPr>
-      <a:lvl4pPr marL="1600200" indent="-228600" algn="l" defTabSz="914400" rtl="0" eaLnBrk="1" latinLnBrk="0" hangingPunct="1">
-        <a:lnSpc>
-          <a:spcPct val="90000"/>
-        </a:lnSpc>
+      <a:lvl4pPr marL="1543050" indent="-171450" algn="l" defTabSz="457200" rtl="0" eaLnBrk="1" latinLnBrk="0" hangingPunct="1">
         <a:spcBef>
-          <a:spcPts val="500"/>
+          <a:spcPct val="20000"/>
         </a:spcBef>
-        <a:buFont typeface="Arial" panose="020B0604020202020204" pitchFamily="34" charset="0"/>
-        <a:buChar char="•"/>
-        <a:defRPr sz="1800" kern="1200">
+        <a:spcAft>
+          <a:spcPts val="600"/>
+        </a:spcAft>
+        <a:buClr>
+          <a:schemeClr val="tx1"/>
+        </a:buClr>
+        <a:buSzPct val="80000"/>
+        <a:buFont typeface="Wingdings 3" panose="05040102010807070707" pitchFamily="18" charset="2"/>
+        <a:buChar char=""/>
+        <a:defRPr sz="1400" kern="1200" cap="none">
           <a:solidFill>
-            <a:schemeClr val="tx1"/>
+            <a:schemeClr val="bg2">
+              <a:lumMod val="75000"/>
+            </a:schemeClr>
           </a:solidFill>
+          <a:effectLst/>
           <a:latin typeface="+mn-lt"/>
           <a:ea typeface="+mn-ea"/>
           <a:cs typeface="+mn-cs"/>
         </a:defRPr>
       </a:lvl4pPr>
-      <a:lvl5pPr marL="2057400" indent="-228600" algn="l" defTabSz="914400" rtl="0" eaLnBrk="1" latinLnBrk="0" hangingPunct="1">
-        <a:lnSpc>
-          <a:spcPct val="90000"/>
-        </a:lnSpc>
+      <a:lvl5pPr marL="2000250" indent="-171450" algn="l" defTabSz="457200" rtl="0" eaLnBrk="1" latinLnBrk="0" hangingPunct="1">
         <a:spcBef>
-          <a:spcPts val="500"/>
+          <a:spcPct val="20000"/>
         </a:spcBef>
-        <a:buFont typeface="Arial" panose="020B0604020202020204" pitchFamily="34" charset="0"/>
-        <a:buChar char="•"/>
-        <a:defRPr sz="1800" kern="1200">
+        <a:spcAft>
+          <a:spcPts val="600"/>
+        </a:spcAft>
+        <a:buClr>
+          <a:schemeClr val="tx1"/>
+        </a:buClr>
+        <a:buSzPct val="80000"/>
+        <a:buFont typeface="Wingdings 3" panose="05040102010807070707" pitchFamily="18" charset="2"/>
+        <a:buChar char=""/>
+        <a:defRPr sz="1400" kern="1200" cap="none">
           <a:solidFill>
-            <a:schemeClr val="tx1"/>
+            <a:schemeClr val="bg2">
+              <a:lumMod val="75000"/>
+            </a:schemeClr>
           </a:solidFill>
+          <a:effectLst/>
           <a:latin typeface="+mn-lt"/>
           <a:ea typeface="+mn-ea"/>
           <a:cs typeface="+mn-cs"/>
         </a:defRPr>
       </a:lvl5pPr>
-      <a:lvl6pPr marL="2514600" indent="-228600" algn="l" defTabSz="914400" rtl="0" eaLnBrk="1" latinLnBrk="0" hangingPunct="1">
-        <a:lnSpc>
-          <a:spcPct val="90000"/>
-        </a:lnSpc>
+      <a:lvl6pPr marL="2514600" indent="-228600" algn="l" defTabSz="457200" rtl="0" eaLnBrk="1" latinLnBrk="0" hangingPunct="1">
         <a:spcBef>
-          <a:spcPts val="500"/>
+          <a:spcPct val="20000"/>
         </a:spcBef>
-        <a:buFont typeface="Arial" panose="020B0604020202020204" pitchFamily="34" charset="0"/>
-        <a:buChar char="•"/>
-        <a:defRPr sz="1800" kern="1200">
+        <a:spcAft>
+          <a:spcPts val="600"/>
+        </a:spcAft>
+        <a:buClr>
+          <a:schemeClr val="tx1"/>
+        </a:buClr>
+        <a:buSzPct val="80000"/>
+        <a:buFont typeface="Wingdings 3" panose="05040102010807070707" pitchFamily="18" charset="2"/>
+        <a:buChar char=""/>
+        <a:defRPr sz="1400" kern="1200" cap="none">
           <a:solidFill>
-            <a:schemeClr val="tx1"/>
+            <a:schemeClr val="bg2">
+              <a:lumMod val="75000"/>
+            </a:schemeClr>
           </a:solidFill>
+          <a:effectLst/>
           <a:latin typeface="+mn-lt"/>
           <a:ea typeface="+mn-ea"/>
           <a:cs typeface="+mn-cs"/>
         </a:defRPr>
       </a:lvl6pPr>
-      <a:lvl7pPr marL="2971800" indent="-228600" algn="l" defTabSz="914400" rtl="0" eaLnBrk="1" latinLnBrk="0" hangingPunct="1">
-        <a:lnSpc>
-          <a:spcPct val="90000"/>
-        </a:lnSpc>
+      <a:lvl7pPr marL="2971800" indent="-228600" algn="l" defTabSz="457200" rtl="0" eaLnBrk="1" latinLnBrk="0" hangingPunct="1">
         <a:spcBef>
-          <a:spcPts val="500"/>
+          <a:spcPct val="20000"/>
         </a:spcBef>
-        <a:buFont typeface="Arial" panose="020B0604020202020204" pitchFamily="34" charset="0"/>
-        <a:buChar char="•"/>
-        <a:defRPr sz="1800" kern="1200">
+        <a:spcAft>
+          <a:spcPts val="600"/>
+        </a:spcAft>
+        <a:buClr>
+          <a:schemeClr val="tx1"/>
+        </a:buClr>
+        <a:buSzPct val="80000"/>
+        <a:buFont typeface="Wingdings 3" panose="05040102010807070707" pitchFamily="18" charset="2"/>
+        <a:buChar char=""/>
+        <a:defRPr sz="1400" kern="1200" cap="none">
           <a:solidFill>
-            <a:schemeClr val="tx1"/>
+            <a:schemeClr val="bg2">
+              <a:lumMod val="75000"/>
+            </a:schemeClr>
           </a:solidFill>
+          <a:effectLst/>
           <a:latin typeface="+mn-lt"/>
           <a:ea typeface="+mn-ea"/>
           <a:cs typeface="+mn-cs"/>
         </a:defRPr>
       </a:lvl7pPr>
-      <a:lvl8pPr marL="3429000" indent="-228600" algn="l" defTabSz="914400" rtl="0" eaLnBrk="1" latinLnBrk="0" hangingPunct="1">
-        <a:lnSpc>
-          <a:spcPct val="90000"/>
-        </a:lnSpc>
+      <a:lvl8pPr marL="3429000" indent="-228600" algn="l" defTabSz="457200" rtl="0" eaLnBrk="1" latinLnBrk="0" hangingPunct="1">
         <a:spcBef>
-          <a:spcPts val="500"/>
+          <a:spcPct val="20000"/>
         </a:spcBef>
-        <a:buFont typeface="Arial" panose="020B0604020202020204" pitchFamily="34" charset="0"/>
-        <a:buChar char="•"/>
-        <a:defRPr sz="1800" kern="1200">
+        <a:spcAft>
+          <a:spcPts val="600"/>
+        </a:spcAft>
+        <a:buClr>
+          <a:schemeClr val="tx1"/>
+        </a:buClr>
+        <a:buSzPct val="80000"/>
+        <a:buFont typeface="Wingdings 3" panose="05040102010807070707" pitchFamily="18" charset="2"/>
+        <a:buChar char=""/>
+        <a:defRPr sz="1400" kern="1200" cap="none">
           <a:solidFill>
-            <a:schemeClr val="tx1"/>
+            <a:schemeClr val="bg2">
+              <a:lumMod val="75000"/>
+            </a:schemeClr>
           </a:solidFill>
+          <a:effectLst/>
           <a:latin typeface="+mn-lt"/>
           <a:ea typeface="+mn-ea"/>
           <a:cs typeface="+mn-cs"/>
         </a:defRPr>
       </a:lvl8pPr>
-      <a:lvl9pPr marL="3886200" indent="-228600" algn="l" defTabSz="914400" rtl="0" eaLnBrk="1" latinLnBrk="0" hangingPunct="1">
-        <a:lnSpc>
-          <a:spcPct val="90000"/>
-        </a:lnSpc>
+      <a:lvl9pPr marL="3886200" indent="-228600" algn="l" defTabSz="457200" rtl="0" eaLnBrk="1" latinLnBrk="0" hangingPunct="1">
         <a:spcBef>
-          <a:spcPts val="500"/>
+          <a:spcPct val="20000"/>
         </a:spcBef>
-        <a:buFont typeface="Arial" panose="020B0604020202020204" pitchFamily="34" charset="0"/>
-        <a:buChar char="•"/>
-        <a:defRPr sz="1800" kern="1200">
+        <a:spcAft>
+          <a:spcPts val="600"/>
+        </a:spcAft>
+        <a:buClr>
+          <a:schemeClr val="tx1"/>
+        </a:buClr>
+        <a:buSzPct val="80000"/>
+        <a:buFont typeface="Wingdings 3" panose="05040102010807070707" pitchFamily="18" charset="2"/>
+        <a:buChar char=""/>
+        <a:defRPr sz="1400" kern="1200" cap="none">
           <a:solidFill>
-            <a:schemeClr val="tx1"/>
+            <a:schemeClr val="bg2">
+              <a:lumMod val="75000"/>
+            </a:schemeClr>
           </a:solidFill>
+          <a:effectLst/>
           <a:latin typeface="+mn-lt"/>
           <a:ea typeface="+mn-ea"/>
           <a:cs typeface="+mn-cs"/>
@@ -2865,7 +5344,7 @@
       <a:defPPr>
         <a:defRPr lang="en-US"/>
       </a:defPPr>
-      <a:lvl1pPr marL="0" algn="l" defTabSz="914400" rtl="0" eaLnBrk="1" latinLnBrk="0" hangingPunct="1">
+      <a:lvl1pPr marL="0" algn="l" defTabSz="457200" rtl="0" eaLnBrk="1" latinLnBrk="0" hangingPunct="1">
         <a:defRPr sz="1800" kern="1200">
           <a:solidFill>
             <a:schemeClr val="tx1"/>
@@ -2875,7 +5354,7 @@
           <a:cs typeface="+mn-cs"/>
         </a:defRPr>
       </a:lvl1pPr>
-      <a:lvl2pPr marL="457200" algn="l" defTabSz="914400" rtl="0" eaLnBrk="1" latinLnBrk="0" hangingPunct="1">
+      <a:lvl2pPr marL="457200" algn="l" defTabSz="457200" rtl="0" eaLnBrk="1" latinLnBrk="0" hangingPunct="1">
         <a:defRPr sz="1800" kern="1200">
           <a:solidFill>
             <a:schemeClr val="tx1"/>
@@ -2885,7 +5364,7 @@
           <a:cs typeface="+mn-cs"/>
         </a:defRPr>
       </a:lvl2pPr>
-      <a:lvl3pPr marL="914400" algn="l" defTabSz="914400" rtl="0" eaLnBrk="1" latinLnBrk="0" hangingPunct="1">
+      <a:lvl3pPr marL="914400" algn="l" defTabSz="457200" rtl="0" eaLnBrk="1" latinLnBrk="0" hangingPunct="1">
         <a:defRPr sz="1800" kern="1200">
           <a:solidFill>
             <a:schemeClr val="tx1"/>
@@ -2895,7 +5374,7 @@
           <a:cs typeface="+mn-cs"/>
         </a:defRPr>
       </a:lvl3pPr>
-      <a:lvl4pPr marL="1371600" algn="l" defTabSz="914400" rtl="0" eaLnBrk="1" latinLnBrk="0" hangingPunct="1">
+      <a:lvl4pPr marL="1371600" algn="l" defTabSz="457200" rtl="0" eaLnBrk="1" latinLnBrk="0" hangingPunct="1">
         <a:defRPr sz="1800" kern="1200">
           <a:solidFill>
             <a:schemeClr val="tx1"/>
@@ -2905,7 +5384,7 @@
           <a:cs typeface="+mn-cs"/>
         </a:defRPr>
       </a:lvl4pPr>
-      <a:lvl5pPr marL="1828800" algn="l" defTabSz="914400" rtl="0" eaLnBrk="1" latinLnBrk="0" hangingPunct="1">
+      <a:lvl5pPr marL="1828800" algn="l" defTabSz="457200" rtl="0" eaLnBrk="1" latinLnBrk="0" hangingPunct="1">
         <a:defRPr sz="1800" kern="1200">
           <a:solidFill>
             <a:schemeClr val="tx1"/>
@@ -2915,7 +5394,7 @@
           <a:cs typeface="+mn-cs"/>
         </a:defRPr>
       </a:lvl5pPr>
-      <a:lvl6pPr marL="2286000" algn="l" defTabSz="914400" rtl="0" eaLnBrk="1" latinLnBrk="0" hangingPunct="1">
+      <a:lvl6pPr marL="2286000" algn="l" defTabSz="457200" rtl="0" eaLnBrk="1" latinLnBrk="0" hangingPunct="1">
         <a:defRPr sz="1800" kern="1200">
           <a:solidFill>
             <a:schemeClr val="tx1"/>
@@ -2925,7 +5404,7 @@
           <a:cs typeface="+mn-cs"/>
         </a:defRPr>
       </a:lvl6pPr>
-      <a:lvl7pPr marL="2743200" algn="l" defTabSz="914400" rtl="0" eaLnBrk="1" latinLnBrk="0" hangingPunct="1">
+      <a:lvl7pPr marL="2743200" algn="l" defTabSz="457200" rtl="0" eaLnBrk="1" latinLnBrk="0" hangingPunct="1">
         <a:defRPr sz="1800" kern="1200">
           <a:solidFill>
             <a:schemeClr val="tx1"/>
@@ -2935,7 +5414,7 @@
           <a:cs typeface="+mn-cs"/>
         </a:defRPr>
       </a:lvl7pPr>
-      <a:lvl8pPr marL="3200400" algn="l" defTabSz="914400" rtl="0" eaLnBrk="1" latinLnBrk="0" hangingPunct="1">
+      <a:lvl8pPr marL="3200400" algn="l" defTabSz="457200" rtl="0" eaLnBrk="1" latinLnBrk="0" hangingPunct="1">
         <a:defRPr sz="1800" kern="1200">
           <a:solidFill>
             <a:schemeClr val="tx1"/>
@@ -2945,7 +5424,7 @@
           <a:cs typeface="+mn-cs"/>
         </a:defRPr>
       </a:lvl8pPr>
-      <a:lvl9pPr marL="3657600" algn="l" defTabSz="914400" rtl="0" eaLnBrk="1" latinLnBrk="0" hangingPunct="1">
+      <a:lvl9pPr marL="3657600" algn="l" defTabSz="457200" rtl="0" eaLnBrk="1" latinLnBrk="0" hangingPunct="1">
         <a:defRPr sz="1800" kern="1200">
           <a:solidFill>
             <a:schemeClr val="tx1"/>
@@ -3084,7 +5563,7 @@
         </p:spPr>
         <p:txBody>
           <a:bodyPr>
-            <a:normAutofit lnSpcReduction="10000"/>
+            <a:normAutofit/>
           </a:bodyPr>
           <a:lstStyle/>
           <a:p>
@@ -3253,10 +5732,10 @@
         </p:nvGrpSpPr>
         <p:grpSpPr>
           <a:xfrm>
-            <a:off x="2776920" y="0"/>
-            <a:ext cx="6367080" cy="6782696"/>
+            <a:off x="1141067" y="0"/>
+            <a:ext cx="6367080" cy="6858000"/>
             <a:chOff x="2361665" y="0"/>
-            <a:chExt cx="6367080" cy="6782696"/>
+            <a:chExt cx="6367080" cy="6858000"/>
           </a:xfrm>
         </p:grpSpPr>
         <p:pic>
@@ -3281,7 +5760,7 @@
           <p:spPr>
             <a:xfrm>
               <a:off x="2361665" y="0"/>
-              <a:ext cx="6367080" cy="6782696"/>
+              <a:ext cx="6367080" cy="6858000"/>
             </a:xfrm>
             <a:prstGeom prst="rect">
               <a:avLst/>
@@ -3387,8 +5866,8 @@
         </p:blipFill>
         <p:spPr>
           <a:xfrm>
-            <a:off x="2009631" y="297853"/>
-            <a:ext cx="6889335" cy="6145977"/>
+            <a:off x="1002952" y="0"/>
+            <a:ext cx="7553819" cy="6858000"/>
           </a:xfrm>
           <a:prstGeom prst="rect">
             <a:avLst/>
@@ -3545,9 +6024,9 @@
 </file>
 
 <file path=ppt/theme/theme1.xml><?xml version="1.0" encoding="utf-8"?>
-<a:theme xmlns:a="http://schemas.openxmlformats.org/drawingml/2006/main" name="Office Theme">
+<a:theme xmlns:a="http://schemas.openxmlformats.org/drawingml/2006/main" name="Slice">
   <a:themeElements>
-    <a:clrScheme name="Office Theme">
+    <a:clrScheme name="Slice">
       <a:dk1>
         <a:sysClr val="windowText" lastClr="000000"/>
       </a:dk1>
@@ -3555,83 +6034,48 @@
         <a:sysClr val="window" lastClr="FFFFFF"/>
       </a:lt1>
       <a:dk2>
-        <a:srgbClr val="44546A"/>
+        <a:srgbClr val="146194"/>
       </a:dk2>
       <a:lt2>
-        <a:srgbClr val="E7E6E6"/>
+        <a:srgbClr val="76DBF4"/>
       </a:lt2>
       <a:accent1>
-        <a:srgbClr val="4472C4"/>
+        <a:srgbClr val="052F61"/>
       </a:accent1>
       <a:accent2>
-        <a:srgbClr val="ED7D31"/>
+        <a:srgbClr val="A50E82"/>
       </a:accent2>
       <a:accent3>
-        <a:srgbClr val="A5A5A5"/>
+        <a:srgbClr val="14967C"/>
       </a:accent3>
       <a:accent4>
-        <a:srgbClr val="FFC000"/>
+        <a:srgbClr val="6A9E1F"/>
       </a:accent4>
       <a:accent5>
-        <a:srgbClr val="5B9BD5"/>
+        <a:srgbClr val="E87D37"/>
       </a:accent5>
       <a:accent6>
-        <a:srgbClr val="70AD47"/>
+        <a:srgbClr val="C62324"/>
       </a:accent6>
       <a:hlink>
-        <a:srgbClr val="0563C1"/>
+        <a:srgbClr val="0D2E46"/>
       </a:hlink>
       <a:folHlink>
-        <a:srgbClr val="954F72"/>
+        <a:srgbClr val="356A95"/>
       </a:folHlink>
     </a:clrScheme>
-    <a:fontScheme name="Office Theme">
+    <a:fontScheme name="Slice">
       <a:majorFont>
-        <a:latin typeface="Calibri Light" panose="020F0302020204030204"/>
+        <a:latin typeface="Century Gothic" panose="020B0502020202020204"/>
         <a:ea typeface=""/>
         <a:cs typeface=""/>
-        <a:font script="Jpan" typeface="游ゴシック Light"/>
-        <a:font script="Hang" typeface="맑은 고딕"/>
-        <a:font script="Hans" typeface="等线 Light"/>
-        <a:font script="Hant" typeface="新細明體"/>
-        <a:font script="Arab" typeface="Times New Roman"/>
-        <a:font script="Hebr" typeface="Times New Roman"/>
-        <a:font script="Thai" typeface="Angsana New"/>
-        <a:font script="Ethi" typeface="Nyala"/>
-        <a:font script="Beng" typeface="Vrinda"/>
-        <a:font script="Gujr" typeface="Shruti"/>
-        <a:font script="Khmr" typeface="MoolBoran"/>
-        <a:font script="Knda" typeface="Tunga"/>
-        <a:font script="Guru" typeface="Raavi"/>
-        <a:font script="Cans" typeface="Euphemia"/>
-        <a:font script="Cher" typeface="Plantagenet Cherokee"/>
-        <a:font script="Yiii" typeface="Microsoft Yi Baiti"/>
-        <a:font script="Tibt" typeface="Microsoft Himalaya"/>
-        <a:font script="Thaa" typeface="MV Boli"/>
-        <a:font script="Deva" typeface="Mangal"/>
-        <a:font script="Telu" typeface="Gautami"/>
-        <a:font script="Taml" typeface="Latha"/>
-        <a:font script="Syrc" typeface="Estrangelo Edessa"/>
-        <a:font script="Orya" typeface="Kalinga"/>
-        <a:font script="Mlym" typeface="Kartika"/>
-        <a:font script="Laoo" typeface="DokChampa"/>
-        <a:font script="Sinh" typeface="Iskoola Pota"/>
-        <a:font script="Mong" typeface="Mongolian Baiti"/>
-        <a:font script="Viet" typeface="Times New Roman"/>
-        <a:font script="Uigh" typeface="Microsoft Uighur"/>
-        <a:font script="Geor" typeface="Sylfaen"/>
-      </a:majorFont>
-      <a:minorFont>
-        <a:latin typeface="Calibri" panose="020F0502020204030204"/>
-        <a:ea typeface=""/>
-        <a:cs typeface=""/>
-        <a:font script="Jpan" typeface="游ゴシック"/>
-        <a:font script="Hang" typeface="맑은 고딕"/>
-        <a:font script="Hans" typeface="等线"/>
-        <a:font script="Hant" typeface="新細明體"/>
-        <a:font script="Arab" typeface="Arial"/>
-        <a:font script="Hebr" typeface="Arial"/>
-        <a:font script="Thai" typeface="Cordia New"/>
+        <a:font script="Jpan" typeface="メイリオ"/>
+        <a:font script="Hang" typeface="HY중고딕"/>
+        <a:font script="Hans" typeface="幼圆"/>
+        <a:font script="Hant" typeface="微軟正黑體"/>
+        <a:font script="Arab" typeface="Tahoma"/>
+        <a:font script="Hebr" typeface="Gisha"/>
+        <a:font script="Thai" typeface="DilleniaUPC"/>
         <a:font script="Ethi" typeface="Nyala"/>
         <a:font script="Beng" typeface="Vrinda"/>
         <a:font script="Gujr" typeface="Shruti"/>
@@ -3652,12 +6096,47 @@
         <a:font script="Laoo" typeface="DokChampa"/>
         <a:font script="Sinh" typeface="Iskoola Pota"/>
         <a:font script="Mong" typeface="Mongolian Baiti"/>
-        <a:font script="Viet" typeface="Arial"/>
+        <a:font script="Viet" typeface="Tahoma"/>
+        <a:font script="Uigh" typeface="Microsoft Uighur"/>
+        <a:font script="Geor" typeface="Sylfaen"/>
+      </a:majorFont>
+      <a:minorFont>
+        <a:latin typeface="Century Gothic" panose="020B0502020202020204"/>
+        <a:ea typeface=""/>
+        <a:cs typeface=""/>
+        <a:font script="Jpan" typeface="メイリオ"/>
+        <a:font script="Hang" typeface="HY중고딕"/>
+        <a:font script="Hans" typeface="幼圆"/>
+        <a:font script="Hant" typeface="微軟正黑體"/>
+        <a:font script="Arab" typeface="Tahoma"/>
+        <a:font script="Hebr" typeface="Gisha"/>
+        <a:font script="Thai" typeface="DilleniaUPC"/>
+        <a:font script="Ethi" typeface="Nyala"/>
+        <a:font script="Beng" typeface="Vrinda"/>
+        <a:font script="Gujr" typeface="Shruti"/>
+        <a:font script="Khmr" typeface="DaunPenh"/>
+        <a:font script="Knda" typeface="Tunga"/>
+        <a:font script="Guru" typeface="Raavi"/>
+        <a:font script="Cans" typeface="Euphemia"/>
+        <a:font script="Cher" typeface="Plantagenet Cherokee"/>
+        <a:font script="Yiii" typeface="Microsoft Yi Baiti"/>
+        <a:font script="Tibt" typeface="Microsoft Himalaya"/>
+        <a:font script="Thaa" typeface="MV Boli"/>
+        <a:font script="Deva" typeface="Mangal"/>
+        <a:font script="Telu" typeface="Gautami"/>
+        <a:font script="Taml" typeface="Latha"/>
+        <a:font script="Syrc" typeface="Estrangelo Edessa"/>
+        <a:font script="Orya" typeface="Kalinga"/>
+        <a:font script="Mlym" typeface="Kartika"/>
+        <a:font script="Laoo" typeface="DokChampa"/>
+        <a:font script="Sinh" typeface="Iskoola Pota"/>
+        <a:font script="Mong" typeface="Mongolian Baiti"/>
+        <a:font script="Viet" typeface="Tahoma"/>
         <a:font script="Uigh" typeface="Microsoft Uighur"/>
         <a:font script="Geor" typeface="Sylfaen"/>
       </a:minorFont>
     </a:fontScheme>
-    <a:fmtScheme name="Office Theme">
+    <a:fmtScheme name="Slice">
       <a:fillStyleLst>
         <a:solidFill>
           <a:schemeClr val="phClr"/>
@@ -3666,23 +6145,16 @@
           <a:gsLst>
             <a:gs pos="0">
               <a:schemeClr val="phClr">
+                <a:tint val="62000"/>
+                <a:hueMod val="94000"/>
+                <a:satMod val="140000"/>
                 <a:lumMod val="110000"/>
-                <a:satMod val="105000"/>
-                <a:tint val="67000"/>
-              </a:schemeClr>
-            </a:gs>
-            <a:gs pos="50000">
-              <a:schemeClr val="phClr">
-                <a:lumMod val="105000"/>
-                <a:satMod val="103000"/>
-                <a:tint val="73000"/>
               </a:schemeClr>
             </a:gs>
             <a:gs pos="100000">
               <a:schemeClr val="phClr">
-                <a:lumMod val="105000"/>
-                <a:satMod val="109000"/>
-                <a:tint val="81000"/>
+                <a:tint val="84000"/>
+                <a:satMod val="160000"/>
               </a:schemeClr>
             </a:gs>
           </a:gsLst>
@@ -3692,23 +6164,16 @@
           <a:gsLst>
             <a:gs pos="0">
               <a:schemeClr val="phClr">
-                <a:satMod val="103000"/>
-                <a:lumMod val="102000"/>
-                <a:tint val="94000"/>
-              </a:schemeClr>
-            </a:gs>
-            <a:gs pos="50000">
-              <a:schemeClr val="phClr">
-                <a:satMod val="110000"/>
-                <a:lumMod val="100000"/>
-                <a:shade val="100000"/>
+                <a:tint val="98000"/>
+                <a:hueMod val="94000"/>
+                <a:satMod val="130000"/>
+                <a:lumMod val="138000"/>
               </a:schemeClr>
             </a:gs>
             <a:gs pos="100000">
               <a:schemeClr val="phClr">
-                <a:lumMod val="99000"/>
-                <a:satMod val="120000"/>
-                <a:shade val="78000"/>
+                <a:shade val="94000"/>
+                <a:lumMod val="88000"/>
               </a:schemeClr>
             </a:gs>
           </a:gsLst>
@@ -3716,26 +6181,29 @@
         </a:gradFill>
       </a:fillStyleLst>
       <a:lnStyleLst>
-        <a:ln w="6350" cap="flat" cmpd="sng" algn="ctr">
+        <a:ln w="9525" cap="rnd" cmpd="sng" algn="ctr">
+          <a:solidFill>
+            <a:schemeClr val="phClr">
+              <a:tint val="76000"/>
+              <a:alpha val="60000"/>
+              <a:hueMod val="94000"/>
+            </a:schemeClr>
+          </a:solidFill>
+          <a:prstDash val="solid"/>
+        </a:ln>
+        <a:ln w="12700" cap="rnd" cmpd="sng" algn="ctr">
+          <a:solidFill>
+            <a:schemeClr val="phClr">
+              <a:hueMod val="94000"/>
+            </a:schemeClr>
+          </a:solidFill>
+          <a:prstDash val="solid"/>
+        </a:ln>
+        <a:ln w="28575" cap="rnd" cmpd="sng" algn="ctr">
           <a:solidFill>
             <a:schemeClr val="phClr"/>
           </a:solidFill>
           <a:prstDash val="solid"/>
-          <a:miter lim="800000"/>
-        </a:ln>
-        <a:ln w="12700" cap="flat" cmpd="sng" algn="ctr">
-          <a:solidFill>
-            <a:schemeClr val="phClr"/>
-          </a:solidFill>
-          <a:prstDash val="solid"/>
-          <a:miter lim="800000"/>
-        </a:ln>
-        <a:ln w="19050" cap="flat" cmpd="sng" algn="ctr">
-          <a:solidFill>
-            <a:schemeClr val="phClr"/>
-          </a:solidFill>
-          <a:prstDash val="solid"/>
-          <a:miter lim="800000"/>
         </a:ln>
       </a:lnStyleLst>
       <a:effectStyleLst>
@@ -3743,54 +6211,78 @@
           <a:effectLst/>
         </a:effectStyle>
         <a:effectStyle>
-          <a:effectLst/>
+          <a:effectLst>
+            <a:innerShdw blurRad="25400" dist="12700" dir="13500000">
+              <a:srgbClr val="000000">
+                <a:alpha val="45000"/>
+              </a:srgbClr>
+            </a:innerShdw>
+          </a:effectLst>
         </a:effectStyle>
         <a:effectStyle>
           <a:effectLst>
-            <a:outerShdw blurRad="57150" dist="19050" dir="5400000" algn="ctr" rotWithShape="0">
+            <a:outerShdw blurRad="50800" dist="38100" dir="5400000" rotWithShape="0">
               <a:srgbClr val="000000">
-                <a:alpha val="63000"/>
+                <a:alpha val="46000"/>
               </a:srgbClr>
             </a:outerShdw>
           </a:effectLst>
+          <a:scene3d>
+            <a:camera prst="orthographicFront">
+              <a:rot lat="0" lon="0" rev="0"/>
+            </a:camera>
+            <a:lightRig rig="threePt" dir="t"/>
+          </a:scene3d>
+          <a:sp3d prstMaterial="plastic">
+            <a:bevelT w="25400" h="25400"/>
+          </a:sp3d>
         </a:effectStyle>
       </a:effectStyleLst>
       <a:bgFillStyleLst>
         <a:solidFill>
           <a:schemeClr val="phClr"/>
         </a:solidFill>
-        <a:solidFill>
-          <a:schemeClr val="phClr">
-            <a:tint val="95000"/>
-            <a:satMod val="170000"/>
-          </a:schemeClr>
-        </a:solidFill>
+        <a:gradFill rotWithShape="1">
+          <a:gsLst>
+            <a:gs pos="10000">
+              <a:schemeClr val="phClr">
+                <a:tint val="97000"/>
+                <a:hueMod val="92000"/>
+                <a:satMod val="169000"/>
+                <a:lumMod val="164000"/>
+              </a:schemeClr>
+            </a:gs>
+            <a:gs pos="100000">
+              <a:schemeClr val="phClr">
+                <a:shade val="96000"/>
+                <a:satMod val="120000"/>
+                <a:lumMod val="90000"/>
+              </a:schemeClr>
+            </a:gs>
+          </a:gsLst>
+          <a:lin ang="6120000" scaled="1"/>
+        </a:gradFill>
         <a:gradFill rotWithShape="1">
           <a:gsLst>
             <a:gs pos="0">
               <a:schemeClr val="phClr">
-                <a:tint val="93000"/>
-                <a:satMod val="150000"/>
-                <a:shade val="98000"/>
-                <a:lumMod val="102000"/>
-              </a:schemeClr>
-            </a:gs>
-            <a:gs pos="50000">
-              <a:schemeClr val="phClr">
-                <a:tint val="98000"/>
-                <a:satMod val="130000"/>
-                <a:shade val="90000"/>
-                <a:lumMod val="103000"/>
+                <a:tint val="97000"/>
+                <a:hueMod val="92000"/>
+                <a:satMod val="169000"/>
+                <a:lumMod val="164000"/>
               </a:schemeClr>
             </a:gs>
             <a:gs pos="100000">
               <a:schemeClr val="phClr">
-                <a:shade val="63000"/>
+                <a:shade val="96000"/>
                 <a:satMod val="120000"/>
+                <a:lumMod val="90000"/>
               </a:schemeClr>
             </a:gs>
           </a:gsLst>
-          <a:lin ang="5400000" scaled="0"/>
+          <a:path path="circle">
+            <a:fillToRect b="100000"/>
+          </a:path>
         </a:gradFill>
       </a:bgFillStyleLst>
     </a:fmtScheme>
@@ -3799,7 +6291,7 @@
   <a:extraClrSchemeLst/>
   <a:extLst>
     <a:ext uri="{05A4C25C-085E-4340-85A3-A5531E510DB2}">
-      <thm15:themeFamily xmlns:thm15="http://schemas.microsoft.com/office/thememl/2012/main" name="Office Theme" id="{62F939B6-93AF-4DB8-9C6B-D6C7DFDC589F}" vid="{4A3C46E8-61CC-4603-A589-7422A47A8E4A}"/>
+      <thm15:themeFamily xmlns:thm15="http://schemas.microsoft.com/office/thememl/2012/main" name="Slice" id="{0507925B-6AC9-4358-8E18-C330545D08F8}" vid="{13FEC7C6-62A9-40C4-99D2-581AACACAA2F}"/>
     </a:ext>
   </a:extLst>
 </a:theme>

--- a/presentation_material/powerpoint.pptx
+++ b/presentation_material/powerpoint.pptx
@@ -3335,6 +3335,552 @@
           </p:txBody>
         </p:sp>
       </p:grpSp>
+      <p:grpSp>
+        <p:nvGrpSpPr>
+          <p:cNvPr id="20" name="Group 19"/>
+          <p:cNvGrpSpPr/>
+          <p:nvPr/>
+        </p:nvGrpSpPr>
+        <p:grpSpPr>
+          <a:xfrm>
+            <a:off x="1794933" y="2359076"/>
+            <a:ext cx="5808134" cy="1857324"/>
+            <a:chOff x="1481667" y="2497667"/>
+            <a:chExt cx="6121400" cy="1761066"/>
+          </a:xfrm>
+        </p:grpSpPr>
+        <p:cxnSp>
+          <p:nvCxnSpPr>
+            <p:cNvPr id="4" name="Straight Arrow Connector 3"/>
+            <p:cNvCxnSpPr>
+              <a:cxnSpLocks/>
+            </p:cNvCxnSpPr>
+            <p:nvPr/>
+          </p:nvCxnSpPr>
+          <p:spPr>
+            <a:xfrm flipV="1">
+              <a:off x="1481667" y="2523068"/>
+              <a:ext cx="1820333" cy="1202265"/>
+            </a:xfrm>
+            <a:prstGeom prst="straightConnector1">
+              <a:avLst/>
+            </a:prstGeom>
+            <a:ln>
+              <a:tailEnd type="triangle"/>
+            </a:ln>
+          </p:spPr>
+          <p:style>
+            <a:lnRef idx="1">
+              <a:schemeClr val="accent1"/>
+            </a:lnRef>
+            <a:fillRef idx="0">
+              <a:schemeClr val="accent1"/>
+            </a:fillRef>
+            <a:effectRef idx="0">
+              <a:schemeClr val="accent1"/>
+            </a:effectRef>
+            <a:fontRef idx="minor">
+              <a:schemeClr val="tx1"/>
+            </a:fontRef>
+          </p:style>
+        </p:cxnSp>
+        <p:cxnSp>
+          <p:nvCxnSpPr>
+            <p:cNvPr id="6" name="Straight Arrow Connector 5"/>
+            <p:cNvCxnSpPr>
+              <a:cxnSpLocks/>
+            </p:cNvCxnSpPr>
+            <p:nvPr/>
+          </p:nvCxnSpPr>
+          <p:spPr>
+            <a:xfrm flipV="1">
+              <a:off x="1481667" y="2497667"/>
+              <a:ext cx="4055533" cy="1227666"/>
+            </a:xfrm>
+            <a:prstGeom prst="straightConnector1">
+              <a:avLst/>
+            </a:prstGeom>
+            <a:ln>
+              <a:tailEnd type="triangle"/>
+            </a:ln>
+          </p:spPr>
+          <p:style>
+            <a:lnRef idx="1">
+              <a:schemeClr val="accent1"/>
+            </a:lnRef>
+            <a:fillRef idx="0">
+              <a:schemeClr val="accent1"/>
+            </a:fillRef>
+            <a:effectRef idx="0">
+              <a:schemeClr val="accent1"/>
+            </a:effectRef>
+            <a:fontRef idx="minor">
+              <a:schemeClr val="tx1"/>
+            </a:fontRef>
+          </p:style>
+        </p:cxnSp>
+        <p:cxnSp>
+          <p:nvCxnSpPr>
+            <p:cNvPr id="8" name="Straight Arrow Connector 7"/>
+            <p:cNvCxnSpPr>
+              <a:cxnSpLocks/>
+            </p:cNvCxnSpPr>
+            <p:nvPr/>
+          </p:nvCxnSpPr>
+          <p:spPr>
+            <a:xfrm flipV="1">
+              <a:off x="1481667" y="2497667"/>
+              <a:ext cx="6121400" cy="1227666"/>
+            </a:xfrm>
+            <a:prstGeom prst="straightConnector1">
+              <a:avLst/>
+            </a:prstGeom>
+            <a:ln>
+              <a:tailEnd type="triangle"/>
+            </a:ln>
+          </p:spPr>
+          <p:style>
+            <a:lnRef idx="1">
+              <a:schemeClr val="accent1"/>
+            </a:lnRef>
+            <a:fillRef idx="0">
+              <a:schemeClr val="accent1"/>
+            </a:fillRef>
+            <a:effectRef idx="0">
+              <a:schemeClr val="accent1"/>
+            </a:effectRef>
+            <a:fontRef idx="minor">
+              <a:schemeClr val="tx1"/>
+            </a:fontRef>
+          </p:style>
+        </p:cxnSp>
+        <p:cxnSp>
+          <p:nvCxnSpPr>
+            <p:cNvPr id="10" name="Straight Arrow Connector 9"/>
+            <p:cNvCxnSpPr>
+              <a:cxnSpLocks/>
+            </p:cNvCxnSpPr>
+            <p:nvPr/>
+          </p:nvCxnSpPr>
+          <p:spPr>
+            <a:xfrm>
+              <a:off x="1481667" y="3725333"/>
+              <a:ext cx="2844800" cy="533400"/>
+            </a:xfrm>
+            <a:prstGeom prst="straightConnector1">
+              <a:avLst/>
+            </a:prstGeom>
+            <a:ln>
+              <a:tailEnd type="triangle"/>
+            </a:ln>
+          </p:spPr>
+          <p:style>
+            <a:lnRef idx="1">
+              <a:schemeClr val="accent1"/>
+            </a:lnRef>
+            <a:fillRef idx="0">
+              <a:schemeClr val="accent1"/>
+            </a:fillRef>
+            <a:effectRef idx="0">
+              <a:schemeClr val="accent1"/>
+            </a:effectRef>
+            <a:fontRef idx="minor">
+              <a:schemeClr val="tx1"/>
+            </a:fontRef>
+          </p:style>
+        </p:cxnSp>
+        <p:cxnSp>
+          <p:nvCxnSpPr>
+            <p:cNvPr id="15" name="Straight Arrow Connector 14"/>
+            <p:cNvCxnSpPr/>
+            <p:nvPr/>
+          </p:nvCxnSpPr>
+          <p:spPr>
+            <a:xfrm>
+              <a:off x="1481667" y="3725333"/>
+              <a:ext cx="5427133" cy="440267"/>
+            </a:xfrm>
+            <a:prstGeom prst="straightConnector1">
+              <a:avLst/>
+            </a:prstGeom>
+            <a:ln>
+              <a:tailEnd type="triangle"/>
+            </a:ln>
+          </p:spPr>
+          <p:style>
+            <a:lnRef idx="1">
+              <a:schemeClr val="accent1"/>
+            </a:lnRef>
+            <a:fillRef idx="0">
+              <a:schemeClr val="accent1"/>
+            </a:fillRef>
+            <a:effectRef idx="0">
+              <a:schemeClr val="accent1"/>
+            </a:effectRef>
+            <a:fontRef idx="minor">
+              <a:schemeClr val="tx1"/>
+            </a:fontRef>
+          </p:style>
+        </p:cxnSp>
+      </p:grpSp>
+      <p:sp>
+        <p:nvSpPr>
+          <p:cNvPr id="21" name="TextBox 20"/>
+          <p:cNvSpPr txBox="1"/>
+          <p:nvPr/>
+        </p:nvSpPr>
+        <p:spPr>
+          <a:xfrm>
+            <a:off x="656939" y="3359039"/>
+            <a:ext cx="1137994" cy="584775"/>
+          </a:xfrm>
+          <a:prstGeom prst="rect">
+            <a:avLst/>
+          </a:prstGeom>
+          <a:noFill/>
+        </p:spPr>
+        <p:txBody>
+          <a:bodyPr wrap="square" rtlCol="0">
+            <a:spAutoFit/>
+          </a:bodyPr>
+          <a:lstStyle/>
+          <a:p>
+            <a:r>
+              <a:rPr lang="en-GB" sz="1600" dirty="0">
+                <a:latin typeface="+mj-lt"/>
+              </a:rPr>
+              <a:t>Artwork</a:t>
+            </a:r>
+          </a:p>
+          <a:p>
+            <a:r>
+              <a:rPr lang="en-GB" sz="1600" dirty="0">
+                <a:latin typeface="+mj-lt"/>
+              </a:rPr>
+              <a:t>categories</a:t>
+            </a:r>
+          </a:p>
+        </p:txBody>
+      </p:sp>
+      <p:cxnSp>
+        <p:nvCxnSpPr>
+          <p:cNvPr id="22" name="Straight Arrow Connector 21"/>
+          <p:cNvCxnSpPr>
+            <a:cxnSpLocks/>
+          </p:cNvCxnSpPr>
+          <p:nvPr/>
+        </p:nvCxnSpPr>
+        <p:spPr>
+          <a:xfrm flipV="1">
+            <a:off x="1757220" y="489890"/>
+            <a:ext cx="1519208" cy="1174044"/>
+          </a:xfrm>
+          <a:prstGeom prst="straightConnector1">
+            <a:avLst/>
+          </a:prstGeom>
+          <a:ln>
+            <a:tailEnd type="triangle"/>
+          </a:ln>
+        </p:spPr>
+        <p:style>
+          <a:lnRef idx="1">
+            <a:schemeClr val="accent1"/>
+          </a:lnRef>
+          <a:fillRef idx="0">
+            <a:schemeClr val="accent1"/>
+          </a:fillRef>
+          <a:effectRef idx="0">
+            <a:schemeClr val="accent1"/>
+          </a:effectRef>
+          <a:fontRef idx="minor">
+            <a:schemeClr val="tx1"/>
+          </a:fontRef>
+        </p:style>
+      </p:cxnSp>
+      <p:cxnSp>
+        <p:nvCxnSpPr>
+          <p:cNvPr id="25" name="Straight Arrow Connector 24"/>
+          <p:cNvCxnSpPr>
+            <a:cxnSpLocks/>
+          </p:cNvCxnSpPr>
+          <p:nvPr/>
+        </p:nvCxnSpPr>
+        <p:spPr>
+          <a:xfrm flipV="1">
+            <a:off x="1981200" y="891125"/>
+            <a:ext cx="3208682" cy="1660358"/>
+          </a:xfrm>
+          <a:prstGeom prst="straightConnector1">
+            <a:avLst/>
+          </a:prstGeom>
+          <a:ln>
+            <a:tailEnd type="triangle"/>
+          </a:ln>
+        </p:spPr>
+        <p:style>
+          <a:lnRef idx="1">
+            <a:schemeClr val="accent1"/>
+          </a:lnRef>
+          <a:fillRef idx="0">
+            <a:schemeClr val="accent1"/>
+          </a:fillRef>
+          <a:effectRef idx="0">
+            <a:schemeClr val="accent1"/>
+          </a:effectRef>
+          <a:fontRef idx="minor">
+            <a:schemeClr val="tx1"/>
+          </a:fontRef>
+        </p:style>
+      </p:cxnSp>
+      <p:sp>
+        <p:nvSpPr>
+          <p:cNvPr id="28" name="TextBox 27"/>
+          <p:cNvSpPr txBox="1"/>
+          <p:nvPr/>
+        </p:nvSpPr>
+        <p:spPr>
+          <a:xfrm>
+            <a:off x="493526" y="2463984"/>
+            <a:ext cx="1742619" cy="338554"/>
+          </a:xfrm>
+          <a:prstGeom prst="rect">
+            <a:avLst/>
+          </a:prstGeom>
+          <a:noFill/>
+        </p:spPr>
+        <p:txBody>
+          <a:bodyPr wrap="square" rtlCol="0">
+            <a:spAutoFit/>
+          </a:bodyPr>
+          <a:lstStyle/>
+          <a:p>
+            <a:r>
+              <a:rPr lang="en-GB" sz="1600" dirty="0">
+                <a:latin typeface="+mj-lt"/>
+              </a:rPr>
+              <a:t>Navigation bar</a:t>
+            </a:r>
+          </a:p>
+        </p:txBody>
+      </p:sp>
+      <p:sp>
+        <p:nvSpPr>
+          <p:cNvPr id="29" name="TextBox 28"/>
+          <p:cNvSpPr txBox="1"/>
+          <p:nvPr/>
+        </p:nvSpPr>
+        <p:spPr>
+          <a:xfrm>
+            <a:off x="582417" y="1603937"/>
+            <a:ext cx="1742619" cy="338554"/>
+          </a:xfrm>
+          <a:prstGeom prst="rect">
+            <a:avLst/>
+          </a:prstGeom>
+          <a:noFill/>
+        </p:spPr>
+        <p:txBody>
+          <a:bodyPr wrap="square" rtlCol="0">
+            <a:spAutoFit/>
+          </a:bodyPr>
+          <a:lstStyle/>
+          <a:p>
+            <a:r>
+              <a:rPr lang="en-GB" sz="1600" dirty="0">
+                <a:latin typeface="+mj-lt"/>
+              </a:rPr>
+              <a:t>Artbud logo</a:t>
+            </a:r>
+          </a:p>
+        </p:txBody>
+      </p:sp>
+      <p:grpSp>
+        <p:nvGrpSpPr>
+          <p:cNvPr id="39" name="Group 38"/>
+          <p:cNvGrpSpPr/>
+          <p:nvPr/>
+        </p:nvGrpSpPr>
+        <p:grpSpPr>
+          <a:xfrm>
+            <a:off x="2209800" y="5105401"/>
+            <a:ext cx="5046132" cy="677332"/>
+            <a:chOff x="1794933" y="5190067"/>
+            <a:chExt cx="5504142" cy="592666"/>
+          </a:xfrm>
+        </p:grpSpPr>
+        <p:cxnSp>
+          <p:nvCxnSpPr>
+            <p:cNvPr id="30" name="Straight Arrow Connector 29"/>
+            <p:cNvCxnSpPr>
+              <a:cxnSpLocks/>
+            </p:cNvCxnSpPr>
+            <p:nvPr/>
+          </p:nvCxnSpPr>
+          <p:spPr>
+            <a:xfrm>
+              <a:off x="1794933" y="5190067"/>
+              <a:ext cx="1163440" cy="511679"/>
+            </a:xfrm>
+            <a:prstGeom prst="straightConnector1">
+              <a:avLst/>
+            </a:prstGeom>
+            <a:ln>
+              <a:tailEnd type="triangle"/>
+            </a:ln>
+          </p:spPr>
+          <p:style>
+            <a:lnRef idx="1">
+              <a:schemeClr val="accent1"/>
+            </a:lnRef>
+            <a:fillRef idx="0">
+              <a:schemeClr val="accent1"/>
+            </a:fillRef>
+            <a:effectRef idx="0">
+              <a:schemeClr val="accent1"/>
+            </a:effectRef>
+            <a:fontRef idx="minor">
+              <a:schemeClr val="tx1"/>
+            </a:fontRef>
+          </p:style>
+        </p:cxnSp>
+        <p:cxnSp>
+          <p:nvCxnSpPr>
+            <p:cNvPr id="32" name="Straight Arrow Connector 31"/>
+            <p:cNvCxnSpPr>
+              <a:cxnSpLocks/>
+            </p:cNvCxnSpPr>
+            <p:nvPr/>
+          </p:nvCxnSpPr>
+          <p:spPr>
+            <a:xfrm>
+              <a:off x="1804984" y="5190067"/>
+              <a:ext cx="3490067" cy="592666"/>
+            </a:xfrm>
+            <a:prstGeom prst="straightConnector1">
+              <a:avLst/>
+            </a:prstGeom>
+            <a:ln>
+              <a:tailEnd type="triangle"/>
+            </a:ln>
+          </p:spPr>
+          <p:style>
+            <a:lnRef idx="1">
+              <a:schemeClr val="accent1"/>
+            </a:lnRef>
+            <a:fillRef idx="0">
+              <a:schemeClr val="accent1"/>
+            </a:fillRef>
+            <a:effectRef idx="0">
+              <a:schemeClr val="accent1"/>
+            </a:effectRef>
+            <a:fontRef idx="minor">
+              <a:schemeClr val="tx1"/>
+            </a:fontRef>
+          </p:style>
+        </p:cxnSp>
+        <p:cxnSp>
+          <p:nvCxnSpPr>
+            <p:cNvPr id="33" name="Straight Arrow Connector 32"/>
+            <p:cNvCxnSpPr>
+              <a:cxnSpLocks/>
+            </p:cNvCxnSpPr>
+            <p:nvPr/>
+          </p:nvCxnSpPr>
+          <p:spPr>
+            <a:xfrm>
+              <a:off x="1804984" y="5190067"/>
+              <a:ext cx="5494091" cy="592666"/>
+            </a:xfrm>
+            <a:prstGeom prst="straightConnector1">
+              <a:avLst/>
+            </a:prstGeom>
+            <a:ln>
+              <a:tailEnd type="triangle"/>
+            </a:ln>
+          </p:spPr>
+          <p:style>
+            <a:lnRef idx="1">
+              <a:schemeClr val="accent1"/>
+            </a:lnRef>
+            <a:fillRef idx="0">
+              <a:schemeClr val="accent1"/>
+            </a:fillRef>
+            <a:effectRef idx="0">
+              <a:schemeClr val="accent1"/>
+            </a:effectRef>
+            <a:fontRef idx="minor">
+              <a:schemeClr val="tx1"/>
+            </a:fontRef>
+          </p:style>
+        </p:cxnSp>
+      </p:grpSp>
+      <p:sp>
+        <p:nvSpPr>
+          <p:cNvPr id="40" name="TextBox 39"/>
+          <p:cNvSpPr txBox="1"/>
+          <p:nvPr/>
+        </p:nvSpPr>
+        <p:spPr>
+          <a:xfrm>
+            <a:off x="306448" y="4628573"/>
+            <a:ext cx="2318206" cy="584775"/>
+          </a:xfrm>
+          <a:prstGeom prst="rect">
+            <a:avLst/>
+          </a:prstGeom>
+          <a:noFill/>
+        </p:spPr>
+        <p:txBody>
+          <a:bodyPr wrap="square" rtlCol="0">
+            <a:spAutoFit/>
+          </a:bodyPr>
+          <a:lstStyle/>
+          <a:p>
+            <a:r>
+              <a:rPr lang="en-GB" sz="1600" dirty="0">
+                <a:latin typeface="+mj-lt"/>
+              </a:rPr>
+              <a:t>Footer with tweets, about section and contact</a:t>
+            </a:r>
+          </a:p>
+        </p:txBody>
+      </p:sp>
+      <p:sp>
+        <p:nvSpPr>
+          <p:cNvPr id="44" name="TextBox 43"/>
+          <p:cNvSpPr txBox="1"/>
+          <p:nvPr/>
+        </p:nvSpPr>
+        <p:spPr>
+          <a:xfrm>
+            <a:off x="425426" y="241128"/>
+            <a:ext cx="2538486" cy="707886"/>
+          </a:xfrm>
+          <a:prstGeom prst="rect">
+            <a:avLst/>
+          </a:prstGeom>
+          <a:noFill/>
+        </p:spPr>
+        <p:txBody>
+          <a:bodyPr wrap="square" rtlCol="0">
+            <a:spAutoFit/>
+          </a:bodyPr>
+          <a:lstStyle/>
+          <a:p>
+            <a:r>
+              <a:rPr lang="en-GB" sz="2000" dirty="0"/>
+              <a:t>Wireframe from </a:t>
+            </a:r>
+            <a:br>
+              <a:rPr lang="en-GB" sz="2000" dirty="0"/>
+            </a:br>
+            <a:r>
+              <a:rPr lang="en-GB" sz="2000" dirty="0"/>
+              <a:t>Design Spec</a:t>
+            </a:r>
+          </a:p>
+        </p:txBody>
+      </p:sp>
     </p:spTree>
     <p:extLst>
       <p:ext uri="{BB962C8B-B14F-4D97-AF65-F5344CB8AC3E}">
@@ -3387,7 +3933,7 @@
         </p:blipFill>
         <p:spPr>
           <a:xfrm>
-            <a:off x="2009631" y="297853"/>
+            <a:off x="2102766" y="297853"/>
             <a:ext cx="6889335" cy="6145977"/>
           </a:xfrm>
           <a:prstGeom prst="rect">
@@ -3395,6 +3941,564 @@
           </a:prstGeom>
         </p:spPr>
       </p:pic>
+      <p:grpSp>
+        <p:nvGrpSpPr>
+          <p:cNvPr id="3" name="Group 2"/>
+          <p:cNvGrpSpPr/>
+          <p:nvPr/>
+        </p:nvGrpSpPr>
+        <p:grpSpPr>
+          <a:xfrm>
+            <a:off x="1786468" y="2290942"/>
+            <a:ext cx="5427134" cy="1711559"/>
+            <a:chOff x="1481667" y="2449120"/>
+            <a:chExt cx="5719850" cy="1622855"/>
+          </a:xfrm>
+        </p:grpSpPr>
+        <p:cxnSp>
+          <p:nvCxnSpPr>
+            <p:cNvPr id="5" name="Straight Arrow Connector 4"/>
+            <p:cNvCxnSpPr>
+              <a:cxnSpLocks/>
+            </p:cNvCxnSpPr>
+            <p:nvPr/>
+          </p:nvCxnSpPr>
+          <p:spPr>
+            <a:xfrm flipV="1">
+              <a:off x="1481667" y="2514421"/>
+              <a:ext cx="1664382" cy="1210912"/>
+            </a:xfrm>
+            <a:prstGeom prst="straightConnector1">
+              <a:avLst/>
+            </a:prstGeom>
+            <a:ln>
+              <a:tailEnd type="triangle"/>
+            </a:ln>
+          </p:spPr>
+          <p:style>
+            <a:lnRef idx="1">
+              <a:schemeClr val="accent1"/>
+            </a:lnRef>
+            <a:fillRef idx="0">
+              <a:schemeClr val="accent1"/>
+            </a:fillRef>
+            <a:effectRef idx="0">
+              <a:schemeClr val="accent1"/>
+            </a:effectRef>
+            <a:fontRef idx="minor">
+              <a:schemeClr val="tx1"/>
+            </a:fontRef>
+          </p:style>
+        </p:cxnSp>
+        <p:cxnSp>
+          <p:nvCxnSpPr>
+            <p:cNvPr id="6" name="Straight Arrow Connector 5"/>
+            <p:cNvCxnSpPr>
+              <a:cxnSpLocks/>
+            </p:cNvCxnSpPr>
+            <p:nvPr/>
+          </p:nvCxnSpPr>
+          <p:spPr>
+            <a:xfrm flipV="1">
+              <a:off x="1481667" y="2449120"/>
+              <a:ext cx="5309377" cy="1276214"/>
+            </a:xfrm>
+            <a:prstGeom prst="straightConnector1">
+              <a:avLst/>
+            </a:prstGeom>
+            <a:ln>
+              <a:tailEnd type="triangle"/>
+            </a:ln>
+          </p:spPr>
+          <p:style>
+            <a:lnRef idx="1">
+              <a:schemeClr val="accent1"/>
+            </a:lnRef>
+            <a:fillRef idx="0">
+              <a:schemeClr val="accent1"/>
+            </a:fillRef>
+            <a:effectRef idx="0">
+              <a:schemeClr val="accent1"/>
+            </a:effectRef>
+            <a:fontRef idx="minor">
+              <a:schemeClr val="tx1"/>
+            </a:fontRef>
+          </p:style>
+        </p:cxnSp>
+        <p:cxnSp>
+          <p:nvCxnSpPr>
+            <p:cNvPr id="7" name="Straight Arrow Connector 6"/>
+            <p:cNvCxnSpPr>
+              <a:cxnSpLocks/>
+            </p:cNvCxnSpPr>
+            <p:nvPr/>
+          </p:nvCxnSpPr>
+          <p:spPr>
+            <a:xfrm flipV="1">
+              <a:off x="1481667" y="3445803"/>
+              <a:ext cx="5719850" cy="279531"/>
+            </a:xfrm>
+            <a:prstGeom prst="straightConnector1">
+              <a:avLst/>
+            </a:prstGeom>
+            <a:ln>
+              <a:tailEnd type="triangle"/>
+            </a:ln>
+          </p:spPr>
+          <p:style>
+            <a:lnRef idx="1">
+              <a:schemeClr val="accent1"/>
+            </a:lnRef>
+            <a:fillRef idx="0">
+              <a:schemeClr val="accent1"/>
+            </a:fillRef>
+            <a:effectRef idx="0">
+              <a:schemeClr val="accent1"/>
+            </a:effectRef>
+            <a:fontRef idx="minor">
+              <a:schemeClr val="tx1"/>
+            </a:fontRef>
+          </p:style>
+        </p:cxnSp>
+        <p:cxnSp>
+          <p:nvCxnSpPr>
+            <p:cNvPr id="8" name="Straight Arrow Connector 7"/>
+            <p:cNvCxnSpPr>
+              <a:cxnSpLocks/>
+            </p:cNvCxnSpPr>
+            <p:nvPr/>
+          </p:nvCxnSpPr>
+          <p:spPr>
+            <a:xfrm>
+              <a:off x="1481667" y="3725333"/>
+              <a:ext cx="740636" cy="18793"/>
+            </a:xfrm>
+            <a:prstGeom prst="straightConnector1">
+              <a:avLst/>
+            </a:prstGeom>
+            <a:ln>
+              <a:tailEnd type="triangle"/>
+            </a:ln>
+          </p:spPr>
+          <p:style>
+            <a:lnRef idx="1">
+              <a:schemeClr val="accent1"/>
+            </a:lnRef>
+            <a:fillRef idx="0">
+              <a:schemeClr val="accent1"/>
+            </a:fillRef>
+            <a:effectRef idx="0">
+              <a:schemeClr val="accent1"/>
+            </a:effectRef>
+            <a:fontRef idx="minor">
+              <a:schemeClr val="tx1"/>
+            </a:fontRef>
+          </p:style>
+        </p:cxnSp>
+        <p:cxnSp>
+          <p:nvCxnSpPr>
+            <p:cNvPr id="9" name="Straight Arrow Connector 8"/>
+            <p:cNvCxnSpPr>
+              <a:cxnSpLocks/>
+            </p:cNvCxnSpPr>
+            <p:nvPr/>
+          </p:nvCxnSpPr>
+          <p:spPr>
+            <a:xfrm>
+              <a:off x="1481667" y="3725333"/>
+              <a:ext cx="3257013" cy="346642"/>
+            </a:xfrm>
+            <a:prstGeom prst="straightConnector1">
+              <a:avLst/>
+            </a:prstGeom>
+            <a:ln>
+              <a:tailEnd type="triangle"/>
+            </a:ln>
+          </p:spPr>
+          <p:style>
+            <a:lnRef idx="1">
+              <a:schemeClr val="accent1"/>
+            </a:lnRef>
+            <a:fillRef idx="0">
+              <a:schemeClr val="accent1"/>
+            </a:fillRef>
+            <a:effectRef idx="0">
+              <a:schemeClr val="accent1"/>
+            </a:effectRef>
+            <a:fontRef idx="minor">
+              <a:schemeClr val="tx1"/>
+            </a:fontRef>
+          </p:style>
+        </p:cxnSp>
+      </p:grpSp>
+      <p:sp>
+        <p:nvSpPr>
+          <p:cNvPr id="10" name="TextBox 9"/>
+          <p:cNvSpPr txBox="1"/>
+          <p:nvPr/>
+        </p:nvSpPr>
+        <p:spPr>
+          <a:xfrm>
+            <a:off x="648474" y="3342105"/>
+            <a:ext cx="1137994" cy="584775"/>
+          </a:xfrm>
+          <a:prstGeom prst="rect">
+            <a:avLst/>
+          </a:prstGeom>
+          <a:noFill/>
+        </p:spPr>
+        <p:txBody>
+          <a:bodyPr wrap="square" rtlCol="0">
+            <a:spAutoFit/>
+          </a:bodyPr>
+          <a:lstStyle/>
+          <a:p>
+            <a:r>
+              <a:rPr lang="en-GB" sz="1600" dirty="0">
+                <a:latin typeface="+mj-lt"/>
+              </a:rPr>
+              <a:t>Artwork</a:t>
+            </a:r>
+          </a:p>
+          <a:p>
+            <a:r>
+              <a:rPr lang="en-GB" sz="1600" dirty="0">
+                <a:latin typeface="+mj-lt"/>
+              </a:rPr>
+              <a:t>categories</a:t>
+            </a:r>
+          </a:p>
+        </p:txBody>
+      </p:sp>
+      <p:cxnSp>
+        <p:nvCxnSpPr>
+          <p:cNvPr id="11" name="Straight Arrow Connector 10"/>
+          <p:cNvCxnSpPr>
+            <a:cxnSpLocks/>
+          </p:cNvCxnSpPr>
+          <p:nvPr/>
+        </p:nvCxnSpPr>
+        <p:spPr>
+          <a:xfrm flipV="1">
+            <a:off x="1748755" y="1174829"/>
+            <a:ext cx="461795" cy="472171"/>
+          </a:xfrm>
+          <a:prstGeom prst="straightConnector1">
+            <a:avLst/>
+          </a:prstGeom>
+          <a:ln>
+            <a:tailEnd type="triangle"/>
+          </a:ln>
+        </p:spPr>
+        <p:style>
+          <a:lnRef idx="1">
+            <a:schemeClr val="accent1"/>
+          </a:lnRef>
+          <a:fillRef idx="0">
+            <a:schemeClr val="accent1"/>
+          </a:fillRef>
+          <a:effectRef idx="0">
+            <a:schemeClr val="accent1"/>
+          </a:effectRef>
+          <a:fontRef idx="minor">
+            <a:schemeClr val="tx1"/>
+          </a:fontRef>
+        </p:style>
+      </p:cxnSp>
+      <p:cxnSp>
+        <p:nvCxnSpPr>
+          <p:cNvPr id="12" name="Straight Arrow Connector 11"/>
+          <p:cNvCxnSpPr>
+            <a:cxnSpLocks/>
+          </p:cNvCxnSpPr>
+          <p:nvPr/>
+        </p:nvCxnSpPr>
+        <p:spPr>
+          <a:xfrm flipV="1">
+            <a:off x="1972735" y="874191"/>
+            <a:ext cx="3208682" cy="1660358"/>
+          </a:xfrm>
+          <a:prstGeom prst="straightConnector1">
+            <a:avLst/>
+          </a:prstGeom>
+          <a:ln>
+            <a:tailEnd type="triangle"/>
+          </a:ln>
+        </p:spPr>
+        <p:style>
+          <a:lnRef idx="1">
+            <a:schemeClr val="accent1"/>
+          </a:lnRef>
+          <a:fillRef idx="0">
+            <a:schemeClr val="accent1"/>
+          </a:fillRef>
+          <a:effectRef idx="0">
+            <a:schemeClr val="accent1"/>
+          </a:effectRef>
+          <a:fontRef idx="minor">
+            <a:schemeClr val="tx1"/>
+          </a:fontRef>
+        </p:style>
+      </p:cxnSp>
+      <p:sp>
+        <p:nvSpPr>
+          <p:cNvPr id="13" name="TextBox 12"/>
+          <p:cNvSpPr txBox="1"/>
+          <p:nvPr/>
+        </p:nvSpPr>
+        <p:spPr>
+          <a:xfrm>
+            <a:off x="485061" y="2447050"/>
+            <a:ext cx="1742619" cy="338554"/>
+          </a:xfrm>
+          <a:prstGeom prst="rect">
+            <a:avLst/>
+          </a:prstGeom>
+          <a:noFill/>
+        </p:spPr>
+        <p:txBody>
+          <a:bodyPr wrap="square" rtlCol="0">
+            <a:spAutoFit/>
+          </a:bodyPr>
+          <a:lstStyle/>
+          <a:p>
+            <a:r>
+              <a:rPr lang="en-GB" sz="1600" dirty="0">
+                <a:latin typeface="+mj-lt"/>
+              </a:rPr>
+              <a:t>Navigation bar</a:t>
+            </a:r>
+          </a:p>
+        </p:txBody>
+      </p:sp>
+      <p:sp>
+        <p:nvSpPr>
+          <p:cNvPr id="14" name="TextBox 13"/>
+          <p:cNvSpPr txBox="1"/>
+          <p:nvPr/>
+        </p:nvSpPr>
+        <p:spPr>
+          <a:xfrm>
+            <a:off x="573952" y="1587003"/>
+            <a:ext cx="1742619" cy="338554"/>
+          </a:xfrm>
+          <a:prstGeom prst="rect">
+            <a:avLst/>
+          </a:prstGeom>
+          <a:noFill/>
+        </p:spPr>
+        <p:txBody>
+          <a:bodyPr wrap="square" rtlCol="0">
+            <a:spAutoFit/>
+          </a:bodyPr>
+          <a:lstStyle/>
+          <a:p>
+            <a:r>
+              <a:rPr lang="en-GB" sz="1600" dirty="0">
+                <a:latin typeface="+mj-lt"/>
+              </a:rPr>
+              <a:t>Artbud logo</a:t>
+            </a:r>
+          </a:p>
+        </p:txBody>
+      </p:sp>
+      <p:grpSp>
+        <p:nvGrpSpPr>
+          <p:cNvPr id="15" name="Group 14"/>
+          <p:cNvGrpSpPr/>
+          <p:nvPr/>
+        </p:nvGrpSpPr>
+        <p:grpSpPr>
+          <a:xfrm>
+            <a:off x="2201335" y="5088470"/>
+            <a:ext cx="5012267" cy="792706"/>
+            <a:chOff x="1794933" y="5190067"/>
+            <a:chExt cx="5467203" cy="693618"/>
+          </a:xfrm>
+        </p:grpSpPr>
+        <p:cxnSp>
+          <p:nvCxnSpPr>
+            <p:cNvPr id="16" name="Straight Arrow Connector 15"/>
+            <p:cNvCxnSpPr>
+              <a:cxnSpLocks/>
+            </p:cNvCxnSpPr>
+            <p:nvPr/>
+          </p:nvCxnSpPr>
+          <p:spPr>
+            <a:xfrm>
+              <a:off x="1794933" y="5190067"/>
+              <a:ext cx="570075" cy="455103"/>
+            </a:xfrm>
+            <a:prstGeom prst="straightConnector1">
+              <a:avLst/>
+            </a:prstGeom>
+            <a:ln>
+              <a:tailEnd type="triangle"/>
+            </a:ln>
+          </p:spPr>
+          <p:style>
+            <a:lnRef idx="1">
+              <a:schemeClr val="accent1"/>
+            </a:lnRef>
+            <a:fillRef idx="0">
+              <a:schemeClr val="accent1"/>
+            </a:fillRef>
+            <a:effectRef idx="0">
+              <a:schemeClr val="accent1"/>
+            </a:effectRef>
+            <a:fontRef idx="minor">
+              <a:schemeClr val="tx1"/>
+            </a:fontRef>
+          </p:style>
+        </p:cxnSp>
+        <p:cxnSp>
+          <p:nvCxnSpPr>
+            <p:cNvPr id="17" name="Straight Arrow Connector 16"/>
+            <p:cNvCxnSpPr>
+              <a:cxnSpLocks/>
+            </p:cNvCxnSpPr>
+            <p:nvPr/>
+          </p:nvCxnSpPr>
+          <p:spPr>
+            <a:xfrm>
+              <a:off x="1804984" y="5190067"/>
+              <a:ext cx="3240516" cy="693618"/>
+            </a:xfrm>
+            <a:prstGeom prst="straightConnector1">
+              <a:avLst/>
+            </a:prstGeom>
+            <a:ln>
+              <a:tailEnd type="triangle"/>
+            </a:ln>
+          </p:spPr>
+          <p:style>
+            <a:lnRef idx="1">
+              <a:schemeClr val="accent1"/>
+            </a:lnRef>
+            <a:fillRef idx="0">
+              <a:schemeClr val="accent1"/>
+            </a:fillRef>
+            <a:effectRef idx="0">
+              <a:schemeClr val="accent1"/>
+            </a:effectRef>
+            <a:fontRef idx="minor">
+              <a:schemeClr val="tx1"/>
+            </a:fontRef>
+          </p:style>
+        </p:cxnSp>
+        <p:cxnSp>
+          <p:nvCxnSpPr>
+            <p:cNvPr id="18" name="Straight Arrow Connector 17"/>
+            <p:cNvCxnSpPr>
+              <a:cxnSpLocks/>
+            </p:cNvCxnSpPr>
+            <p:nvPr/>
+          </p:nvCxnSpPr>
+          <p:spPr>
+            <a:xfrm>
+              <a:off x="1804984" y="5190067"/>
+              <a:ext cx="5457152" cy="693615"/>
+            </a:xfrm>
+            <a:prstGeom prst="straightConnector1">
+              <a:avLst/>
+            </a:prstGeom>
+            <a:ln>
+              <a:tailEnd type="triangle"/>
+            </a:ln>
+          </p:spPr>
+          <p:style>
+            <a:lnRef idx="1">
+              <a:schemeClr val="accent1"/>
+            </a:lnRef>
+            <a:fillRef idx="0">
+              <a:schemeClr val="accent1"/>
+            </a:fillRef>
+            <a:effectRef idx="0">
+              <a:schemeClr val="accent1"/>
+            </a:effectRef>
+            <a:fontRef idx="minor">
+              <a:schemeClr val="tx1"/>
+            </a:fontRef>
+          </p:style>
+        </p:cxnSp>
+      </p:grpSp>
+      <p:sp>
+        <p:nvSpPr>
+          <p:cNvPr id="19" name="TextBox 18"/>
+          <p:cNvSpPr txBox="1"/>
+          <p:nvPr/>
+        </p:nvSpPr>
+        <p:spPr>
+          <a:xfrm>
+            <a:off x="572214" y="4554308"/>
+            <a:ext cx="1916988" cy="830997"/>
+          </a:xfrm>
+          <a:prstGeom prst="rect">
+            <a:avLst/>
+          </a:prstGeom>
+          <a:noFill/>
+        </p:spPr>
+        <p:txBody>
+          <a:bodyPr wrap="square" rtlCol="0">
+            <a:spAutoFit/>
+          </a:bodyPr>
+          <a:lstStyle/>
+          <a:p>
+            <a:r>
+              <a:rPr lang="en-GB" sz="1600" dirty="0">
+                <a:latin typeface="+mj-lt"/>
+              </a:rPr>
+              <a:t>Footer with tweets, about section </a:t>
+            </a:r>
+            <a:br>
+              <a:rPr lang="en-GB" sz="1600" dirty="0">
+                <a:latin typeface="+mj-lt"/>
+              </a:rPr>
+            </a:br>
+            <a:r>
+              <a:rPr lang="en-GB" sz="1600" dirty="0">
+                <a:latin typeface="+mj-lt"/>
+              </a:rPr>
+              <a:t>and contact</a:t>
+            </a:r>
+          </a:p>
+        </p:txBody>
+      </p:sp>
+      <p:sp>
+        <p:nvSpPr>
+          <p:cNvPr id="29" name="TextBox 28"/>
+          <p:cNvSpPr txBox="1"/>
+          <p:nvPr/>
+        </p:nvSpPr>
+        <p:spPr>
+          <a:xfrm>
+            <a:off x="185487" y="247660"/>
+            <a:ext cx="2538486" cy="707886"/>
+          </a:xfrm>
+          <a:prstGeom prst="rect">
+            <a:avLst/>
+          </a:prstGeom>
+          <a:noFill/>
+        </p:spPr>
+        <p:txBody>
+          <a:bodyPr wrap="square" rtlCol="0">
+            <a:spAutoFit/>
+          </a:bodyPr>
+          <a:lstStyle/>
+          <a:p>
+            <a:r>
+              <a:rPr lang="en-GB" sz="2000" dirty="0"/>
+              <a:t>Actual category</a:t>
+            </a:r>
+          </a:p>
+          <a:p>
+            <a:r>
+              <a:rPr lang="en-GB" sz="2000" dirty="0"/>
+              <a:t>Page from app</a:t>
+            </a:r>
+          </a:p>
+        </p:txBody>
+      </p:sp>
     </p:spTree>
     <p:extLst>
       <p:ext uri="{BB962C8B-B14F-4D97-AF65-F5344CB8AC3E}">

--- a/presentation_material/powerpoint.pptx
+++ b/presentation_material/powerpoint.pptx
@@ -8,10 +8,11 @@
     <p:sldId id="257" r:id="rId2"/>
     <p:sldId id="256" r:id="rId3"/>
     <p:sldId id="262" r:id="rId4"/>
-    <p:sldId id="258" r:id="rId5"/>
-    <p:sldId id="259" r:id="rId6"/>
-    <p:sldId id="260" r:id="rId7"/>
-    <p:sldId id="261" r:id="rId8"/>
+    <p:sldId id="263" r:id="rId5"/>
+    <p:sldId id="258" r:id="rId6"/>
+    <p:sldId id="259" r:id="rId7"/>
+    <p:sldId id="260" r:id="rId8"/>
+    <p:sldId id="261" r:id="rId9"/>
   </p:sldIdLst>
   <p:sldSz cx="9144000" cy="6858000" type="screen4x3"/>
   <p:notesSz cx="6858000" cy="9144000"/>
@@ -116,6 +117,996 @@
     </p:ext>
   </p:extLst>
 </p:presentation>
+</file>
+
+<file path=ppt/charts/chart1.xml><?xml version="1.0" encoding="utf-8"?>
+<c:chartSpace xmlns:c="http://schemas.openxmlformats.org/drawingml/2006/chart" xmlns:a="http://schemas.openxmlformats.org/drawingml/2006/main" xmlns:r="http://schemas.openxmlformats.org/officeDocument/2006/relationships" xmlns:c16r2="http://schemas.microsoft.com/office/drawing/2015/06/chart">
+  <c:date1904 val="0"/>
+  <c:lang val="en-US"/>
+  <c:roundedCorners val="0"/>
+  <mc:AlternateContent xmlns:mc="http://schemas.openxmlformats.org/markup-compatibility/2006">
+    <mc:Choice xmlns:c14="http://schemas.microsoft.com/office/drawing/2007/8/2/chart" Requires="c14">
+      <c14:style val="102"/>
+    </mc:Choice>
+    <mc:Fallback>
+      <c:style val="2"/>
+    </mc:Fallback>
+  </mc:AlternateContent>
+  <c:clrMapOvr bg1="lt1" tx1="dk1" bg2="lt2" tx2="dk2" accent1="accent1" accent2="accent2" accent3="accent3" accent4="accent4" accent5="accent5" accent6="accent6" hlink="hlink" folHlink="folHlink"/>
+  <c:chart>
+    <c:title>
+      <c:tx>
+        <c:rich>
+          <a:bodyPr rot="0" spcFirstLastPara="1" vertOverflow="ellipsis" vert="horz" wrap="square" anchor="ctr" anchorCtr="1"/>
+          <a:lstStyle/>
+          <a:p>
+            <a:pPr>
+              <a:defRPr sz="1400" b="0" i="0" u="none" strike="noStrike" kern="1200" spc="0" baseline="0">
+                <a:solidFill>
+                  <a:schemeClr val="tx1"/>
+                </a:solidFill>
+                <a:latin typeface="+mn-lt"/>
+                <a:ea typeface="+mn-ea"/>
+                <a:cs typeface="+mn-cs"/>
+              </a:defRPr>
+            </a:pPr>
+            <a:r>
+              <a:rPr lang="en-GB" baseline="0">
+                <a:solidFill>
+                  <a:schemeClr val="tx1"/>
+                </a:solidFill>
+              </a:rPr>
+              <a:t>Languages Used (%)</a:t>
+            </a:r>
+          </a:p>
+        </c:rich>
+      </c:tx>
+      <c:overlay val="0"/>
+      <c:spPr>
+        <a:noFill/>
+        <a:ln>
+          <a:noFill/>
+        </a:ln>
+        <a:effectLst/>
+      </c:spPr>
+      <c:txPr>
+        <a:bodyPr rot="0" spcFirstLastPara="1" vertOverflow="ellipsis" vert="horz" wrap="square" anchor="ctr" anchorCtr="1"/>
+        <a:lstStyle/>
+        <a:p>
+          <a:pPr>
+            <a:defRPr sz="1400" b="0" i="0" u="none" strike="noStrike" kern="1200" spc="0" baseline="0">
+              <a:solidFill>
+                <a:schemeClr val="tx1"/>
+              </a:solidFill>
+              <a:latin typeface="+mn-lt"/>
+              <a:ea typeface="+mn-ea"/>
+              <a:cs typeface="+mn-cs"/>
+            </a:defRPr>
+          </a:pPr>
+          <a:endParaRPr lang="en-US"/>
+        </a:p>
+      </c:txPr>
+    </c:title>
+    <c:autoTitleDeleted val="0"/>
+    <c:view3D>
+      <c:rotX val="30"/>
+      <c:rotY val="0"/>
+      <c:depthPercent val="100"/>
+      <c:rAngAx val="0"/>
+    </c:view3D>
+    <c:floor>
+      <c:thickness val="0"/>
+      <c:spPr>
+        <a:noFill/>
+        <a:ln>
+          <a:noFill/>
+        </a:ln>
+        <a:effectLst/>
+        <a:sp3d/>
+      </c:spPr>
+    </c:floor>
+    <c:sideWall>
+      <c:thickness val="0"/>
+      <c:spPr>
+        <a:noFill/>
+        <a:ln>
+          <a:noFill/>
+        </a:ln>
+        <a:effectLst/>
+        <a:sp3d/>
+      </c:spPr>
+    </c:sideWall>
+    <c:backWall>
+      <c:thickness val="0"/>
+      <c:spPr>
+        <a:noFill/>
+        <a:ln>
+          <a:noFill/>
+        </a:ln>
+        <a:effectLst/>
+        <a:sp3d/>
+      </c:spPr>
+    </c:backWall>
+    <c:plotArea>
+      <c:layout/>
+      <c:pie3DChart>
+        <c:varyColors val="1"/>
+        <c:ser>
+          <c:idx val="0"/>
+          <c:order val="0"/>
+          <c:dPt>
+            <c:idx val="0"/>
+            <c:bubble3D val="0"/>
+            <c:spPr>
+              <a:solidFill>
+                <a:schemeClr val="accent1"/>
+              </a:solidFill>
+              <a:ln w="25400">
+                <a:solidFill>
+                  <a:schemeClr val="lt1"/>
+                </a:solidFill>
+              </a:ln>
+              <a:effectLst/>
+              <a:sp3d contourW="25400">
+                <a:contourClr>
+                  <a:schemeClr val="lt1"/>
+                </a:contourClr>
+              </a:sp3d>
+            </c:spPr>
+            <c:extLst>
+              <c:ext xmlns:c16="http://schemas.microsoft.com/office/drawing/2014/chart" uri="{C3380CC4-5D6E-409C-BE32-E72D297353CC}">
+                <c16:uniqueId val="{00000001-525C-4E22-AEBE-6DEE0FE439E9}"/>
+              </c:ext>
+            </c:extLst>
+          </c:dPt>
+          <c:dPt>
+            <c:idx val="1"/>
+            <c:bubble3D val="0"/>
+            <c:spPr>
+              <a:solidFill>
+                <a:schemeClr val="accent2"/>
+              </a:solidFill>
+              <a:ln w="25400">
+                <a:solidFill>
+                  <a:schemeClr val="lt1"/>
+                </a:solidFill>
+              </a:ln>
+              <a:effectLst/>
+              <a:sp3d contourW="25400">
+                <a:contourClr>
+                  <a:schemeClr val="lt1"/>
+                </a:contourClr>
+              </a:sp3d>
+            </c:spPr>
+            <c:extLst>
+              <c:ext xmlns:c16="http://schemas.microsoft.com/office/drawing/2014/chart" uri="{C3380CC4-5D6E-409C-BE32-E72D297353CC}">
+                <c16:uniqueId val="{00000003-525C-4E22-AEBE-6DEE0FE439E9}"/>
+              </c:ext>
+            </c:extLst>
+          </c:dPt>
+          <c:dPt>
+            <c:idx val="2"/>
+            <c:bubble3D val="0"/>
+            <c:spPr>
+              <a:solidFill>
+                <a:schemeClr val="accent3"/>
+              </a:solidFill>
+              <a:ln w="25400">
+                <a:solidFill>
+                  <a:schemeClr val="lt1"/>
+                </a:solidFill>
+              </a:ln>
+              <a:effectLst/>
+              <a:sp3d contourW="25400">
+                <a:contourClr>
+                  <a:schemeClr val="lt1"/>
+                </a:contourClr>
+              </a:sp3d>
+            </c:spPr>
+            <c:extLst>
+              <c:ext xmlns:c16="http://schemas.microsoft.com/office/drawing/2014/chart" uri="{C3380CC4-5D6E-409C-BE32-E72D297353CC}">
+                <c16:uniqueId val="{00000005-525C-4E22-AEBE-6DEE0FE439E9}"/>
+              </c:ext>
+            </c:extLst>
+          </c:dPt>
+          <c:dLbls>
+            <c:spPr>
+              <a:noFill/>
+              <a:ln>
+                <a:noFill/>
+              </a:ln>
+              <a:effectLst/>
+            </c:spPr>
+            <c:txPr>
+              <a:bodyPr rot="0" spcFirstLastPara="1" vertOverflow="ellipsis" vert="horz" wrap="square" lIns="38100" tIns="19050" rIns="38100" bIns="19050" anchor="ctr" anchorCtr="1">
+                <a:spAutoFit/>
+              </a:bodyPr>
+              <a:lstStyle/>
+              <a:p>
+                <a:pPr>
+                  <a:defRPr sz="1200" b="0" i="0" u="none" strike="noStrike" kern="1200" baseline="0">
+                    <a:solidFill>
+                      <a:schemeClr val="tx1"/>
+                    </a:solidFill>
+                    <a:latin typeface="+mn-lt"/>
+                    <a:ea typeface="+mn-ea"/>
+                    <a:cs typeface="+mn-cs"/>
+                  </a:defRPr>
+                </a:pPr>
+                <a:endParaRPr lang="en-US"/>
+              </a:p>
+            </c:txPr>
+            <c:dLblPos val="outEnd"/>
+            <c:showLegendKey val="0"/>
+            <c:showVal val="1"/>
+            <c:showCatName val="0"/>
+            <c:showSerName val="0"/>
+            <c:showPercent val="0"/>
+            <c:showBubbleSize val="0"/>
+            <c:showLeaderLines val="1"/>
+            <c:leaderLines>
+              <c:spPr>
+                <a:ln w="9525" cap="flat" cmpd="sng" algn="ctr">
+                  <a:solidFill>
+                    <a:schemeClr val="tx1">
+                      <a:lumMod val="35000"/>
+                      <a:lumOff val="65000"/>
+                    </a:schemeClr>
+                  </a:solidFill>
+                  <a:round/>
+                </a:ln>
+                <a:effectLst/>
+              </c:spPr>
+            </c:leaderLines>
+            <c:extLst>
+              <c:ext xmlns:c15="http://schemas.microsoft.com/office/drawing/2012/chart" uri="{CE6537A1-D6FC-4f65-9D91-7224C49458BB}"/>
+            </c:extLst>
+          </c:dLbls>
+          <c:cat>
+            <c:strRef>
+              <c:f>Sheet1!$J$5:$L$5</c:f>
+              <c:strCache>
+                <c:ptCount val="3"/>
+                <c:pt idx="0">
+                  <c:v>Python</c:v>
+                </c:pt>
+                <c:pt idx="1">
+                  <c:v>HTML</c:v>
+                </c:pt>
+                <c:pt idx="2">
+                  <c:v>JaveScript</c:v>
+                </c:pt>
+              </c:strCache>
+            </c:strRef>
+          </c:cat>
+          <c:val>
+            <c:numRef>
+              <c:f>Sheet1!$J$6:$L$6</c:f>
+              <c:numCache>
+                <c:formatCode>0.0</c:formatCode>
+                <c:ptCount val="3"/>
+                <c:pt idx="0">
+                  <c:v>51.2</c:v>
+                </c:pt>
+                <c:pt idx="1">
+                  <c:v>48</c:v>
+                </c:pt>
+                <c:pt idx="2">
+                  <c:v>0.8</c:v>
+                </c:pt>
+              </c:numCache>
+            </c:numRef>
+          </c:val>
+          <c:extLst>
+            <c:ext xmlns:c16="http://schemas.microsoft.com/office/drawing/2014/chart" uri="{C3380CC4-5D6E-409C-BE32-E72D297353CC}">
+              <c16:uniqueId val="{00000006-525C-4E22-AEBE-6DEE0FE439E9}"/>
+            </c:ext>
+          </c:extLst>
+        </c:ser>
+        <c:dLbls>
+          <c:dLblPos val="outEnd"/>
+          <c:showLegendKey val="0"/>
+          <c:showVal val="1"/>
+          <c:showCatName val="0"/>
+          <c:showSerName val="0"/>
+          <c:showPercent val="0"/>
+          <c:showBubbleSize val="0"/>
+          <c:showLeaderLines val="1"/>
+        </c:dLbls>
+      </c:pie3DChart>
+      <c:spPr>
+        <a:noFill/>
+        <a:ln>
+          <a:noFill/>
+        </a:ln>
+        <a:effectLst/>
+      </c:spPr>
+    </c:plotArea>
+    <c:legend>
+      <c:legendPos val="b"/>
+      <c:legendEntry>
+        <c:idx val="0"/>
+        <c:txPr>
+          <a:bodyPr rot="0" spcFirstLastPara="1" vertOverflow="ellipsis" vert="horz" wrap="square" anchor="ctr" anchorCtr="1"/>
+          <a:lstStyle/>
+          <a:p>
+            <a:pPr rtl="0">
+              <a:defRPr sz="1600" b="0" i="0" u="none" strike="noStrike" kern="1200" baseline="0">
+                <a:solidFill>
+                  <a:schemeClr val="tx1"/>
+                </a:solidFill>
+                <a:latin typeface="+mn-lt"/>
+                <a:ea typeface="+mn-ea"/>
+                <a:cs typeface="+mn-cs"/>
+              </a:defRPr>
+            </a:pPr>
+            <a:endParaRPr lang="en-US"/>
+          </a:p>
+        </c:txPr>
+      </c:legendEntry>
+      <c:legendEntry>
+        <c:idx val="1"/>
+        <c:txPr>
+          <a:bodyPr rot="0" spcFirstLastPara="1" vertOverflow="ellipsis" vert="horz" wrap="square" anchor="ctr" anchorCtr="1"/>
+          <a:lstStyle/>
+          <a:p>
+            <a:pPr rtl="0">
+              <a:defRPr sz="1600" b="0" i="0" u="none" strike="noStrike" kern="1200" baseline="0">
+                <a:solidFill>
+                  <a:schemeClr val="tx1"/>
+                </a:solidFill>
+                <a:latin typeface="+mn-lt"/>
+                <a:ea typeface="+mn-ea"/>
+                <a:cs typeface="+mn-cs"/>
+              </a:defRPr>
+            </a:pPr>
+            <a:endParaRPr lang="en-US"/>
+          </a:p>
+        </c:txPr>
+      </c:legendEntry>
+      <c:legendEntry>
+        <c:idx val="2"/>
+        <c:txPr>
+          <a:bodyPr rot="0" spcFirstLastPara="1" vertOverflow="ellipsis" vert="horz" wrap="square" anchor="ctr" anchorCtr="1"/>
+          <a:lstStyle/>
+          <a:p>
+            <a:pPr rtl="0">
+              <a:defRPr sz="1600" b="0" i="0" u="none" strike="noStrike" kern="1200" baseline="0">
+                <a:solidFill>
+                  <a:schemeClr val="tx1"/>
+                </a:solidFill>
+                <a:latin typeface="+mn-lt"/>
+                <a:ea typeface="+mn-ea"/>
+                <a:cs typeface="+mn-cs"/>
+              </a:defRPr>
+            </a:pPr>
+            <a:endParaRPr lang="en-US"/>
+          </a:p>
+        </c:txPr>
+      </c:legendEntry>
+      <c:layout>
+        <c:manualLayout>
+          <c:xMode val="edge"/>
+          <c:yMode val="edge"/>
+          <c:x val="0.2739819790567416"/>
+          <c:y val="0.88659321745048891"/>
+          <c:w val="0.48997450413346699"/>
+          <c:h val="7.6369647196359691E-2"/>
+        </c:manualLayout>
+      </c:layout>
+      <c:overlay val="0"/>
+      <c:spPr>
+        <a:noFill/>
+        <a:ln>
+          <a:noFill/>
+        </a:ln>
+        <a:effectLst/>
+      </c:spPr>
+      <c:txPr>
+        <a:bodyPr rot="0" spcFirstLastPara="1" vertOverflow="ellipsis" vert="horz" wrap="square" anchor="ctr" anchorCtr="1"/>
+        <a:lstStyle/>
+        <a:p>
+          <a:pPr rtl="0">
+            <a:defRPr sz="900" b="0" i="0" u="none" strike="noStrike" kern="1200" baseline="0">
+              <a:solidFill>
+                <a:schemeClr val="tx1">
+                  <a:lumMod val="65000"/>
+                  <a:lumOff val="35000"/>
+                </a:schemeClr>
+              </a:solidFill>
+              <a:latin typeface="+mn-lt"/>
+              <a:ea typeface="+mn-ea"/>
+              <a:cs typeface="+mn-cs"/>
+            </a:defRPr>
+          </a:pPr>
+          <a:endParaRPr lang="en-US"/>
+        </a:p>
+      </c:txPr>
+    </c:legend>
+    <c:plotVisOnly val="1"/>
+    <c:dispBlanksAs val="gap"/>
+    <c:showDLblsOverMax val="0"/>
+  </c:chart>
+  <c:spPr>
+    <a:noFill/>
+    <a:ln>
+      <a:noFill/>
+    </a:ln>
+    <a:effectLst/>
+  </c:spPr>
+  <c:txPr>
+    <a:bodyPr/>
+    <a:lstStyle/>
+    <a:p>
+      <a:pPr>
+        <a:defRPr/>
+      </a:pPr>
+      <a:endParaRPr lang="en-US"/>
+    </a:p>
+  </c:txPr>
+  <c:externalData r:id="rId4">
+    <c:autoUpdate val="0"/>
+  </c:externalData>
+</c:chartSpace>
+</file>
+
+<file path=ppt/charts/colors1.xml><?xml version="1.0" encoding="utf-8"?>
+<cs:colorStyle xmlns:cs="http://schemas.microsoft.com/office/drawing/2012/chartStyle" xmlns:a="http://schemas.openxmlformats.org/drawingml/2006/main" meth="cycle" id="10">
+  <a:schemeClr val="accent1"/>
+  <a:schemeClr val="accent2"/>
+  <a:schemeClr val="accent3"/>
+  <a:schemeClr val="accent4"/>
+  <a:schemeClr val="accent5"/>
+  <a:schemeClr val="accent6"/>
+  <cs:variation/>
+  <cs:variation>
+    <a:lumMod val="60000"/>
+  </cs:variation>
+  <cs:variation>
+    <a:lumMod val="80000"/>
+    <a:lumOff val="20000"/>
+  </cs:variation>
+  <cs:variation>
+    <a:lumMod val="80000"/>
+  </cs:variation>
+  <cs:variation>
+    <a:lumMod val="60000"/>
+    <a:lumOff val="40000"/>
+  </cs:variation>
+  <cs:variation>
+    <a:lumMod val="50000"/>
+  </cs:variation>
+  <cs:variation>
+    <a:lumMod val="70000"/>
+    <a:lumOff val="30000"/>
+  </cs:variation>
+  <cs:variation>
+    <a:lumMod val="70000"/>
+  </cs:variation>
+  <cs:variation>
+    <a:lumMod val="50000"/>
+    <a:lumOff val="50000"/>
+  </cs:variation>
+</cs:colorStyle>
+</file>
+
+<file path=ppt/charts/style1.xml><?xml version="1.0" encoding="utf-8"?>
+<cs:chartStyle xmlns:cs="http://schemas.microsoft.com/office/drawing/2012/chartStyle" xmlns:a="http://schemas.openxmlformats.org/drawingml/2006/main" id="262">
+  <cs:axisTitle>
+    <cs:lnRef idx="0"/>
+    <cs:fillRef idx="0"/>
+    <cs:effectRef idx="0"/>
+    <cs:fontRef idx="minor">
+      <a:schemeClr val="tx1">
+        <a:lumMod val="65000"/>
+        <a:lumOff val="35000"/>
+      </a:schemeClr>
+    </cs:fontRef>
+    <cs:defRPr sz="1000" kern="1200"/>
+  </cs:axisTitle>
+  <cs:categoryAxis>
+    <cs:lnRef idx="0"/>
+    <cs:fillRef idx="0"/>
+    <cs:effectRef idx="0"/>
+    <cs:fontRef idx="minor">
+      <a:schemeClr val="tx1">
+        <a:lumMod val="65000"/>
+        <a:lumOff val="35000"/>
+      </a:schemeClr>
+    </cs:fontRef>
+    <cs:spPr>
+      <a:ln w="9525" cap="flat" cmpd="sng" algn="ctr">
+        <a:solidFill>
+          <a:schemeClr val="tx1">
+            <a:lumMod val="15000"/>
+            <a:lumOff val="85000"/>
+          </a:schemeClr>
+        </a:solidFill>
+        <a:round/>
+      </a:ln>
+    </cs:spPr>
+    <cs:defRPr sz="900" kern="1200"/>
+  </cs:categoryAxis>
+  <cs:chartArea mods="allowNoFillOverride allowNoLineOverride">
+    <cs:lnRef idx="0"/>
+    <cs:fillRef idx="0"/>
+    <cs:effectRef idx="0"/>
+    <cs:fontRef idx="minor">
+      <a:schemeClr val="tx1"/>
+    </cs:fontRef>
+    <cs:spPr>
+      <a:solidFill>
+        <a:schemeClr val="bg1"/>
+      </a:solidFill>
+      <a:ln w="9525" cap="flat" cmpd="sng" algn="ctr">
+        <a:solidFill>
+          <a:schemeClr val="tx1">
+            <a:lumMod val="15000"/>
+            <a:lumOff val="85000"/>
+          </a:schemeClr>
+        </a:solidFill>
+        <a:round/>
+      </a:ln>
+    </cs:spPr>
+    <cs:defRPr sz="900" kern="1200"/>
+  </cs:chartArea>
+  <cs:dataLabel>
+    <cs:lnRef idx="0"/>
+    <cs:fillRef idx="0"/>
+    <cs:effectRef idx="0"/>
+    <cs:fontRef idx="minor">
+      <a:schemeClr val="tx1">
+        <a:lumMod val="75000"/>
+        <a:lumOff val="25000"/>
+      </a:schemeClr>
+    </cs:fontRef>
+    <cs:defRPr sz="900" kern="1200"/>
+  </cs:dataLabel>
+  <cs:dataLabelCallout>
+    <cs:lnRef idx="0"/>
+    <cs:fillRef idx="0"/>
+    <cs:effectRef idx="0"/>
+    <cs:fontRef idx="minor">
+      <a:schemeClr val="dk1">
+        <a:lumMod val="65000"/>
+        <a:lumOff val="35000"/>
+      </a:schemeClr>
+    </cs:fontRef>
+    <cs:spPr>
+      <a:solidFill>
+        <a:schemeClr val="lt1"/>
+      </a:solidFill>
+      <a:ln>
+        <a:solidFill>
+          <a:schemeClr val="dk1">
+            <a:lumMod val="25000"/>
+            <a:lumOff val="75000"/>
+          </a:schemeClr>
+        </a:solidFill>
+      </a:ln>
+    </cs:spPr>
+    <cs:defRPr sz="900" kern="1200"/>
+    <cs:bodyPr rot="0" spcFirstLastPara="1" vertOverflow="clip" horzOverflow="clip" vert="horz" wrap="square" lIns="36576" tIns="18288" rIns="36576" bIns="18288" anchor="ctr" anchorCtr="1">
+      <a:spAutoFit/>
+    </cs:bodyPr>
+  </cs:dataLabelCallout>
+  <cs:dataPoint>
+    <cs:lnRef idx="0"/>
+    <cs:fillRef idx="1">
+      <cs:styleClr val="auto"/>
+    </cs:fillRef>
+    <cs:effectRef idx="0"/>
+    <cs:fontRef idx="minor">
+      <a:schemeClr val="tx1"/>
+    </cs:fontRef>
+    <cs:spPr>
+      <a:ln w="19050">
+        <a:solidFill>
+          <a:schemeClr val="lt1"/>
+        </a:solidFill>
+      </a:ln>
+    </cs:spPr>
+  </cs:dataPoint>
+  <cs:dataPoint3D>
+    <cs:lnRef idx="0"/>
+    <cs:fillRef idx="1">
+      <cs:styleClr val="auto"/>
+    </cs:fillRef>
+    <cs:effectRef idx="0"/>
+    <cs:fontRef idx="minor">
+      <a:schemeClr val="tx1"/>
+    </cs:fontRef>
+    <cs:spPr>
+      <a:ln w="25400">
+        <a:solidFill>
+          <a:schemeClr val="lt1"/>
+        </a:solidFill>
+      </a:ln>
+    </cs:spPr>
+  </cs:dataPoint3D>
+  <cs:dataPointLine>
+    <cs:lnRef idx="0">
+      <cs:styleClr val="auto"/>
+    </cs:lnRef>
+    <cs:fillRef idx="0"/>
+    <cs:effectRef idx="0"/>
+    <cs:fontRef idx="minor">
+      <a:schemeClr val="tx1"/>
+    </cs:fontRef>
+    <cs:spPr>
+      <a:ln w="28575" cap="rnd">
+        <a:solidFill>
+          <a:schemeClr val="phClr"/>
+        </a:solidFill>
+        <a:round/>
+      </a:ln>
+    </cs:spPr>
+  </cs:dataPointLine>
+  <cs:dataPointMarker>
+    <cs:lnRef idx="0">
+      <cs:styleClr val="auto"/>
+    </cs:lnRef>
+    <cs:fillRef idx="1">
+      <cs:styleClr val="auto"/>
+    </cs:fillRef>
+    <cs:effectRef idx="0"/>
+    <cs:fontRef idx="minor">
+      <a:schemeClr val="tx1"/>
+    </cs:fontRef>
+    <cs:spPr>
+      <a:ln w="9525">
+        <a:solidFill>
+          <a:schemeClr val="phClr"/>
+        </a:solidFill>
+      </a:ln>
+    </cs:spPr>
+  </cs:dataPointMarker>
+  <cs:dataPointMarkerLayout symbol="circle" size="5"/>
+  <cs:dataPointWireframe>
+    <cs:lnRef idx="0">
+      <cs:styleClr val="auto"/>
+    </cs:lnRef>
+    <cs:fillRef idx="0"/>
+    <cs:effectRef idx="0"/>
+    <cs:fontRef idx="minor">
+      <a:schemeClr val="tx1"/>
+    </cs:fontRef>
+    <cs:spPr>
+      <a:ln w="9525" cap="rnd">
+        <a:solidFill>
+          <a:schemeClr val="phClr"/>
+        </a:solidFill>
+        <a:round/>
+      </a:ln>
+    </cs:spPr>
+  </cs:dataPointWireframe>
+  <cs:dataTable>
+    <cs:lnRef idx="0"/>
+    <cs:fillRef idx="0"/>
+    <cs:effectRef idx="0"/>
+    <cs:fontRef idx="minor">
+      <a:schemeClr val="tx1">
+        <a:lumMod val="65000"/>
+        <a:lumOff val="35000"/>
+      </a:schemeClr>
+    </cs:fontRef>
+    <cs:spPr>
+      <a:noFill/>
+      <a:ln w="9525" cap="flat" cmpd="sng" algn="ctr">
+        <a:solidFill>
+          <a:schemeClr val="tx1">
+            <a:lumMod val="15000"/>
+            <a:lumOff val="85000"/>
+          </a:schemeClr>
+        </a:solidFill>
+        <a:round/>
+      </a:ln>
+    </cs:spPr>
+    <cs:defRPr sz="900" kern="1200"/>
+  </cs:dataTable>
+  <cs:downBar>
+    <cs:lnRef idx="0"/>
+    <cs:fillRef idx="0"/>
+    <cs:effectRef idx="0"/>
+    <cs:fontRef idx="minor">
+      <a:schemeClr val="tx1"/>
+    </cs:fontRef>
+    <cs:spPr>
+      <a:solidFill>
+        <a:schemeClr val="dk1">
+          <a:lumMod val="75000"/>
+          <a:lumOff val="25000"/>
+        </a:schemeClr>
+      </a:solidFill>
+      <a:ln w="9525" cap="flat" cmpd="sng" algn="ctr">
+        <a:solidFill>
+          <a:schemeClr val="tx1">
+            <a:lumMod val="65000"/>
+            <a:lumOff val="35000"/>
+          </a:schemeClr>
+        </a:solidFill>
+        <a:round/>
+      </a:ln>
+    </cs:spPr>
+  </cs:downBar>
+  <cs:dropLine>
+    <cs:lnRef idx="0"/>
+    <cs:fillRef idx="0"/>
+    <cs:effectRef idx="0"/>
+    <cs:fontRef idx="minor">
+      <a:schemeClr val="tx1"/>
+    </cs:fontRef>
+    <cs:spPr>
+      <a:ln w="9525" cap="flat" cmpd="sng" algn="ctr">
+        <a:solidFill>
+          <a:schemeClr val="tx1">
+            <a:lumMod val="35000"/>
+            <a:lumOff val="65000"/>
+          </a:schemeClr>
+        </a:solidFill>
+        <a:round/>
+      </a:ln>
+    </cs:spPr>
+  </cs:dropLine>
+  <cs:errorBar>
+    <cs:lnRef idx="0"/>
+    <cs:fillRef idx="0"/>
+    <cs:effectRef idx="0"/>
+    <cs:fontRef idx="minor">
+      <a:schemeClr val="tx1"/>
+    </cs:fontRef>
+    <cs:spPr>
+      <a:ln w="9525" cap="flat" cmpd="sng" algn="ctr">
+        <a:solidFill>
+          <a:schemeClr val="tx1">
+            <a:lumMod val="65000"/>
+            <a:lumOff val="35000"/>
+          </a:schemeClr>
+        </a:solidFill>
+        <a:round/>
+      </a:ln>
+    </cs:spPr>
+  </cs:errorBar>
+  <cs:floor>
+    <cs:lnRef idx="0"/>
+    <cs:fillRef idx="0"/>
+    <cs:effectRef idx="0"/>
+    <cs:fontRef idx="minor">
+      <a:schemeClr val="tx1"/>
+    </cs:fontRef>
+    <cs:spPr>
+      <a:noFill/>
+      <a:ln>
+        <a:noFill/>
+      </a:ln>
+    </cs:spPr>
+  </cs:floor>
+  <cs:gridlineMajor>
+    <cs:lnRef idx="0"/>
+    <cs:fillRef idx="0"/>
+    <cs:effectRef idx="0"/>
+    <cs:fontRef idx="minor">
+      <a:schemeClr val="tx1"/>
+    </cs:fontRef>
+    <cs:spPr>
+      <a:ln w="9525" cap="flat" cmpd="sng" algn="ctr">
+        <a:solidFill>
+          <a:schemeClr val="tx1">
+            <a:lumMod val="15000"/>
+            <a:lumOff val="85000"/>
+          </a:schemeClr>
+        </a:solidFill>
+        <a:round/>
+      </a:ln>
+    </cs:spPr>
+  </cs:gridlineMajor>
+  <cs:gridlineMinor>
+    <cs:lnRef idx="0"/>
+    <cs:fillRef idx="0"/>
+    <cs:effectRef idx="0"/>
+    <cs:fontRef idx="minor">
+      <a:schemeClr val="tx1"/>
+    </cs:fontRef>
+    <cs:spPr>
+      <a:ln w="9525" cap="flat" cmpd="sng" algn="ctr">
+        <a:solidFill>
+          <a:schemeClr val="tx1">
+            <a:lumMod val="5000"/>
+            <a:lumOff val="95000"/>
+          </a:schemeClr>
+        </a:solidFill>
+        <a:round/>
+      </a:ln>
+    </cs:spPr>
+  </cs:gridlineMinor>
+  <cs:hiLoLine>
+    <cs:lnRef idx="0"/>
+    <cs:fillRef idx="0"/>
+    <cs:effectRef idx="0"/>
+    <cs:fontRef idx="minor">
+      <a:schemeClr val="tx1"/>
+    </cs:fontRef>
+    <cs:spPr>
+      <a:ln w="9525" cap="flat" cmpd="sng" algn="ctr">
+        <a:solidFill>
+          <a:schemeClr val="tx1">
+            <a:lumMod val="50000"/>
+            <a:lumOff val="50000"/>
+          </a:schemeClr>
+        </a:solidFill>
+        <a:round/>
+      </a:ln>
+    </cs:spPr>
+  </cs:hiLoLine>
+  <cs:leaderLine>
+    <cs:lnRef idx="0"/>
+    <cs:fillRef idx="0"/>
+    <cs:effectRef idx="0"/>
+    <cs:fontRef idx="minor">
+      <a:schemeClr val="tx1"/>
+    </cs:fontRef>
+    <cs:spPr>
+      <a:ln w="9525" cap="flat" cmpd="sng" algn="ctr">
+        <a:solidFill>
+          <a:schemeClr val="tx1">
+            <a:lumMod val="35000"/>
+            <a:lumOff val="65000"/>
+          </a:schemeClr>
+        </a:solidFill>
+        <a:round/>
+      </a:ln>
+    </cs:spPr>
+  </cs:leaderLine>
+  <cs:legend>
+    <cs:lnRef idx="0"/>
+    <cs:fillRef idx="0"/>
+    <cs:effectRef idx="0"/>
+    <cs:fontRef idx="minor">
+      <a:schemeClr val="tx1">
+        <a:lumMod val="65000"/>
+        <a:lumOff val="35000"/>
+      </a:schemeClr>
+    </cs:fontRef>
+    <cs:defRPr sz="900" kern="1200"/>
+  </cs:legend>
+  <cs:plotArea mods="allowNoFillOverride allowNoLineOverride">
+    <cs:lnRef idx="0"/>
+    <cs:fillRef idx="0"/>
+    <cs:effectRef idx="0"/>
+    <cs:fontRef idx="minor">
+      <a:schemeClr val="tx1"/>
+    </cs:fontRef>
+  </cs:plotArea>
+  <cs:plotArea3D mods="allowNoFillOverride allowNoLineOverride">
+    <cs:lnRef idx="0"/>
+    <cs:fillRef idx="0"/>
+    <cs:effectRef idx="0"/>
+    <cs:fontRef idx="minor">
+      <a:schemeClr val="tx1"/>
+    </cs:fontRef>
+  </cs:plotArea3D>
+  <cs:seriesAxis>
+    <cs:lnRef idx="0"/>
+    <cs:fillRef idx="0"/>
+    <cs:effectRef idx="0"/>
+    <cs:fontRef idx="minor">
+      <a:schemeClr val="tx1">
+        <a:lumMod val="65000"/>
+        <a:lumOff val="35000"/>
+      </a:schemeClr>
+    </cs:fontRef>
+    <cs:defRPr sz="900" kern="1200"/>
+  </cs:seriesAxis>
+  <cs:seriesLine>
+    <cs:lnRef idx="0"/>
+    <cs:fillRef idx="0"/>
+    <cs:effectRef idx="0"/>
+    <cs:fontRef idx="minor">
+      <a:schemeClr val="tx1"/>
+    </cs:fontRef>
+    <cs:spPr>
+      <a:ln w="9525" cap="flat" cmpd="sng" algn="ctr">
+        <a:solidFill>
+          <a:schemeClr val="tx1">
+            <a:lumMod val="35000"/>
+            <a:lumOff val="65000"/>
+          </a:schemeClr>
+        </a:solidFill>
+        <a:round/>
+      </a:ln>
+    </cs:spPr>
+  </cs:seriesLine>
+  <cs:title>
+    <cs:lnRef idx="0"/>
+    <cs:fillRef idx="0"/>
+    <cs:effectRef idx="0"/>
+    <cs:fontRef idx="minor">
+      <a:schemeClr val="tx1">
+        <a:lumMod val="65000"/>
+        <a:lumOff val="35000"/>
+      </a:schemeClr>
+    </cs:fontRef>
+    <cs:defRPr sz="1400" b="0" kern="1200" spc="0" baseline="0"/>
+  </cs:title>
+  <cs:trendline>
+    <cs:lnRef idx="0">
+      <cs:styleClr val="auto"/>
+    </cs:lnRef>
+    <cs:fillRef idx="0"/>
+    <cs:effectRef idx="0"/>
+    <cs:fontRef idx="minor">
+      <a:schemeClr val="tx1"/>
+    </cs:fontRef>
+    <cs:spPr>
+      <a:ln w="19050" cap="rnd">
+        <a:solidFill>
+          <a:schemeClr val="phClr"/>
+        </a:solidFill>
+        <a:prstDash val="sysDot"/>
+      </a:ln>
+    </cs:spPr>
+  </cs:trendline>
+  <cs:trendlineLabel>
+    <cs:lnRef idx="0"/>
+    <cs:fillRef idx="0"/>
+    <cs:effectRef idx="0"/>
+    <cs:fontRef idx="minor">
+      <a:schemeClr val="tx1">
+        <a:lumMod val="65000"/>
+        <a:lumOff val="35000"/>
+      </a:schemeClr>
+    </cs:fontRef>
+    <cs:defRPr sz="900" kern="1200"/>
+  </cs:trendlineLabel>
+  <cs:upBar>
+    <cs:lnRef idx="0"/>
+    <cs:fillRef idx="0"/>
+    <cs:effectRef idx="0"/>
+    <cs:fontRef idx="minor">
+      <a:schemeClr val="tx1"/>
+    </cs:fontRef>
+    <cs:spPr>
+      <a:solidFill>
+        <a:schemeClr val="lt1"/>
+      </a:solidFill>
+      <a:ln w="9525" cap="flat" cmpd="sng" algn="ctr">
+        <a:solidFill>
+          <a:schemeClr val="tx1">
+            <a:lumMod val="65000"/>
+            <a:lumOff val="35000"/>
+          </a:schemeClr>
+        </a:solidFill>
+        <a:round/>
+      </a:ln>
+    </cs:spPr>
+  </cs:upBar>
+  <cs:valueAxis>
+    <cs:lnRef idx="0"/>
+    <cs:fillRef idx="0"/>
+    <cs:effectRef idx="0"/>
+    <cs:fontRef idx="minor">
+      <a:schemeClr val="tx1">
+        <a:lumMod val="65000"/>
+        <a:lumOff val="35000"/>
+      </a:schemeClr>
+    </cs:fontRef>
+    <cs:defRPr sz="900" kern="1200"/>
+  </cs:valueAxis>
+  <cs:wall>
+    <cs:lnRef idx="0"/>
+    <cs:fillRef idx="0"/>
+    <cs:effectRef idx="0"/>
+    <cs:fontRef idx="minor">
+      <a:schemeClr val="tx1"/>
+    </cs:fontRef>
+    <cs:spPr>
+      <a:noFill/>
+      <a:ln>
+        <a:noFill/>
+      </a:ln>
+    </cs:spPr>
+  </cs:wall>
+</cs:chartStyle>
 </file>
 
 <file path=ppt/slideLayouts/slideLayout1.xml><?xml version="1.0" encoding="utf-8"?>
@@ -5751,6 +6742,63 @@
           <a:chExt cx="0" cy="0"/>
         </a:xfrm>
       </p:grpSpPr>
+      <p:graphicFrame>
+        <p:nvGraphicFramePr>
+          <p:cNvPr id="4" name="Content Placeholder 3">
+            <a:extLst/>
+          </p:cNvPr>
+          <p:cNvGraphicFramePr>
+            <a:graphicFrameLocks noGrp="1"/>
+          </p:cNvGraphicFramePr>
+          <p:nvPr>
+            <p:ph idx="1"/>
+            <p:extLst>
+              <p:ext uri="{D42A27DB-BD31-4B8C-83A1-F6EECF244321}">
+                <p14:modId xmlns:p14="http://schemas.microsoft.com/office/powerpoint/2010/main" val="196801457"/>
+              </p:ext>
+            </p:extLst>
+          </p:nvPr>
+        </p:nvGraphicFramePr>
+        <p:xfrm>
+          <a:off x="436228" y="436227"/>
+          <a:ext cx="8212822" cy="5620623"/>
+        </p:xfrm>
+        <a:graphic>
+          <a:graphicData uri="http://schemas.openxmlformats.org/drawingml/2006/chart">
+            <c:chart xmlns:c="http://schemas.openxmlformats.org/drawingml/2006/chart" xmlns:r="http://schemas.openxmlformats.org/officeDocument/2006/relationships" r:id="rId2"/>
+          </a:graphicData>
+        </a:graphic>
+      </p:graphicFrame>
+    </p:spTree>
+    <p:extLst>
+      <p:ext uri="{BB962C8B-B14F-4D97-AF65-F5344CB8AC3E}">
+        <p14:creationId xmlns:p14="http://schemas.microsoft.com/office/powerpoint/2010/main" val="2475622192"/>
+      </p:ext>
+    </p:extLst>
+  </p:cSld>
+  <p:clrMapOvr>
+    <a:masterClrMapping/>
+  </p:clrMapOvr>
+</p:sld>
+</file>
+
+<file path=ppt/slides/slide5.xml><?xml version="1.0" encoding="utf-8"?>
+<p:sld xmlns:a="http://schemas.openxmlformats.org/drawingml/2006/main" xmlns:r="http://schemas.openxmlformats.org/officeDocument/2006/relationships" xmlns:p="http://schemas.openxmlformats.org/presentationml/2006/main">
+  <p:cSld>
+    <p:spTree>
+      <p:nvGrpSpPr>
+        <p:cNvPr id="1" name=""/>
+        <p:cNvGrpSpPr/>
+        <p:nvPr/>
+      </p:nvGrpSpPr>
+      <p:grpSpPr>
+        <a:xfrm>
+          <a:off x="0" y="0"/>
+          <a:ext cx="0" cy="0"/>
+          <a:chOff x="0" y="0"/>
+          <a:chExt cx="0" cy="0"/>
+        </a:xfrm>
+      </p:grpSpPr>
       <p:grpSp>
         <p:nvGrpSpPr>
           <p:cNvPr id="14" name="Group 13"/>
@@ -6450,7 +7498,7 @@
 </p:sld>
 </file>
 
-<file path=ppt/slides/slide5.xml><?xml version="1.0" encoding="utf-8"?>
+<file path=ppt/slides/slide6.xml><?xml version="1.0" encoding="utf-8"?>
 <p:sld xmlns:a="http://schemas.openxmlformats.org/drawingml/2006/main" xmlns:r="http://schemas.openxmlformats.org/officeDocument/2006/relationships" xmlns:p="http://schemas.openxmlformats.org/presentationml/2006/main">
   <p:cSld>
     <p:spTree>
@@ -7189,7 +8237,7 @@
 </p:sld>
 </file>
 
-<file path=ppt/slides/slide6.xml><?xml version="1.0" encoding="utf-8"?>
+<file path=ppt/slides/slide7.xml><?xml version="1.0" encoding="utf-8"?>
 <p:sld xmlns:a="http://schemas.openxmlformats.org/drawingml/2006/main" xmlns:r="http://schemas.openxmlformats.org/officeDocument/2006/relationships" xmlns:p="http://schemas.openxmlformats.org/presentationml/2006/main">
   <p:cSld>
     <p:spTree>
@@ -7257,7 +8305,7 @@
 </p:sld>
 </file>
 
-<file path=ppt/slides/slide7.xml><?xml version="1.0" encoding="utf-8"?>
+<file path=ppt/slides/slide8.xml><?xml version="1.0" encoding="utf-8"?>
 <p:sld xmlns:a="http://schemas.openxmlformats.org/drawingml/2006/main" xmlns:r="http://schemas.openxmlformats.org/officeDocument/2006/relationships" xmlns:p="http://schemas.openxmlformats.org/presentationml/2006/main">
   <p:cSld>
     <p:spTree>
@@ -7597,4 +8645,290 @@
     </a:ext>
   </a:extLst>
 </a:theme>
+</file>
+
+<file path=ppt/theme/themeOverride1.xml><?xml version="1.0" encoding="utf-8"?>
+<a:themeOverride xmlns:a="http://schemas.openxmlformats.org/drawingml/2006/main">
+  <a:clrScheme name="Office">
+    <a:dk1>
+      <a:sysClr val="windowText" lastClr="000000"/>
+    </a:dk1>
+    <a:lt1>
+      <a:sysClr val="window" lastClr="FFFFFF"/>
+    </a:lt1>
+    <a:dk2>
+      <a:srgbClr val="44546A"/>
+    </a:dk2>
+    <a:lt2>
+      <a:srgbClr val="E7E6E6"/>
+    </a:lt2>
+    <a:accent1>
+      <a:srgbClr val="4472C4"/>
+    </a:accent1>
+    <a:accent2>
+      <a:srgbClr val="ED7D31"/>
+    </a:accent2>
+    <a:accent3>
+      <a:srgbClr val="A5A5A5"/>
+    </a:accent3>
+    <a:accent4>
+      <a:srgbClr val="FFC000"/>
+    </a:accent4>
+    <a:accent5>
+      <a:srgbClr val="5B9BD5"/>
+    </a:accent5>
+    <a:accent6>
+      <a:srgbClr val="70AD47"/>
+    </a:accent6>
+    <a:hlink>
+      <a:srgbClr val="0563C1"/>
+    </a:hlink>
+    <a:folHlink>
+      <a:srgbClr val="954F72"/>
+    </a:folHlink>
+  </a:clrScheme>
+  <a:fontScheme name="Office">
+    <a:majorFont>
+      <a:latin typeface="Calibri Light" panose="020F0302020204030204"/>
+      <a:ea typeface=""/>
+      <a:cs typeface=""/>
+      <a:font script="Jpan" typeface="游ゴシック Light"/>
+      <a:font script="Hang" typeface="맑은 고딕"/>
+      <a:font script="Hans" typeface="等线 Light"/>
+      <a:font script="Hant" typeface="新細明體"/>
+      <a:font script="Arab" typeface="Times New Roman"/>
+      <a:font script="Hebr" typeface="Times New Roman"/>
+      <a:font script="Thai" typeface="Tahoma"/>
+      <a:font script="Ethi" typeface="Nyala"/>
+      <a:font script="Beng" typeface="Vrinda"/>
+      <a:font script="Gujr" typeface="Shruti"/>
+      <a:font script="Khmr" typeface="MoolBoran"/>
+      <a:font script="Knda" typeface="Tunga"/>
+      <a:font script="Guru" typeface="Raavi"/>
+      <a:font script="Cans" typeface="Euphemia"/>
+      <a:font script="Cher" typeface="Plantagenet Cherokee"/>
+      <a:font script="Yiii" typeface="Microsoft Yi Baiti"/>
+      <a:font script="Tibt" typeface="Microsoft Himalaya"/>
+      <a:font script="Thaa" typeface="MV Boli"/>
+      <a:font script="Deva" typeface="Mangal"/>
+      <a:font script="Telu" typeface="Gautami"/>
+      <a:font script="Taml" typeface="Latha"/>
+      <a:font script="Syrc" typeface="Estrangelo Edessa"/>
+      <a:font script="Orya" typeface="Kalinga"/>
+      <a:font script="Mlym" typeface="Kartika"/>
+      <a:font script="Laoo" typeface="DokChampa"/>
+      <a:font script="Sinh" typeface="Iskoola Pota"/>
+      <a:font script="Mong" typeface="Mongolian Baiti"/>
+      <a:font script="Viet" typeface="Times New Roman"/>
+      <a:font script="Uigh" typeface="Microsoft Uighur"/>
+      <a:font script="Geor" typeface="Sylfaen"/>
+      <a:font script="Armn" typeface="Arial"/>
+      <a:font script="Bugi" typeface="Leelawadee UI"/>
+      <a:font script="Bopo" typeface="Microsoft JhengHei"/>
+      <a:font script="Java" typeface="Javanese Text"/>
+      <a:font script="Lisu" typeface="Segoe UI"/>
+      <a:font script="Mymr" typeface="Myanmar Text"/>
+      <a:font script="Nkoo" typeface="Ebrima"/>
+      <a:font script="Olck" typeface="Nirmala UI"/>
+      <a:font script="Osma" typeface="Ebrima"/>
+      <a:font script="Phag" typeface="Phagspa"/>
+      <a:font script="Syrn" typeface="Estrangelo Edessa"/>
+      <a:font script="Syrj" typeface="Estrangelo Edessa"/>
+      <a:font script="Syre" typeface="Estrangelo Edessa"/>
+      <a:font script="Sora" typeface="Nirmala UI"/>
+      <a:font script="Tale" typeface="Microsoft Tai Le"/>
+      <a:font script="Talu" typeface="Microsoft New Tai Lue"/>
+      <a:font script="Tfng" typeface="Ebrima"/>
+    </a:majorFont>
+    <a:minorFont>
+      <a:latin typeface="Calibri" panose="020F0502020204030204"/>
+      <a:ea typeface=""/>
+      <a:cs typeface=""/>
+      <a:font script="Jpan" typeface="游ゴシック"/>
+      <a:font script="Hang" typeface="맑은 고딕"/>
+      <a:font script="Hans" typeface="等线"/>
+      <a:font script="Hant" typeface="新細明體"/>
+      <a:font script="Arab" typeface="Arial"/>
+      <a:font script="Hebr" typeface="Arial"/>
+      <a:font script="Thai" typeface="Tahoma"/>
+      <a:font script="Ethi" typeface="Nyala"/>
+      <a:font script="Beng" typeface="Vrinda"/>
+      <a:font script="Gujr" typeface="Shruti"/>
+      <a:font script="Khmr" typeface="DaunPenh"/>
+      <a:font script="Knda" typeface="Tunga"/>
+      <a:font script="Guru" typeface="Raavi"/>
+      <a:font script="Cans" typeface="Euphemia"/>
+      <a:font script="Cher" typeface="Plantagenet Cherokee"/>
+      <a:font script="Yiii" typeface="Microsoft Yi Baiti"/>
+      <a:font script="Tibt" typeface="Microsoft Himalaya"/>
+      <a:font script="Thaa" typeface="MV Boli"/>
+      <a:font script="Deva" typeface="Mangal"/>
+      <a:font script="Telu" typeface="Gautami"/>
+      <a:font script="Taml" typeface="Latha"/>
+      <a:font script="Syrc" typeface="Estrangelo Edessa"/>
+      <a:font script="Orya" typeface="Kalinga"/>
+      <a:font script="Mlym" typeface="Kartika"/>
+      <a:font script="Laoo" typeface="DokChampa"/>
+      <a:font script="Sinh" typeface="Iskoola Pota"/>
+      <a:font script="Mong" typeface="Mongolian Baiti"/>
+      <a:font script="Viet" typeface="Arial"/>
+      <a:font script="Uigh" typeface="Microsoft Uighur"/>
+      <a:font script="Geor" typeface="Sylfaen"/>
+      <a:font script="Armn" typeface="Arial"/>
+      <a:font script="Bugi" typeface="Leelawadee UI"/>
+      <a:font script="Bopo" typeface="Microsoft JhengHei"/>
+      <a:font script="Java" typeface="Javanese Text"/>
+      <a:font script="Lisu" typeface="Segoe UI"/>
+      <a:font script="Mymr" typeface="Myanmar Text"/>
+      <a:font script="Nkoo" typeface="Ebrima"/>
+      <a:font script="Olck" typeface="Nirmala UI"/>
+      <a:font script="Osma" typeface="Ebrima"/>
+      <a:font script="Phag" typeface="Phagspa"/>
+      <a:font script="Syrn" typeface="Estrangelo Edessa"/>
+      <a:font script="Syrj" typeface="Estrangelo Edessa"/>
+      <a:font script="Syre" typeface="Estrangelo Edessa"/>
+      <a:font script="Sora" typeface="Nirmala UI"/>
+      <a:font script="Tale" typeface="Microsoft Tai Le"/>
+      <a:font script="Talu" typeface="Microsoft New Tai Lue"/>
+      <a:font script="Tfng" typeface="Ebrima"/>
+    </a:minorFont>
+  </a:fontScheme>
+  <a:fmtScheme name="Office">
+    <a:fillStyleLst>
+      <a:solidFill>
+        <a:schemeClr val="phClr"/>
+      </a:solidFill>
+      <a:gradFill rotWithShape="1">
+        <a:gsLst>
+          <a:gs pos="0">
+            <a:schemeClr val="phClr">
+              <a:lumMod val="110000"/>
+              <a:satMod val="105000"/>
+              <a:tint val="67000"/>
+            </a:schemeClr>
+          </a:gs>
+          <a:gs pos="50000">
+            <a:schemeClr val="phClr">
+              <a:lumMod val="105000"/>
+              <a:satMod val="103000"/>
+              <a:tint val="73000"/>
+            </a:schemeClr>
+          </a:gs>
+          <a:gs pos="100000">
+            <a:schemeClr val="phClr">
+              <a:lumMod val="105000"/>
+              <a:satMod val="109000"/>
+              <a:tint val="81000"/>
+            </a:schemeClr>
+          </a:gs>
+        </a:gsLst>
+        <a:lin ang="5400000" scaled="0"/>
+      </a:gradFill>
+      <a:gradFill rotWithShape="1">
+        <a:gsLst>
+          <a:gs pos="0">
+            <a:schemeClr val="phClr">
+              <a:satMod val="103000"/>
+              <a:lumMod val="102000"/>
+              <a:tint val="94000"/>
+            </a:schemeClr>
+          </a:gs>
+          <a:gs pos="50000">
+            <a:schemeClr val="phClr">
+              <a:satMod val="110000"/>
+              <a:lumMod val="100000"/>
+              <a:shade val="100000"/>
+            </a:schemeClr>
+          </a:gs>
+          <a:gs pos="100000">
+            <a:schemeClr val="phClr">
+              <a:lumMod val="99000"/>
+              <a:satMod val="120000"/>
+              <a:shade val="78000"/>
+            </a:schemeClr>
+          </a:gs>
+        </a:gsLst>
+        <a:lin ang="5400000" scaled="0"/>
+      </a:gradFill>
+    </a:fillStyleLst>
+    <a:lnStyleLst>
+      <a:ln w="6350" cap="flat" cmpd="sng" algn="ctr">
+        <a:solidFill>
+          <a:schemeClr val="phClr"/>
+        </a:solidFill>
+        <a:prstDash val="solid"/>
+        <a:miter lim="800000"/>
+      </a:ln>
+      <a:ln w="12700" cap="flat" cmpd="sng" algn="ctr">
+        <a:solidFill>
+          <a:schemeClr val="phClr"/>
+        </a:solidFill>
+        <a:prstDash val="solid"/>
+        <a:miter lim="800000"/>
+      </a:ln>
+      <a:ln w="19050" cap="flat" cmpd="sng" algn="ctr">
+        <a:solidFill>
+          <a:schemeClr val="phClr"/>
+        </a:solidFill>
+        <a:prstDash val="solid"/>
+        <a:miter lim="800000"/>
+      </a:ln>
+    </a:lnStyleLst>
+    <a:effectStyleLst>
+      <a:effectStyle>
+        <a:effectLst/>
+      </a:effectStyle>
+      <a:effectStyle>
+        <a:effectLst/>
+      </a:effectStyle>
+      <a:effectStyle>
+        <a:effectLst>
+          <a:outerShdw blurRad="57150" dist="19050" dir="5400000" algn="ctr" rotWithShape="0">
+            <a:srgbClr val="000000">
+              <a:alpha val="63000"/>
+            </a:srgbClr>
+          </a:outerShdw>
+        </a:effectLst>
+      </a:effectStyle>
+    </a:effectStyleLst>
+    <a:bgFillStyleLst>
+      <a:solidFill>
+        <a:schemeClr val="phClr"/>
+      </a:solidFill>
+      <a:solidFill>
+        <a:schemeClr val="phClr">
+          <a:tint val="95000"/>
+          <a:satMod val="170000"/>
+        </a:schemeClr>
+      </a:solidFill>
+      <a:gradFill rotWithShape="1">
+        <a:gsLst>
+          <a:gs pos="0">
+            <a:schemeClr val="phClr">
+              <a:tint val="93000"/>
+              <a:satMod val="150000"/>
+              <a:shade val="98000"/>
+              <a:lumMod val="102000"/>
+            </a:schemeClr>
+          </a:gs>
+          <a:gs pos="50000">
+            <a:schemeClr val="phClr">
+              <a:tint val="98000"/>
+              <a:satMod val="130000"/>
+              <a:shade val="90000"/>
+              <a:lumMod val="103000"/>
+            </a:schemeClr>
+          </a:gs>
+          <a:gs pos="100000">
+            <a:schemeClr val="phClr">
+              <a:shade val="63000"/>
+              <a:satMod val="120000"/>
+            </a:schemeClr>
+          </a:gs>
+        </a:gsLst>
+        <a:lin ang="5400000" scaled="0"/>
+      </a:gradFill>
+    </a:bgFillStyleLst>
+  </a:fmtScheme>
+</a:themeOverride>
 </file>
--- a/presentation_material/powerpoint.pptx
+++ b/presentation_material/powerpoint.pptx
@@ -11,8 +11,6 @@
     <p:sldId id="263" r:id="rId5"/>
     <p:sldId id="258" r:id="rId6"/>
     <p:sldId id="259" r:id="rId7"/>
-    <p:sldId id="260" r:id="rId8"/>
-    <p:sldId id="261" r:id="rId9"/>
   </p:sldIdLst>
   <p:sldSz cx="9144000" cy="6858000" type="screen4x3"/>
   <p:notesSz cx="6858000" cy="9144000"/>
@@ -132,7 +130,6 @@
       <c:style val="2"/>
     </mc:Fallback>
   </mc:AlternateContent>
-  <c:clrMapOvr bg1="lt1" tx1="dk1" bg2="lt2" tx2="dk2" accent1="accent1" accent2="accent2" accent3="accent3" accent4="accent4" accent5="accent5" accent6="accent6" hlink="hlink" folHlink="folHlink"/>
   <c:chart>
     <c:title>
       <c:tx>
@@ -141,9 +138,12 @@
           <a:lstStyle/>
           <a:p>
             <a:pPr>
-              <a:defRPr sz="1400" b="0" i="0" u="none" strike="noStrike" kern="1200" spc="0" baseline="0">
-                <a:solidFill>
-                  <a:schemeClr val="tx1"/>
+              <a:defRPr sz="1862" b="0" i="0" u="none" strike="noStrike" kern="1200" spc="0" baseline="0">
+                <a:solidFill>
+                  <a:schemeClr val="tx1">
+                    <a:lumMod val="65000"/>
+                    <a:lumOff val="35000"/>
+                  </a:schemeClr>
                 </a:solidFill>
                 <a:latin typeface="+mn-lt"/>
                 <a:ea typeface="+mn-ea"/>
@@ -151,11 +151,7 @@
               </a:defRPr>
             </a:pPr>
             <a:r>
-              <a:rPr lang="en-GB" baseline="0">
-                <a:solidFill>
-                  <a:schemeClr val="tx1"/>
-                </a:solidFill>
-              </a:rPr>
+              <a:rPr lang="en-GB"/>
               <a:t>Languages Used (%)</a:t>
             </a:r>
           </a:p>
@@ -174,9 +170,12 @@
         <a:lstStyle/>
         <a:p>
           <a:pPr>
-            <a:defRPr sz="1400" b="0" i="0" u="none" strike="noStrike" kern="1200" spc="0" baseline="0">
+            <a:defRPr sz="1862" b="0" i="0" u="none" strike="noStrike" kern="1200" spc="0" baseline="0">
               <a:solidFill>
-                <a:schemeClr val="tx1"/>
+                <a:schemeClr val="tx1">
+                  <a:lumMod val="65000"/>
+                  <a:lumOff val="35000"/>
+                </a:schemeClr>
               </a:solidFill>
               <a:latin typeface="+mn-lt"/>
               <a:ea typeface="+mn-ea"/>
@@ -239,7 +238,10 @@
             <c:bubble3D val="0"/>
             <c:spPr>
               <a:solidFill>
-                <a:schemeClr val="accent1"/>
+                <a:schemeClr val="accent1">
+                  <a:lumMod val="60000"/>
+                  <a:lumOff val="40000"/>
+                </a:schemeClr>
               </a:solidFill>
               <a:ln w="25400">
                 <a:solidFill>
@@ -264,7 +266,9 @@
             <c:bubble3D val="0"/>
             <c:spPr>
               <a:solidFill>
-                <a:schemeClr val="accent2"/>
+                <a:schemeClr val="accent5">
+                  <a:lumMod val="75000"/>
+                </a:schemeClr>
               </a:solidFill>
               <a:ln w="25400">
                 <a:solidFill>
@@ -289,7 +293,7 @@
             <c:bubble3D val="0"/>
             <c:spPr>
               <a:solidFill>
-                <a:schemeClr val="accent3"/>
+                <a:srgbClr val="00B050"/>
               </a:solidFill>
               <a:ln w="25400">
                 <a:solidFill>
@@ -324,9 +328,12 @@
               <a:lstStyle/>
               <a:p>
                 <a:pPr>
-                  <a:defRPr sz="1200" b="0" i="0" u="none" strike="noStrike" kern="1200" baseline="0">
+                  <a:defRPr sz="1197" b="0" i="0" u="none" strike="noStrike" kern="1200" baseline="0">
                     <a:solidFill>
-                      <a:schemeClr val="tx1"/>
+                      <a:schemeClr val="tx1">
+                        <a:lumMod val="75000"/>
+                        <a:lumOff val="25000"/>
+                      </a:schemeClr>
                     </a:solidFill>
                     <a:latin typeface="+mn-lt"/>
                     <a:ea typeface="+mn-ea"/>
@@ -374,7 +381,7 @@
                   <c:v>HTML</c:v>
                 </c:pt>
                 <c:pt idx="2">
-                  <c:v>JaveScript</c:v>
+                  <c:v>JavaScript</c:v>
                 </c:pt>
               </c:strCache>
             </c:strRef>
@@ -430,10 +437,13 @@
           <a:bodyPr rot="0" spcFirstLastPara="1" vertOverflow="ellipsis" vert="horz" wrap="square" anchor="ctr" anchorCtr="1"/>
           <a:lstStyle/>
           <a:p>
-            <a:pPr rtl="0">
-              <a:defRPr sz="1600" b="0" i="0" u="none" strike="noStrike" kern="1200" baseline="0">
-                <a:solidFill>
-                  <a:schemeClr val="tx1"/>
+            <a:pPr>
+              <a:defRPr sz="1197" b="0" i="0" u="none" strike="noStrike" kern="1200" baseline="0">
+                <a:solidFill>
+                  <a:schemeClr val="tx1">
+                    <a:lumMod val="65000"/>
+                    <a:lumOff val="35000"/>
+                  </a:schemeClr>
                 </a:solidFill>
                 <a:latin typeface="+mn-lt"/>
                 <a:ea typeface="+mn-ea"/>
@@ -450,10 +460,13 @@
           <a:bodyPr rot="0" spcFirstLastPara="1" vertOverflow="ellipsis" vert="horz" wrap="square" anchor="ctr" anchorCtr="1"/>
           <a:lstStyle/>
           <a:p>
-            <a:pPr rtl="0">
-              <a:defRPr sz="1600" b="0" i="0" u="none" strike="noStrike" kern="1200" baseline="0">
-                <a:solidFill>
-                  <a:schemeClr val="tx1"/>
+            <a:pPr>
+              <a:defRPr sz="1197" b="0" i="0" u="none" strike="noStrike" kern="1200" baseline="0">
+                <a:solidFill>
+                  <a:schemeClr val="tx1">
+                    <a:lumMod val="65000"/>
+                    <a:lumOff val="35000"/>
+                  </a:schemeClr>
                 </a:solidFill>
                 <a:latin typeface="+mn-lt"/>
                 <a:ea typeface="+mn-ea"/>
@@ -470,10 +483,13 @@
           <a:bodyPr rot="0" spcFirstLastPara="1" vertOverflow="ellipsis" vert="horz" wrap="square" anchor="ctr" anchorCtr="1"/>
           <a:lstStyle/>
           <a:p>
-            <a:pPr rtl="0">
-              <a:defRPr sz="1600" b="0" i="0" u="none" strike="noStrike" kern="1200" baseline="0">
-                <a:solidFill>
-                  <a:schemeClr val="tx1"/>
+            <a:pPr>
+              <a:defRPr sz="1197" b="0" i="0" u="none" strike="noStrike" kern="1200" baseline="0">
+                <a:solidFill>
+                  <a:schemeClr val="tx1">
+                    <a:lumMod val="65000"/>
+                    <a:lumOff val="35000"/>
+                  </a:schemeClr>
                 </a:solidFill>
                 <a:latin typeface="+mn-lt"/>
                 <a:ea typeface="+mn-ea"/>
@@ -484,16 +500,6 @@
           </a:p>
         </c:txPr>
       </c:legendEntry>
-      <c:layout>
-        <c:manualLayout>
-          <c:xMode val="edge"/>
-          <c:yMode val="edge"/>
-          <c:x val="0.2739819790567416"/>
-          <c:y val="0.88659321745048891"/>
-          <c:w val="0.48997450413346699"/>
-          <c:h val="7.6369647196359691E-2"/>
-        </c:manualLayout>
-      </c:layout>
       <c:overlay val="0"/>
       <c:spPr>
         <a:noFill/>
@@ -506,8 +512,8 @@
         <a:bodyPr rot="0" spcFirstLastPara="1" vertOverflow="ellipsis" vert="horz" wrap="square" anchor="ctr" anchorCtr="1"/>
         <a:lstStyle/>
         <a:p>
-          <a:pPr rtl="0">
-            <a:defRPr sz="900" b="0" i="0" u="none" strike="noStrike" kern="1200" baseline="0">
+          <a:pPr>
+            <a:defRPr sz="1197" b="0" i="0" u="none" strike="noStrike" kern="1200" baseline="0">
               <a:solidFill>
                 <a:schemeClr val="tx1">
                   <a:lumMod val="65000"/>
@@ -544,7 +550,7 @@
       <a:endParaRPr lang="en-US"/>
     </a:p>
   </c:txPr>
-  <c:externalData r:id="rId4">
+  <c:externalData r:id="rId3">
     <c:autoUpdate val="0"/>
   </c:externalData>
 </c:chartSpace>
@@ -602,7 +608,7 @@
         <a:lumOff val="35000"/>
       </a:schemeClr>
     </cs:fontRef>
-    <cs:defRPr sz="1000" kern="1200"/>
+    <cs:defRPr sz="1330" kern="1200"/>
   </cs:axisTitle>
   <cs:categoryAxis>
     <cs:lnRef idx="0"/>
@@ -625,7 +631,7 @@
         <a:round/>
       </a:ln>
     </cs:spPr>
-    <cs:defRPr sz="900" kern="1200"/>
+    <cs:defRPr sz="1197" kern="1200"/>
   </cs:categoryAxis>
   <cs:chartArea mods="allowNoFillOverride allowNoLineOverride">
     <cs:lnRef idx="0"/>
@@ -648,7 +654,7 @@
         <a:round/>
       </a:ln>
     </cs:spPr>
-    <cs:defRPr sz="900" kern="1200"/>
+    <cs:defRPr sz="1197" kern="1200"/>
   </cs:chartArea>
   <cs:dataLabel>
     <cs:lnRef idx="0"/>
@@ -660,7 +666,7 @@
         <a:lumOff val="25000"/>
       </a:schemeClr>
     </cs:fontRef>
-    <cs:defRPr sz="900" kern="1200"/>
+    <cs:defRPr sz="1197" kern="1200"/>
   </cs:dataLabel>
   <cs:dataLabelCallout>
     <cs:lnRef idx="0"/>
@@ -685,7 +691,7 @@
         </a:solidFill>
       </a:ln>
     </cs:spPr>
-    <cs:defRPr sz="900" kern="1200"/>
+    <cs:defRPr sz="1197" kern="1200"/>
     <cs:bodyPr rot="0" spcFirstLastPara="1" vertOverflow="clip" horzOverflow="clip" vert="horz" wrap="square" lIns="36576" tIns="18288" rIns="36576" bIns="18288" anchor="ctr" anchorCtr="1">
       <a:spAutoFit/>
     </cs:bodyPr>
@@ -802,7 +808,7 @@
         <a:round/>
       </a:ln>
     </cs:spPr>
-    <cs:defRPr sz="900" kern="1200"/>
+    <cs:defRPr sz="1197" kern="1200"/>
   </cs:dataTable>
   <cs:downBar>
     <cs:lnRef idx="0"/>
@@ -967,7 +973,7 @@
         <a:lumOff val="35000"/>
       </a:schemeClr>
     </cs:fontRef>
-    <cs:defRPr sz="900" kern="1200"/>
+    <cs:defRPr sz="1197" kern="1200"/>
   </cs:legend>
   <cs:plotArea mods="allowNoFillOverride allowNoLineOverride">
     <cs:lnRef idx="0"/>
@@ -995,7 +1001,7 @@
         <a:lumOff val="35000"/>
       </a:schemeClr>
     </cs:fontRef>
-    <cs:defRPr sz="900" kern="1200"/>
+    <cs:defRPr sz="1197" kern="1200"/>
   </cs:seriesAxis>
   <cs:seriesLine>
     <cs:lnRef idx="0"/>
@@ -1026,7 +1032,7 @@
         <a:lumOff val="35000"/>
       </a:schemeClr>
     </cs:fontRef>
-    <cs:defRPr sz="1400" b="0" kern="1200" spc="0" baseline="0"/>
+    <cs:defRPr sz="1862" b="0" kern="1200" spc="0" baseline="0"/>
   </cs:title>
   <cs:trendline>
     <cs:lnRef idx="0">
@@ -1056,7 +1062,7 @@
         <a:lumOff val="35000"/>
       </a:schemeClr>
     </cs:fontRef>
-    <cs:defRPr sz="900" kern="1200"/>
+    <cs:defRPr sz="1197" kern="1200"/>
   </cs:trendlineLabel>
   <cs:upBar>
     <cs:lnRef idx="0"/>
@@ -1090,7 +1096,7 @@
         <a:lumOff val="35000"/>
       </a:schemeClr>
     </cs:fontRef>
-    <cs:defRPr sz="900" kern="1200"/>
+    <cs:defRPr sz="1197" kern="1200"/>
   </cs:valueAxis>
   <cs:wall>
     <cs:lnRef idx="0"/>
@@ -6488,7 +6494,7 @@
         </p:blipFill>
         <p:spPr>
           <a:xfrm>
-            <a:off x="1411448" y="1511402"/>
+            <a:off x="1391993" y="587275"/>
             <a:ext cx="6096699" cy="3400948"/>
           </a:xfrm>
           <a:prstGeom prst="rect">
@@ -6496,6 +6502,271 @@
           </a:prstGeom>
         </p:spPr>
       </p:pic>
+      <p:sp>
+        <p:nvSpPr>
+          <p:cNvPr id="3" name="Subtitle 2"/>
+          <p:cNvSpPr txBox="1">
+            <a:spLocks/>
+          </p:cNvSpPr>
+          <p:nvPr/>
+        </p:nvSpPr>
+        <p:spPr>
+          <a:xfrm>
+            <a:off x="630692" y="4250889"/>
+            <a:ext cx="6858000" cy="1750484"/>
+          </a:xfrm>
+          <a:prstGeom prst="rect">
+            <a:avLst/>
+          </a:prstGeom>
+        </p:spPr>
+        <p:txBody>
+          <a:bodyPr vert="horz" lIns="91440" tIns="45720" rIns="91440" bIns="45720" rtlCol="0" anchor="ctr">
+            <a:normAutofit/>
+          </a:bodyPr>
+          <a:lstStyle>
+            <a:lvl1pPr marL="285750" indent="-285750" algn="l" defTabSz="457200" rtl="0" eaLnBrk="1" latinLnBrk="0" hangingPunct="1">
+              <a:spcBef>
+                <a:spcPct val="20000"/>
+              </a:spcBef>
+              <a:spcAft>
+                <a:spcPts val="600"/>
+              </a:spcAft>
+              <a:buClr>
+                <a:schemeClr val="tx1"/>
+              </a:buClr>
+              <a:buSzPct val="80000"/>
+              <a:buFont typeface="Wingdings 3" panose="05040102010807070707" pitchFamily="18" charset="2"/>
+              <a:buChar char=""/>
+              <a:defRPr sz="2000" kern="1200" cap="none">
+                <a:solidFill>
+                  <a:schemeClr val="bg2">
+                    <a:lumMod val="75000"/>
+                  </a:schemeClr>
+                </a:solidFill>
+                <a:effectLst/>
+                <a:latin typeface="+mn-lt"/>
+                <a:ea typeface="+mn-ea"/>
+                <a:cs typeface="+mn-cs"/>
+              </a:defRPr>
+            </a:lvl1pPr>
+            <a:lvl2pPr marL="742950" indent="-285750" algn="l" defTabSz="457200" rtl="0" eaLnBrk="1" latinLnBrk="0" hangingPunct="1">
+              <a:spcBef>
+                <a:spcPct val="20000"/>
+              </a:spcBef>
+              <a:spcAft>
+                <a:spcPts val="600"/>
+              </a:spcAft>
+              <a:buClr>
+                <a:schemeClr val="tx1"/>
+              </a:buClr>
+              <a:buSzPct val="80000"/>
+              <a:buFont typeface="Wingdings 3" panose="05040102010807070707" pitchFamily="18" charset="2"/>
+              <a:buChar char=""/>
+              <a:defRPr sz="1800" kern="1200" cap="none">
+                <a:solidFill>
+                  <a:schemeClr val="bg2">
+                    <a:lumMod val="75000"/>
+                  </a:schemeClr>
+                </a:solidFill>
+                <a:effectLst/>
+                <a:latin typeface="+mn-lt"/>
+                <a:ea typeface="+mn-ea"/>
+                <a:cs typeface="+mn-cs"/>
+              </a:defRPr>
+            </a:lvl2pPr>
+            <a:lvl3pPr marL="1200150" indent="-285750" algn="l" defTabSz="457200" rtl="0" eaLnBrk="1" latinLnBrk="0" hangingPunct="1">
+              <a:spcBef>
+                <a:spcPct val="20000"/>
+              </a:spcBef>
+              <a:spcAft>
+                <a:spcPts val="600"/>
+              </a:spcAft>
+              <a:buClr>
+                <a:schemeClr val="tx1"/>
+              </a:buClr>
+              <a:buSzPct val="80000"/>
+              <a:buFont typeface="Wingdings 3" panose="05040102010807070707" pitchFamily="18" charset="2"/>
+              <a:buChar char=""/>
+              <a:defRPr sz="1600" kern="1200" cap="none">
+                <a:solidFill>
+                  <a:schemeClr val="bg2">
+                    <a:lumMod val="75000"/>
+                  </a:schemeClr>
+                </a:solidFill>
+                <a:effectLst/>
+                <a:latin typeface="+mn-lt"/>
+                <a:ea typeface="+mn-ea"/>
+                <a:cs typeface="+mn-cs"/>
+              </a:defRPr>
+            </a:lvl3pPr>
+            <a:lvl4pPr marL="1543050" indent="-171450" algn="l" defTabSz="457200" rtl="0" eaLnBrk="1" latinLnBrk="0" hangingPunct="1">
+              <a:spcBef>
+                <a:spcPct val="20000"/>
+              </a:spcBef>
+              <a:spcAft>
+                <a:spcPts val="600"/>
+              </a:spcAft>
+              <a:buClr>
+                <a:schemeClr val="tx1"/>
+              </a:buClr>
+              <a:buSzPct val="80000"/>
+              <a:buFont typeface="Wingdings 3" panose="05040102010807070707" pitchFamily="18" charset="2"/>
+              <a:buChar char=""/>
+              <a:defRPr sz="1400" kern="1200" cap="none">
+                <a:solidFill>
+                  <a:schemeClr val="bg2">
+                    <a:lumMod val="75000"/>
+                  </a:schemeClr>
+                </a:solidFill>
+                <a:effectLst/>
+                <a:latin typeface="+mn-lt"/>
+                <a:ea typeface="+mn-ea"/>
+                <a:cs typeface="+mn-cs"/>
+              </a:defRPr>
+            </a:lvl4pPr>
+            <a:lvl5pPr marL="2000250" indent="-171450" algn="l" defTabSz="457200" rtl="0" eaLnBrk="1" latinLnBrk="0" hangingPunct="1">
+              <a:spcBef>
+                <a:spcPct val="20000"/>
+              </a:spcBef>
+              <a:spcAft>
+                <a:spcPts val="600"/>
+              </a:spcAft>
+              <a:buClr>
+                <a:schemeClr val="tx1"/>
+              </a:buClr>
+              <a:buSzPct val="80000"/>
+              <a:buFont typeface="Wingdings 3" panose="05040102010807070707" pitchFamily="18" charset="2"/>
+              <a:buChar char=""/>
+              <a:defRPr sz="1400" kern="1200" cap="none">
+                <a:solidFill>
+                  <a:schemeClr val="bg2">
+                    <a:lumMod val="75000"/>
+                  </a:schemeClr>
+                </a:solidFill>
+                <a:effectLst/>
+                <a:latin typeface="+mn-lt"/>
+                <a:ea typeface="+mn-ea"/>
+                <a:cs typeface="+mn-cs"/>
+              </a:defRPr>
+            </a:lvl5pPr>
+            <a:lvl6pPr marL="2514600" indent="-228600" algn="l" defTabSz="457200" rtl="0" eaLnBrk="1" latinLnBrk="0" hangingPunct="1">
+              <a:spcBef>
+                <a:spcPct val="20000"/>
+              </a:spcBef>
+              <a:spcAft>
+                <a:spcPts val="600"/>
+              </a:spcAft>
+              <a:buClr>
+                <a:schemeClr val="tx1"/>
+              </a:buClr>
+              <a:buSzPct val="80000"/>
+              <a:buFont typeface="Wingdings 3" panose="05040102010807070707" pitchFamily="18" charset="2"/>
+              <a:buChar char=""/>
+              <a:defRPr sz="1400" kern="1200" cap="none">
+                <a:solidFill>
+                  <a:schemeClr val="bg2">
+                    <a:lumMod val="75000"/>
+                  </a:schemeClr>
+                </a:solidFill>
+                <a:effectLst/>
+                <a:latin typeface="+mn-lt"/>
+                <a:ea typeface="+mn-ea"/>
+                <a:cs typeface="+mn-cs"/>
+              </a:defRPr>
+            </a:lvl6pPr>
+            <a:lvl7pPr marL="2971800" indent="-228600" algn="l" defTabSz="457200" rtl="0" eaLnBrk="1" latinLnBrk="0" hangingPunct="1">
+              <a:spcBef>
+                <a:spcPct val="20000"/>
+              </a:spcBef>
+              <a:spcAft>
+                <a:spcPts val="600"/>
+              </a:spcAft>
+              <a:buClr>
+                <a:schemeClr val="tx1"/>
+              </a:buClr>
+              <a:buSzPct val="80000"/>
+              <a:buFont typeface="Wingdings 3" panose="05040102010807070707" pitchFamily="18" charset="2"/>
+              <a:buChar char=""/>
+              <a:defRPr sz="1400" kern="1200" cap="none">
+                <a:solidFill>
+                  <a:schemeClr val="bg2">
+                    <a:lumMod val="75000"/>
+                  </a:schemeClr>
+                </a:solidFill>
+                <a:effectLst/>
+                <a:latin typeface="+mn-lt"/>
+                <a:ea typeface="+mn-ea"/>
+                <a:cs typeface="+mn-cs"/>
+              </a:defRPr>
+            </a:lvl7pPr>
+            <a:lvl8pPr marL="3429000" indent="-228600" algn="l" defTabSz="457200" rtl="0" eaLnBrk="1" latinLnBrk="0" hangingPunct="1">
+              <a:spcBef>
+                <a:spcPct val="20000"/>
+              </a:spcBef>
+              <a:spcAft>
+                <a:spcPts val="600"/>
+              </a:spcAft>
+              <a:buClr>
+                <a:schemeClr val="tx1"/>
+              </a:buClr>
+              <a:buSzPct val="80000"/>
+              <a:buFont typeface="Wingdings 3" panose="05040102010807070707" pitchFamily="18" charset="2"/>
+              <a:buChar char=""/>
+              <a:defRPr sz="1400" kern="1200" cap="none">
+                <a:solidFill>
+                  <a:schemeClr val="bg2">
+                    <a:lumMod val="75000"/>
+                  </a:schemeClr>
+                </a:solidFill>
+                <a:effectLst/>
+                <a:latin typeface="+mn-lt"/>
+                <a:ea typeface="+mn-ea"/>
+                <a:cs typeface="+mn-cs"/>
+              </a:defRPr>
+            </a:lvl8pPr>
+            <a:lvl9pPr marL="3886200" indent="-228600" algn="l" defTabSz="457200" rtl="0" eaLnBrk="1" latinLnBrk="0" hangingPunct="1">
+              <a:spcBef>
+                <a:spcPct val="20000"/>
+              </a:spcBef>
+              <a:spcAft>
+                <a:spcPts val="600"/>
+              </a:spcAft>
+              <a:buClr>
+                <a:schemeClr val="tx1"/>
+              </a:buClr>
+              <a:buSzPct val="80000"/>
+              <a:buFont typeface="Wingdings 3" panose="05040102010807070707" pitchFamily="18" charset="2"/>
+              <a:buChar char=""/>
+              <a:defRPr sz="1400" kern="1200" cap="none">
+                <a:solidFill>
+                  <a:schemeClr val="bg2">
+                    <a:lumMod val="75000"/>
+                  </a:schemeClr>
+                </a:solidFill>
+                <a:effectLst/>
+                <a:latin typeface="+mn-lt"/>
+                <a:ea typeface="+mn-ea"/>
+                <a:cs typeface="+mn-cs"/>
+              </a:defRPr>
+            </a:lvl9pPr>
+          </a:lstStyle>
+          <a:p>
+            <a:pPr marL="0" indent="0">
+              <a:buNone/>
+            </a:pPr>
+            <a:r>
+              <a:rPr lang="en-GB" dirty="0">
+                <a:solidFill>
+                  <a:schemeClr val="tx1">
+                    <a:lumMod val="75000"/>
+                  </a:schemeClr>
+                </a:solidFill>
+              </a:rPr>
+              <a:t>http://artbud.pythonanywhere.com/artbud/</a:t>
+            </a:r>
+          </a:p>
+        </p:txBody>
+      </p:sp>
     </p:spTree>
     <p:extLst>
       <p:ext uri="{BB962C8B-B14F-4D97-AF65-F5344CB8AC3E}">
@@ -6694,19 +6965,37 @@
           <a:lstStyle/>
           <a:p>
             <a:r>
-              <a:rPr lang="en-GB" dirty="0"/>
+              <a:rPr lang="en-GB" dirty="0">
+                <a:solidFill>
+                  <a:schemeClr val="tx1">
+                    <a:lumMod val="85000"/>
+                  </a:schemeClr>
+                </a:solidFill>
+              </a:rPr>
               <a:t>Artbud is a place for people to sign up and then upload their artwork, be it sculptures, photographs, paintings, etc. </a:t>
             </a:r>
           </a:p>
           <a:p>
             <a:r>
-              <a:rPr lang="en-GB" dirty="0"/>
+              <a:rPr lang="en-GB" dirty="0">
+                <a:solidFill>
+                  <a:schemeClr val="tx1">
+                    <a:lumMod val="85000"/>
+                  </a:schemeClr>
+                </a:solidFill>
+              </a:rPr>
               <a:t>The artist can write a description for their artwork and set a suggested price.</a:t>
             </a:r>
           </a:p>
           <a:p>
             <a:r>
-              <a:rPr lang="en-GB" dirty="0"/>
+              <a:rPr lang="en-GB" dirty="0">
+                <a:solidFill>
+                  <a:schemeClr val="tx1">
+                    <a:lumMod val="85000"/>
+                  </a:schemeClr>
+                </a:solidFill>
+              </a:rPr>
               <a:t>Others can then view art if they too are logged in and can contact the artist using the email address the artist used on signing up which is automatically displayed on their profile page.</a:t>
             </a:r>
           </a:p>
@@ -6754,7 +7043,7 @@
             <p:ph idx="1"/>
             <p:extLst>
               <p:ext uri="{D42A27DB-BD31-4B8C-83A1-F6EECF244321}">
-                <p14:modId xmlns:p14="http://schemas.microsoft.com/office/powerpoint/2010/main" val="196801457"/>
+                <p14:modId xmlns:p14="http://schemas.microsoft.com/office/powerpoint/2010/main" val="3415423442"/>
               </p:ext>
             </p:extLst>
           </p:nvPr>
@@ -7151,8 +7440,8 @@
         </p:nvCxnSpPr>
         <p:spPr>
           <a:xfrm flipV="1">
-            <a:off x="1926501" y="880783"/>
-            <a:ext cx="920038" cy="597267"/>
+            <a:off x="1741251" y="880784"/>
+            <a:ext cx="1105288" cy="529727"/>
           </a:xfrm>
           <a:prstGeom prst="straightConnector1">
             <a:avLst/>
@@ -7191,8 +7480,8 @@
         </p:nvCxnSpPr>
         <p:spPr>
           <a:xfrm flipV="1">
-            <a:off x="2163807" y="865767"/>
-            <a:ext cx="2613736" cy="1178653"/>
+            <a:off x="2013626" y="865768"/>
+            <a:ext cx="2763917" cy="1245134"/>
           </a:xfrm>
           <a:prstGeom prst="straightConnector1">
             <a:avLst/>
@@ -8237,142 +8526,6 @@
 </p:sld>
 </file>
 
-<file path=ppt/slides/slide7.xml><?xml version="1.0" encoding="utf-8"?>
-<p:sld xmlns:a="http://schemas.openxmlformats.org/drawingml/2006/main" xmlns:r="http://schemas.openxmlformats.org/officeDocument/2006/relationships" xmlns:p="http://schemas.openxmlformats.org/presentationml/2006/main">
-  <p:cSld>
-    <p:spTree>
-      <p:nvGrpSpPr>
-        <p:cNvPr id="1" name=""/>
-        <p:cNvGrpSpPr/>
-        <p:nvPr/>
-      </p:nvGrpSpPr>
-      <p:grpSpPr>
-        <a:xfrm>
-          <a:off x="0" y="0"/>
-          <a:ext cx="0" cy="0"/>
-          <a:chOff x="0" y="0"/>
-          <a:chExt cx="0" cy="0"/>
-        </a:xfrm>
-      </p:grpSpPr>
-      <p:sp>
-        <p:nvSpPr>
-          <p:cNvPr id="2" name="Title 1"/>
-          <p:cNvSpPr>
-            <a:spLocks noGrp="1"/>
-          </p:cNvSpPr>
-          <p:nvPr>
-            <p:ph type="title"/>
-          </p:nvPr>
-        </p:nvSpPr>
-        <p:spPr/>
-        <p:txBody>
-          <a:bodyPr/>
-          <a:lstStyle/>
-          <a:p>
-            <a:endParaRPr lang="en-GB"/>
-          </a:p>
-        </p:txBody>
-      </p:sp>
-      <p:sp>
-        <p:nvSpPr>
-          <p:cNvPr id="3" name="Content Placeholder 2"/>
-          <p:cNvSpPr>
-            <a:spLocks noGrp="1"/>
-          </p:cNvSpPr>
-          <p:nvPr>
-            <p:ph idx="1"/>
-          </p:nvPr>
-        </p:nvSpPr>
-        <p:spPr/>
-        <p:txBody>
-          <a:bodyPr/>
-          <a:lstStyle/>
-          <a:p>
-            <a:endParaRPr lang="en-GB"/>
-          </a:p>
-        </p:txBody>
-      </p:sp>
-    </p:spTree>
-    <p:extLst>
-      <p:ext uri="{BB962C8B-B14F-4D97-AF65-F5344CB8AC3E}">
-        <p14:creationId xmlns:p14="http://schemas.microsoft.com/office/powerpoint/2010/main" val="388545785"/>
-      </p:ext>
-    </p:extLst>
-  </p:cSld>
-  <p:clrMapOvr>
-    <a:masterClrMapping/>
-  </p:clrMapOvr>
-</p:sld>
-</file>
-
-<file path=ppt/slides/slide8.xml><?xml version="1.0" encoding="utf-8"?>
-<p:sld xmlns:a="http://schemas.openxmlformats.org/drawingml/2006/main" xmlns:r="http://schemas.openxmlformats.org/officeDocument/2006/relationships" xmlns:p="http://schemas.openxmlformats.org/presentationml/2006/main">
-  <p:cSld>
-    <p:spTree>
-      <p:nvGrpSpPr>
-        <p:cNvPr id="1" name=""/>
-        <p:cNvGrpSpPr/>
-        <p:nvPr/>
-      </p:nvGrpSpPr>
-      <p:grpSpPr>
-        <a:xfrm>
-          <a:off x="0" y="0"/>
-          <a:ext cx="0" cy="0"/>
-          <a:chOff x="0" y="0"/>
-          <a:chExt cx="0" cy="0"/>
-        </a:xfrm>
-      </p:grpSpPr>
-      <p:sp>
-        <p:nvSpPr>
-          <p:cNvPr id="2" name="Title 1"/>
-          <p:cNvSpPr>
-            <a:spLocks noGrp="1"/>
-          </p:cNvSpPr>
-          <p:nvPr>
-            <p:ph type="title"/>
-          </p:nvPr>
-        </p:nvSpPr>
-        <p:spPr/>
-        <p:txBody>
-          <a:bodyPr/>
-          <a:lstStyle/>
-          <a:p>
-            <a:endParaRPr lang="en-GB"/>
-          </a:p>
-        </p:txBody>
-      </p:sp>
-      <p:sp>
-        <p:nvSpPr>
-          <p:cNvPr id="3" name="Content Placeholder 2"/>
-          <p:cNvSpPr>
-            <a:spLocks noGrp="1"/>
-          </p:cNvSpPr>
-          <p:nvPr>
-            <p:ph idx="1"/>
-          </p:nvPr>
-        </p:nvSpPr>
-        <p:spPr/>
-        <p:txBody>
-          <a:bodyPr/>
-          <a:lstStyle/>
-          <a:p>
-            <a:endParaRPr lang="en-GB"/>
-          </a:p>
-        </p:txBody>
-      </p:sp>
-    </p:spTree>
-    <p:extLst>
-      <p:ext uri="{BB962C8B-B14F-4D97-AF65-F5344CB8AC3E}">
-        <p14:creationId xmlns:p14="http://schemas.microsoft.com/office/powerpoint/2010/main" val="356781965"/>
-      </p:ext>
-    </p:extLst>
-  </p:cSld>
-  <p:clrMapOvr>
-    <a:masterClrMapping/>
-  </p:clrMapOvr>
-</p:sld>
-</file>
-
 <file path=ppt/theme/theme1.xml><?xml version="1.0" encoding="utf-8"?>
 <a:theme xmlns:a="http://schemas.openxmlformats.org/drawingml/2006/main" name="Slice">
   <a:themeElements>
@@ -8645,290 +8798,4 @@
     </a:ext>
   </a:extLst>
 </a:theme>
-</file>
-
-<file path=ppt/theme/themeOverride1.xml><?xml version="1.0" encoding="utf-8"?>
-<a:themeOverride xmlns:a="http://schemas.openxmlformats.org/drawingml/2006/main">
-  <a:clrScheme name="Office">
-    <a:dk1>
-      <a:sysClr val="windowText" lastClr="000000"/>
-    </a:dk1>
-    <a:lt1>
-      <a:sysClr val="window" lastClr="FFFFFF"/>
-    </a:lt1>
-    <a:dk2>
-      <a:srgbClr val="44546A"/>
-    </a:dk2>
-    <a:lt2>
-      <a:srgbClr val="E7E6E6"/>
-    </a:lt2>
-    <a:accent1>
-      <a:srgbClr val="4472C4"/>
-    </a:accent1>
-    <a:accent2>
-      <a:srgbClr val="ED7D31"/>
-    </a:accent2>
-    <a:accent3>
-      <a:srgbClr val="A5A5A5"/>
-    </a:accent3>
-    <a:accent4>
-      <a:srgbClr val="FFC000"/>
-    </a:accent4>
-    <a:accent5>
-      <a:srgbClr val="5B9BD5"/>
-    </a:accent5>
-    <a:accent6>
-      <a:srgbClr val="70AD47"/>
-    </a:accent6>
-    <a:hlink>
-      <a:srgbClr val="0563C1"/>
-    </a:hlink>
-    <a:folHlink>
-      <a:srgbClr val="954F72"/>
-    </a:folHlink>
-  </a:clrScheme>
-  <a:fontScheme name="Office">
-    <a:majorFont>
-      <a:latin typeface="Calibri Light" panose="020F0302020204030204"/>
-      <a:ea typeface=""/>
-      <a:cs typeface=""/>
-      <a:font script="Jpan" typeface="游ゴシック Light"/>
-      <a:font script="Hang" typeface="맑은 고딕"/>
-      <a:font script="Hans" typeface="等线 Light"/>
-      <a:font script="Hant" typeface="新細明體"/>
-      <a:font script="Arab" typeface="Times New Roman"/>
-      <a:font script="Hebr" typeface="Times New Roman"/>
-      <a:font script="Thai" typeface="Tahoma"/>
-      <a:font script="Ethi" typeface="Nyala"/>
-      <a:font script="Beng" typeface="Vrinda"/>
-      <a:font script="Gujr" typeface="Shruti"/>
-      <a:font script="Khmr" typeface="MoolBoran"/>
-      <a:font script="Knda" typeface="Tunga"/>
-      <a:font script="Guru" typeface="Raavi"/>
-      <a:font script="Cans" typeface="Euphemia"/>
-      <a:font script="Cher" typeface="Plantagenet Cherokee"/>
-      <a:font script="Yiii" typeface="Microsoft Yi Baiti"/>
-      <a:font script="Tibt" typeface="Microsoft Himalaya"/>
-      <a:font script="Thaa" typeface="MV Boli"/>
-      <a:font script="Deva" typeface="Mangal"/>
-      <a:font script="Telu" typeface="Gautami"/>
-      <a:font script="Taml" typeface="Latha"/>
-      <a:font script="Syrc" typeface="Estrangelo Edessa"/>
-      <a:font script="Orya" typeface="Kalinga"/>
-      <a:font script="Mlym" typeface="Kartika"/>
-      <a:font script="Laoo" typeface="DokChampa"/>
-      <a:font script="Sinh" typeface="Iskoola Pota"/>
-      <a:font script="Mong" typeface="Mongolian Baiti"/>
-      <a:font script="Viet" typeface="Times New Roman"/>
-      <a:font script="Uigh" typeface="Microsoft Uighur"/>
-      <a:font script="Geor" typeface="Sylfaen"/>
-      <a:font script="Armn" typeface="Arial"/>
-      <a:font script="Bugi" typeface="Leelawadee UI"/>
-      <a:font script="Bopo" typeface="Microsoft JhengHei"/>
-      <a:font script="Java" typeface="Javanese Text"/>
-      <a:font script="Lisu" typeface="Segoe UI"/>
-      <a:font script="Mymr" typeface="Myanmar Text"/>
-      <a:font script="Nkoo" typeface="Ebrima"/>
-      <a:font script="Olck" typeface="Nirmala UI"/>
-      <a:font script="Osma" typeface="Ebrima"/>
-      <a:font script="Phag" typeface="Phagspa"/>
-      <a:font script="Syrn" typeface="Estrangelo Edessa"/>
-      <a:font script="Syrj" typeface="Estrangelo Edessa"/>
-      <a:font script="Syre" typeface="Estrangelo Edessa"/>
-      <a:font script="Sora" typeface="Nirmala UI"/>
-      <a:font script="Tale" typeface="Microsoft Tai Le"/>
-      <a:font script="Talu" typeface="Microsoft New Tai Lue"/>
-      <a:font script="Tfng" typeface="Ebrima"/>
-    </a:majorFont>
-    <a:minorFont>
-      <a:latin typeface="Calibri" panose="020F0502020204030204"/>
-      <a:ea typeface=""/>
-      <a:cs typeface=""/>
-      <a:font script="Jpan" typeface="游ゴシック"/>
-      <a:font script="Hang" typeface="맑은 고딕"/>
-      <a:font script="Hans" typeface="等线"/>
-      <a:font script="Hant" typeface="新細明體"/>
-      <a:font script="Arab" typeface="Arial"/>
-      <a:font script="Hebr" typeface="Arial"/>
-      <a:font script="Thai" typeface="Tahoma"/>
-      <a:font script="Ethi" typeface="Nyala"/>
-      <a:font script="Beng" typeface="Vrinda"/>
-      <a:font script="Gujr" typeface="Shruti"/>
-      <a:font script="Khmr" typeface="DaunPenh"/>
-      <a:font script="Knda" typeface="Tunga"/>
-      <a:font script="Guru" typeface="Raavi"/>
-      <a:font script="Cans" typeface="Euphemia"/>
-      <a:font script="Cher" typeface="Plantagenet Cherokee"/>
-      <a:font script="Yiii" typeface="Microsoft Yi Baiti"/>
-      <a:font script="Tibt" typeface="Microsoft Himalaya"/>
-      <a:font script="Thaa" typeface="MV Boli"/>
-      <a:font script="Deva" typeface="Mangal"/>
-      <a:font script="Telu" typeface="Gautami"/>
-      <a:font script="Taml" typeface="Latha"/>
-      <a:font script="Syrc" typeface="Estrangelo Edessa"/>
-      <a:font script="Orya" typeface="Kalinga"/>
-      <a:font script="Mlym" typeface="Kartika"/>
-      <a:font script="Laoo" typeface="DokChampa"/>
-      <a:font script="Sinh" typeface="Iskoola Pota"/>
-      <a:font script="Mong" typeface="Mongolian Baiti"/>
-      <a:font script="Viet" typeface="Arial"/>
-      <a:font script="Uigh" typeface="Microsoft Uighur"/>
-      <a:font script="Geor" typeface="Sylfaen"/>
-      <a:font script="Armn" typeface="Arial"/>
-      <a:font script="Bugi" typeface="Leelawadee UI"/>
-      <a:font script="Bopo" typeface="Microsoft JhengHei"/>
-      <a:font script="Java" typeface="Javanese Text"/>
-      <a:font script="Lisu" typeface="Segoe UI"/>
-      <a:font script="Mymr" typeface="Myanmar Text"/>
-      <a:font script="Nkoo" typeface="Ebrima"/>
-      <a:font script="Olck" typeface="Nirmala UI"/>
-      <a:font script="Osma" typeface="Ebrima"/>
-      <a:font script="Phag" typeface="Phagspa"/>
-      <a:font script="Syrn" typeface="Estrangelo Edessa"/>
-      <a:font script="Syrj" typeface="Estrangelo Edessa"/>
-      <a:font script="Syre" typeface="Estrangelo Edessa"/>
-      <a:font script="Sora" typeface="Nirmala UI"/>
-      <a:font script="Tale" typeface="Microsoft Tai Le"/>
-      <a:font script="Talu" typeface="Microsoft New Tai Lue"/>
-      <a:font script="Tfng" typeface="Ebrima"/>
-    </a:minorFont>
-  </a:fontScheme>
-  <a:fmtScheme name="Office">
-    <a:fillStyleLst>
-      <a:solidFill>
-        <a:schemeClr val="phClr"/>
-      </a:solidFill>
-      <a:gradFill rotWithShape="1">
-        <a:gsLst>
-          <a:gs pos="0">
-            <a:schemeClr val="phClr">
-              <a:lumMod val="110000"/>
-              <a:satMod val="105000"/>
-              <a:tint val="67000"/>
-            </a:schemeClr>
-          </a:gs>
-          <a:gs pos="50000">
-            <a:schemeClr val="phClr">
-              <a:lumMod val="105000"/>
-              <a:satMod val="103000"/>
-              <a:tint val="73000"/>
-            </a:schemeClr>
-          </a:gs>
-          <a:gs pos="100000">
-            <a:schemeClr val="phClr">
-              <a:lumMod val="105000"/>
-              <a:satMod val="109000"/>
-              <a:tint val="81000"/>
-            </a:schemeClr>
-          </a:gs>
-        </a:gsLst>
-        <a:lin ang="5400000" scaled="0"/>
-      </a:gradFill>
-      <a:gradFill rotWithShape="1">
-        <a:gsLst>
-          <a:gs pos="0">
-            <a:schemeClr val="phClr">
-              <a:satMod val="103000"/>
-              <a:lumMod val="102000"/>
-              <a:tint val="94000"/>
-            </a:schemeClr>
-          </a:gs>
-          <a:gs pos="50000">
-            <a:schemeClr val="phClr">
-              <a:satMod val="110000"/>
-              <a:lumMod val="100000"/>
-              <a:shade val="100000"/>
-            </a:schemeClr>
-          </a:gs>
-          <a:gs pos="100000">
-            <a:schemeClr val="phClr">
-              <a:lumMod val="99000"/>
-              <a:satMod val="120000"/>
-              <a:shade val="78000"/>
-            </a:schemeClr>
-          </a:gs>
-        </a:gsLst>
-        <a:lin ang="5400000" scaled="0"/>
-      </a:gradFill>
-    </a:fillStyleLst>
-    <a:lnStyleLst>
-      <a:ln w="6350" cap="flat" cmpd="sng" algn="ctr">
-        <a:solidFill>
-          <a:schemeClr val="phClr"/>
-        </a:solidFill>
-        <a:prstDash val="solid"/>
-        <a:miter lim="800000"/>
-      </a:ln>
-      <a:ln w="12700" cap="flat" cmpd="sng" algn="ctr">
-        <a:solidFill>
-          <a:schemeClr val="phClr"/>
-        </a:solidFill>
-        <a:prstDash val="solid"/>
-        <a:miter lim="800000"/>
-      </a:ln>
-      <a:ln w="19050" cap="flat" cmpd="sng" algn="ctr">
-        <a:solidFill>
-          <a:schemeClr val="phClr"/>
-        </a:solidFill>
-        <a:prstDash val="solid"/>
-        <a:miter lim="800000"/>
-      </a:ln>
-    </a:lnStyleLst>
-    <a:effectStyleLst>
-      <a:effectStyle>
-        <a:effectLst/>
-      </a:effectStyle>
-      <a:effectStyle>
-        <a:effectLst/>
-      </a:effectStyle>
-      <a:effectStyle>
-        <a:effectLst>
-          <a:outerShdw blurRad="57150" dist="19050" dir="5400000" algn="ctr" rotWithShape="0">
-            <a:srgbClr val="000000">
-              <a:alpha val="63000"/>
-            </a:srgbClr>
-          </a:outerShdw>
-        </a:effectLst>
-      </a:effectStyle>
-    </a:effectStyleLst>
-    <a:bgFillStyleLst>
-      <a:solidFill>
-        <a:schemeClr val="phClr"/>
-      </a:solidFill>
-      <a:solidFill>
-        <a:schemeClr val="phClr">
-          <a:tint val="95000"/>
-          <a:satMod val="170000"/>
-        </a:schemeClr>
-      </a:solidFill>
-      <a:gradFill rotWithShape="1">
-        <a:gsLst>
-          <a:gs pos="0">
-            <a:schemeClr val="phClr">
-              <a:tint val="93000"/>
-              <a:satMod val="150000"/>
-              <a:shade val="98000"/>
-              <a:lumMod val="102000"/>
-            </a:schemeClr>
-          </a:gs>
-          <a:gs pos="50000">
-            <a:schemeClr val="phClr">
-              <a:tint val="98000"/>
-              <a:satMod val="130000"/>
-              <a:shade val="90000"/>
-              <a:lumMod val="103000"/>
-            </a:schemeClr>
-          </a:gs>
-          <a:gs pos="100000">
-            <a:schemeClr val="phClr">
-              <a:shade val="63000"/>
-              <a:satMod val="120000"/>
-            </a:schemeClr>
-          </a:gs>
-        </a:gsLst>
-        <a:lin ang="5400000" scaled="0"/>
-      </a:gradFill>
-    </a:bgFillStyleLst>
-  </a:fmtScheme>
-</a:themeOverride>
 </file>
--- a/presentation_material/powerpoint.pptx
+++ b/presentation_material/powerpoint.pptx
@@ -11,6 +11,10 @@
     <p:sldId id="263" r:id="rId5"/>
     <p:sldId id="258" r:id="rId6"/>
     <p:sldId id="259" r:id="rId7"/>
+    <p:sldId id="264" r:id="rId8"/>
+    <p:sldId id="266" r:id="rId9"/>
+    <p:sldId id="265" r:id="rId10"/>
+    <p:sldId id="267" r:id="rId11"/>
   </p:sldIdLst>
   <p:sldSz cx="9144000" cy="6858000" type="screen4x3"/>
   <p:notesSz cx="6858000" cy="9144000"/>
@@ -1496,7 +1500,7 @@
           <a:p>
             <a:fld id="{9447333A-8542-4DEB-A96F-D63023230355}" type="datetimeFigureOut">
               <a:rPr lang="en-GB" smtClean="0"/>
-              <a:t>22/03/2017</a:t>
+              <a:t>23/03/2017</a:t>
             </a:fld>
             <a:endParaRPr lang="en-GB"/>
           </a:p>
@@ -1762,7 +1766,7 @@
           <a:p>
             <a:fld id="{9447333A-8542-4DEB-A96F-D63023230355}" type="datetimeFigureOut">
               <a:rPr lang="en-GB" smtClean="0"/>
-              <a:t>22/03/2017</a:t>
+              <a:t>23/03/2017</a:t>
             </a:fld>
             <a:endParaRPr lang="en-GB"/>
           </a:p>
@@ -2012,7 +2016,7 @@
           <a:p>
             <a:fld id="{9447333A-8542-4DEB-A96F-D63023230355}" type="datetimeFigureOut">
               <a:rPr lang="en-GB" smtClean="0"/>
-              <a:t>22/03/2017</a:t>
+              <a:t>23/03/2017</a:t>
             </a:fld>
             <a:endParaRPr lang="en-GB"/>
           </a:p>
@@ -2320,7 +2324,7 @@
           <a:p>
             <a:fld id="{9447333A-8542-4DEB-A96F-D63023230355}" type="datetimeFigureOut">
               <a:rPr lang="en-GB" smtClean="0"/>
-              <a:t>22/03/2017</a:t>
+              <a:t>23/03/2017</a:t>
             </a:fld>
             <a:endParaRPr lang="en-GB"/>
           </a:p>
@@ -2638,7 +2642,7 @@
           <a:p>
             <a:fld id="{9447333A-8542-4DEB-A96F-D63023230355}" type="datetimeFigureOut">
               <a:rPr lang="en-GB" smtClean="0"/>
-              <a:t>22/03/2017</a:t>
+              <a:t>23/03/2017</a:t>
             </a:fld>
             <a:endParaRPr lang="en-GB"/>
           </a:p>
@@ -2940,7 +2944,7 @@
           <a:p>
             <a:fld id="{9447333A-8542-4DEB-A96F-D63023230355}" type="datetimeFigureOut">
               <a:rPr lang="en-GB" smtClean="0"/>
-              <a:t>22/03/2017</a:t>
+              <a:t>23/03/2017</a:t>
             </a:fld>
             <a:endParaRPr lang="en-GB"/>
           </a:p>
@@ -3307,7 +3311,7 @@
           <a:p>
             <a:fld id="{9447333A-8542-4DEB-A96F-D63023230355}" type="datetimeFigureOut">
               <a:rPr lang="en-GB" smtClean="0"/>
-              <a:t>22/03/2017</a:t>
+              <a:t>23/03/2017</a:t>
             </a:fld>
             <a:endParaRPr lang="en-GB"/>
           </a:p>
@@ -3493,7 +3497,7 @@
           <a:p>
             <a:fld id="{9447333A-8542-4DEB-A96F-D63023230355}" type="datetimeFigureOut">
               <a:rPr lang="en-GB" smtClean="0"/>
-              <a:t>22/03/2017</a:t>
+              <a:t>23/03/2017</a:t>
             </a:fld>
             <a:endParaRPr lang="en-GB"/>
           </a:p>
@@ -3679,7 +3683,7 @@
           <a:p>
             <a:fld id="{9447333A-8542-4DEB-A96F-D63023230355}" type="datetimeFigureOut">
               <a:rPr lang="en-GB" smtClean="0"/>
-              <a:t>22/03/2017</a:t>
+              <a:t>23/03/2017</a:t>
             </a:fld>
             <a:endParaRPr lang="en-GB"/>
           </a:p>
@@ -3859,7 +3863,7 @@
           <a:p>
             <a:fld id="{9447333A-8542-4DEB-A96F-D63023230355}" type="datetimeFigureOut">
               <a:rPr lang="en-GB" smtClean="0"/>
-              <a:t>22/03/2017</a:t>
+              <a:t>23/03/2017</a:t>
             </a:fld>
             <a:endParaRPr lang="en-GB"/>
           </a:p>
@@ -4109,7 +4113,7 @@
           <a:p>
             <a:fld id="{9447333A-8542-4DEB-A96F-D63023230355}" type="datetimeFigureOut">
               <a:rPr lang="en-GB" smtClean="0"/>
-              <a:t>22/03/2017</a:t>
+              <a:t>23/03/2017</a:t>
             </a:fld>
             <a:endParaRPr lang="en-GB"/>
           </a:p>
@@ -4356,7 +4360,7 @@
           <a:p>
             <a:fld id="{9447333A-8542-4DEB-A96F-D63023230355}" type="datetimeFigureOut">
               <a:rPr lang="en-GB" smtClean="0"/>
-              <a:t>22/03/2017</a:t>
+              <a:t>23/03/2017</a:t>
             </a:fld>
             <a:endParaRPr lang="en-GB"/>
           </a:p>
@@ -4745,7 +4749,7 @@
           <a:p>
             <a:fld id="{9447333A-8542-4DEB-A96F-D63023230355}" type="datetimeFigureOut">
               <a:rPr lang="en-GB" smtClean="0"/>
-              <a:t>22/03/2017</a:t>
+              <a:t>23/03/2017</a:t>
             </a:fld>
             <a:endParaRPr lang="en-GB"/>
           </a:p>
@@ -4874,7 +4878,7 @@
           <a:p>
             <a:fld id="{9447333A-8542-4DEB-A96F-D63023230355}" type="datetimeFigureOut">
               <a:rPr lang="en-GB" smtClean="0"/>
-              <a:t>22/03/2017</a:t>
+              <a:t>23/03/2017</a:t>
             </a:fld>
             <a:endParaRPr lang="en-GB"/>
           </a:p>
@@ -4969,7 +4973,7 @@
           <a:p>
             <a:fld id="{9447333A-8542-4DEB-A96F-D63023230355}" type="datetimeFigureOut">
               <a:rPr lang="en-GB" smtClean="0"/>
-              <a:t>22/03/2017</a:t>
+              <a:t>23/03/2017</a:t>
             </a:fld>
             <a:endParaRPr lang="en-GB"/>
           </a:p>
@@ -5224,7 +5228,7 @@
           <a:p>
             <a:fld id="{9447333A-8542-4DEB-A96F-D63023230355}" type="datetimeFigureOut">
               <a:rPr lang="en-GB" smtClean="0"/>
-              <a:t>22/03/2017</a:t>
+              <a:t>23/03/2017</a:t>
             </a:fld>
             <a:endParaRPr lang="en-GB"/>
           </a:p>
@@ -5507,7 +5511,7 @@
           <a:p>
             <a:fld id="{9447333A-8542-4DEB-A96F-D63023230355}" type="datetimeFigureOut">
               <a:rPr lang="en-GB" smtClean="0"/>
-              <a:t>22/03/2017</a:t>
+              <a:t>23/03/2017</a:t>
             </a:fld>
             <a:endParaRPr lang="en-GB"/>
           </a:p>
@@ -5918,7 +5922,7 @@
           <a:p>
             <a:fld id="{9447333A-8542-4DEB-A96F-D63023230355}" type="datetimeFigureOut">
               <a:rPr lang="en-GB" smtClean="0"/>
-              <a:t>22/03/2017</a:t>
+              <a:t>23/03/2017</a:t>
             </a:fld>
             <a:endParaRPr lang="en-GB"/>
           </a:p>
@@ -6780,6 +6784,263 @@
 </p:sld>
 </file>
 
+<file path=ppt/slides/slide10.xml><?xml version="1.0" encoding="utf-8"?>
+<p:sld xmlns:a="http://schemas.openxmlformats.org/drawingml/2006/main" xmlns:r="http://schemas.openxmlformats.org/officeDocument/2006/relationships" xmlns:p="http://schemas.openxmlformats.org/presentationml/2006/main">
+  <p:cSld>
+    <p:spTree>
+      <p:nvGrpSpPr>
+        <p:cNvPr id="1" name=""/>
+        <p:cNvGrpSpPr/>
+        <p:nvPr/>
+      </p:nvGrpSpPr>
+      <p:grpSpPr>
+        <a:xfrm>
+          <a:off x="0" y="0"/>
+          <a:ext cx="0" cy="0"/>
+          <a:chOff x="0" y="0"/>
+          <a:chExt cx="0" cy="0"/>
+        </a:xfrm>
+      </p:grpSpPr>
+      <p:pic>
+        <p:nvPicPr>
+          <p:cNvPr id="4" name="Picture 3"/>
+          <p:cNvPicPr>
+            <a:picLocks noChangeAspect="1"/>
+          </p:cNvPicPr>
+          <p:nvPr/>
+        </p:nvPicPr>
+        <p:blipFill>
+          <a:blip r:embed="rId2"/>
+          <a:stretch>
+            <a:fillRect/>
+          </a:stretch>
+        </p:blipFill>
+        <p:spPr>
+          <a:xfrm>
+            <a:off x="2227798" y="0"/>
+            <a:ext cx="6707354" cy="6858000"/>
+          </a:xfrm>
+          <a:prstGeom prst="rect">
+            <a:avLst/>
+          </a:prstGeom>
+        </p:spPr>
+      </p:pic>
+      <p:sp>
+        <p:nvSpPr>
+          <p:cNvPr id="5" name="TextBox 4"/>
+          <p:cNvSpPr txBox="1"/>
+          <p:nvPr/>
+        </p:nvSpPr>
+        <p:spPr>
+          <a:xfrm>
+            <a:off x="101643" y="148827"/>
+            <a:ext cx="2229444" cy="646331"/>
+          </a:xfrm>
+          <a:prstGeom prst="rect">
+            <a:avLst/>
+          </a:prstGeom>
+          <a:noFill/>
+        </p:spPr>
+        <p:txBody>
+          <a:bodyPr wrap="square" rtlCol="0">
+            <a:spAutoFit/>
+          </a:bodyPr>
+          <a:lstStyle/>
+          <a:p>
+            <a:r>
+              <a:rPr lang="en-GB" dirty="0"/>
+              <a:t>Home page from app</a:t>
+            </a:r>
+          </a:p>
+        </p:txBody>
+      </p:sp>
+      <p:sp>
+        <p:nvSpPr>
+          <p:cNvPr id="6" name="TextBox 5"/>
+          <p:cNvSpPr txBox="1"/>
+          <p:nvPr/>
+        </p:nvSpPr>
+        <p:spPr>
+          <a:xfrm>
+            <a:off x="211628" y="1484068"/>
+            <a:ext cx="1742619" cy="323165"/>
+          </a:xfrm>
+          <a:prstGeom prst="rect">
+            <a:avLst/>
+          </a:prstGeom>
+          <a:noFill/>
+        </p:spPr>
+        <p:txBody>
+          <a:bodyPr wrap="square" rtlCol="0">
+            <a:spAutoFit/>
+          </a:bodyPr>
+          <a:lstStyle/>
+          <a:p>
+            <a:r>
+              <a:rPr lang="en-GB" sz="1500" dirty="0">
+                <a:latin typeface="+mj-lt"/>
+              </a:rPr>
+              <a:t>Artbud logo</a:t>
+            </a:r>
+          </a:p>
+        </p:txBody>
+      </p:sp>
+      <p:sp>
+        <p:nvSpPr>
+          <p:cNvPr id="7" name="TextBox 6"/>
+          <p:cNvSpPr txBox="1"/>
+          <p:nvPr/>
+        </p:nvSpPr>
+        <p:spPr>
+          <a:xfrm>
+            <a:off x="211628" y="2234653"/>
+            <a:ext cx="1742619" cy="307777"/>
+          </a:xfrm>
+          <a:prstGeom prst="rect">
+            <a:avLst/>
+          </a:prstGeom>
+          <a:noFill/>
+        </p:spPr>
+        <p:txBody>
+          <a:bodyPr wrap="square" rtlCol="0">
+            <a:spAutoFit/>
+          </a:bodyPr>
+          <a:lstStyle/>
+          <a:p>
+            <a:r>
+              <a:rPr lang="en-GB" sz="1400" dirty="0">
+                <a:latin typeface="+mj-lt"/>
+              </a:rPr>
+              <a:t>Navigation bar</a:t>
+            </a:r>
+          </a:p>
+        </p:txBody>
+      </p:sp>
+      <p:sp>
+        <p:nvSpPr>
+          <p:cNvPr id="8" name="TextBox 7"/>
+          <p:cNvSpPr txBox="1"/>
+          <p:nvPr/>
+        </p:nvSpPr>
+        <p:spPr>
+          <a:xfrm>
+            <a:off x="211628" y="5280567"/>
+            <a:ext cx="2129004" cy="738664"/>
+          </a:xfrm>
+          <a:prstGeom prst="rect">
+            <a:avLst/>
+          </a:prstGeom>
+          <a:noFill/>
+        </p:spPr>
+        <p:txBody>
+          <a:bodyPr wrap="square" rtlCol="0">
+            <a:spAutoFit/>
+          </a:bodyPr>
+          <a:lstStyle/>
+          <a:p>
+            <a:r>
+              <a:rPr lang="en-GB" sz="1400" dirty="0">
+                <a:latin typeface="+mj-lt"/>
+              </a:rPr>
+              <a:t>Footer with tweets, about section,</a:t>
+            </a:r>
+            <a:br>
+              <a:rPr lang="en-GB" sz="1400" dirty="0">
+                <a:latin typeface="+mj-lt"/>
+              </a:rPr>
+            </a:br>
+            <a:r>
+              <a:rPr lang="en-GB" sz="1400" dirty="0">
+                <a:latin typeface="+mj-lt"/>
+              </a:rPr>
+              <a:t>and contact</a:t>
+            </a:r>
+          </a:p>
+        </p:txBody>
+      </p:sp>
+      <p:sp>
+        <p:nvSpPr>
+          <p:cNvPr id="9" name="TextBox 8"/>
+          <p:cNvSpPr txBox="1"/>
+          <p:nvPr/>
+        </p:nvSpPr>
+        <p:spPr>
+          <a:xfrm>
+            <a:off x="211628" y="3237604"/>
+            <a:ext cx="1742619" cy="523220"/>
+          </a:xfrm>
+          <a:prstGeom prst="rect">
+            <a:avLst/>
+          </a:prstGeom>
+          <a:noFill/>
+        </p:spPr>
+        <p:txBody>
+          <a:bodyPr wrap="square" rtlCol="0">
+            <a:spAutoFit/>
+          </a:bodyPr>
+          <a:lstStyle/>
+          <a:p>
+            <a:r>
+              <a:rPr lang="en-GB" sz="1400" dirty="0">
+                <a:latin typeface="+mj-lt"/>
+              </a:rPr>
+              <a:t>Main Page Picture</a:t>
+            </a:r>
+          </a:p>
+        </p:txBody>
+      </p:sp>
+      <p:sp>
+        <p:nvSpPr>
+          <p:cNvPr id="10" name="TextBox 9"/>
+          <p:cNvSpPr txBox="1"/>
+          <p:nvPr/>
+        </p:nvSpPr>
+        <p:spPr>
+          <a:xfrm>
+            <a:off x="211627" y="4176038"/>
+            <a:ext cx="1742619" cy="738664"/>
+          </a:xfrm>
+          <a:prstGeom prst="rect">
+            <a:avLst/>
+          </a:prstGeom>
+          <a:noFill/>
+        </p:spPr>
+        <p:txBody>
+          <a:bodyPr wrap="square" rtlCol="0">
+            <a:spAutoFit/>
+          </a:bodyPr>
+          <a:lstStyle/>
+          <a:p>
+            <a:r>
+              <a:rPr lang="en-GB" sz="1400" dirty="0">
+                <a:latin typeface="+mj-lt"/>
+              </a:rPr>
+              <a:t>To be implemented </a:t>
+            </a:r>
+          </a:p>
+          <a:p>
+            <a:r>
+              <a:rPr lang="en-GB" sz="1400" dirty="0">
+                <a:latin typeface="+mj-lt"/>
+              </a:rPr>
+              <a:t>Best and New Art</a:t>
+            </a:r>
+          </a:p>
+        </p:txBody>
+      </p:sp>
+    </p:spTree>
+    <p:extLst>
+      <p:ext uri="{BB962C8B-B14F-4D97-AF65-F5344CB8AC3E}">
+        <p14:creationId xmlns:p14="http://schemas.microsoft.com/office/powerpoint/2010/main" val="2173261545"/>
+      </p:ext>
+    </p:extLst>
+  </p:cSld>
+  <p:clrMapOvr>
+    <a:masterClrMapping/>
+  </p:clrMapOvr>
+</p:sld>
+</file>
+
 <file path=ppt/slides/slide2.xml><?xml version="1.0" encoding="utf-8"?>
 <p:sld xmlns:a="http://schemas.openxmlformats.org/drawingml/2006/main" xmlns:r="http://schemas.openxmlformats.org/officeDocument/2006/relationships" xmlns:p="http://schemas.openxmlformats.org/presentationml/2006/main">
   <p:cSld>
@@ -7178,219 +7439,6 @@
           </p:txBody>
         </p:sp>
       </p:grpSp>
-      <p:grpSp>
-        <p:nvGrpSpPr>
-          <p:cNvPr id="5" name="Group 4"/>
-          <p:cNvGrpSpPr/>
-          <p:nvPr/>
-        </p:nvGrpSpPr>
-        <p:grpSpPr>
-          <a:xfrm>
-            <a:off x="1818935" y="2438045"/>
-            <a:ext cx="5808134" cy="1857324"/>
-            <a:chOff x="1481667" y="2497667"/>
-            <a:chExt cx="6121400" cy="1761066"/>
-          </a:xfrm>
-        </p:grpSpPr>
-        <p:cxnSp>
-          <p:nvCxnSpPr>
-            <p:cNvPr id="6" name="Straight Arrow Connector 5"/>
-            <p:cNvCxnSpPr>
-              <a:cxnSpLocks/>
-            </p:cNvCxnSpPr>
-            <p:nvPr/>
-          </p:nvCxnSpPr>
-          <p:spPr>
-            <a:xfrm flipV="1">
-              <a:off x="1481667" y="2523068"/>
-              <a:ext cx="1820333" cy="1202265"/>
-            </a:xfrm>
-            <a:prstGeom prst="straightConnector1">
-              <a:avLst/>
-            </a:prstGeom>
-            <a:ln w="12700">
-              <a:solidFill>
-                <a:schemeClr val="bg1">
-                  <a:alpha val="60000"/>
-                </a:schemeClr>
-              </a:solidFill>
-              <a:tailEnd type="triangle"/>
-            </a:ln>
-          </p:spPr>
-          <p:style>
-            <a:lnRef idx="1">
-              <a:schemeClr val="accent1"/>
-            </a:lnRef>
-            <a:fillRef idx="0">
-              <a:schemeClr val="accent1"/>
-            </a:fillRef>
-            <a:effectRef idx="0">
-              <a:schemeClr val="accent1"/>
-            </a:effectRef>
-            <a:fontRef idx="minor">
-              <a:schemeClr val="tx1"/>
-            </a:fontRef>
-          </p:style>
-        </p:cxnSp>
-        <p:cxnSp>
-          <p:nvCxnSpPr>
-            <p:cNvPr id="7" name="Straight Arrow Connector 6"/>
-            <p:cNvCxnSpPr>
-              <a:cxnSpLocks/>
-            </p:cNvCxnSpPr>
-            <p:nvPr/>
-          </p:nvCxnSpPr>
-          <p:spPr>
-            <a:xfrm flipV="1">
-              <a:off x="1481667" y="2497667"/>
-              <a:ext cx="4055533" cy="1227666"/>
-            </a:xfrm>
-            <a:prstGeom prst="straightConnector1">
-              <a:avLst/>
-            </a:prstGeom>
-            <a:ln w="12700">
-              <a:solidFill>
-                <a:schemeClr val="bg1">
-                  <a:alpha val="60000"/>
-                </a:schemeClr>
-              </a:solidFill>
-              <a:tailEnd type="triangle"/>
-            </a:ln>
-          </p:spPr>
-          <p:style>
-            <a:lnRef idx="1">
-              <a:schemeClr val="accent1"/>
-            </a:lnRef>
-            <a:fillRef idx="0">
-              <a:schemeClr val="accent1"/>
-            </a:fillRef>
-            <a:effectRef idx="0">
-              <a:schemeClr val="accent1"/>
-            </a:effectRef>
-            <a:fontRef idx="minor">
-              <a:schemeClr val="tx1"/>
-            </a:fontRef>
-          </p:style>
-        </p:cxnSp>
-        <p:cxnSp>
-          <p:nvCxnSpPr>
-            <p:cNvPr id="8" name="Straight Arrow Connector 7"/>
-            <p:cNvCxnSpPr>
-              <a:cxnSpLocks/>
-            </p:cNvCxnSpPr>
-            <p:nvPr/>
-          </p:nvCxnSpPr>
-          <p:spPr>
-            <a:xfrm flipV="1">
-              <a:off x="1481667" y="2497667"/>
-              <a:ext cx="6121400" cy="1227666"/>
-            </a:xfrm>
-            <a:prstGeom prst="straightConnector1">
-              <a:avLst/>
-            </a:prstGeom>
-            <a:ln w="12700">
-              <a:solidFill>
-                <a:schemeClr val="bg1">
-                  <a:alpha val="60000"/>
-                </a:schemeClr>
-              </a:solidFill>
-              <a:tailEnd type="triangle"/>
-            </a:ln>
-          </p:spPr>
-          <p:style>
-            <a:lnRef idx="1">
-              <a:schemeClr val="accent1"/>
-            </a:lnRef>
-            <a:fillRef idx="0">
-              <a:schemeClr val="accent1"/>
-            </a:fillRef>
-            <a:effectRef idx="0">
-              <a:schemeClr val="accent1"/>
-            </a:effectRef>
-            <a:fontRef idx="minor">
-              <a:schemeClr val="tx1"/>
-            </a:fontRef>
-          </p:style>
-        </p:cxnSp>
-        <p:cxnSp>
-          <p:nvCxnSpPr>
-            <p:cNvPr id="9" name="Straight Arrow Connector 8"/>
-            <p:cNvCxnSpPr>
-              <a:cxnSpLocks/>
-            </p:cNvCxnSpPr>
-            <p:nvPr/>
-          </p:nvCxnSpPr>
-          <p:spPr>
-            <a:xfrm>
-              <a:off x="1481667" y="3725333"/>
-              <a:ext cx="2844800" cy="533400"/>
-            </a:xfrm>
-            <a:prstGeom prst="straightConnector1">
-              <a:avLst/>
-            </a:prstGeom>
-            <a:ln w="12700">
-              <a:solidFill>
-                <a:schemeClr val="bg1">
-                  <a:alpha val="60000"/>
-                </a:schemeClr>
-              </a:solidFill>
-              <a:tailEnd type="triangle"/>
-            </a:ln>
-          </p:spPr>
-          <p:style>
-            <a:lnRef idx="1">
-              <a:schemeClr val="accent1"/>
-            </a:lnRef>
-            <a:fillRef idx="0">
-              <a:schemeClr val="accent1"/>
-            </a:fillRef>
-            <a:effectRef idx="0">
-              <a:schemeClr val="accent1"/>
-            </a:effectRef>
-            <a:fontRef idx="minor">
-              <a:schemeClr val="tx1"/>
-            </a:fontRef>
-          </p:style>
-        </p:cxnSp>
-        <p:cxnSp>
-          <p:nvCxnSpPr>
-            <p:cNvPr id="10" name="Straight Arrow Connector 9"/>
-            <p:cNvCxnSpPr/>
-            <p:nvPr/>
-          </p:nvCxnSpPr>
-          <p:spPr>
-            <a:xfrm>
-              <a:off x="1481667" y="3725333"/>
-              <a:ext cx="5427133" cy="440267"/>
-            </a:xfrm>
-            <a:prstGeom prst="straightConnector1">
-              <a:avLst/>
-            </a:prstGeom>
-            <a:ln w="12700">
-              <a:solidFill>
-                <a:schemeClr val="bg1">
-                  <a:alpha val="60000"/>
-                </a:schemeClr>
-              </a:solidFill>
-              <a:tailEnd type="triangle"/>
-            </a:ln>
-          </p:spPr>
-          <p:style>
-            <a:lnRef idx="1">
-              <a:schemeClr val="accent1"/>
-            </a:lnRef>
-            <a:fillRef idx="0">
-              <a:schemeClr val="accent1"/>
-            </a:fillRef>
-            <a:effectRef idx="0">
-              <a:schemeClr val="accent1"/>
-            </a:effectRef>
-            <a:fontRef idx="minor">
-              <a:schemeClr val="tx1"/>
-            </a:fontRef>
-          </p:style>
-        </p:cxnSp>
-      </p:grpSp>
       <p:sp>
         <p:nvSpPr>
           <p:cNvPr id="11" name="TextBox 10"/>
@@ -7399,7 +7447,7 @@
         </p:nvSpPr>
         <p:spPr>
           <a:xfrm>
-            <a:off x="506740" y="3310310"/>
+            <a:off x="421187" y="3323031"/>
             <a:ext cx="1419761" cy="523220"/>
           </a:xfrm>
           <a:prstGeom prst="rect">
@@ -7430,86 +7478,6 @@
           </a:p>
         </p:txBody>
       </p:sp>
-      <p:cxnSp>
-        <p:nvCxnSpPr>
-          <p:cNvPr id="15" name="Straight Arrow Connector 14"/>
-          <p:cNvCxnSpPr>
-            <a:cxnSpLocks/>
-          </p:cNvCxnSpPr>
-          <p:nvPr/>
-        </p:nvCxnSpPr>
-        <p:spPr>
-          <a:xfrm flipV="1">
-            <a:off x="1741251" y="880784"/>
-            <a:ext cx="1105288" cy="529727"/>
-          </a:xfrm>
-          <a:prstGeom prst="straightConnector1">
-            <a:avLst/>
-          </a:prstGeom>
-          <a:ln w="12700">
-            <a:solidFill>
-              <a:schemeClr val="bg1">
-                <a:alpha val="60000"/>
-              </a:schemeClr>
-            </a:solidFill>
-            <a:tailEnd type="triangle"/>
-          </a:ln>
-        </p:spPr>
-        <p:style>
-          <a:lnRef idx="1">
-            <a:schemeClr val="accent1"/>
-          </a:lnRef>
-          <a:fillRef idx="0">
-            <a:schemeClr val="accent1"/>
-          </a:fillRef>
-          <a:effectRef idx="0">
-            <a:schemeClr val="accent1"/>
-          </a:effectRef>
-          <a:fontRef idx="minor">
-            <a:schemeClr val="tx1"/>
-          </a:fontRef>
-        </p:style>
-      </p:cxnSp>
-      <p:cxnSp>
-        <p:nvCxnSpPr>
-          <p:cNvPr id="16" name="Straight Arrow Connector 15"/>
-          <p:cNvCxnSpPr>
-            <a:cxnSpLocks/>
-          </p:cNvCxnSpPr>
-          <p:nvPr/>
-        </p:nvCxnSpPr>
-        <p:spPr>
-          <a:xfrm flipV="1">
-            <a:off x="2013626" y="865768"/>
-            <a:ext cx="2763917" cy="1245134"/>
-          </a:xfrm>
-          <a:prstGeom prst="straightConnector1">
-            <a:avLst/>
-          </a:prstGeom>
-          <a:ln w="12700">
-            <a:solidFill>
-              <a:schemeClr val="bg1">
-                <a:alpha val="60000"/>
-              </a:schemeClr>
-            </a:solidFill>
-            <a:tailEnd type="triangle"/>
-          </a:ln>
-        </p:spPr>
-        <p:style>
-          <a:lnRef idx="1">
-            <a:schemeClr val="accent1"/>
-          </a:lnRef>
-          <a:fillRef idx="0">
-            <a:schemeClr val="accent1"/>
-          </a:fillRef>
-          <a:effectRef idx="0">
-            <a:schemeClr val="accent1"/>
-          </a:effectRef>
-          <a:fontRef idx="minor">
-            <a:schemeClr val="tx1"/>
-          </a:fontRef>
-        </p:style>
-      </p:cxnSp>
       <p:sp>
         <p:nvSpPr>
           <p:cNvPr id="17" name="TextBox 16"/>
@@ -7549,7 +7517,7 @@
         </p:nvSpPr>
         <p:spPr>
           <a:xfrm>
-            <a:off x="483886" y="1308773"/>
+            <a:off x="421187" y="1333653"/>
             <a:ext cx="1742619" cy="307777"/>
           </a:xfrm>
           <a:prstGeom prst="rect">
@@ -7572,141 +7540,6 @@
           </a:p>
         </p:txBody>
       </p:sp>
-      <p:grpSp>
-        <p:nvGrpSpPr>
-          <p:cNvPr id="19" name="Group 18"/>
-          <p:cNvGrpSpPr/>
-          <p:nvPr/>
-        </p:nvGrpSpPr>
-        <p:grpSpPr>
-          <a:xfrm>
-            <a:off x="2325326" y="5186783"/>
-            <a:ext cx="4771759" cy="677332"/>
-            <a:chOff x="1794933" y="5190067"/>
-            <a:chExt cx="5204866" cy="592666"/>
-          </a:xfrm>
-        </p:grpSpPr>
-        <p:cxnSp>
-          <p:nvCxnSpPr>
-            <p:cNvPr id="20" name="Straight Arrow Connector 19"/>
-            <p:cNvCxnSpPr>
-              <a:cxnSpLocks/>
-            </p:cNvCxnSpPr>
-            <p:nvPr/>
-          </p:nvCxnSpPr>
-          <p:spPr>
-            <a:xfrm>
-              <a:off x="1794933" y="5190067"/>
-              <a:ext cx="1163440" cy="511679"/>
-            </a:xfrm>
-            <a:prstGeom prst="straightConnector1">
-              <a:avLst/>
-            </a:prstGeom>
-            <a:ln w="12700">
-              <a:solidFill>
-                <a:schemeClr val="bg1">
-                  <a:alpha val="60000"/>
-                </a:schemeClr>
-              </a:solidFill>
-              <a:tailEnd type="triangle"/>
-            </a:ln>
-          </p:spPr>
-          <p:style>
-            <a:lnRef idx="1">
-              <a:schemeClr val="accent1"/>
-            </a:lnRef>
-            <a:fillRef idx="0">
-              <a:schemeClr val="accent1"/>
-            </a:fillRef>
-            <a:effectRef idx="0">
-              <a:schemeClr val="accent1"/>
-            </a:effectRef>
-            <a:fontRef idx="minor">
-              <a:schemeClr val="tx1"/>
-            </a:fontRef>
-          </p:style>
-        </p:cxnSp>
-        <p:cxnSp>
-          <p:nvCxnSpPr>
-            <p:cNvPr id="21" name="Straight Arrow Connector 20"/>
-            <p:cNvCxnSpPr>
-              <a:cxnSpLocks/>
-            </p:cNvCxnSpPr>
-            <p:nvPr/>
-          </p:nvCxnSpPr>
-          <p:spPr>
-            <a:xfrm>
-              <a:off x="1804984" y="5190067"/>
-              <a:ext cx="3218326" cy="592666"/>
-            </a:xfrm>
-            <a:prstGeom prst="straightConnector1">
-              <a:avLst/>
-            </a:prstGeom>
-            <a:ln w="12700">
-              <a:solidFill>
-                <a:schemeClr val="bg1">
-                  <a:alpha val="60000"/>
-                </a:schemeClr>
-              </a:solidFill>
-              <a:tailEnd type="triangle"/>
-            </a:ln>
-          </p:spPr>
-          <p:style>
-            <a:lnRef idx="1">
-              <a:schemeClr val="accent1"/>
-            </a:lnRef>
-            <a:fillRef idx="0">
-              <a:schemeClr val="accent1"/>
-            </a:fillRef>
-            <a:effectRef idx="0">
-              <a:schemeClr val="accent1"/>
-            </a:effectRef>
-            <a:fontRef idx="minor">
-              <a:schemeClr val="tx1"/>
-            </a:fontRef>
-          </p:style>
-        </p:cxnSp>
-        <p:cxnSp>
-          <p:nvCxnSpPr>
-            <p:cNvPr id="22" name="Straight Arrow Connector 21"/>
-            <p:cNvCxnSpPr>
-              <a:cxnSpLocks/>
-            </p:cNvCxnSpPr>
-            <p:nvPr/>
-          </p:nvCxnSpPr>
-          <p:spPr>
-            <a:xfrm>
-              <a:off x="1804984" y="5190067"/>
-              <a:ext cx="5194815" cy="592666"/>
-            </a:xfrm>
-            <a:prstGeom prst="straightConnector1">
-              <a:avLst/>
-            </a:prstGeom>
-            <a:ln w="12700">
-              <a:solidFill>
-                <a:schemeClr val="bg1">
-                  <a:alpha val="60000"/>
-                </a:schemeClr>
-              </a:solidFill>
-              <a:tailEnd type="triangle"/>
-            </a:ln>
-          </p:spPr>
-          <p:style>
-            <a:lnRef idx="1">
-              <a:schemeClr val="accent1"/>
-            </a:lnRef>
-            <a:fillRef idx="0">
-              <a:schemeClr val="accent1"/>
-            </a:fillRef>
-            <a:effectRef idx="0">
-              <a:schemeClr val="accent1"/>
-            </a:effectRef>
-            <a:fontRef idx="minor">
-              <a:schemeClr val="tx1"/>
-            </a:fontRef>
-          </p:style>
-        </p:cxnSp>
-      </p:grpSp>
       <p:sp>
         <p:nvSpPr>
           <p:cNvPr id="23" name="TextBox 22"/>
@@ -7715,7 +7548,7 @@
         </p:nvSpPr>
         <p:spPr>
           <a:xfrm>
-            <a:off x="248418" y="4884722"/>
+            <a:off x="308053" y="4875603"/>
             <a:ext cx="2345642" cy="738664"/>
           </a:xfrm>
           <a:prstGeom prst="rect">
@@ -7919,7 +7752,7 @@
         </p:nvSpPr>
         <p:spPr>
           <a:xfrm>
-            <a:off x="295577" y="3629553"/>
+            <a:off x="151863" y="3594009"/>
             <a:ext cx="1657793" cy="523220"/>
           </a:xfrm>
           <a:prstGeom prst="rect">
@@ -7950,86 +7783,6 @@
           </a:p>
         </p:txBody>
       </p:sp>
-      <p:cxnSp>
-        <p:nvCxnSpPr>
-          <p:cNvPr id="11" name="Straight Arrow Connector 10"/>
-          <p:cNvCxnSpPr>
-            <a:cxnSpLocks/>
-          </p:cNvCxnSpPr>
-          <p:nvPr/>
-        </p:nvCxnSpPr>
-        <p:spPr>
-          <a:xfrm flipV="1">
-            <a:off x="1731280" y="942735"/>
-            <a:ext cx="549587" cy="589508"/>
-          </a:xfrm>
-          <a:prstGeom prst="straightConnector1">
-            <a:avLst/>
-          </a:prstGeom>
-          <a:ln w="12700">
-            <a:solidFill>
-              <a:schemeClr val="bg1">
-                <a:alpha val="60000"/>
-              </a:schemeClr>
-            </a:solidFill>
-            <a:tailEnd type="triangle"/>
-          </a:ln>
-        </p:spPr>
-        <p:style>
-          <a:lnRef idx="1">
-            <a:schemeClr val="accent1"/>
-          </a:lnRef>
-          <a:fillRef idx="0">
-            <a:schemeClr val="accent1"/>
-          </a:fillRef>
-          <a:effectRef idx="0">
-            <a:schemeClr val="accent1"/>
-          </a:effectRef>
-          <a:fontRef idx="minor">
-            <a:schemeClr val="tx1"/>
-          </a:fontRef>
-        </p:style>
-      </p:cxnSp>
-      <p:cxnSp>
-        <p:nvCxnSpPr>
-          <p:cNvPr id="12" name="Straight Arrow Connector 11"/>
-          <p:cNvCxnSpPr>
-            <a:cxnSpLocks/>
-          </p:cNvCxnSpPr>
-          <p:nvPr/>
-        </p:nvCxnSpPr>
-        <p:spPr>
-          <a:xfrm flipV="1">
-            <a:off x="1907136" y="842141"/>
-            <a:ext cx="3059147" cy="1583413"/>
-          </a:xfrm>
-          <a:prstGeom prst="straightConnector1">
-            <a:avLst/>
-          </a:prstGeom>
-          <a:ln w="12700">
-            <a:solidFill>
-              <a:schemeClr val="bg1">
-                <a:alpha val="60000"/>
-              </a:schemeClr>
-            </a:solidFill>
-            <a:tailEnd type="triangle"/>
-          </a:ln>
-        </p:spPr>
-        <p:style>
-          <a:lnRef idx="1">
-            <a:schemeClr val="accent1"/>
-          </a:lnRef>
-          <a:fillRef idx="0">
-            <a:schemeClr val="accent1"/>
-          </a:fillRef>
-          <a:effectRef idx="0">
-            <a:schemeClr val="accent1"/>
-          </a:effectRef>
-          <a:fontRef idx="minor">
-            <a:schemeClr val="tx1"/>
-          </a:fontRef>
-        </p:style>
-      </p:cxnSp>
       <p:sp>
         <p:nvSpPr>
           <p:cNvPr id="13" name="TextBox 12"/>
@@ -8038,7 +7791,7 @@
         </p:nvSpPr>
         <p:spPr>
           <a:xfrm>
-            <a:off x="211633" y="2245075"/>
+            <a:off x="148299" y="2237281"/>
             <a:ext cx="1742619" cy="307777"/>
           </a:xfrm>
           <a:prstGeom prst="rect">
@@ -8069,7 +7822,7 @@
         </p:nvSpPr>
         <p:spPr>
           <a:xfrm>
-            <a:off x="356909" y="1470339"/>
+            <a:off x="156408" y="1537806"/>
             <a:ext cx="1742619" cy="323165"/>
           </a:xfrm>
           <a:prstGeom prst="rect">
@@ -8163,360 +7916,864 @@
           </a:p>
         </p:txBody>
       </p:sp>
-      <p:grpSp>
-        <p:nvGrpSpPr>
-          <p:cNvPr id="3" name="Group 2"/>
-          <p:cNvGrpSpPr/>
-          <p:nvPr/>
-        </p:nvGrpSpPr>
-        <p:grpSpPr>
-          <a:xfrm>
-            <a:off x="1493242" y="2225557"/>
-            <a:ext cx="5694961" cy="1927216"/>
-            <a:chOff x="1481667" y="2168511"/>
-            <a:chExt cx="5751245" cy="1821254"/>
-          </a:xfrm>
-        </p:grpSpPr>
-        <p:cxnSp>
-          <p:nvCxnSpPr>
-            <p:cNvPr id="5" name="Straight Arrow Connector 4"/>
-            <p:cNvCxnSpPr>
-              <a:cxnSpLocks/>
-            </p:cNvCxnSpPr>
-            <p:nvPr/>
-          </p:nvCxnSpPr>
-          <p:spPr>
-            <a:xfrm flipV="1">
-              <a:off x="1481667" y="2273700"/>
-              <a:ext cx="1287535" cy="1451633"/>
-            </a:xfrm>
-            <a:prstGeom prst="straightConnector1">
-              <a:avLst/>
-            </a:prstGeom>
-            <a:ln w="12700">
-              <a:solidFill>
-                <a:schemeClr val="bg1">
-                  <a:alpha val="60000"/>
-                </a:schemeClr>
-              </a:solidFill>
-              <a:tailEnd type="triangle"/>
-            </a:ln>
-          </p:spPr>
-          <p:style>
-            <a:lnRef idx="1">
-              <a:schemeClr val="accent1"/>
-            </a:lnRef>
-            <a:fillRef idx="0">
-              <a:schemeClr val="accent1"/>
-            </a:fillRef>
-            <a:effectRef idx="0">
-              <a:schemeClr val="accent1"/>
-            </a:effectRef>
-            <a:fontRef idx="minor">
-              <a:schemeClr val="tx1"/>
-            </a:fontRef>
-          </p:style>
-        </p:cxnSp>
-        <p:cxnSp>
-          <p:nvCxnSpPr>
-            <p:cNvPr id="6" name="Straight Arrow Connector 5"/>
-            <p:cNvCxnSpPr>
-              <a:cxnSpLocks/>
-            </p:cNvCxnSpPr>
-            <p:nvPr/>
-          </p:nvCxnSpPr>
-          <p:spPr>
-            <a:xfrm flipV="1">
-              <a:off x="1481667" y="2168511"/>
-              <a:ext cx="5336923" cy="1556824"/>
-            </a:xfrm>
-            <a:prstGeom prst="straightConnector1">
-              <a:avLst/>
-            </a:prstGeom>
-            <a:ln w="12700">
-              <a:solidFill>
-                <a:schemeClr val="bg1">
-                  <a:alpha val="60000"/>
-                </a:schemeClr>
-              </a:solidFill>
-              <a:tailEnd type="triangle"/>
-            </a:ln>
-          </p:spPr>
-          <p:style>
-            <a:lnRef idx="1">
-              <a:schemeClr val="accent1"/>
-            </a:lnRef>
-            <a:fillRef idx="0">
-              <a:schemeClr val="accent1"/>
-            </a:fillRef>
-            <a:effectRef idx="0">
-              <a:schemeClr val="accent1"/>
-            </a:effectRef>
-            <a:fontRef idx="minor">
-              <a:schemeClr val="tx1"/>
-            </a:fontRef>
-          </p:style>
-        </p:cxnSp>
-        <p:cxnSp>
-          <p:nvCxnSpPr>
-            <p:cNvPr id="7" name="Straight Arrow Connector 6"/>
-            <p:cNvCxnSpPr>
-              <a:cxnSpLocks/>
-            </p:cNvCxnSpPr>
-            <p:nvPr/>
-          </p:nvCxnSpPr>
-          <p:spPr>
-            <a:xfrm flipV="1">
-              <a:off x="1481667" y="3549661"/>
-              <a:ext cx="5751245" cy="175673"/>
-            </a:xfrm>
-            <a:prstGeom prst="straightConnector1">
-              <a:avLst/>
-            </a:prstGeom>
-            <a:ln w="12700">
-              <a:solidFill>
-                <a:schemeClr val="bg1">
-                  <a:alpha val="60000"/>
-                </a:schemeClr>
-              </a:solidFill>
-              <a:tailEnd type="triangle"/>
-            </a:ln>
-          </p:spPr>
-          <p:style>
-            <a:lnRef idx="1">
-              <a:schemeClr val="accent1"/>
-            </a:lnRef>
-            <a:fillRef idx="0">
-              <a:schemeClr val="accent1"/>
-            </a:fillRef>
-            <a:effectRef idx="0">
-              <a:schemeClr val="accent1"/>
-            </a:effectRef>
-            <a:fontRef idx="minor">
-              <a:schemeClr val="tx1"/>
-            </a:fontRef>
-          </p:style>
-        </p:cxnSp>
-        <p:cxnSp>
-          <p:nvCxnSpPr>
-            <p:cNvPr id="8" name="Straight Arrow Connector 7"/>
-            <p:cNvCxnSpPr>
-              <a:cxnSpLocks/>
-            </p:cNvCxnSpPr>
-            <p:nvPr/>
-          </p:nvCxnSpPr>
-          <p:spPr>
-            <a:xfrm>
-              <a:off x="1481667" y="3725333"/>
-              <a:ext cx="3195224" cy="264432"/>
-            </a:xfrm>
-            <a:prstGeom prst="straightConnector1">
-              <a:avLst/>
-            </a:prstGeom>
-            <a:ln w="12700">
-              <a:solidFill>
-                <a:schemeClr val="bg1">
-                  <a:alpha val="60000"/>
-                </a:schemeClr>
-              </a:solidFill>
-              <a:tailEnd type="triangle"/>
-            </a:ln>
-          </p:spPr>
-          <p:style>
-            <a:lnRef idx="1">
-              <a:schemeClr val="accent1"/>
-            </a:lnRef>
-            <a:fillRef idx="0">
-              <a:schemeClr val="accent1"/>
-            </a:fillRef>
-            <a:effectRef idx="0">
-              <a:schemeClr val="accent1"/>
-            </a:effectRef>
-            <a:fontRef idx="minor">
-              <a:schemeClr val="tx1"/>
-            </a:fontRef>
-          </p:style>
-        </p:cxnSp>
-        <p:cxnSp>
-          <p:nvCxnSpPr>
-            <p:cNvPr id="9" name="Straight Arrow Connector 8"/>
-            <p:cNvCxnSpPr>
-              <a:cxnSpLocks/>
-            </p:cNvCxnSpPr>
-            <p:nvPr/>
-          </p:nvCxnSpPr>
-          <p:spPr>
-            <a:xfrm>
-              <a:off x="1481667" y="3725333"/>
-              <a:ext cx="612278" cy="184564"/>
-            </a:xfrm>
-            <a:prstGeom prst="straightConnector1">
-              <a:avLst/>
-            </a:prstGeom>
-            <a:ln w="12700">
-              <a:solidFill>
-                <a:schemeClr val="bg1">
-                  <a:alpha val="60000"/>
-                </a:schemeClr>
-              </a:solidFill>
-              <a:tailEnd type="triangle"/>
-            </a:ln>
-          </p:spPr>
-          <p:style>
-            <a:lnRef idx="1">
-              <a:schemeClr val="accent1"/>
-            </a:lnRef>
-            <a:fillRef idx="0">
-              <a:schemeClr val="accent1"/>
-            </a:fillRef>
-            <a:effectRef idx="0">
-              <a:schemeClr val="accent1"/>
-            </a:effectRef>
-            <a:fontRef idx="minor">
-              <a:schemeClr val="tx1"/>
-            </a:fontRef>
-          </p:style>
-        </p:cxnSp>
-      </p:grpSp>
-      <p:grpSp>
-        <p:nvGrpSpPr>
-          <p:cNvPr id="15" name="Group 14"/>
-          <p:cNvGrpSpPr/>
-          <p:nvPr/>
-        </p:nvGrpSpPr>
-        <p:grpSpPr>
-          <a:xfrm>
-            <a:off x="1907137" y="5637402"/>
-            <a:ext cx="5458398" cy="662730"/>
-            <a:chOff x="1794933" y="5190067"/>
-            <a:chExt cx="5655554" cy="665097"/>
-          </a:xfrm>
-        </p:grpSpPr>
-        <p:cxnSp>
-          <p:nvCxnSpPr>
-            <p:cNvPr id="16" name="Straight Arrow Connector 15"/>
-            <p:cNvCxnSpPr>
-              <a:cxnSpLocks/>
-            </p:cNvCxnSpPr>
-            <p:nvPr/>
-          </p:nvCxnSpPr>
-          <p:spPr>
-            <a:xfrm>
-              <a:off x="1794933" y="5190067"/>
-              <a:ext cx="202423" cy="311414"/>
-            </a:xfrm>
-            <a:prstGeom prst="straightConnector1">
-              <a:avLst/>
-            </a:prstGeom>
-            <a:ln w="12700">
-              <a:solidFill>
-                <a:schemeClr val="bg1">
-                  <a:alpha val="60000"/>
-                </a:schemeClr>
-              </a:solidFill>
-              <a:tailEnd type="triangle"/>
-            </a:ln>
-          </p:spPr>
-          <p:style>
-            <a:lnRef idx="1">
-              <a:schemeClr val="accent1"/>
-            </a:lnRef>
-            <a:fillRef idx="0">
-              <a:schemeClr val="accent1"/>
-            </a:fillRef>
-            <a:effectRef idx="0">
-              <a:schemeClr val="accent1"/>
-            </a:effectRef>
-            <a:fontRef idx="minor">
-              <a:schemeClr val="tx1"/>
-            </a:fontRef>
-          </p:style>
-        </p:cxnSp>
-        <p:cxnSp>
-          <p:nvCxnSpPr>
-            <p:cNvPr id="17" name="Straight Arrow Connector 16"/>
-            <p:cNvCxnSpPr>
-              <a:cxnSpLocks/>
-            </p:cNvCxnSpPr>
-            <p:nvPr/>
-          </p:nvCxnSpPr>
-          <p:spPr>
-            <a:xfrm>
-              <a:off x="1804984" y="5190067"/>
-              <a:ext cx="3097149" cy="599522"/>
-            </a:xfrm>
-            <a:prstGeom prst="straightConnector1">
-              <a:avLst/>
-            </a:prstGeom>
-            <a:ln w="12700">
-              <a:solidFill>
-                <a:schemeClr val="bg1">
-                  <a:alpha val="60000"/>
-                </a:schemeClr>
-              </a:solidFill>
-              <a:tailEnd type="triangle"/>
-            </a:ln>
-          </p:spPr>
-          <p:style>
-            <a:lnRef idx="1">
-              <a:schemeClr val="accent1"/>
-            </a:lnRef>
-            <a:fillRef idx="0">
-              <a:schemeClr val="accent1"/>
-            </a:fillRef>
-            <a:effectRef idx="0">
-              <a:schemeClr val="accent1"/>
-            </a:effectRef>
-            <a:fontRef idx="minor">
-              <a:schemeClr val="tx1"/>
-            </a:fontRef>
-          </p:style>
-        </p:cxnSp>
-        <p:cxnSp>
-          <p:nvCxnSpPr>
-            <p:cNvPr id="18" name="Straight Arrow Connector 17"/>
-            <p:cNvCxnSpPr>
-              <a:cxnSpLocks/>
-            </p:cNvCxnSpPr>
-            <p:nvPr/>
-          </p:nvCxnSpPr>
-          <p:spPr>
-            <a:xfrm>
-              <a:off x="1804984" y="5190067"/>
-              <a:ext cx="5645503" cy="665097"/>
-            </a:xfrm>
-            <a:prstGeom prst="straightConnector1">
-              <a:avLst/>
-            </a:prstGeom>
-            <a:ln w="12700">
-              <a:solidFill>
-                <a:schemeClr val="bg1">
-                  <a:alpha val="60000"/>
-                </a:schemeClr>
-              </a:solidFill>
-              <a:tailEnd type="triangle"/>
-            </a:ln>
-          </p:spPr>
-          <p:style>
-            <a:lnRef idx="1">
-              <a:schemeClr val="accent1"/>
-            </a:lnRef>
-            <a:fillRef idx="0">
-              <a:schemeClr val="accent1"/>
-            </a:fillRef>
-            <a:effectRef idx="0">
-              <a:schemeClr val="accent1"/>
-            </a:effectRef>
-            <a:fontRef idx="minor">
-              <a:schemeClr val="tx1"/>
-            </a:fontRef>
-          </p:style>
-        </p:cxnSp>
-      </p:grpSp>
     </p:spTree>
     <p:extLst>
       <p:ext uri="{BB962C8B-B14F-4D97-AF65-F5344CB8AC3E}">
         <p14:creationId xmlns:p14="http://schemas.microsoft.com/office/powerpoint/2010/main" val="1602321265"/>
+      </p:ext>
+    </p:extLst>
+  </p:cSld>
+  <p:clrMapOvr>
+    <a:masterClrMapping/>
+  </p:clrMapOvr>
+</p:sld>
+</file>
+
+<file path=ppt/slides/slide7.xml><?xml version="1.0" encoding="utf-8"?>
+<p:sld xmlns:a="http://schemas.openxmlformats.org/drawingml/2006/main" xmlns:r="http://schemas.openxmlformats.org/officeDocument/2006/relationships" xmlns:p="http://schemas.openxmlformats.org/presentationml/2006/main">
+  <p:cSld>
+    <p:spTree>
+      <p:nvGrpSpPr>
+        <p:cNvPr id="1" name=""/>
+        <p:cNvGrpSpPr/>
+        <p:nvPr/>
+      </p:nvGrpSpPr>
+      <p:grpSpPr>
+        <a:xfrm>
+          <a:off x="0" y="0"/>
+          <a:ext cx="0" cy="0"/>
+          <a:chOff x="0" y="0"/>
+          <a:chExt cx="0" cy="0"/>
+        </a:xfrm>
+      </p:grpSpPr>
+      <p:pic>
+        <p:nvPicPr>
+          <p:cNvPr id="7" name="Picture 6"/>
+          <p:cNvPicPr>
+            <a:picLocks noChangeAspect="1"/>
+          </p:cNvPicPr>
+          <p:nvPr/>
+        </p:nvPicPr>
+        <p:blipFill>
+          <a:blip r:embed="rId2"/>
+          <a:stretch>
+            <a:fillRect/>
+          </a:stretch>
+        </p:blipFill>
+        <p:spPr>
+          <a:xfrm>
+            <a:off x="2479130" y="0"/>
+            <a:ext cx="6156000" cy="6858000"/>
+          </a:xfrm>
+          <a:prstGeom prst="rect">
+            <a:avLst/>
+          </a:prstGeom>
+        </p:spPr>
+      </p:pic>
+      <p:sp>
+        <p:nvSpPr>
+          <p:cNvPr id="8" name="TextBox 7"/>
+          <p:cNvSpPr txBox="1"/>
+          <p:nvPr/>
+        </p:nvSpPr>
+        <p:spPr>
+          <a:xfrm>
+            <a:off x="308053" y="151430"/>
+            <a:ext cx="2538486" cy="707886"/>
+          </a:xfrm>
+          <a:prstGeom prst="rect">
+            <a:avLst/>
+          </a:prstGeom>
+          <a:noFill/>
+        </p:spPr>
+        <p:txBody>
+          <a:bodyPr wrap="square" rtlCol="0">
+            <a:spAutoFit/>
+          </a:bodyPr>
+          <a:lstStyle/>
+          <a:p>
+            <a:r>
+              <a:rPr lang="en-GB" sz="2000" dirty="0"/>
+              <a:t>Wireframe from </a:t>
+            </a:r>
+            <a:br>
+              <a:rPr lang="en-GB" sz="2000" dirty="0"/>
+            </a:br>
+            <a:r>
+              <a:rPr lang="en-GB" sz="2000" dirty="0"/>
+              <a:t>Design Spec</a:t>
+            </a:r>
+          </a:p>
+        </p:txBody>
+      </p:sp>
+      <p:sp>
+        <p:nvSpPr>
+          <p:cNvPr id="10" name="TextBox 9"/>
+          <p:cNvSpPr txBox="1"/>
+          <p:nvPr/>
+        </p:nvSpPr>
+        <p:spPr>
+          <a:xfrm>
+            <a:off x="308051" y="1477773"/>
+            <a:ext cx="1742619" cy="323165"/>
+          </a:xfrm>
+          <a:prstGeom prst="rect">
+            <a:avLst/>
+          </a:prstGeom>
+          <a:noFill/>
+        </p:spPr>
+        <p:txBody>
+          <a:bodyPr wrap="square" rtlCol="0">
+            <a:spAutoFit/>
+          </a:bodyPr>
+          <a:lstStyle/>
+          <a:p>
+            <a:r>
+              <a:rPr lang="en-GB" sz="1500" dirty="0">
+                <a:latin typeface="+mj-lt"/>
+              </a:rPr>
+              <a:t>Artbud logo</a:t>
+            </a:r>
+          </a:p>
+        </p:txBody>
+      </p:sp>
+      <p:sp>
+        <p:nvSpPr>
+          <p:cNvPr id="11" name="TextBox 10"/>
+          <p:cNvSpPr txBox="1"/>
+          <p:nvPr/>
+        </p:nvSpPr>
+        <p:spPr>
+          <a:xfrm>
+            <a:off x="308053" y="2250638"/>
+            <a:ext cx="1742619" cy="307777"/>
+          </a:xfrm>
+          <a:prstGeom prst="rect">
+            <a:avLst/>
+          </a:prstGeom>
+          <a:noFill/>
+        </p:spPr>
+        <p:txBody>
+          <a:bodyPr wrap="square" rtlCol="0">
+            <a:spAutoFit/>
+          </a:bodyPr>
+          <a:lstStyle/>
+          <a:p>
+            <a:r>
+              <a:rPr lang="en-GB" sz="1400" dirty="0">
+                <a:latin typeface="+mj-lt"/>
+              </a:rPr>
+              <a:t>Navigation bar</a:t>
+            </a:r>
+          </a:p>
+        </p:txBody>
+      </p:sp>
+      <p:sp>
+        <p:nvSpPr>
+          <p:cNvPr id="12" name="TextBox 11"/>
+          <p:cNvSpPr txBox="1"/>
+          <p:nvPr/>
+        </p:nvSpPr>
+        <p:spPr>
+          <a:xfrm>
+            <a:off x="308053" y="2940493"/>
+            <a:ext cx="1742619" cy="307777"/>
+          </a:xfrm>
+          <a:prstGeom prst="rect">
+            <a:avLst/>
+          </a:prstGeom>
+          <a:noFill/>
+        </p:spPr>
+        <p:txBody>
+          <a:bodyPr wrap="square" rtlCol="0">
+            <a:spAutoFit/>
+          </a:bodyPr>
+          <a:lstStyle/>
+          <a:p>
+            <a:r>
+              <a:rPr lang="en-GB" sz="1400" dirty="0">
+                <a:latin typeface="+mj-lt"/>
+              </a:rPr>
+              <a:t>Profile Picture</a:t>
+            </a:r>
+          </a:p>
+        </p:txBody>
+      </p:sp>
+      <p:sp>
+        <p:nvSpPr>
+          <p:cNvPr id="13" name="TextBox 12"/>
+          <p:cNvSpPr txBox="1"/>
+          <p:nvPr/>
+        </p:nvSpPr>
+        <p:spPr>
+          <a:xfrm>
+            <a:off x="308051" y="3545504"/>
+            <a:ext cx="1742619" cy="307777"/>
+          </a:xfrm>
+          <a:prstGeom prst="rect">
+            <a:avLst/>
+          </a:prstGeom>
+          <a:noFill/>
+        </p:spPr>
+        <p:txBody>
+          <a:bodyPr wrap="square" rtlCol="0">
+            <a:spAutoFit/>
+          </a:bodyPr>
+          <a:lstStyle/>
+          <a:p>
+            <a:r>
+              <a:rPr lang="en-GB" sz="1400" dirty="0">
+                <a:latin typeface="+mj-lt"/>
+              </a:rPr>
+              <a:t>Profile information </a:t>
+            </a:r>
+          </a:p>
+        </p:txBody>
+      </p:sp>
+      <p:sp>
+        <p:nvSpPr>
+          <p:cNvPr id="14" name="TextBox 13"/>
+          <p:cNvSpPr txBox="1"/>
+          <p:nvPr/>
+        </p:nvSpPr>
+        <p:spPr>
+          <a:xfrm>
+            <a:off x="308050" y="4283903"/>
+            <a:ext cx="1742619" cy="307777"/>
+          </a:xfrm>
+          <a:prstGeom prst="rect">
+            <a:avLst/>
+          </a:prstGeom>
+          <a:noFill/>
+        </p:spPr>
+        <p:txBody>
+          <a:bodyPr wrap="square" rtlCol="0">
+            <a:spAutoFit/>
+          </a:bodyPr>
+          <a:lstStyle/>
+          <a:p>
+            <a:r>
+              <a:rPr lang="en-GB" sz="1400" dirty="0">
+                <a:latin typeface="+mj-lt"/>
+              </a:rPr>
+              <a:t>All users art</a:t>
+            </a:r>
+          </a:p>
+        </p:txBody>
+      </p:sp>
+      <p:sp>
+        <p:nvSpPr>
+          <p:cNvPr id="15" name="TextBox 14"/>
+          <p:cNvSpPr txBox="1"/>
+          <p:nvPr/>
+        </p:nvSpPr>
+        <p:spPr>
+          <a:xfrm>
+            <a:off x="308052" y="5379414"/>
+            <a:ext cx="2129004" cy="738664"/>
+          </a:xfrm>
+          <a:prstGeom prst="rect">
+            <a:avLst/>
+          </a:prstGeom>
+          <a:noFill/>
+        </p:spPr>
+        <p:txBody>
+          <a:bodyPr wrap="square" rtlCol="0">
+            <a:spAutoFit/>
+          </a:bodyPr>
+          <a:lstStyle/>
+          <a:p>
+            <a:r>
+              <a:rPr lang="en-GB" sz="1400" dirty="0">
+                <a:latin typeface="+mj-lt"/>
+              </a:rPr>
+              <a:t>Footer with tweets, about section,</a:t>
+            </a:r>
+            <a:br>
+              <a:rPr lang="en-GB" sz="1400" dirty="0">
+                <a:latin typeface="+mj-lt"/>
+              </a:rPr>
+            </a:br>
+            <a:r>
+              <a:rPr lang="en-GB" sz="1400" dirty="0">
+                <a:latin typeface="+mj-lt"/>
+              </a:rPr>
+              <a:t>and contact</a:t>
+            </a:r>
+          </a:p>
+        </p:txBody>
+      </p:sp>
+    </p:spTree>
+    <p:extLst>
+      <p:ext uri="{BB962C8B-B14F-4D97-AF65-F5344CB8AC3E}">
+        <p14:creationId xmlns:p14="http://schemas.microsoft.com/office/powerpoint/2010/main" val="77363746"/>
+      </p:ext>
+    </p:extLst>
+  </p:cSld>
+  <p:clrMapOvr>
+    <a:masterClrMapping/>
+  </p:clrMapOvr>
+</p:sld>
+</file>
+
+<file path=ppt/slides/slide8.xml><?xml version="1.0" encoding="utf-8"?>
+<p:sld xmlns:a="http://schemas.openxmlformats.org/drawingml/2006/main" xmlns:r="http://schemas.openxmlformats.org/officeDocument/2006/relationships" xmlns:p="http://schemas.openxmlformats.org/presentationml/2006/main">
+  <p:cSld>
+    <p:spTree>
+      <p:nvGrpSpPr>
+        <p:cNvPr id="1" name=""/>
+        <p:cNvGrpSpPr/>
+        <p:nvPr/>
+      </p:nvGrpSpPr>
+      <p:grpSpPr>
+        <a:xfrm>
+          <a:off x="0" y="0"/>
+          <a:ext cx="0" cy="0"/>
+          <a:chOff x="0" y="0"/>
+          <a:chExt cx="0" cy="0"/>
+        </a:xfrm>
+      </p:grpSpPr>
+      <p:pic>
+        <p:nvPicPr>
+          <p:cNvPr id="5" name="Picture 4"/>
+          <p:cNvPicPr>
+            <a:picLocks noChangeAspect="1"/>
+          </p:cNvPicPr>
+          <p:nvPr/>
+        </p:nvPicPr>
+        <p:blipFill>
+          <a:blip r:embed="rId2"/>
+          <a:stretch>
+            <a:fillRect/>
+          </a:stretch>
+        </p:blipFill>
+        <p:spPr>
+          <a:xfrm>
+            <a:off x="2194513" y="0"/>
+            <a:ext cx="6714377" cy="6858000"/>
+          </a:xfrm>
+          <a:prstGeom prst="rect">
+            <a:avLst/>
+          </a:prstGeom>
+        </p:spPr>
+      </p:pic>
+      <p:sp>
+        <p:nvSpPr>
+          <p:cNvPr id="6" name="TextBox 5"/>
+          <p:cNvSpPr txBox="1"/>
+          <p:nvPr/>
+        </p:nvSpPr>
+        <p:spPr>
+          <a:xfrm>
+            <a:off x="101643" y="148827"/>
+            <a:ext cx="2229444" cy="646331"/>
+          </a:xfrm>
+          <a:prstGeom prst="rect">
+            <a:avLst/>
+          </a:prstGeom>
+          <a:noFill/>
+        </p:spPr>
+        <p:txBody>
+          <a:bodyPr wrap="square" rtlCol="0">
+            <a:spAutoFit/>
+          </a:bodyPr>
+          <a:lstStyle/>
+          <a:p>
+            <a:r>
+              <a:rPr lang="en-GB" dirty="0"/>
+              <a:t>Profile page from app</a:t>
+            </a:r>
+          </a:p>
+        </p:txBody>
+      </p:sp>
+      <p:sp>
+        <p:nvSpPr>
+          <p:cNvPr id="7" name="TextBox 6"/>
+          <p:cNvSpPr txBox="1"/>
+          <p:nvPr/>
+        </p:nvSpPr>
+        <p:spPr>
+          <a:xfrm>
+            <a:off x="211632" y="1488250"/>
+            <a:ext cx="1742619" cy="323165"/>
+          </a:xfrm>
+          <a:prstGeom prst="rect">
+            <a:avLst/>
+          </a:prstGeom>
+          <a:noFill/>
+        </p:spPr>
+        <p:txBody>
+          <a:bodyPr wrap="square" rtlCol="0">
+            <a:spAutoFit/>
+          </a:bodyPr>
+          <a:lstStyle/>
+          <a:p>
+            <a:r>
+              <a:rPr lang="en-GB" sz="1500" dirty="0">
+                <a:latin typeface="+mj-lt"/>
+              </a:rPr>
+              <a:t>Artbud logo</a:t>
+            </a:r>
+          </a:p>
+        </p:txBody>
+      </p:sp>
+      <p:sp>
+        <p:nvSpPr>
+          <p:cNvPr id="8" name="TextBox 7"/>
+          <p:cNvSpPr txBox="1"/>
+          <p:nvPr/>
+        </p:nvSpPr>
+        <p:spPr>
+          <a:xfrm>
+            <a:off x="211633" y="2245075"/>
+            <a:ext cx="1742619" cy="307777"/>
+          </a:xfrm>
+          <a:prstGeom prst="rect">
+            <a:avLst/>
+          </a:prstGeom>
+          <a:noFill/>
+        </p:spPr>
+        <p:txBody>
+          <a:bodyPr wrap="square" rtlCol="0">
+            <a:spAutoFit/>
+          </a:bodyPr>
+          <a:lstStyle/>
+          <a:p>
+            <a:r>
+              <a:rPr lang="en-GB" sz="1400" dirty="0">
+                <a:latin typeface="+mj-lt"/>
+              </a:rPr>
+              <a:t>Navigation bar</a:t>
+            </a:r>
+          </a:p>
+        </p:txBody>
+      </p:sp>
+      <p:sp>
+        <p:nvSpPr>
+          <p:cNvPr id="9" name="TextBox 8"/>
+          <p:cNvSpPr txBox="1"/>
+          <p:nvPr/>
+        </p:nvSpPr>
+        <p:spPr>
+          <a:xfrm>
+            <a:off x="211629" y="5309391"/>
+            <a:ext cx="2129004" cy="738664"/>
+          </a:xfrm>
+          <a:prstGeom prst="rect">
+            <a:avLst/>
+          </a:prstGeom>
+          <a:noFill/>
+        </p:spPr>
+        <p:txBody>
+          <a:bodyPr wrap="square" rtlCol="0">
+            <a:spAutoFit/>
+          </a:bodyPr>
+          <a:lstStyle/>
+          <a:p>
+            <a:r>
+              <a:rPr lang="en-GB" sz="1400" dirty="0">
+                <a:latin typeface="+mj-lt"/>
+              </a:rPr>
+              <a:t>Footer with tweets, about section,</a:t>
+            </a:r>
+            <a:br>
+              <a:rPr lang="en-GB" sz="1400" dirty="0">
+                <a:latin typeface="+mj-lt"/>
+              </a:rPr>
+            </a:br>
+            <a:r>
+              <a:rPr lang="en-GB" sz="1400" dirty="0">
+                <a:latin typeface="+mj-lt"/>
+              </a:rPr>
+              <a:t>and contact</a:t>
+            </a:r>
+          </a:p>
+        </p:txBody>
+      </p:sp>
+      <p:sp>
+        <p:nvSpPr>
+          <p:cNvPr id="10" name="TextBox 9"/>
+          <p:cNvSpPr txBox="1"/>
+          <p:nvPr/>
+        </p:nvSpPr>
+        <p:spPr>
+          <a:xfrm>
+            <a:off x="211631" y="2960993"/>
+            <a:ext cx="1742619" cy="307777"/>
+          </a:xfrm>
+          <a:prstGeom prst="rect">
+            <a:avLst/>
+          </a:prstGeom>
+          <a:noFill/>
+        </p:spPr>
+        <p:txBody>
+          <a:bodyPr wrap="square" rtlCol="0">
+            <a:spAutoFit/>
+          </a:bodyPr>
+          <a:lstStyle/>
+          <a:p>
+            <a:r>
+              <a:rPr lang="en-GB" sz="1400" dirty="0">
+                <a:latin typeface="+mj-lt"/>
+              </a:rPr>
+              <a:t>Profile Picture</a:t>
+            </a:r>
+          </a:p>
+        </p:txBody>
+      </p:sp>
+      <p:sp>
+        <p:nvSpPr>
+          <p:cNvPr id="11" name="TextBox 10"/>
+          <p:cNvSpPr txBox="1"/>
+          <p:nvPr/>
+        </p:nvSpPr>
+        <p:spPr>
+          <a:xfrm>
+            <a:off x="211630" y="3523022"/>
+            <a:ext cx="1742619" cy="307777"/>
+          </a:xfrm>
+          <a:prstGeom prst="rect">
+            <a:avLst/>
+          </a:prstGeom>
+          <a:noFill/>
+        </p:spPr>
+        <p:txBody>
+          <a:bodyPr wrap="square" rtlCol="0">
+            <a:spAutoFit/>
+          </a:bodyPr>
+          <a:lstStyle/>
+          <a:p>
+            <a:r>
+              <a:rPr lang="en-GB" sz="1400" dirty="0">
+                <a:latin typeface="+mj-lt"/>
+              </a:rPr>
+              <a:t>Profile information </a:t>
+            </a:r>
+          </a:p>
+        </p:txBody>
+      </p:sp>
+      <p:sp>
+        <p:nvSpPr>
+          <p:cNvPr id="12" name="TextBox 11"/>
+          <p:cNvSpPr txBox="1"/>
+          <p:nvPr/>
+        </p:nvSpPr>
+        <p:spPr>
+          <a:xfrm>
+            <a:off x="211629" y="4293134"/>
+            <a:ext cx="1742619" cy="307777"/>
+          </a:xfrm>
+          <a:prstGeom prst="rect">
+            <a:avLst/>
+          </a:prstGeom>
+          <a:noFill/>
+        </p:spPr>
+        <p:txBody>
+          <a:bodyPr wrap="square" rtlCol="0">
+            <a:spAutoFit/>
+          </a:bodyPr>
+          <a:lstStyle/>
+          <a:p>
+            <a:r>
+              <a:rPr lang="en-GB" sz="1400" dirty="0">
+                <a:latin typeface="+mj-lt"/>
+              </a:rPr>
+              <a:t>All users art</a:t>
+            </a:r>
+          </a:p>
+        </p:txBody>
+      </p:sp>
+    </p:spTree>
+    <p:extLst>
+      <p:ext uri="{BB962C8B-B14F-4D97-AF65-F5344CB8AC3E}">
+        <p14:creationId xmlns:p14="http://schemas.microsoft.com/office/powerpoint/2010/main" val="1094043328"/>
+      </p:ext>
+    </p:extLst>
+  </p:cSld>
+  <p:clrMapOvr>
+    <a:masterClrMapping/>
+  </p:clrMapOvr>
+</p:sld>
+</file>
+
+<file path=ppt/slides/slide9.xml><?xml version="1.0" encoding="utf-8"?>
+<p:sld xmlns:a="http://schemas.openxmlformats.org/drawingml/2006/main" xmlns:r="http://schemas.openxmlformats.org/officeDocument/2006/relationships" xmlns:p="http://schemas.openxmlformats.org/presentationml/2006/main">
+  <p:cSld>
+    <p:spTree>
+      <p:nvGrpSpPr>
+        <p:cNvPr id="1" name=""/>
+        <p:cNvGrpSpPr/>
+        <p:nvPr/>
+      </p:nvGrpSpPr>
+      <p:grpSpPr>
+        <a:xfrm>
+          <a:off x="0" y="0"/>
+          <a:ext cx="0" cy="0"/>
+          <a:chOff x="0" y="0"/>
+          <a:chExt cx="0" cy="0"/>
+        </a:xfrm>
+      </p:grpSpPr>
+      <p:pic>
+        <p:nvPicPr>
+          <p:cNvPr id="4" name="Picture 3"/>
+          <p:cNvPicPr>
+            <a:picLocks noChangeAspect="1"/>
+          </p:cNvPicPr>
+          <p:nvPr/>
+        </p:nvPicPr>
+        <p:blipFill>
+          <a:blip r:embed="rId2"/>
+          <a:stretch>
+            <a:fillRect/>
+          </a:stretch>
+        </p:blipFill>
+        <p:spPr>
+          <a:xfrm>
+            <a:off x="2544402" y="0"/>
+            <a:ext cx="6126718" cy="6858000"/>
+          </a:xfrm>
+          <a:prstGeom prst="rect">
+            <a:avLst/>
+          </a:prstGeom>
+        </p:spPr>
+      </p:pic>
+      <p:sp>
+        <p:nvSpPr>
+          <p:cNvPr id="5" name="TextBox 4"/>
+          <p:cNvSpPr txBox="1"/>
+          <p:nvPr/>
+        </p:nvSpPr>
+        <p:spPr>
+          <a:xfrm>
+            <a:off x="308053" y="151430"/>
+            <a:ext cx="2538486" cy="707886"/>
+          </a:xfrm>
+          <a:prstGeom prst="rect">
+            <a:avLst/>
+          </a:prstGeom>
+          <a:noFill/>
+        </p:spPr>
+        <p:txBody>
+          <a:bodyPr wrap="square" rtlCol="0">
+            <a:spAutoFit/>
+          </a:bodyPr>
+          <a:lstStyle/>
+          <a:p>
+            <a:r>
+              <a:rPr lang="en-GB" sz="2000" dirty="0"/>
+              <a:t>Wireframe from </a:t>
+            </a:r>
+            <a:br>
+              <a:rPr lang="en-GB" sz="2000" dirty="0"/>
+            </a:br>
+            <a:r>
+              <a:rPr lang="en-GB" sz="2000" dirty="0"/>
+              <a:t>Design Spec</a:t>
+            </a:r>
+          </a:p>
+        </p:txBody>
+      </p:sp>
+      <p:sp>
+        <p:nvSpPr>
+          <p:cNvPr id="6" name="TextBox 5"/>
+          <p:cNvSpPr txBox="1"/>
+          <p:nvPr/>
+        </p:nvSpPr>
+        <p:spPr>
+          <a:xfrm>
+            <a:off x="211633" y="1470339"/>
+            <a:ext cx="1742619" cy="323165"/>
+          </a:xfrm>
+          <a:prstGeom prst="rect">
+            <a:avLst/>
+          </a:prstGeom>
+          <a:noFill/>
+        </p:spPr>
+        <p:txBody>
+          <a:bodyPr wrap="square" rtlCol="0">
+            <a:spAutoFit/>
+          </a:bodyPr>
+          <a:lstStyle/>
+          <a:p>
+            <a:r>
+              <a:rPr lang="en-GB" sz="1500" dirty="0">
+                <a:latin typeface="+mj-lt"/>
+              </a:rPr>
+              <a:t>Artbud logo</a:t>
+            </a:r>
+          </a:p>
+        </p:txBody>
+      </p:sp>
+      <p:sp>
+        <p:nvSpPr>
+          <p:cNvPr id="7" name="TextBox 6"/>
+          <p:cNvSpPr txBox="1"/>
+          <p:nvPr/>
+        </p:nvSpPr>
+        <p:spPr>
+          <a:xfrm>
+            <a:off x="211627" y="2639239"/>
+            <a:ext cx="1742619" cy="307777"/>
+          </a:xfrm>
+          <a:prstGeom prst="rect">
+            <a:avLst/>
+          </a:prstGeom>
+          <a:noFill/>
+        </p:spPr>
+        <p:txBody>
+          <a:bodyPr wrap="square" rtlCol="0">
+            <a:spAutoFit/>
+          </a:bodyPr>
+          <a:lstStyle/>
+          <a:p>
+            <a:r>
+              <a:rPr lang="en-GB" sz="1400" dirty="0">
+                <a:latin typeface="+mj-lt"/>
+              </a:rPr>
+              <a:t>Search bar</a:t>
+            </a:r>
+          </a:p>
+        </p:txBody>
+      </p:sp>
+      <p:sp>
+        <p:nvSpPr>
+          <p:cNvPr id="8" name="TextBox 7"/>
+          <p:cNvSpPr txBox="1"/>
+          <p:nvPr/>
+        </p:nvSpPr>
+        <p:spPr>
+          <a:xfrm>
+            <a:off x="211633" y="5371025"/>
+            <a:ext cx="2129004" cy="738664"/>
+          </a:xfrm>
+          <a:prstGeom prst="rect">
+            <a:avLst/>
+          </a:prstGeom>
+          <a:noFill/>
+        </p:spPr>
+        <p:txBody>
+          <a:bodyPr wrap="square" rtlCol="0">
+            <a:spAutoFit/>
+          </a:bodyPr>
+          <a:lstStyle/>
+          <a:p>
+            <a:r>
+              <a:rPr lang="en-GB" sz="1400" dirty="0">
+                <a:latin typeface="+mj-lt"/>
+              </a:rPr>
+              <a:t>Footer with tweets, about section,</a:t>
+            </a:r>
+            <a:br>
+              <a:rPr lang="en-GB" sz="1400" dirty="0">
+                <a:latin typeface="+mj-lt"/>
+              </a:rPr>
+            </a:br>
+            <a:r>
+              <a:rPr lang="en-GB" sz="1400" dirty="0">
+                <a:latin typeface="+mj-lt"/>
+              </a:rPr>
+              <a:t>and contact</a:t>
+            </a:r>
+          </a:p>
+        </p:txBody>
+      </p:sp>
+      <p:sp>
+        <p:nvSpPr>
+          <p:cNvPr id="9" name="TextBox 8"/>
+          <p:cNvSpPr txBox="1"/>
+          <p:nvPr/>
+        </p:nvSpPr>
+        <p:spPr>
+          <a:xfrm>
+            <a:off x="211628" y="3246728"/>
+            <a:ext cx="1742619" cy="523220"/>
+          </a:xfrm>
+          <a:prstGeom prst="rect">
+            <a:avLst/>
+          </a:prstGeom>
+          <a:noFill/>
+        </p:spPr>
+        <p:txBody>
+          <a:bodyPr wrap="square" rtlCol="0">
+            <a:spAutoFit/>
+          </a:bodyPr>
+          <a:lstStyle/>
+          <a:p>
+            <a:r>
+              <a:rPr lang="en-GB" sz="1400" dirty="0">
+                <a:latin typeface="+mj-lt"/>
+              </a:rPr>
+              <a:t>Main Page Picture</a:t>
+            </a:r>
+          </a:p>
+        </p:txBody>
+      </p:sp>
+      <p:sp>
+        <p:nvSpPr>
+          <p:cNvPr id="10" name="TextBox 9"/>
+          <p:cNvSpPr txBox="1"/>
+          <p:nvPr/>
+        </p:nvSpPr>
+        <p:spPr>
+          <a:xfrm>
+            <a:off x="211629" y="4369372"/>
+            <a:ext cx="1742619" cy="307777"/>
+          </a:xfrm>
+          <a:prstGeom prst="rect">
+            <a:avLst/>
+          </a:prstGeom>
+          <a:noFill/>
+        </p:spPr>
+        <p:txBody>
+          <a:bodyPr wrap="square" rtlCol="0">
+            <a:spAutoFit/>
+          </a:bodyPr>
+          <a:lstStyle/>
+          <a:p>
+            <a:r>
+              <a:rPr lang="en-GB" sz="1400" dirty="0">
+                <a:latin typeface="+mj-lt"/>
+              </a:rPr>
+              <a:t>Best and New Art</a:t>
+            </a:r>
+          </a:p>
+        </p:txBody>
+      </p:sp>
+      <p:sp>
+        <p:nvSpPr>
+          <p:cNvPr id="12" name="TextBox 11"/>
+          <p:cNvSpPr txBox="1"/>
+          <p:nvPr/>
+        </p:nvSpPr>
+        <p:spPr>
+          <a:xfrm>
+            <a:off x="211627" y="2063953"/>
+            <a:ext cx="1742619" cy="307777"/>
+          </a:xfrm>
+          <a:prstGeom prst="rect">
+            <a:avLst/>
+          </a:prstGeom>
+          <a:noFill/>
+        </p:spPr>
+        <p:txBody>
+          <a:bodyPr wrap="square" rtlCol="0">
+            <a:spAutoFit/>
+          </a:bodyPr>
+          <a:lstStyle/>
+          <a:p>
+            <a:r>
+              <a:rPr lang="en-GB" sz="1400" dirty="0">
+                <a:latin typeface="+mj-lt"/>
+              </a:rPr>
+              <a:t>Navigation bar</a:t>
+            </a:r>
+          </a:p>
+        </p:txBody>
+      </p:sp>
+    </p:spTree>
+    <p:extLst>
+      <p:ext uri="{BB962C8B-B14F-4D97-AF65-F5344CB8AC3E}">
+        <p14:creationId xmlns:p14="http://schemas.microsoft.com/office/powerpoint/2010/main" val="1351903483"/>
       </p:ext>
     </p:extLst>
   </p:cSld>

--- a/presentation_material/powerpoint.pptx
+++ b/presentation_material/powerpoint.pptx
@@ -15,6 +15,7 @@
     <p:sldId id="266" r:id="rId9"/>
     <p:sldId id="265" r:id="rId10"/>
     <p:sldId id="267" r:id="rId11"/>
+    <p:sldId id="268" r:id="rId12"/>
   </p:sldIdLst>
   <p:sldSz cx="9144000" cy="6858000" type="screen4x3"/>
   <p:notesSz cx="6858000" cy="9144000"/>
@@ -115,16 +116,16 @@
   </p:defaultTextStyle>
   <p:extLst>
     <p:ext uri="{EFAFB233-063F-42B5-8137-9DF3F51BA10A}">
-      <p15:sldGuideLst xmlns:p15="http://schemas.microsoft.com/office/powerpoint/2012/main"/>
+      <p15:sldGuideLst xmlns:p15="http://schemas.microsoft.com/office/powerpoint/2012/main" xmlns=""/>
     </p:ext>
   </p:extLst>
 </p:presentation>
 </file>
 
 <file path=ppt/charts/chart1.xml><?xml version="1.0" encoding="utf-8"?>
-<c:chartSpace xmlns:c="http://schemas.openxmlformats.org/drawingml/2006/chart" xmlns:a="http://schemas.openxmlformats.org/drawingml/2006/main" xmlns:r="http://schemas.openxmlformats.org/officeDocument/2006/relationships" xmlns:c16r2="http://schemas.microsoft.com/office/drawing/2015/06/chart">
+<c:chartSpace xmlns:c="http://schemas.openxmlformats.org/drawingml/2006/chart" xmlns:a="http://schemas.openxmlformats.org/drawingml/2006/main" xmlns:r="http://schemas.openxmlformats.org/officeDocument/2006/relationships">
   <c:date1904 val="0"/>
-  <c:lang val="en-US"/>
+  <c:lang val="en-GB"/>
   <c:roundedCorners val="0"/>
   <mc:AlternateContent xmlns:mc="http://schemas.openxmlformats.org/markup-compatibility/2006">
     <mc:Choice xmlns:c14="http://schemas.microsoft.com/office/drawing/2007/8/2/chart" Requires="c14">
@@ -161,6 +162,7 @@
           </a:p>
         </c:rich>
       </c:tx>
+      <c:layout/>
       <c:overlay val="0"/>
       <c:spPr>
         <a:noFill/>
@@ -169,26 +171,6 @@
         </a:ln>
         <a:effectLst/>
       </c:spPr>
-      <c:txPr>
-        <a:bodyPr rot="0" spcFirstLastPara="1" vertOverflow="ellipsis" vert="horz" wrap="square" anchor="ctr" anchorCtr="1"/>
-        <a:lstStyle/>
-        <a:p>
-          <a:pPr>
-            <a:defRPr sz="1862" b="0" i="0" u="none" strike="noStrike" kern="1200" spc="0" baseline="0">
-              <a:solidFill>
-                <a:schemeClr val="tx1">
-                  <a:lumMod val="65000"/>
-                  <a:lumOff val="35000"/>
-                </a:schemeClr>
-              </a:solidFill>
-              <a:latin typeface="+mn-lt"/>
-              <a:ea typeface="+mn-ea"/>
-              <a:cs typeface="+mn-cs"/>
-            </a:defRPr>
-          </a:pPr>
-          <a:endParaRPr lang="en-US"/>
-        </a:p>
-      </c:txPr>
     </c:title>
     <c:autoTitleDeleted val="0"/>
     <c:view3D>
@@ -196,6 +178,7 @@
       <c:rotY val="0"/>
       <c:depthPercent val="100"/>
       <c:rAngAx val="0"/>
+      <c:perspective val="30"/>
     </c:view3D>
     <c:floor>
       <c:thickness val="0"/>
@@ -259,7 +242,7 @@
                 </a:contourClr>
               </a:sp3d>
             </c:spPr>
-            <c:extLst>
+            <c:extLst xmlns:c16r2="http://schemas.microsoft.com/office/drawing/2015/06/chart">
               <c:ext xmlns:c16="http://schemas.microsoft.com/office/drawing/2014/chart" uri="{C3380CC4-5D6E-409C-BE32-E72D297353CC}">
                 <c16:uniqueId val="{00000001-525C-4E22-AEBE-6DEE0FE439E9}"/>
               </c:ext>
@@ -286,7 +269,7 @@
                 </a:contourClr>
               </a:sp3d>
             </c:spPr>
-            <c:extLst>
+            <c:extLst xmlns:c16r2="http://schemas.microsoft.com/office/drawing/2015/06/chart">
               <c:ext xmlns:c16="http://schemas.microsoft.com/office/drawing/2014/chart" uri="{C3380CC4-5D6E-409C-BE32-E72D297353CC}">
                 <c16:uniqueId val="{00000003-525C-4E22-AEBE-6DEE0FE439E9}"/>
               </c:ext>
@@ -311,7 +294,7 @@
                 </a:contourClr>
               </a:sp3d>
             </c:spPr>
-            <c:extLst>
+            <c:extLst xmlns:c16r2="http://schemas.microsoft.com/office/drawing/2015/06/chart">
               <c:ext xmlns:c16="http://schemas.microsoft.com/office/drawing/2014/chart" uri="{C3380CC4-5D6E-409C-BE32-E72D297353CC}">
                 <c16:uniqueId val="{00000005-525C-4E22-AEBE-6DEE0FE439E9}"/>
               </c:ext>
@@ -369,7 +352,7 @@
                 <a:effectLst/>
               </c:spPr>
             </c:leaderLines>
-            <c:extLst>
+            <c:extLst xmlns:c16r2="http://schemas.microsoft.com/office/drawing/2015/06/chart">
               <c:ext xmlns:c15="http://schemas.microsoft.com/office/drawing/2012/chart" uri="{CE6537A1-D6FC-4f65-9D91-7224C49458BB}"/>
             </c:extLst>
           </c:dLbls>
@@ -408,7 +391,7 @@
               </c:numCache>
             </c:numRef>
           </c:val>
-          <c:extLst>
+          <c:extLst xmlns:c16r2="http://schemas.microsoft.com/office/drawing/2015/06/chart">
             <c:ext xmlns:c16="http://schemas.microsoft.com/office/drawing/2014/chart" uri="{C3380CC4-5D6E-409C-BE32-E72D297353CC}">
               <c16:uniqueId val="{00000006-525C-4E22-AEBE-6DEE0FE439E9}"/>
             </c:ext>
@@ -504,6 +487,7 @@
           </a:p>
         </c:txPr>
       </c:legendEntry>
+      <c:layout/>
       <c:overlay val="0"/>
       <c:spPr>
         <a:noFill/>
@@ -554,7 +538,7 @@
       <a:endParaRPr lang="en-US"/>
     </a:p>
   </c:txPr>
-  <c:externalData r:id="rId3">
+  <c:externalData r:id="rId1">
     <c:autoUpdate val="0"/>
   </c:externalData>
 </c:chartSpace>
@@ -7041,6 +7025,97 @@
 </p:sld>
 </file>
 
+<file path=ppt/slides/slide11.xml><?xml version="1.0" encoding="utf-8"?>
+<p:sld xmlns:a="http://schemas.openxmlformats.org/drawingml/2006/main" xmlns:r="http://schemas.openxmlformats.org/officeDocument/2006/relationships" xmlns:p="http://schemas.openxmlformats.org/presentationml/2006/main">
+  <p:cSld>
+    <p:spTree>
+      <p:nvGrpSpPr>
+        <p:cNvPr id="1" name=""/>
+        <p:cNvGrpSpPr/>
+        <p:nvPr/>
+      </p:nvGrpSpPr>
+      <p:grpSpPr>
+        <a:xfrm>
+          <a:off x="0" y="0"/>
+          <a:ext cx="0" cy="0"/>
+          <a:chOff x="0" y="0"/>
+          <a:chExt cx="0" cy="0"/>
+        </a:xfrm>
+      </p:grpSpPr>
+      <p:sp>
+        <p:nvSpPr>
+          <p:cNvPr id="2" name="Title 1"/>
+          <p:cNvSpPr>
+            <a:spLocks noGrp="1"/>
+          </p:cNvSpPr>
+          <p:nvPr>
+            <p:ph type="title"/>
+          </p:nvPr>
+        </p:nvSpPr>
+        <p:spPr>
+          <a:xfrm>
+            <a:off x="459259" y="368643"/>
+            <a:ext cx="6554867" cy="1524000"/>
+          </a:xfrm>
+        </p:spPr>
+        <p:txBody>
+          <a:bodyPr/>
+          <a:lstStyle/>
+          <a:p>
+            <a:r>
+              <a:rPr lang="en-GB" dirty="0" smtClean="0"/>
+              <a:t>Issues we faced</a:t>
+            </a:r>
+            <a:endParaRPr lang="en-GB" dirty="0"/>
+          </a:p>
+        </p:txBody>
+      </p:sp>
+      <p:sp>
+        <p:nvSpPr>
+          <p:cNvPr id="3" name="Content Placeholder 2"/>
+          <p:cNvSpPr>
+            <a:spLocks noGrp="1"/>
+          </p:cNvSpPr>
+          <p:nvPr>
+            <p:ph idx="1"/>
+          </p:nvPr>
+        </p:nvSpPr>
+        <p:spPr>
+          <a:xfrm>
+            <a:off x="446903" y="2164492"/>
+            <a:ext cx="6554867" cy="3767670"/>
+          </a:xfrm>
+        </p:spPr>
+        <p:txBody>
+          <a:bodyPr/>
+          <a:lstStyle/>
+          <a:p>
+            <a:r>
+              <a:rPr lang="en-GB" dirty="0" smtClean="0"/>
+              <a:t>Getting artwork to display in correct categories.</a:t>
+            </a:r>
+          </a:p>
+          <a:p>
+            <a:r>
+              <a:rPr lang="en-GB" dirty="0" smtClean="0"/>
+              <a:t>Being able to delete other peoples’ artwork.</a:t>
+            </a:r>
+          </a:p>
+        </p:txBody>
+      </p:sp>
+    </p:spTree>
+    <p:extLst>
+      <p:ext uri="{BB962C8B-B14F-4D97-AF65-F5344CB8AC3E}">
+        <p14:creationId xmlns:p14="http://schemas.microsoft.com/office/powerpoint/2010/main" val="3013873189"/>
+      </p:ext>
+    </p:extLst>
+  </p:cSld>
+  <p:clrMapOvr>
+    <a:masterClrMapping/>
+  </p:clrMapOvr>
+</p:sld>
+</file>
+
 <file path=ppt/slides/slide2.xml><?xml version="1.0" encoding="utf-8"?>
 <p:sld xmlns:a="http://schemas.openxmlformats.org/drawingml/2006/main" xmlns:r="http://schemas.openxmlformats.org/officeDocument/2006/relationships" xmlns:p="http://schemas.openxmlformats.org/presentationml/2006/main">
   <p:cSld>
@@ -9051,7 +9126,7 @@
   <a:extraClrSchemeLst/>
   <a:extLst>
     <a:ext uri="{05A4C25C-085E-4340-85A3-A5531E510DB2}">
-      <thm15:themeFamily xmlns:thm15="http://schemas.microsoft.com/office/thememl/2012/main" name="Slice" id="{0507925B-6AC9-4358-8E18-C330545D08F8}" vid="{13FEC7C6-62A9-40C4-99D2-581AACACAA2F}"/>
+      <thm15:themeFamily xmlns:thm15="http://schemas.microsoft.com/office/thememl/2012/main" xmlns="" name="Slice" id="{0507925B-6AC9-4358-8E18-C330545D08F8}" vid="{13FEC7C6-62A9-40C4-99D2-581AACACAA2F}"/>
     </a:ext>
   </a:extLst>
 </a:theme>

--- a/presentation_material/powerpoint.pptx
+++ b/presentation_material/powerpoint.pptx
@@ -16,6 +16,7 @@
     <p:sldId id="265" r:id="rId10"/>
     <p:sldId id="267" r:id="rId11"/>
     <p:sldId id="268" r:id="rId12"/>
+    <p:sldId id="269" r:id="rId13"/>
   </p:sldIdLst>
   <p:sldSz cx="9144000" cy="6858000" type="screen4x3"/>
   <p:notesSz cx="6858000" cy="9144000"/>
@@ -116,7 +117,7 @@
   </p:defaultTextStyle>
   <p:extLst>
     <p:ext uri="{EFAFB233-063F-42B5-8137-9DF3F51BA10A}">
-      <p15:sldGuideLst xmlns:p15="http://schemas.microsoft.com/office/powerpoint/2012/main" xmlns=""/>
+      <p15:sldGuideLst xmlns="" xmlns:p15="http://schemas.microsoft.com/office/powerpoint/2012/main"/>
     </p:ext>
   </p:extLst>
 </p:presentation>
@@ -365,7 +366,7 @@
                   <c:v>Python</c:v>
                 </c:pt>
                 <c:pt idx="1">
-                  <c:v>HTML</c:v>
+                  <c:v>HTML/CSS</c:v>
                 </c:pt>
                 <c:pt idx="2">
                   <c:v>JavaScript</c:v>
@@ -6482,7 +6483,7 @@
         </p:blipFill>
         <p:spPr>
           <a:xfrm>
-            <a:off x="1391993" y="587275"/>
+            <a:off x="1420973" y="1514031"/>
             <a:ext cx="6096699" cy="3400948"/>
           </a:xfrm>
           <a:prstGeom prst="rect">
@@ -6490,271 +6491,6 @@
           </a:prstGeom>
         </p:spPr>
       </p:pic>
-      <p:sp>
-        <p:nvSpPr>
-          <p:cNvPr id="3" name="Subtitle 2"/>
-          <p:cNvSpPr txBox="1">
-            <a:spLocks/>
-          </p:cNvSpPr>
-          <p:nvPr/>
-        </p:nvSpPr>
-        <p:spPr>
-          <a:xfrm>
-            <a:off x="630692" y="4250889"/>
-            <a:ext cx="6858000" cy="1750484"/>
-          </a:xfrm>
-          <a:prstGeom prst="rect">
-            <a:avLst/>
-          </a:prstGeom>
-        </p:spPr>
-        <p:txBody>
-          <a:bodyPr vert="horz" lIns="91440" tIns="45720" rIns="91440" bIns="45720" rtlCol="0" anchor="ctr">
-            <a:normAutofit/>
-          </a:bodyPr>
-          <a:lstStyle>
-            <a:lvl1pPr marL="285750" indent="-285750" algn="l" defTabSz="457200" rtl="0" eaLnBrk="1" latinLnBrk="0" hangingPunct="1">
-              <a:spcBef>
-                <a:spcPct val="20000"/>
-              </a:spcBef>
-              <a:spcAft>
-                <a:spcPts val="600"/>
-              </a:spcAft>
-              <a:buClr>
-                <a:schemeClr val="tx1"/>
-              </a:buClr>
-              <a:buSzPct val="80000"/>
-              <a:buFont typeface="Wingdings 3" panose="05040102010807070707" pitchFamily="18" charset="2"/>
-              <a:buChar char=""/>
-              <a:defRPr sz="2000" kern="1200" cap="none">
-                <a:solidFill>
-                  <a:schemeClr val="bg2">
-                    <a:lumMod val="75000"/>
-                  </a:schemeClr>
-                </a:solidFill>
-                <a:effectLst/>
-                <a:latin typeface="+mn-lt"/>
-                <a:ea typeface="+mn-ea"/>
-                <a:cs typeface="+mn-cs"/>
-              </a:defRPr>
-            </a:lvl1pPr>
-            <a:lvl2pPr marL="742950" indent="-285750" algn="l" defTabSz="457200" rtl="0" eaLnBrk="1" latinLnBrk="0" hangingPunct="1">
-              <a:spcBef>
-                <a:spcPct val="20000"/>
-              </a:spcBef>
-              <a:spcAft>
-                <a:spcPts val="600"/>
-              </a:spcAft>
-              <a:buClr>
-                <a:schemeClr val="tx1"/>
-              </a:buClr>
-              <a:buSzPct val="80000"/>
-              <a:buFont typeface="Wingdings 3" panose="05040102010807070707" pitchFamily="18" charset="2"/>
-              <a:buChar char=""/>
-              <a:defRPr sz="1800" kern="1200" cap="none">
-                <a:solidFill>
-                  <a:schemeClr val="bg2">
-                    <a:lumMod val="75000"/>
-                  </a:schemeClr>
-                </a:solidFill>
-                <a:effectLst/>
-                <a:latin typeface="+mn-lt"/>
-                <a:ea typeface="+mn-ea"/>
-                <a:cs typeface="+mn-cs"/>
-              </a:defRPr>
-            </a:lvl2pPr>
-            <a:lvl3pPr marL="1200150" indent="-285750" algn="l" defTabSz="457200" rtl="0" eaLnBrk="1" latinLnBrk="0" hangingPunct="1">
-              <a:spcBef>
-                <a:spcPct val="20000"/>
-              </a:spcBef>
-              <a:spcAft>
-                <a:spcPts val="600"/>
-              </a:spcAft>
-              <a:buClr>
-                <a:schemeClr val="tx1"/>
-              </a:buClr>
-              <a:buSzPct val="80000"/>
-              <a:buFont typeface="Wingdings 3" panose="05040102010807070707" pitchFamily="18" charset="2"/>
-              <a:buChar char=""/>
-              <a:defRPr sz="1600" kern="1200" cap="none">
-                <a:solidFill>
-                  <a:schemeClr val="bg2">
-                    <a:lumMod val="75000"/>
-                  </a:schemeClr>
-                </a:solidFill>
-                <a:effectLst/>
-                <a:latin typeface="+mn-lt"/>
-                <a:ea typeface="+mn-ea"/>
-                <a:cs typeface="+mn-cs"/>
-              </a:defRPr>
-            </a:lvl3pPr>
-            <a:lvl4pPr marL="1543050" indent="-171450" algn="l" defTabSz="457200" rtl="0" eaLnBrk="1" latinLnBrk="0" hangingPunct="1">
-              <a:spcBef>
-                <a:spcPct val="20000"/>
-              </a:spcBef>
-              <a:spcAft>
-                <a:spcPts val="600"/>
-              </a:spcAft>
-              <a:buClr>
-                <a:schemeClr val="tx1"/>
-              </a:buClr>
-              <a:buSzPct val="80000"/>
-              <a:buFont typeface="Wingdings 3" panose="05040102010807070707" pitchFamily="18" charset="2"/>
-              <a:buChar char=""/>
-              <a:defRPr sz="1400" kern="1200" cap="none">
-                <a:solidFill>
-                  <a:schemeClr val="bg2">
-                    <a:lumMod val="75000"/>
-                  </a:schemeClr>
-                </a:solidFill>
-                <a:effectLst/>
-                <a:latin typeface="+mn-lt"/>
-                <a:ea typeface="+mn-ea"/>
-                <a:cs typeface="+mn-cs"/>
-              </a:defRPr>
-            </a:lvl4pPr>
-            <a:lvl5pPr marL="2000250" indent="-171450" algn="l" defTabSz="457200" rtl="0" eaLnBrk="1" latinLnBrk="0" hangingPunct="1">
-              <a:spcBef>
-                <a:spcPct val="20000"/>
-              </a:spcBef>
-              <a:spcAft>
-                <a:spcPts val="600"/>
-              </a:spcAft>
-              <a:buClr>
-                <a:schemeClr val="tx1"/>
-              </a:buClr>
-              <a:buSzPct val="80000"/>
-              <a:buFont typeface="Wingdings 3" panose="05040102010807070707" pitchFamily="18" charset="2"/>
-              <a:buChar char=""/>
-              <a:defRPr sz="1400" kern="1200" cap="none">
-                <a:solidFill>
-                  <a:schemeClr val="bg2">
-                    <a:lumMod val="75000"/>
-                  </a:schemeClr>
-                </a:solidFill>
-                <a:effectLst/>
-                <a:latin typeface="+mn-lt"/>
-                <a:ea typeface="+mn-ea"/>
-                <a:cs typeface="+mn-cs"/>
-              </a:defRPr>
-            </a:lvl5pPr>
-            <a:lvl6pPr marL="2514600" indent="-228600" algn="l" defTabSz="457200" rtl="0" eaLnBrk="1" latinLnBrk="0" hangingPunct="1">
-              <a:spcBef>
-                <a:spcPct val="20000"/>
-              </a:spcBef>
-              <a:spcAft>
-                <a:spcPts val="600"/>
-              </a:spcAft>
-              <a:buClr>
-                <a:schemeClr val="tx1"/>
-              </a:buClr>
-              <a:buSzPct val="80000"/>
-              <a:buFont typeface="Wingdings 3" panose="05040102010807070707" pitchFamily="18" charset="2"/>
-              <a:buChar char=""/>
-              <a:defRPr sz="1400" kern="1200" cap="none">
-                <a:solidFill>
-                  <a:schemeClr val="bg2">
-                    <a:lumMod val="75000"/>
-                  </a:schemeClr>
-                </a:solidFill>
-                <a:effectLst/>
-                <a:latin typeface="+mn-lt"/>
-                <a:ea typeface="+mn-ea"/>
-                <a:cs typeface="+mn-cs"/>
-              </a:defRPr>
-            </a:lvl6pPr>
-            <a:lvl7pPr marL="2971800" indent="-228600" algn="l" defTabSz="457200" rtl="0" eaLnBrk="1" latinLnBrk="0" hangingPunct="1">
-              <a:spcBef>
-                <a:spcPct val="20000"/>
-              </a:spcBef>
-              <a:spcAft>
-                <a:spcPts val="600"/>
-              </a:spcAft>
-              <a:buClr>
-                <a:schemeClr val="tx1"/>
-              </a:buClr>
-              <a:buSzPct val="80000"/>
-              <a:buFont typeface="Wingdings 3" panose="05040102010807070707" pitchFamily="18" charset="2"/>
-              <a:buChar char=""/>
-              <a:defRPr sz="1400" kern="1200" cap="none">
-                <a:solidFill>
-                  <a:schemeClr val="bg2">
-                    <a:lumMod val="75000"/>
-                  </a:schemeClr>
-                </a:solidFill>
-                <a:effectLst/>
-                <a:latin typeface="+mn-lt"/>
-                <a:ea typeface="+mn-ea"/>
-                <a:cs typeface="+mn-cs"/>
-              </a:defRPr>
-            </a:lvl7pPr>
-            <a:lvl8pPr marL="3429000" indent="-228600" algn="l" defTabSz="457200" rtl="0" eaLnBrk="1" latinLnBrk="0" hangingPunct="1">
-              <a:spcBef>
-                <a:spcPct val="20000"/>
-              </a:spcBef>
-              <a:spcAft>
-                <a:spcPts val="600"/>
-              </a:spcAft>
-              <a:buClr>
-                <a:schemeClr val="tx1"/>
-              </a:buClr>
-              <a:buSzPct val="80000"/>
-              <a:buFont typeface="Wingdings 3" panose="05040102010807070707" pitchFamily="18" charset="2"/>
-              <a:buChar char=""/>
-              <a:defRPr sz="1400" kern="1200" cap="none">
-                <a:solidFill>
-                  <a:schemeClr val="bg2">
-                    <a:lumMod val="75000"/>
-                  </a:schemeClr>
-                </a:solidFill>
-                <a:effectLst/>
-                <a:latin typeface="+mn-lt"/>
-                <a:ea typeface="+mn-ea"/>
-                <a:cs typeface="+mn-cs"/>
-              </a:defRPr>
-            </a:lvl8pPr>
-            <a:lvl9pPr marL="3886200" indent="-228600" algn="l" defTabSz="457200" rtl="0" eaLnBrk="1" latinLnBrk="0" hangingPunct="1">
-              <a:spcBef>
-                <a:spcPct val="20000"/>
-              </a:spcBef>
-              <a:spcAft>
-                <a:spcPts val="600"/>
-              </a:spcAft>
-              <a:buClr>
-                <a:schemeClr val="tx1"/>
-              </a:buClr>
-              <a:buSzPct val="80000"/>
-              <a:buFont typeface="Wingdings 3" panose="05040102010807070707" pitchFamily="18" charset="2"/>
-              <a:buChar char=""/>
-              <a:defRPr sz="1400" kern="1200" cap="none">
-                <a:solidFill>
-                  <a:schemeClr val="bg2">
-                    <a:lumMod val="75000"/>
-                  </a:schemeClr>
-                </a:solidFill>
-                <a:effectLst/>
-                <a:latin typeface="+mn-lt"/>
-                <a:ea typeface="+mn-ea"/>
-                <a:cs typeface="+mn-cs"/>
-              </a:defRPr>
-            </a:lvl9pPr>
-          </a:lstStyle>
-          <a:p>
-            <a:pPr marL="0" indent="0">
-              <a:buNone/>
-            </a:pPr>
-            <a:r>
-              <a:rPr lang="en-GB" dirty="0">
-                <a:solidFill>
-                  <a:schemeClr val="tx1">
-                    <a:lumMod val="75000"/>
-                  </a:schemeClr>
-                </a:solidFill>
-              </a:rPr>
-              <a:t>http://artbud.pythonanywhere.com/artbud/</a:t>
-            </a:r>
-          </a:p>
-        </p:txBody>
-      </p:sp>
     </p:spTree>
     <p:extLst>
       <p:ext uri="{BB962C8B-B14F-4D97-AF65-F5344CB8AC3E}">
@@ -7082,7 +6818,7 @@
         </p:nvSpPr>
         <p:spPr>
           <a:xfrm>
-            <a:off x="446903" y="2164492"/>
+            <a:off x="595184" y="1769076"/>
             <a:ext cx="6554867" cy="3767670"/>
           </a:xfrm>
         </p:spPr>
@@ -7091,15 +6827,97 @@
           <a:lstStyle/>
           <a:p>
             <a:r>
-              <a:rPr lang="en-GB" dirty="0" smtClean="0"/>
-              <a:t>Getting artwork to display in correct categories.</a:t>
-            </a:r>
-          </a:p>
-          <a:p>
-            <a:r>
-              <a:rPr lang="en-GB" dirty="0" smtClean="0"/>
-              <a:t>Being able to delete other peoples’ artwork.</a:t>
-            </a:r>
+              <a:rPr lang="en-GB" dirty="0" smtClean="0">
+                <a:solidFill>
+                  <a:schemeClr val="tx1">
+                    <a:lumMod val="95000"/>
+                  </a:schemeClr>
+                </a:solidFill>
+              </a:rPr>
+              <a:t>Getting </a:t>
+            </a:r>
+            <a:r>
+              <a:rPr lang="en-GB" dirty="0" smtClean="0">
+                <a:solidFill>
+                  <a:schemeClr val="tx1">
+                    <a:lumMod val="95000"/>
+                  </a:schemeClr>
+                </a:solidFill>
+              </a:rPr>
+              <a:t>artwork to display in correct categories</a:t>
+            </a:r>
+            <a:r>
+              <a:rPr lang="en-GB" dirty="0" smtClean="0">
+                <a:solidFill>
+                  <a:schemeClr val="tx1">
+                    <a:lumMod val="95000"/>
+                  </a:schemeClr>
+                </a:solidFill>
+              </a:rPr>
+              <a:t>.</a:t>
+            </a:r>
+          </a:p>
+          <a:p>
+            <a:endParaRPr lang="en-GB" dirty="0" smtClean="0">
+              <a:solidFill>
+                <a:schemeClr val="tx1">
+                  <a:lumMod val="95000"/>
+                </a:schemeClr>
+              </a:solidFill>
+            </a:endParaRPr>
+          </a:p>
+          <a:p>
+            <a:r>
+              <a:rPr lang="en-GB" dirty="0" smtClean="0">
+                <a:solidFill>
+                  <a:schemeClr val="tx1">
+                    <a:lumMod val="95000"/>
+                  </a:schemeClr>
+                </a:solidFill>
+              </a:rPr>
+              <a:t>Being able to delete other peoples’ artwork</a:t>
+            </a:r>
+            <a:r>
+              <a:rPr lang="en-GB" dirty="0" smtClean="0">
+                <a:solidFill>
+                  <a:schemeClr val="tx1">
+                    <a:lumMod val="95000"/>
+                  </a:schemeClr>
+                </a:solidFill>
+              </a:rPr>
+              <a:t>.</a:t>
+            </a:r>
+          </a:p>
+          <a:p>
+            <a:pPr marL="0" indent="0">
+              <a:buNone/>
+            </a:pPr>
+            <a:endParaRPr lang="en-GB" dirty="0" smtClean="0">
+              <a:solidFill>
+                <a:schemeClr val="tx1">
+                  <a:lumMod val="95000"/>
+                </a:schemeClr>
+              </a:solidFill>
+            </a:endParaRPr>
+          </a:p>
+          <a:p>
+            <a:r>
+              <a:rPr lang="en-GB" dirty="0" smtClean="0">
+                <a:solidFill>
+                  <a:schemeClr val="tx1">
+                    <a:lumMod val="95000"/>
+                  </a:schemeClr>
+                </a:solidFill>
+              </a:rPr>
+              <a:t>Getting users to display properly in a list.</a:t>
+            </a:r>
+            <a:endParaRPr lang="en-GB" dirty="0" smtClean="0">
+              <a:solidFill>
+                <a:schemeClr val="tx1">
+                  <a:lumMod val="95000"/>
+                </a:schemeClr>
+              </a:solidFill>
+            </a:endParaRPr>
           </a:p>
         </p:txBody>
       </p:sp>
@@ -7107,6 +6925,348 @@
     <p:extLst>
       <p:ext uri="{BB962C8B-B14F-4D97-AF65-F5344CB8AC3E}">
         <p14:creationId xmlns:p14="http://schemas.microsoft.com/office/powerpoint/2010/main" val="3013873189"/>
+      </p:ext>
+    </p:extLst>
+  </p:cSld>
+  <p:clrMapOvr>
+    <a:masterClrMapping/>
+  </p:clrMapOvr>
+</p:sld>
+</file>
+
+<file path=ppt/slides/slide12.xml><?xml version="1.0" encoding="utf-8"?>
+<p:sld xmlns:a="http://schemas.openxmlformats.org/drawingml/2006/main" xmlns:r="http://schemas.openxmlformats.org/officeDocument/2006/relationships" xmlns:p="http://schemas.openxmlformats.org/presentationml/2006/main">
+  <p:cSld>
+    <p:spTree>
+      <p:nvGrpSpPr>
+        <p:cNvPr id="1" name=""/>
+        <p:cNvGrpSpPr/>
+        <p:nvPr/>
+      </p:nvGrpSpPr>
+      <p:grpSpPr>
+        <a:xfrm>
+          <a:off x="0" y="0"/>
+          <a:ext cx="0" cy="0"/>
+          <a:chOff x="0" y="0"/>
+          <a:chExt cx="0" cy="0"/>
+        </a:xfrm>
+      </p:grpSpPr>
+      <p:sp>
+        <p:nvSpPr>
+          <p:cNvPr id="3" name="Content Placeholder 2"/>
+          <p:cNvSpPr>
+            <a:spLocks noGrp="1"/>
+          </p:cNvSpPr>
+          <p:nvPr>
+            <p:ph idx="1"/>
+          </p:nvPr>
+        </p:nvSpPr>
+        <p:spPr>
+          <a:xfrm>
+            <a:off x="570471" y="335692"/>
+            <a:ext cx="7696200" cy="3767670"/>
+          </a:xfrm>
+        </p:spPr>
+        <p:txBody>
+          <a:bodyPr>
+            <a:normAutofit/>
+          </a:bodyPr>
+          <a:lstStyle/>
+          <a:p>
+            <a:pPr marL="0" indent="0">
+              <a:buNone/>
+            </a:pPr>
+            <a:r>
+              <a:rPr lang="en-GB" sz="2800" dirty="0" smtClean="0">
+                <a:solidFill>
+                  <a:schemeClr val="tx1">
+                    <a:lumMod val="95000"/>
+                  </a:schemeClr>
+                </a:solidFill>
+              </a:rPr>
+              <a:t>Thank you for listening – go check it out!</a:t>
+            </a:r>
+            <a:endParaRPr lang="en-GB" sz="2800" dirty="0">
+              <a:solidFill>
+                <a:schemeClr val="tx1">
+                  <a:lumMod val="95000"/>
+                </a:schemeClr>
+              </a:solidFill>
+            </a:endParaRPr>
+          </a:p>
+        </p:txBody>
+      </p:sp>
+      <p:sp>
+        <p:nvSpPr>
+          <p:cNvPr id="4" name="Subtitle 2"/>
+          <p:cNvSpPr txBox="1">
+            <a:spLocks noGrp="1"/>
+          </p:cNvSpPr>
+          <p:nvPr>
+            <p:ph type="title"/>
+          </p:nvPr>
+        </p:nvSpPr>
+        <p:spPr>
+          <a:xfrm>
+            <a:off x="916459" y="4236308"/>
+            <a:ext cx="6554867" cy="1524000"/>
+          </a:xfrm>
+          <a:prstGeom prst="rect">
+            <a:avLst/>
+          </a:prstGeom>
+        </p:spPr>
+        <p:txBody>
+          <a:bodyPr vert="horz" lIns="91440" tIns="45720" rIns="91440" bIns="45720" rtlCol="0" anchor="ctr">
+            <a:normAutofit/>
+          </a:bodyPr>
+          <a:lstStyle>
+            <a:lvl1pPr marL="285750" indent="-285750" algn="l" defTabSz="457200" rtl="0" eaLnBrk="1" latinLnBrk="0" hangingPunct="1">
+              <a:spcBef>
+                <a:spcPct val="20000"/>
+              </a:spcBef>
+              <a:spcAft>
+                <a:spcPts val="600"/>
+              </a:spcAft>
+              <a:buClr>
+                <a:schemeClr val="tx1"/>
+              </a:buClr>
+              <a:buSzPct val="80000"/>
+              <a:buFont typeface="Wingdings 3" panose="05040102010807070707" pitchFamily="18" charset="2"/>
+              <a:buChar char=""/>
+              <a:defRPr sz="2000" kern="1200" cap="none">
+                <a:solidFill>
+                  <a:schemeClr val="bg2">
+                    <a:lumMod val="75000"/>
+                  </a:schemeClr>
+                </a:solidFill>
+                <a:effectLst/>
+                <a:latin typeface="+mn-lt"/>
+                <a:ea typeface="+mn-ea"/>
+                <a:cs typeface="+mn-cs"/>
+              </a:defRPr>
+            </a:lvl1pPr>
+            <a:lvl2pPr marL="742950" indent="-285750" algn="l" defTabSz="457200" rtl="0" eaLnBrk="1" latinLnBrk="0" hangingPunct="1">
+              <a:spcBef>
+                <a:spcPct val="20000"/>
+              </a:spcBef>
+              <a:spcAft>
+                <a:spcPts val="600"/>
+              </a:spcAft>
+              <a:buClr>
+                <a:schemeClr val="tx1"/>
+              </a:buClr>
+              <a:buSzPct val="80000"/>
+              <a:buFont typeface="Wingdings 3" panose="05040102010807070707" pitchFamily="18" charset="2"/>
+              <a:buChar char=""/>
+              <a:defRPr sz="1800" kern="1200" cap="none">
+                <a:solidFill>
+                  <a:schemeClr val="bg2">
+                    <a:lumMod val="75000"/>
+                  </a:schemeClr>
+                </a:solidFill>
+                <a:effectLst/>
+                <a:latin typeface="+mn-lt"/>
+                <a:ea typeface="+mn-ea"/>
+                <a:cs typeface="+mn-cs"/>
+              </a:defRPr>
+            </a:lvl2pPr>
+            <a:lvl3pPr marL="1200150" indent="-285750" algn="l" defTabSz="457200" rtl="0" eaLnBrk="1" latinLnBrk="0" hangingPunct="1">
+              <a:spcBef>
+                <a:spcPct val="20000"/>
+              </a:spcBef>
+              <a:spcAft>
+                <a:spcPts val="600"/>
+              </a:spcAft>
+              <a:buClr>
+                <a:schemeClr val="tx1"/>
+              </a:buClr>
+              <a:buSzPct val="80000"/>
+              <a:buFont typeface="Wingdings 3" panose="05040102010807070707" pitchFamily="18" charset="2"/>
+              <a:buChar char=""/>
+              <a:defRPr sz="1600" kern="1200" cap="none">
+                <a:solidFill>
+                  <a:schemeClr val="bg2">
+                    <a:lumMod val="75000"/>
+                  </a:schemeClr>
+                </a:solidFill>
+                <a:effectLst/>
+                <a:latin typeface="+mn-lt"/>
+                <a:ea typeface="+mn-ea"/>
+                <a:cs typeface="+mn-cs"/>
+              </a:defRPr>
+            </a:lvl3pPr>
+            <a:lvl4pPr marL="1543050" indent="-171450" algn="l" defTabSz="457200" rtl="0" eaLnBrk="1" latinLnBrk="0" hangingPunct="1">
+              <a:spcBef>
+                <a:spcPct val="20000"/>
+              </a:spcBef>
+              <a:spcAft>
+                <a:spcPts val="600"/>
+              </a:spcAft>
+              <a:buClr>
+                <a:schemeClr val="tx1"/>
+              </a:buClr>
+              <a:buSzPct val="80000"/>
+              <a:buFont typeface="Wingdings 3" panose="05040102010807070707" pitchFamily="18" charset="2"/>
+              <a:buChar char=""/>
+              <a:defRPr sz="1400" kern="1200" cap="none">
+                <a:solidFill>
+                  <a:schemeClr val="bg2">
+                    <a:lumMod val="75000"/>
+                  </a:schemeClr>
+                </a:solidFill>
+                <a:effectLst/>
+                <a:latin typeface="+mn-lt"/>
+                <a:ea typeface="+mn-ea"/>
+                <a:cs typeface="+mn-cs"/>
+              </a:defRPr>
+            </a:lvl4pPr>
+            <a:lvl5pPr marL="2000250" indent="-171450" algn="l" defTabSz="457200" rtl="0" eaLnBrk="1" latinLnBrk="0" hangingPunct="1">
+              <a:spcBef>
+                <a:spcPct val="20000"/>
+              </a:spcBef>
+              <a:spcAft>
+                <a:spcPts val="600"/>
+              </a:spcAft>
+              <a:buClr>
+                <a:schemeClr val="tx1"/>
+              </a:buClr>
+              <a:buSzPct val="80000"/>
+              <a:buFont typeface="Wingdings 3" panose="05040102010807070707" pitchFamily="18" charset="2"/>
+              <a:buChar char=""/>
+              <a:defRPr sz="1400" kern="1200" cap="none">
+                <a:solidFill>
+                  <a:schemeClr val="bg2">
+                    <a:lumMod val="75000"/>
+                  </a:schemeClr>
+                </a:solidFill>
+                <a:effectLst/>
+                <a:latin typeface="+mn-lt"/>
+                <a:ea typeface="+mn-ea"/>
+                <a:cs typeface="+mn-cs"/>
+              </a:defRPr>
+            </a:lvl5pPr>
+            <a:lvl6pPr marL="2514600" indent="-228600" algn="l" defTabSz="457200" rtl="0" eaLnBrk="1" latinLnBrk="0" hangingPunct="1">
+              <a:spcBef>
+                <a:spcPct val="20000"/>
+              </a:spcBef>
+              <a:spcAft>
+                <a:spcPts val="600"/>
+              </a:spcAft>
+              <a:buClr>
+                <a:schemeClr val="tx1"/>
+              </a:buClr>
+              <a:buSzPct val="80000"/>
+              <a:buFont typeface="Wingdings 3" panose="05040102010807070707" pitchFamily="18" charset="2"/>
+              <a:buChar char=""/>
+              <a:defRPr sz="1400" kern="1200" cap="none">
+                <a:solidFill>
+                  <a:schemeClr val="bg2">
+                    <a:lumMod val="75000"/>
+                  </a:schemeClr>
+                </a:solidFill>
+                <a:effectLst/>
+                <a:latin typeface="+mn-lt"/>
+                <a:ea typeface="+mn-ea"/>
+                <a:cs typeface="+mn-cs"/>
+              </a:defRPr>
+            </a:lvl6pPr>
+            <a:lvl7pPr marL="2971800" indent="-228600" algn="l" defTabSz="457200" rtl="0" eaLnBrk="1" latinLnBrk="0" hangingPunct="1">
+              <a:spcBef>
+                <a:spcPct val="20000"/>
+              </a:spcBef>
+              <a:spcAft>
+                <a:spcPts val="600"/>
+              </a:spcAft>
+              <a:buClr>
+                <a:schemeClr val="tx1"/>
+              </a:buClr>
+              <a:buSzPct val="80000"/>
+              <a:buFont typeface="Wingdings 3" panose="05040102010807070707" pitchFamily="18" charset="2"/>
+              <a:buChar char=""/>
+              <a:defRPr sz="1400" kern="1200" cap="none">
+                <a:solidFill>
+                  <a:schemeClr val="bg2">
+                    <a:lumMod val="75000"/>
+                  </a:schemeClr>
+                </a:solidFill>
+                <a:effectLst/>
+                <a:latin typeface="+mn-lt"/>
+                <a:ea typeface="+mn-ea"/>
+                <a:cs typeface="+mn-cs"/>
+              </a:defRPr>
+            </a:lvl7pPr>
+            <a:lvl8pPr marL="3429000" indent="-228600" algn="l" defTabSz="457200" rtl="0" eaLnBrk="1" latinLnBrk="0" hangingPunct="1">
+              <a:spcBef>
+                <a:spcPct val="20000"/>
+              </a:spcBef>
+              <a:spcAft>
+                <a:spcPts val="600"/>
+              </a:spcAft>
+              <a:buClr>
+                <a:schemeClr val="tx1"/>
+              </a:buClr>
+              <a:buSzPct val="80000"/>
+              <a:buFont typeface="Wingdings 3" panose="05040102010807070707" pitchFamily="18" charset="2"/>
+              <a:buChar char=""/>
+              <a:defRPr sz="1400" kern="1200" cap="none">
+                <a:solidFill>
+                  <a:schemeClr val="bg2">
+                    <a:lumMod val="75000"/>
+                  </a:schemeClr>
+                </a:solidFill>
+                <a:effectLst/>
+                <a:latin typeface="+mn-lt"/>
+                <a:ea typeface="+mn-ea"/>
+                <a:cs typeface="+mn-cs"/>
+              </a:defRPr>
+            </a:lvl8pPr>
+            <a:lvl9pPr marL="3886200" indent="-228600" algn="l" defTabSz="457200" rtl="0" eaLnBrk="1" latinLnBrk="0" hangingPunct="1">
+              <a:spcBef>
+                <a:spcPct val="20000"/>
+              </a:spcBef>
+              <a:spcAft>
+                <a:spcPts val="600"/>
+              </a:spcAft>
+              <a:buClr>
+                <a:schemeClr val="tx1"/>
+              </a:buClr>
+              <a:buSzPct val="80000"/>
+              <a:buFont typeface="Wingdings 3" panose="05040102010807070707" pitchFamily="18" charset="2"/>
+              <a:buChar char=""/>
+              <a:defRPr sz="1400" kern="1200" cap="none">
+                <a:solidFill>
+                  <a:schemeClr val="bg2">
+                    <a:lumMod val="75000"/>
+                  </a:schemeClr>
+                </a:solidFill>
+                <a:effectLst/>
+                <a:latin typeface="+mn-lt"/>
+                <a:ea typeface="+mn-ea"/>
+                <a:cs typeface="+mn-cs"/>
+              </a:defRPr>
+            </a:lvl9pPr>
+          </a:lstStyle>
+          <a:p>
+            <a:pPr marL="0" indent="0">
+              <a:buNone/>
+            </a:pPr>
+            <a:r>
+              <a:rPr lang="en-GB" dirty="0">
+                <a:solidFill>
+                  <a:schemeClr val="tx1">
+                    <a:lumMod val="95000"/>
+                  </a:schemeClr>
+                </a:solidFill>
+              </a:rPr>
+              <a:t>http://artbud.pythonanywhere.com/artbud/</a:t>
+            </a:r>
+          </a:p>
+        </p:txBody>
+      </p:sp>
+    </p:spTree>
+    <p:extLst>
+      <p:ext uri="{BB962C8B-B14F-4D97-AF65-F5344CB8AC3E}">
+        <p14:creationId xmlns:p14="http://schemas.microsoft.com/office/powerpoint/2010/main" val="1021629387"/>
       </p:ext>
     </p:extLst>
   </p:cSld>
@@ -7174,7 +7334,7 @@
         </p:nvSpPr>
         <p:spPr>
           <a:xfrm>
-            <a:off x="601367" y="3929875"/>
+            <a:off x="210065" y="3769236"/>
             <a:ext cx="6858000" cy="1750484"/>
           </a:xfrm>
         </p:spPr>
@@ -7188,48 +7348,136 @@
               <a:rPr lang="en-GB" dirty="0">
                 <a:solidFill>
                   <a:schemeClr val="tx1">
-                    <a:lumMod val="75000"/>
+                    <a:lumMod val="95000"/>
                   </a:schemeClr>
                 </a:solidFill>
               </a:rPr>
-              <a:t>Dominik Bladek – 2144751b</a:t>
-            </a:r>
+              <a:t>Dominik Bladek – </a:t>
+            </a:r>
+            <a:r>
+              <a:rPr lang="en-GB" dirty="0" smtClean="0">
+                <a:solidFill>
+                  <a:schemeClr val="tx1">
+                    <a:lumMod val="95000"/>
+                  </a:schemeClr>
+                </a:solidFill>
+              </a:rPr>
+              <a:t>2144751b – HTML/CSS</a:t>
+            </a:r>
+            <a:endParaRPr lang="en-GB" dirty="0">
+              <a:solidFill>
+                <a:schemeClr val="tx1">
+                  <a:lumMod val="95000"/>
+                </a:schemeClr>
+              </a:solidFill>
+            </a:endParaRPr>
           </a:p>
           <a:p>
             <a:r>
               <a:rPr lang="en-GB" dirty="0">
                 <a:solidFill>
                   <a:schemeClr val="tx1">
-                    <a:lumMod val="75000"/>
+                    <a:lumMod val="95000"/>
                   </a:schemeClr>
                 </a:solidFill>
               </a:rPr>
-              <a:t>Giles Munn – 2227780m</a:t>
-            </a:r>
+              <a:t>Giles Munn – </a:t>
+            </a:r>
+            <a:r>
+              <a:rPr lang="en-GB" dirty="0" smtClean="0">
+                <a:solidFill>
+                  <a:schemeClr val="tx1">
+                    <a:lumMod val="95000"/>
+                  </a:schemeClr>
+                </a:solidFill>
+              </a:rPr>
+              <a:t>2227780m – </a:t>
+            </a:r>
+            <a:r>
+              <a:rPr lang="en-GB" dirty="0" err="1" smtClean="0">
+                <a:solidFill>
+                  <a:schemeClr val="tx1">
+                    <a:lumMod val="95000"/>
+                  </a:schemeClr>
+                </a:solidFill>
+              </a:rPr>
+              <a:t>Django</a:t>
+            </a:r>
+            <a:r>
+              <a:rPr lang="en-GB" dirty="0" smtClean="0">
+                <a:solidFill>
+                  <a:schemeClr val="tx1">
+                    <a:lumMod val="95000"/>
+                  </a:schemeClr>
+                </a:solidFill>
+              </a:rPr>
+              <a:t>/Python</a:t>
+            </a:r>
+            <a:endParaRPr lang="en-GB" dirty="0">
+              <a:solidFill>
+                <a:schemeClr val="tx1">
+                  <a:lumMod val="95000"/>
+                </a:schemeClr>
+              </a:solidFill>
+            </a:endParaRPr>
           </a:p>
           <a:p>
             <a:r>
               <a:rPr lang="en-GB" dirty="0">
                 <a:solidFill>
                   <a:schemeClr val="tx1">
-                    <a:lumMod val="75000"/>
+                    <a:lumMod val="95000"/>
                   </a:schemeClr>
                 </a:solidFill>
               </a:rPr>
-              <a:t>Charlie Parker – 2144176p</a:t>
-            </a:r>
+              <a:t>Charlie Parker – </a:t>
+            </a:r>
+            <a:r>
+              <a:rPr lang="en-GB" dirty="0" smtClean="0">
+                <a:solidFill>
+                  <a:schemeClr val="tx1">
+                    <a:lumMod val="95000"/>
+                  </a:schemeClr>
+                </a:solidFill>
+              </a:rPr>
+              <a:t>2144176p – Design Spec</a:t>
+            </a:r>
+            <a:endParaRPr lang="en-GB" dirty="0">
+              <a:solidFill>
+                <a:schemeClr val="tx1">
+                  <a:lumMod val="95000"/>
+                </a:schemeClr>
+              </a:solidFill>
+            </a:endParaRPr>
           </a:p>
           <a:p>
             <a:r>
               <a:rPr lang="en-GB" dirty="0">
                 <a:solidFill>
                   <a:schemeClr val="tx1">
-                    <a:lumMod val="75000"/>
+                    <a:lumMod val="95000"/>
                   </a:schemeClr>
                 </a:solidFill>
               </a:rPr>
-              <a:t>Andreas Klitis – 2141487k</a:t>
-            </a:r>
+              <a:t>Andreas Klitis – </a:t>
+            </a:r>
+            <a:r>
+              <a:rPr lang="en-GB" dirty="0" smtClean="0">
+                <a:solidFill>
+                  <a:schemeClr val="tx1">
+                    <a:lumMod val="95000"/>
+                  </a:schemeClr>
+                </a:solidFill>
+              </a:rPr>
+              <a:t>2141487k – Design spec</a:t>
+            </a:r>
+            <a:endParaRPr lang="en-GB" dirty="0">
+              <a:solidFill>
+                <a:schemeClr val="tx1">
+                  <a:lumMod val="95000"/>
+                </a:schemeClr>
+              </a:solidFill>
+            </a:endParaRPr>
           </a:p>
         </p:txBody>
       </p:sp>
@@ -7304,7 +7552,7 @@
               <a:rPr lang="en-GB" dirty="0">
                 <a:solidFill>
                   <a:schemeClr val="tx1">
-                    <a:lumMod val="85000"/>
+                    <a:lumMod val="95000"/>
                   </a:schemeClr>
                 </a:solidFill>
               </a:rPr>
@@ -7316,7 +7564,7 @@
               <a:rPr lang="en-GB" dirty="0">
                 <a:solidFill>
                   <a:schemeClr val="tx1">
-                    <a:lumMod val="85000"/>
+                    <a:lumMod val="95000"/>
                   </a:schemeClr>
                 </a:solidFill>
               </a:rPr>
@@ -7328,12 +7576,69 @@
               <a:rPr lang="en-GB" dirty="0">
                 <a:solidFill>
                   <a:schemeClr val="tx1">
-                    <a:lumMod val="85000"/>
+                    <a:lumMod val="95000"/>
                   </a:schemeClr>
                 </a:solidFill>
               </a:rPr>
-              <a:t>Others can then view art if they too are logged in and can contact the artist using the email address the artist used on signing up which is automatically displayed on their profile page.</a:t>
-            </a:r>
+              <a:t>Others can then view </a:t>
+            </a:r>
+            <a:r>
+              <a:rPr lang="en-GB" dirty="0" smtClean="0">
+                <a:solidFill>
+                  <a:schemeClr val="tx1">
+                    <a:lumMod val="95000"/>
+                  </a:schemeClr>
+                </a:solidFill>
+              </a:rPr>
+              <a:t>art, </a:t>
+            </a:r>
+            <a:r>
+              <a:rPr lang="en-GB" dirty="0">
+                <a:solidFill>
+                  <a:schemeClr val="tx1">
+                    <a:lumMod val="95000"/>
+                  </a:schemeClr>
+                </a:solidFill>
+              </a:rPr>
+              <a:t>if they too are logged </a:t>
+            </a:r>
+            <a:r>
+              <a:rPr lang="en-GB" dirty="0" smtClean="0">
+                <a:solidFill>
+                  <a:schemeClr val="tx1">
+                    <a:lumMod val="95000"/>
+                  </a:schemeClr>
+                </a:solidFill>
+              </a:rPr>
+              <a:t>in, </a:t>
+            </a:r>
+            <a:r>
+              <a:rPr lang="en-GB" dirty="0">
+                <a:solidFill>
+                  <a:schemeClr val="tx1">
+                    <a:lumMod val="95000"/>
+                  </a:schemeClr>
+                </a:solidFill>
+              </a:rPr>
+              <a:t>and can contact the artist using the email address the artist used on signing up which is automatically displayed on their profile </a:t>
+            </a:r>
+            <a:r>
+              <a:rPr lang="en-GB" dirty="0" smtClean="0">
+                <a:solidFill>
+                  <a:schemeClr val="tx1">
+                    <a:lumMod val="95000"/>
+                  </a:schemeClr>
+                </a:solidFill>
+              </a:rPr>
+              <a:t>page if they wish to purchase it.</a:t>
+            </a:r>
+            <a:endParaRPr lang="en-GB" dirty="0">
+              <a:solidFill>
+                <a:schemeClr val="tx1">
+                  <a:lumMod val="95000"/>
+                </a:schemeClr>
+              </a:solidFill>
+            </a:endParaRPr>
           </a:p>
         </p:txBody>
       </p:sp>
@@ -7379,7 +7684,7 @@
             <p:ph idx="1"/>
             <p:extLst>
               <p:ext uri="{D42A27DB-BD31-4B8C-83A1-F6EECF244321}">
-                <p14:modId xmlns:p14="http://schemas.microsoft.com/office/powerpoint/2010/main" val="3415423442"/>
+                <p14:modId xmlns:p14="http://schemas.microsoft.com/office/powerpoint/2010/main" val="358872852"/>
               </p:ext>
             </p:extLst>
           </p:nvPr>
@@ -9126,7 +9431,7 @@
   <a:extraClrSchemeLst/>
   <a:extLst>
     <a:ext uri="{05A4C25C-085E-4340-85A3-A5531E510DB2}">
-      <thm15:themeFamily xmlns:thm15="http://schemas.microsoft.com/office/thememl/2012/main" xmlns="" name="Slice" id="{0507925B-6AC9-4358-8E18-C330545D08F8}" vid="{13FEC7C6-62A9-40C4-99D2-581AACACAA2F}"/>
+      <thm15:themeFamily xmlns="" xmlns:thm15="http://schemas.microsoft.com/office/thememl/2012/main" name="Slice" id="{0507925B-6AC9-4358-8E18-C330545D08F8}" vid="{13FEC7C6-62A9-40C4-99D2-581AACACAA2F}"/>
     </a:ext>
   </a:extLst>
 </a:theme>
